--- a/Study/statistics/PPT/62. 이원배치 분산분석.pptx
+++ b/Study/statistics/PPT/62. 이원배치 분산분석.pptx
@@ -10,6 +10,10 @@
     <p:sldId id="258" r:id="rId4"/>
     <p:sldId id="259" r:id="rId5"/>
     <p:sldId id="260" r:id="rId6"/>
+    <p:sldId id="261" r:id="rId7"/>
+    <p:sldId id="262" r:id="rId8"/>
+    <p:sldId id="263" r:id="rId9"/>
+    <p:sldId id="264" r:id="rId10"/>
   </p:sldIdLst>
   <p:sldSz cx="12192000" cy="6858000"/>
   <p:notesSz cx="6858000" cy="9144000"/>
@@ -3726,29 +3730,17 @@
                 </a:r>
                 <a14:m>
                   <m:oMath xmlns:m="http://schemas.openxmlformats.org/officeDocument/2006/math">
-                    <m:acc>
-                      <m:accPr>
-                        <m:chr m:val="̅"/>
-                        <m:ctrlPr>
-                          <a:rPr lang="ko-KR" altLang="en-US" sz="2000" i="1" smtClean="0">
-                            <a:latin typeface="Cambria Math" panose="02040503050406030204" pitchFamily="18" charset="0"/>
-                          </a:rPr>
-                        </m:ctrlPr>
-                      </m:accPr>
-                      <m:e>
-                        <m:r>
-                          <a:rPr lang="ko-KR" altLang="en-US" sz="2000" i="1" smtClean="0">
-                            <a:latin typeface="Cambria Math" panose="02040503050406030204" pitchFamily="18" charset="0"/>
-                          </a:rPr>
-                          <m:t>𝜇</m:t>
-                        </m:r>
-                      </m:e>
-                    </m:acc>
                     <m:r>
-                      <a:rPr lang="en-US" altLang="ko-KR" sz="2000" b="0" i="1" smtClean="0">
+                      <a:rPr lang="ko-KR" altLang="en-US" sz="2000" i="1">
                         <a:latin typeface="Cambria Math" panose="02040503050406030204" pitchFamily="18" charset="0"/>
                       </a:rPr>
-                      <m:t>+(</m:t>
+                      <m:t>𝜇</m:t>
+                    </m:r>
+                    <m:r>
+                      <a:rPr lang="ko-KR" altLang="en-US" sz="2000" i="1">
+                        <a:latin typeface="Cambria Math" panose="02040503050406030204" pitchFamily="18" charset="0"/>
+                      </a:rPr>
+                      <m:t> +(</m:t>
                     </m:r>
                     <m:acc>
                       <m:accPr>
@@ -4142,8 +4134,8 @@
           </a:p>
         </p:txBody>
       </p:sp>
-      <mc:AlternateContent xmlns:mc="http://schemas.openxmlformats.org/markup-compatibility/2006">
-        <mc:Choice xmlns:a14="http://schemas.microsoft.com/office/drawing/2010/main" Requires="a14">
+      <mc:AlternateContent xmlns:mc="http://schemas.openxmlformats.org/markup-compatibility/2006" xmlns:a14="http://schemas.microsoft.com/office/drawing/2010/main">
+        <mc:Choice Requires="a14">
           <p:sp>
             <p:nvSpPr>
               <p:cNvPr id="3" name="내용 개체 틀 2">
@@ -4639,7 +4631,7 @@
             </p:txBody>
           </p:sp>
         </mc:Choice>
-        <mc:Fallback>
+        <mc:Fallback xmlns="">
           <p:sp>
             <p:nvSpPr>
               <p:cNvPr id="3" name="내용 개체 틀 2">
@@ -4679,8 +4671,8 @@
           </p:sp>
         </mc:Fallback>
       </mc:AlternateContent>
-      <mc:AlternateContent xmlns:mc="http://schemas.openxmlformats.org/markup-compatibility/2006">
-        <mc:Choice xmlns:a14="http://schemas.microsoft.com/office/drawing/2010/main" Requires="a14">
+      <mc:AlternateContent xmlns:mc="http://schemas.openxmlformats.org/markup-compatibility/2006" xmlns:a14="http://schemas.microsoft.com/office/drawing/2010/main">
+        <mc:Choice Requires="a14">
           <p:graphicFrame>
             <p:nvGraphicFramePr>
               <p:cNvPr id="5" name="표 4">
@@ -5372,13 +5364,7 @@
                                           <a:rPr lang="en-US" altLang="ko-KR" sz="1800" b="0" i="1" smtClean="0">
                                             <a:latin typeface="Cambria Math" panose="02040503050406030204" pitchFamily="18" charset="0"/>
                                           </a:rPr>
-                                          <m:t>=</m:t>
-                                        </m:r>
-                                        <m:r>
-                                          <a:rPr lang="en-US" altLang="ko-KR" sz="1800" b="0" i="1" smtClean="0">
-                                            <a:latin typeface="Cambria Math" panose="02040503050406030204" pitchFamily="18" charset="0"/>
-                                          </a:rPr>
-                                          <m:t>2</m:t>
+                                          <m:t>=2</m:t>
                                         </m:r>
                                       </m:sub>
                                     </m:sSub>
@@ -5473,13 +5459,7 @@
                                           <a:rPr lang="en-US" altLang="ko-KR" sz="1800" b="0" i="1" smtClean="0">
                                             <a:latin typeface="Cambria Math" panose="02040503050406030204" pitchFamily="18" charset="0"/>
                                           </a:rPr>
-                                          <m:t>=</m:t>
-                                        </m:r>
-                                        <m:r>
-                                          <a:rPr lang="en-US" altLang="ko-KR" sz="1800" b="0" i="1" smtClean="0">
-                                            <a:latin typeface="Cambria Math" panose="02040503050406030204" pitchFamily="18" charset="0"/>
-                                          </a:rPr>
-                                          <m:t>1</m:t>
+                                          <m:t>=1</m:t>
                                         </m:r>
                                       </m:sub>
                                     </m:sSub>
@@ -5605,13 +5585,7 @@
                                           <a:rPr lang="en-US" altLang="ko-KR" sz="1800" b="0" i="1" smtClean="0">
                                             <a:latin typeface="Cambria Math" panose="02040503050406030204" pitchFamily="18" charset="0"/>
                                           </a:rPr>
-                                          <m:t>=</m:t>
-                                        </m:r>
-                                        <m:r>
-                                          <a:rPr lang="en-US" altLang="ko-KR" sz="1800" b="0" i="1" smtClean="0">
-                                            <a:latin typeface="Cambria Math" panose="02040503050406030204" pitchFamily="18" charset="0"/>
-                                          </a:rPr>
-                                          <m:t>3</m:t>
+                                          <m:t>=3</m:t>
                                         </m:r>
                                       </m:sub>
                                     </m:sSub>
@@ -5674,7 +5648,7 @@
             </a:graphic>
           </p:graphicFrame>
         </mc:Choice>
-        <mc:Fallback>
+        <mc:Fallback xmlns="">
           <p:graphicFrame>
             <p:nvGraphicFramePr>
               <p:cNvPr id="5" name="표 4">
@@ -6296,8 +6270,8 @@
           </a:p>
         </p:txBody>
       </p:sp>
-      <mc:AlternateContent xmlns:mc="http://schemas.openxmlformats.org/markup-compatibility/2006">
-        <mc:Choice xmlns:a14="http://schemas.microsoft.com/office/drawing/2010/main" Requires="a14">
+      <mc:AlternateContent xmlns:mc="http://schemas.openxmlformats.org/markup-compatibility/2006" xmlns:a14="http://schemas.microsoft.com/office/drawing/2010/main">
+        <mc:Choice Requires="a14">
           <p:sp>
             <p:nvSpPr>
               <p:cNvPr id="3" name="내용 개체 틀 2">
@@ -8011,7 +7985,7 @@
             </p:txBody>
           </p:sp>
         </mc:Choice>
-        <mc:Fallback>
+        <mc:Fallback xmlns="">
           <p:sp>
             <p:nvSpPr>
               <p:cNvPr id="3" name="내용 개체 틀 2">
@@ -8266,7 +8240,7 @@
                     <m:sSup>
                       <m:sSupPr>
                         <m:ctrlPr>
-                          <a:rPr lang="en-US" altLang="ko-KR" sz="2000" b="0" smtClean="0">
+                          <a:rPr lang="en-US" altLang="ko-KR" sz="2000" b="0" i="1" smtClean="0">
                             <a:latin typeface="Cambria Math" panose="02040503050406030204" pitchFamily="18" charset="0"/>
                           </a:rPr>
                         </m:ctrlPr>
@@ -8275,7 +8249,7 @@
                         <m:d>
                           <m:dPr>
                             <m:ctrlPr>
-                              <a:rPr lang="en-US" altLang="ko-KR" sz="2000" b="0" smtClean="0">
+                              <a:rPr lang="en-US" altLang="ko-KR" sz="2000" b="0" i="1" smtClean="0">
                                 <a:latin typeface="Cambria Math" panose="02040503050406030204" pitchFamily="18" charset="0"/>
                               </a:rPr>
                             </m:ctrlPr>
@@ -8284,7 +8258,7 @@
                             <m:f>
                               <m:fPr>
                                 <m:ctrlPr>
-                                  <a:rPr lang="en-US" altLang="ko-KR" sz="2000" b="0" smtClean="0">
+                                  <a:rPr lang="en-US" altLang="ko-KR" sz="2000" b="0" i="1" smtClean="0">
                                     <a:latin typeface="Cambria Math" panose="02040503050406030204" pitchFamily="18" charset="0"/>
                                   </a:rPr>
                                 </m:ctrlPr>
@@ -8293,7 +8267,7 @@
                                 <m:sSub>
                                   <m:sSubPr>
                                     <m:ctrlPr>
-                                      <a:rPr lang="ko-KR" altLang="en-US" sz="2000" smtClean="0">
+                                      <a:rPr lang="ko-KR" altLang="en-US" sz="2000" i="1" smtClean="0">
                                         <a:latin typeface="Cambria Math" panose="02040503050406030204" pitchFamily="18" charset="0"/>
                                       </a:rPr>
                                     </m:ctrlPr>
@@ -8326,7 +8300,7 @@
                                 <m:sSub>
                                   <m:sSubPr>
                                     <m:ctrlPr>
-                                      <a:rPr lang="ko-KR" altLang="en-US" sz="2000" smtClean="0">
+                                      <a:rPr lang="ko-KR" altLang="en-US" sz="2000" i="1" smtClean="0">
                                         <a:latin typeface="Cambria Math" panose="02040503050406030204" pitchFamily="18" charset="0"/>
                                       </a:rPr>
                                     </m:ctrlPr>
@@ -8363,7 +8337,7 @@
                         <m:f>
                           <m:fPr>
                             <m:ctrlPr>
-                              <a:rPr lang="en-US" altLang="ko-KR" sz="2000" b="0" smtClean="0">
+                              <a:rPr lang="en-US" altLang="ko-KR" sz="2000" b="0" i="1" smtClean="0">
                                 <a:latin typeface="Cambria Math" panose="02040503050406030204" pitchFamily="18" charset="0"/>
                               </a:rPr>
                             </m:ctrlPr>
@@ -8403,7 +8377,7 @@
                     <m:f>
                       <m:fPr>
                         <m:ctrlPr>
-                          <a:rPr lang="en-US" altLang="ko-KR" sz="2000" b="0" smtClean="0">
+                          <a:rPr lang="en-US" altLang="ko-KR" sz="2000" b="0" i="1" smtClean="0">
                             <a:latin typeface="Cambria Math" panose="02040503050406030204" pitchFamily="18" charset="0"/>
                           </a:rPr>
                         </m:ctrlPr>
@@ -8413,7 +8387,7 @@
                           <m:fPr>
                             <m:type m:val="skw"/>
                             <m:ctrlPr>
-                              <a:rPr lang="en-US" altLang="ko-KR" sz="2000" b="0" smtClean="0">
+                              <a:rPr lang="en-US" altLang="ko-KR" sz="2000" b="0" i="1" smtClean="0">
                                 <a:latin typeface="Cambria Math" panose="02040503050406030204" pitchFamily="18" charset="0"/>
                               </a:rPr>
                             </m:ctrlPr>
@@ -8422,7 +8396,7 @@
                             <m:sSub>
                               <m:sSubPr>
                                 <m:ctrlPr>
-                                  <a:rPr lang="ko-KR" altLang="en-US" sz="2000" smtClean="0">
+                                  <a:rPr lang="ko-KR" altLang="en-US" sz="2000" i="1" smtClean="0">
                                     <a:latin typeface="Cambria Math" panose="02040503050406030204" pitchFamily="18" charset="0"/>
                                   </a:rPr>
                                 </m:ctrlPr>
@@ -8478,7 +8452,7 @@
                           <m:fPr>
                             <m:type m:val="skw"/>
                             <m:ctrlPr>
-                              <a:rPr lang="en-US" altLang="ko-KR" sz="2000" b="0" smtClean="0">
+                              <a:rPr lang="en-US" altLang="ko-KR" sz="2000" b="0" i="1" smtClean="0">
                                 <a:latin typeface="Cambria Math" panose="02040503050406030204" pitchFamily="18" charset="0"/>
                               </a:rPr>
                             </m:ctrlPr>
@@ -8487,7 +8461,7 @@
                             <m:sSub>
                               <m:sSubPr>
                                 <m:ctrlPr>
-                                  <a:rPr lang="ko-KR" altLang="en-US" sz="2000" smtClean="0">
+                                  <a:rPr lang="ko-KR" altLang="en-US" sz="2000" i="1" smtClean="0">
                                     <a:latin typeface="Cambria Math" panose="02040503050406030204" pitchFamily="18" charset="0"/>
                                   </a:rPr>
                                 </m:ctrlPr>
@@ -10119,11 +10093,490 @@
                   <a:t>추정량이다</a:t>
                 </a:r>
                 <a:r>
-                  <a:rPr lang="en-US" altLang="ko-KR" sz="2000">
+                  <a:rPr lang="en-US" altLang="ko-KR" sz="2000" dirty="0">
                     <a:latin typeface="Cambria Math" panose="02040503050406030204" pitchFamily="18" charset="0"/>
                   </a:rPr>
                   <a:t>.</a:t>
                 </a:r>
+              </a:p>
+              <a:p>
+                <a:pPr>
+                  <a:buFontTx/>
+                  <a:buChar char="-"/>
+                </a:pPr>
+                <a:r>
+                  <a:rPr lang="ko-KR" altLang="en-US" sz="2000" dirty="0">
+                    <a:latin typeface="Cambria Math" panose="02040503050406030204" pitchFamily="18" charset="0"/>
+                  </a:rPr>
+                  <a:t>이를 이용하여 </a:t>
+                </a:r>
+                <a:r>
+                  <a:rPr lang="ko-KR" altLang="en-US" sz="2000" dirty="0" err="1">
+                    <a:latin typeface="Cambria Math" panose="02040503050406030204" pitchFamily="18" charset="0"/>
+                  </a:rPr>
+                  <a:t>우도비를</a:t>
+                </a:r>
+                <a:r>
+                  <a:rPr lang="ko-KR" altLang="en-US" sz="2000" dirty="0">
+                    <a:latin typeface="Cambria Math" panose="02040503050406030204" pitchFamily="18" charset="0"/>
+                  </a:rPr>
+                  <a:t> 정의하면</a:t>
+                </a:r>
+                <a:br>
+                  <a:rPr lang="en-US" altLang="ko-KR" sz="2000" dirty="0">
+                    <a:latin typeface="Cambria Math" panose="02040503050406030204" pitchFamily="18" charset="0"/>
+                  </a:rPr>
+                </a:br>
+                <a14:m>
+                  <m:oMath xmlns:m="http://schemas.openxmlformats.org/officeDocument/2006/math">
+                    <m:r>
+                      <a:rPr lang="en-US" altLang="ko-KR" sz="2000">
+                        <a:latin typeface="Cambria Math" panose="02040503050406030204" pitchFamily="18" charset="0"/>
+                      </a:rPr>
+                      <m:t>∧</m:t>
+                    </m:r>
+                  </m:oMath>
+                </a14:m>
+                <a:r>
+                  <a:rPr lang="en-US" altLang="ko-KR" sz="2000" dirty="0">
+                    <a:latin typeface="Cambria Math" panose="02040503050406030204" pitchFamily="18" charset="0"/>
+                  </a:rPr>
+                  <a:t> = </a:t>
+                </a:r>
+                <a14:m>
+                  <m:oMath xmlns:m="http://schemas.openxmlformats.org/officeDocument/2006/math">
+                    <m:sSup>
+                      <m:sSupPr>
+                        <m:ctrlPr>
+                          <a:rPr lang="en-US" altLang="ko-KR" sz="2000" i="1">
+                            <a:latin typeface="Cambria Math" panose="02040503050406030204" pitchFamily="18" charset="0"/>
+                          </a:rPr>
+                        </m:ctrlPr>
+                      </m:sSupPr>
+                      <m:e>
+                        <m:d>
+                          <m:dPr>
+                            <m:ctrlPr>
+                              <a:rPr lang="en-US" altLang="ko-KR" sz="2000" i="1">
+                                <a:latin typeface="Cambria Math" panose="02040503050406030204" pitchFamily="18" charset="0"/>
+                              </a:rPr>
+                            </m:ctrlPr>
+                          </m:dPr>
+                          <m:e>
+                            <m:f>
+                              <m:fPr>
+                                <m:ctrlPr>
+                                  <a:rPr lang="en-US" altLang="ko-KR" sz="2000" i="1">
+                                    <a:latin typeface="Cambria Math" panose="02040503050406030204" pitchFamily="18" charset="0"/>
+                                  </a:rPr>
+                                </m:ctrlPr>
+                              </m:fPr>
+                              <m:num>
+                                <m:sSup>
+                                  <m:sSupPr>
+                                    <m:ctrlPr>
+                                      <a:rPr lang="en-US" altLang="ko-KR" sz="2000" i="1">
+                                        <a:latin typeface="Cambria Math" panose="02040503050406030204" pitchFamily="18" charset="0"/>
+                                      </a:rPr>
+                                    </m:ctrlPr>
+                                  </m:sSupPr>
+                                  <m:e>
+                                    <m:sSub>
+                                      <m:sSubPr>
+                                        <m:ctrlPr>
+                                          <a:rPr lang="ko-KR" altLang="en-US" sz="2000" i="1">
+                                            <a:latin typeface="Cambria Math" panose="02040503050406030204" pitchFamily="18" charset="0"/>
+                                          </a:rPr>
+                                        </m:ctrlPr>
+                                      </m:sSubPr>
+                                      <m:e>
+                                        <m:r>
+                                          <a:rPr lang="ko-KR" altLang="en-US" sz="2000" i="1">
+                                            <a:latin typeface="Cambria Math" panose="02040503050406030204" pitchFamily="18" charset="0"/>
+                                          </a:rPr>
+                                          <m:t>𝜎</m:t>
+                                        </m:r>
+                                      </m:e>
+                                      <m:sub>
+                                        <m:r>
+                                          <a:rPr lang="en-US" altLang="ko-KR" sz="2000" i="1">
+                                            <a:latin typeface="Cambria Math" panose="02040503050406030204" pitchFamily="18" charset="0"/>
+                                          </a:rPr>
+                                          <m:t>𝛺</m:t>
+                                        </m:r>
+                                      </m:sub>
+                                    </m:sSub>
+                                  </m:e>
+                                  <m:sup>
+                                    <m:r>
+                                      <a:rPr lang="en-US" altLang="ko-KR" sz="2000" i="1">
+                                        <a:latin typeface="Cambria Math" panose="02040503050406030204" pitchFamily="18" charset="0"/>
+                                      </a:rPr>
+                                      <m:t>2</m:t>
+                                    </m:r>
+                                  </m:sup>
+                                </m:sSup>
+                              </m:num>
+                              <m:den>
+                                <m:sSup>
+                                  <m:sSupPr>
+                                    <m:ctrlPr>
+                                      <a:rPr lang="en-US" altLang="ko-KR" sz="2000" i="1">
+                                        <a:latin typeface="Cambria Math" panose="02040503050406030204" pitchFamily="18" charset="0"/>
+                                      </a:rPr>
+                                    </m:ctrlPr>
+                                  </m:sSupPr>
+                                  <m:e>
+                                    <m:sSub>
+                                      <m:sSubPr>
+                                        <m:ctrlPr>
+                                          <a:rPr lang="ko-KR" altLang="en-US" sz="2000" i="1">
+                                            <a:latin typeface="Cambria Math" panose="02040503050406030204" pitchFamily="18" charset="0"/>
+                                          </a:rPr>
+                                        </m:ctrlPr>
+                                      </m:sSubPr>
+                                      <m:e>
+                                        <m:r>
+                                          <a:rPr lang="ko-KR" altLang="en-US" sz="2000" i="1">
+                                            <a:latin typeface="Cambria Math" panose="02040503050406030204" pitchFamily="18" charset="0"/>
+                                          </a:rPr>
+                                          <m:t>𝜎</m:t>
+                                        </m:r>
+                                      </m:e>
+                                      <m:sub>
+                                        <m:r>
+                                          <a:rPr lang="en-US" altLang="ko-KR" sz="2000" i="1">
+                                            <a:latin typeface="Cambria Math" panose="02040503050406030204" pitchFamily="18" charset="0"/>
+                                          </a:rPr>
+                                          <m:t>𝑤</m:t>
+                                        </m:r>
+                                      </m:sub>
+                                    </m:sSub>
+                                  </m:e>
+                                  <m:sup>
+                                    <m:r>
+                                      <a:rPr lang="en-US" altLang="ko-KR" sz="2000" i="1">
+                                        <a:latin typeface="Cambria Math" panose="02040503050406030204" pitchFamily="18" charset="0"/>
+                                      </a:rPr>
+                                      <m:t>2</m:t>
+                                    </m:r>
+                                  </m:sup>
+                                </m:sSup>
+                              </m:den>
+                            </m:f>
+                          </m:e>
+                        </m:d>
+                      </m:e>
+                      <m:sup>
+                        <m:f>
+                          <m:fPr>
+                            <m:ctrlPr>
+                              <a:rPr lang="en-US" altLang="ko-KR" sz="2000" i="1">
+                                <a:latin typeface="Cambria Math" panose="02040503050406030204" pitchFamily="18" charset="0"/>
+                              </a:rPr>
+                            </m:ctrlPr>
+                          </m:fPr>
+                          <m:num>
+                            <m:r>
+                              <m:rPr>
+                                <m:sty m:val="p"/>
+                              </m:rPr>
+                              <a:rPr lang="en-US" altLang="ko-KR" sz="2000">
+                                <a:latin typeface="Cambria Math" panose="02040503050406030204" pitchFamily="18" charset="0"/>
+                              </a:rPr>
+                              <m:t>ab</m:t>
+                            </m:r>
+                          </m:num>
+                          <m:den>
+                            <m:r>
+                              <a:rPr lang="en-US" altLang="ko-KR" sz="2000">
+                                <a:latin typeface="Cambria Math" panose="02040503050406030204" pitchFamily="18" charset="0"/>
+                              </a:rPr>
+                              <m:t>2</m:t>
+                            </m:r>
+                          </m:den>
+                        </m:f>
+                      </m:sup>
+                    </m:sSup>
+                  </m:oMath>
+                </a14:m>
+                <a:r>
+                  <a:rPr lang="en-US" altLang="ko-KR" sz="2000" dirty="0">
+                    <a:latin typeface="Cambria Math" panose="02040503050406030204" pitchFamily="18" charset="0"/>
+                  </a:rPr>
+                  <a:t>=</a:t>
+                </a:r>
+                <a:r>
+                  <a:rPr lang="en-US" altLang="ko-KR" sz="2000" dirty="0"/>
+                  <a:t> </a:t>
+                </a:r>
+                <a14:m>
+                  <m:oMath xmlns:m="http://schemas.openxmlformats.org/officeDocument/2006/math">
+                    <m:f>
+                      <m:fPr>
+                        <m:ctrlPr>
+                          <a:rPr lang="en-US" altLang="ko-KR" sz="2000" i="1" smtClean="0">
+                            <a:latin typeface="Cambria Math" panose="02040503050406030204" pitchFamily="18" charset="0"/>
+                          </a:rPr>
+                        </m:ctrlPr>
+                      </m:fPr>
+                      <m:num>
+                        <m:sSub>
+                          <m:sSubPr>
+                            <m:ctrlPr>
+                              <a:rPr lang="en-US" altLang="ko-KR" sz="2000" i="1">
+                                <a:latin typeface="Cambria Math" panose="02040503050406030204" pitchFamily="18" charset="0"/>
+                              </a:rPr>
+                            </m:ctrlPr>
+                          </m:sSubPr>
+                          <m:e>
+                            <m:r>
+                              <a:rPr lang="en-US" altLang="ko-KR" sz="2000" i="1">
+                                <a:latin typeface="Cambria Math" panose="02040503050406030204" pitchFamily="18" charset="0"/>
+                              </a:rPr>
+                              <m:t>𝑄</m:t>
+                            </m:r>
+                          </m:e>
+                          <m:sub>
+                            <m:r>
+                              <a:rPr lang="en-US" altLang="ko-KR" sz="2000" i="1">
+                                <a:latin typeface="Cambria Math" panose="02040503050406030204" pitchFamily="18" charset="0"/>
+                              </a:rPr>
+                              <m:t>5</m:t>
+                            </m:r>
+                          </m:sub>
+                        </m:sSub>
+                      </m:num>
+                      <m:den>
+                        <m:sSub>
+                          <m:sSubPr>
+                            <m:ctrlPr>
+                              <a:rPr lang="en-US" altLang="ko-KR" sz="2000" i="1">
+                                <a:latin typeface="Cambria Math" panose="02040503050406030204" pitchFamily="18" charset="0"/>
+                              </a:rPr>
+                            </m:ctrlPr>
+                          </m:sSubPr>
+                          <m:e>
+                            <m:sSub>
+                              <m:sSubPr>
+                                <m:ctrlPr>
+                                  <a:rPr lang="en-US" altLang="ko-KR" sz="2000" i="1">
+                                    <a:latin typeface="Cambria Math" panose="02040503050406030204" pitchFamily="18" charset="0"/>
+                                  </a:rPr>
+                                </m:ctrlPr>
+                              </m:sSubPr>
+                              <m:e>
+                                <m:r>
+                                  <a:rPr lang="en-US" altLang="ko-KR" sz="2000" i="1">
+                                    <a:latin typeface="Cambria Math" panose="02040503050406030204" pitchFamily="18" charset="0"/>
+                                  </a:rPr>
+                                  <m:t>𝑄</m:t>
+                                </m:r>
+                              </m:e>
+                              <m:sub>
+                                <m:r>
+                                  <a:rPr lang="en-US" altLang="ko-KR" sz="2000" i="1">
+                                    <a:latin typeface="Cambria Math" panose="02040503050406030204" pitchFamily="18" charset="0"/>
+                                  </a:rPr>
+                                  <m:t>4</m:t>
+                                </m:r>
+                              </m:sub>
+                            </m:sSub>
+                            <m:r>
+                              <a:rPr lang="en-US" altLang="ko-KR" sz="2000" i="1">
+                                <a:latin typeface="Cambria Math" panose="02040503050406030204" pitchFamily="18" charset="0"/>
+                              </a:rPr>
+                              <m:t>+</m:t>
+                            </m:r>
+                            <m:r>
+                              <a:rPr lang="en-US" altLang="ko-KR" sz="2000" i="1">
+                                <a:latin typeface="Cambria Math" panose="02040503050406030204" pitchFamily="18" charset="0"/>
+                              </a:rPr>
+                              <m:t>𝑄</m:t>
+                            </m:r>
+                          </m:e>
+                          <m:sub>
+                            <m:r>
+                              <a:rPr lang="en-US" altLang="ko-KR" sz="2000" i="1">
+                                <a:latin typeface="Cambria Math" panose="02040503050406030204" pitchFamily="18" charset="0"/>
+                              </a:rPr>
+                              <m:t>5</m:t>
+                            </m:r>
+                          </m:sub>
+                        </m:sSub>
+                      </m:den>
+                    </m:f>
+                  </m:oMath>
+                </a14:m>
+                <a:r>
+                  <a:rPr lang="en-US" altLang="ko-KR" sz="2000" dirty="0">
+                    <a:latin typeface="Cambria Math" panose="02040503050406030204" pitchFamily="18" charset="0"/>
+                  </a:rPr>
+                  <a:t> = </a:t>
+                </a:r>
+                <a14:m>
+                  <m:oMath xmlns:m="http://schemas.openxmlformats.org/officeDocument/2006/math">
+                    <m:f>
+                      <m:fPr>
+                        <m:ctrlPr>
+                          <a:rPr lang="en-US" altLang="ko-KR" sz="2000" b="0" i="1" smtClean="0">
+                            <a:latin typeface="Cambria Math" panose="02040503050406030204" pitchFamily="18" charset="0"/>
+                          </a:rPr>
+                        </m:ctrlPr>
+                      </m:fPr>
+                      <m:num>
+                        <m:sSub>
+                          <m:sSubPr>
+                            <m:ctrlPr>
+                              <a:rPr lang="en-US" altLang="ko-KR" sz="2000" i="1">
+                                <a:latin typeface="Cambria Math" panose="02040503050406030204" pitchFamily="18" charset="0"/>
+                              </a:rPr>
+                            </m:ctrlPr>
+                          </m:sSubPr>
+                          <m:e>
+                            <m:r>
+                              <a:rPr lang="en-US" altLang="ko-KR" sz="2000" i="1">
+                                <a:latin typeface="Cambria Math" panose="02040503050406030204" pitchFamily="18" charset="0"/>
+                              </a:rPr>
+                              <m:t>𝑄</m:t>
+                            </m:r>
+                          </m:e>
+                          <m:sub>
+                            <m:r>
+                              <a:rPr lang="en-US" altLang="ko-KR" sz="2000" i="1">
+                                <a:latin typeface="Cambria Math" panose="02040503050406030204" pitchFamily="18" charset="0"/>
+                              </a:rPr>
+                              <m:t>4</m:t>
+                            </m:r>
+                          </m:sub>
+                        </m:sSub>
+                        <m:r>
+                          <a:rPr lang="en-US" altLang="ko-KR" sz="2000" b="0" i="1" smtClean="0">
+                            <a:latin typeface="Cambria Math" panose="02040503050406030204" pitchFamily="18" charset="0"/>
+                          </a:rPr>
+                          <m:t>/(</m:t>
+                        </m:r>
+                        <m:r>
+                          <a:rPr lang="en-US" altLang="ko-KR" sz="2000" b="0" i="1" smtClean="0">
+                            <a:latin typeface="Cambria Math" panose="02040503050406030204" pitchFamily="18" charset="0"/>
+                          </a:rPr>
+                          <m:t>𝑏</m:t>
+                        </m:r>
+                        <m:r>
+                          <a:rPr lang="en-US" altLang="ko-KR" sz="2000" b="0" i="1" smtClean="0">
+                            <a:latin typeface="Cambria Math" panose="02040503050406030204" pitchFamily="18" charset="0"/>
+                          </a:rPr>
+                          <m:t>−1)</m:t>
+                        </m:r>
+                      </m:num>
+                      <m:den>
+                        <m:sSub>
+                          <m:sSubPr>
+                            <m:ctrlPr>
+                              <a:rPr lang="en-US" altLang="ko-KR" sz="2000" i="1">
+                                <a:latin typeface="Cambria Math" panose="02040503050406030204" pitchFamily="18" charset="0"/>
+                              </a:rPr>
+                            </m:ctrlPr>
+                          </m:sSubPr>
+                          <m:e>
+                            <m:r>
+                              <a:rPr lang="en-US" altLang="ko-KR" sz="2000" i="1">
+                                <a:latin typeface="Cambria Math" panose="02040503050406030204" pitchFamily="18" charset="0"/>
+                              </a:rPr>
+                              <m:t>𝑄</m:t>
+                            </m:r>
+                          </m:e>
+                          <m:sub>
+                            <m:r>
+                              <a:rPr lang="en-US" altLang="ko-KR" sz="2000" i="1">
+                                <a:latin typeface="Cambria Math" panose="02040503050406030204" pitchFamily="18" charset="0"/>
+                              </a:rPr>
+                              <m:t>5</m:t>
+                            </m:r>
+                          </m:sub>
+                        </m:sSub>
+                        <m:r>
+                          <a:rPr lang="en-US" altLang="ko-KR" sz="2000" b="0" i="1" smtClean="0">
+                            <a:latin typeface="Cambria Math" panose="02040503050406030204" pitchFamily="18" charset="0"/>
+                          </a:rPr>
+                          <m:t>/(</m:t>
+                        </m:r>
+                        <m:r>
+                          <a:rPr lang="en-US" altLang="ko-KR" sz="2000" b="0" i="1" smtClean="0">
+                            <a:latin typeface="Cambria Math" panose="02040503050406030204" pitchFamily="18" charset="0"/>
+                          </a:rPr>
+                          <m:t>𝑎</m:t>
+                        </m:r>
+                        <m:r>
+                          <a:rPr lang="en-US" altLang="ko-KR" sz="2000" b="0" i="1" smtClean="0">
+                            <a:latin typeface="Cambria Math" panose="02040503050406030204" pitchFamily="18" charset="0"/>
+                          </a:rPr>
+                          <m:t>−1)(</m:t>
+                        </m:r>
+                        <m:r>
+                          <a:rPr lang="en-US" altLang="ko-KR" sz="2000" b="0" i="1" smtClean="0">
+                            <a:latin typeface="Cambria Math" panose="02040503050406030204" pitchFamily="18" charset="0"/>
+                          </a:rPr>
+                          <m:t>𝑏</m:t>
+                        </m:r>
+                        <m:r>
+                          <a:rPr lang="en-US" altLang="ko-KR" sz="2000" b="0" i="1" smtClean="0">
+                            <a:latin typeface="Cambria Math" panose="02040503050406030204" pitchFamily="18" charset="0"/>
+                          </a:rPr>
+                          <m:t>−1)</m:t>
+                        </m:r>
+                      </m:den>
+                    </m:f>
+                  </m:oMath>
+                </a14:m>
+                <a:r>
+                  <a:rPr lang="en-US" altLang="ko-KR" sz="2000" dirty="0">
+                    <a:latin typeface="Cambria Math" panose="02040503050406030204" pitchFamily="18" charset="0"/>
+                  </a:rPr>
+                  <a:t> </a:t>
+                </a:r>
+                <a:r>
+                  <a:rPr lang="ko-KR" altLang="en-US" sz="2000" dirty="0">
+                    <a:latin typeface="Cambria Math" panose="02040503050406030204" pitchFamily="18" charset="0"/>
+                  </a:rPr>
+                  <a:t>이고</a:t>
+                </a:r>
+                <a:r>
+                  <a:rPr lang="en-US" altLang="ko-KR" sz="2000" dirty="0">
+                    <a:latin typeface="Cambria Math" panose="02040503050406030204" pitchFamily="18" charset="0"/>
+                  </a:rPr>
+                  <a:t>, </a:t>
+                </a:r>
+                <a:r>
+                  <a:rPr lang="ko-KR" altLang="en-US" sz="2000" dirty="0">
+                    <a:latin typeface="Cambria Math" panose="02040503050406030204" pitchFamily="18" charset="0"/>
+                  </a:rPr>
+                  <a:t>이는 </a:t>
+                </a:r>
+                <a:r>
+                  <a:rPr lang="en-US" altLang="ko-KR" sz="2000" dirty="0">
+                    <a:latin typeface="Cambria Math" panose="02040503050406030204" pitchFamily="18" charset="0"/>
+                  </a:rPr>
+                  <a:t>F[(b-1),(a-1)(b-1)]</a:t>
+                </a:r>
+                <a:r>
+                  <a:rPr lang="ko-KR" altLang="en-US" sz="2000" dirty="0">
+                    <a:latin typeface="Cambria Math" panose="02040503050406030204" pitchFamily="18" charset="0"/>
+                  </a:rPr>
+                  <a:t>을 따른다</a:t>
+                </a:r>
+                <a:r>
+                  <a:rPr lang="en-US" altLang="ko-KR" sz="2000" dirty="0">
+                    <a:latin typeface="Cambria Math" panose="02040503050406030204" pitchFamily="18" charset="0"/>
+                  </a:rPr>
+                  <a:t>.</a:t>
+                </a:r>
+              </a:p>
+              <a:p>
+                <a:pPr>
+                  <a:buFontTx/>
+                  <a:buChar char="-"/>
+                </a:pPr>
                 <a:endParaRPr lang="en-US" altLang="ko-KR" sz="2000" dirty="0">
                   <a:latin typeface="Cambria Math" panose="02040503050406030204" pitchFamily="18" charset="0"/>
                 </a:endParaRPr>
@@ -10184,6 +10637,8484 @@
     <p:extLst>
       <p:ext uri="{BB962C8B-B14F-4D97-AF65-F5344CB8AC3E}">
         <p14:creationId xmlns:p14="http://schemas.microsoft.com/office/powerpoint/2010/main" val="1694319496"/>
+      </p:ext>
+    </p:extLst>
+  </p:cSld>
+  <p:clrMapOvr>
+    <a:masterClrMapping/>
+  </p:clrMapOvr>
+</p:sld>
+</file>
+
+<file path=ppt/slides/slide6.xml><?xml version="1.0" encoding="utf-8"?>
+<p:sld xmlns:a="http://schemas.openxmlformats.org/drawingml/2006/main" xmlns:r="http://schemas.openxmlformats.org/officeDocument/2006/relationships" xmlns:p="http://schemas.openxmlformats.org/presentationml/2006/main">
+  <p:cSld>
+    <p:spTree>
+      <p:nvGrpSpPr>
+        <p:cNvPr id="1" name=""/>
+        <p:cNvGrpSpPr/>
+        <p:nvPr/>
+      </p:nvGrpSpPr>
+      <p:grpSpPr>
+        <a:xfrm>
+          <a:off x="0" y="0"/>
+          <a:ext cx="0" cy="0"/>
+          <a:chOff x="0" y="0"/>
+          <a:chExt cx="0" cy="0"/>
+        </a:xfrm>
+      </p:grpSpPr>
+      <p:sp>
+        <p:nvSpPr>
+          <p:cNvPr id="2" name="제목 1">
+            <a:extLst>
+              <a:ext uri="{FF2B5EF4-FFF2-40B4-BE49-F238E27FC236}">
+                <a16:creationId xmlns:a16="http://schemas.microsoft.com/office/drawing/2014/main" id="{7294AC75-F40B-44E1-AB20-1DE181ABE212}"/>
+              </a:ext>
+            </a:extLst>
+          </p:cNvPr>
+          <p:cNvSpPr>
+            <a:spLocks noGrp="1"/>
+          </p:cNvSpPr>
+          <p:nvPr>
+            <p:ph type="title"/>
+          </p:nvPr>
+        </p:nvSpPr>
+        <p:spPr/>
+        <p:txBody>
+          <a:bodyPr/>
+          <a:lstStyle/>
+          <a:p>
+            <a:r>
+              <a:rPr lang="ko-KR" altLang="en-US" dirty="0"/>
+              <a:t>정의</a:t>
+            </a:r>
+          </a:p>
+        </p:txBody>
+      </p:sp>
+      <mc:AlternateContent xmlns:mc="http://schemas.openxmlformats.org/markup-compatibility/2006">
+        <mc:Choice xmlns:a14="http://schemas.microsoft.com/office/drawing/2010/main" Requires="a14">
+          <p:sp>
+            <p:nvSpPr>
+              <p:cNvPr id="3" name="내용 개체 틀 2">
+                <a:extLst>
+                  <a:ext uri="{FF2B5EF4-FFF2-40B4-BE49-F238E27FC236}">
+                    <a16:creationId xmlns:a16="http://schemas.microsoft.com/office/drawing/2014/main" id="{CC593C31-AC9A-40BE-900A-F9483D746834}"/>
+                  </a:ext>
+                </a:extLst>
+              </p:cNvPr>
+              <p:cNvSpPr>
+                <a:spLocks noGrp="1"/>
+              </p:cNvSpPr>
+              <p:nvPr>
+                <p:ph idx="1"/>
+              </p:nvPr>
+            </p:nvSpPr>
+            <p:spPr/>
+            <p:txBody>
+              <a:bodyPr>
+                <a:normAutofit/>
+              </a:bodyPr>
+              <a:lstStyle/>
+              <a:p>
+                <a:r>
+                  <a:rPr lang="ko-KR" altLang="en-US" sz="2000" dirty="0"/>
+                  <a:t>개요</a:t>
+                </a:r>
+                <a:endParaRPr lang="en-US" altLang="ko-KR" sz="2000" dirty="0"/>
+              </a:p>
+              <a:p>
+                <a:pPr marL="0" indent="0">
+                  <a:buNone/>
+                </a:pPr>
+                <a:r>
+                  <a:rPr lang="en-US" altLang="ko-KR" sz="2000" dirty="0"/>
+                  <a:t>(2) </a:t>
+                </a:r>
+                <a:r>
+                  <a:rPr lang="ko-KR" altLang="en-US" sz="2000" dirty="0"/>
+                  <a:t>요</a:t>
+                </a:r>
+                <a14:m>
+                  <m:oMath xmlns:m="http://schemas.openxmlformats.org/officeDocument/2006/math">
+                    <m:r>
+                      <a:rPr lang="ko-KR" altLang="en-US" sz="2000" b="0" i="1" dirty="0" smtClean="0">
+                        <a:latin typeface="Cambria Math" panose="02040503050406030204" pitchFamily="18" charset="0"/>
+                      </a:rPr>
+                      <m:t>인</m:t>
+                    </m:r>
+                    <m:r>
+                      <a:rPr lang="en-US" altLang="ko-KR" sz="2000" b="0" i="1" dirty="0" smtClean="0">
+                        <a:latin typeface="Cambria Math" panose="02040503050406030204" pitchFamily="18" charset="0"/>
+                      </a:rPr>
+                      <m:t> </m:t>
+                    </m:r>
+                    <m:r>
+                      <a:rPr lang="en-US" altLang="ko-KR" sz="2000" b="0" i="1" dirty="0" smtClean="0">
+                        <a:latin typeface="Cambria Math" panose="02040503050406030204" pitchFamily="18" charset="0"/>
+                      </a:rPr>
+                      <m:t>𝐴</m:t>
+                    </m:r>
+                    <m:r>
+                      <a:rPr lang="en-US" altLang="ko-KR" sz="2000" b="0" i="1" dirty="0" smtClean="0">
+                        <a:latin typeface="Cambria Math" panose="02040503050406030204" pitchFamily="18" charset="0"/>
+                      </a:rPr>
+                      <m:t> </m:t>
+                    </m:r>
+                    <m:r>
+                      <a:rPr lang="ko-KR" altLang="en-US" sz="2000" i="1" dirty="0">
+                        <a:latin typeface="Cambria Math" panose="02040503050406030204" pitchFamily="18" charset="0"/>
+                      </a:rPr>
+                      <m:t>수</m:t>
+                    </m:r>
+                    <m:r>
+                      <a:rPr lang="ko-KR" altLang="en-US" sz="2000" i="1" dirty="0" smtClean="0">
+                        <a:latin typeface="Cambria Math" panose="02040503050406030204" pitchFamily="18" charset="0"/>
+                      </a:rPr>
+                      <m:t>준</m:t>
+                    </m:r>
+                    <m:r>
+                      <a:rPr lang="ko-KR" altLang="en-US" sz="2000" i="1" dirty="0">
+                        <a:latin typeface="Cambria Math" panose="02040503050406030204" pitchFamily="18" charset="0"/>
+                      </a:rPr>
+                      <m:t>에</m:t>
+                    </m:r>
+                    <m:r>
+                      <a:rPr lang="ko-KR" altLang="en-US" sz="2000" i="1" dirty="0" smtClean="0">
+                        <a:latin typeface="Cambria Math" panose="02040503050406030204" pitchFamily="18" charset="0"/>
+                      </a:rPr>
+                      <m:t>서</m:t>
+                    </m:r>
+                    <m:r>
+                      <a:rPr lang="ko-KR" altLang="en-US" sz="2000" i="1" dirty="0">
+                        <a:latin typeface="Cambria Math" panose="02040503050406030204" pitchFamily="18" charset="0"/>
+                      </a:rPr>
+                      <m:t>의</m:t>
+                    </m:r>
+                    <m:r>
+                      <a:rPr lang="en-US" altLang="ko-KR" sz="2000" b="0" i="1" dirty="0" smtClean="0">
+                        <a:latin typeface="Cambria Math" panose="02040503050406030204" pitchFamily="18" charset="0"/>
+                      </a:rPr>
+                      <m:t> </m:t>
+                    </m:r>
+                    <m:r>
+                      <a:rPr lang="ko-KR" altLang="en-US" sz="2000" i="1" dirty="0">
+                        <a:latin typeface="Cambria Math" panose="02040503050406030204" pitchFamily="18" charset="0"/>
+                      </a:rPr>
+                      <m:t>검</m:t>
+                    </m:r>
+                    <m:r>
+                      <a:rPr lang="ko-KR" altLang="en-US" sz="2000" i="1" dirty="0" smtClean="0">
+                        <a:latin typeface="Cambria Math" panose="02040503050406030204" pitchFamily="18" charset="0"/>
+                      </a:rPr>
+                      <m:t>정</m:t>
+                    </m:r>
+                  </m:oMath>
+                </a14:m>
+                <a:endParaRPr lang="en-US" altLang="ko-KR" sz="2000" i="1" dirty="0">
+                  <a:latin typeface="Cambria Math" panose="02040503050406030204" pitchFamily="18" charset="0"/>
+                </a:endParaRPr>
+              </a:p>
+              <a:p>
+                <a:pPr>
+                  <a:buFontTx/>
+                  <a:buChar char="-"/>
+                </a:pPr>
+                <a:r>
+                  <a:rPr lang="ko-KR" altLang="en-US" sz="2000" dirty="0">
+                    <a:latin typeface="Cambria Math" panose="02040503050406030204" pitchFamily="18" charset="0"/>
+                  </a:rPr>
+                  <a:t>위와 같은 전개를 거쳐서 결론을 도출하면</a:t>
+                </a:r>
+                <a:endParaRPr lang="en-US" altLang="ko-KR" sz="2000" dirty="0">
+                  <a:latin typeface="Cambria Math" panose="02040503050406030204" pitchFamily="18" charset="0"/>
+                </a:endParaRPr>
+              </a:p>
+              <a:p>
+                <a:pPr>
+                  <a:buFontTx/>
+                  <a:buChar char="-"/>
+                </a:pPr>
+                <a14:m>
+                  <m:oMath xmlns:m="http://schemas.openxmlformats.org/officeDocument/2006/math">
+                    <m:sSup>
+                      <m:sSupPr>
+                        <m:ctrlPr>
+                          <a:rPr lang="en-US" altLang="ko-KR" sz="2000" i="1">
+                            <a:latin typeface="Cambria Math" panose="02040503050406030204" pitchFamily="18" charset="0"/>
+                          </a:rPr>
+                        </m:ctrlPr>
+                      </m:sSupPr>
+                      <m:e>
+                        <m:sSub>
+                          <m:sSubPr>
+                            <m:ctrlPr>
+                              <a:rPr lang="ko-KR" altLang="en-US" sz="2000" i="1">
+                                <a:latin typeface="Cambria Math" panose="02040503050406030204" pitchFamily="18" charset="0"/>
+                              </a:rPr>
+                            </m:ctrlPr>
+                          </m:sSubPr>
+                          <m:e>
+                            <m:r>
+                              <a:rPr lang="ko-KR" altLang="en-US" sz="2000" i="1">
+                                <a:latin typeface="Cambria Math" panose="02040503050406030204" pitchFamily="18" charset="0"/>
+                              </a:rPr>
+                              <m:t>𝜎</m:t>
+                            </m:r>
+                          </m:e>
+                          <m:sub>
+                            <m:r>
+                              <a:rPr lang="en-US" altLang="ko-KR" sz="2000" i="1">
+                                <a:latin typeface="Cambria Math" panose="02040503050406030204" pitchFamily="18" charset="0"/>
+                              </a:rPr>
+                              <m:t>𝛺</m:t>
+                            </m:r>
+                          </m:sub>
+                        </m:sSub>
+                      </m:e>
+                      <m:sup>
+                        <m:r>
+                          <a:rPr lang="en-US" altLang="ko-KR" sz="2000" i="1">
+                            <a:latin typeface="Cambria Math" panose="02040503050406030204" pitchFamily="18" charset="0"/>
+                          </a:rPr>
+                          <m:t>2</m:t>
+                        </m:r>
+                      </m:sup>
+                    </m:sSup>
+                  </m:oMath>
+                </a14:m>
+                <a:r>
+                  <a:rPr lang="en-US" altLang="ko-KR" sz="2000" dirty="0">
+                    <a:latin typeface="Cambria Math" panose="02040503050406030204" pitchFamily="18" charset="0"/>
+                  </a:rPr>
+                  <a:t> = </a:t>
+                </a:r>
+                <a14:m>
+                  <m:oMath xmlns:m="http://schemas.openxmlformats.org/officeDocument/2006/math">
+                    <m:f>
+                      <m:fPr>
+                        <m:ctrlPr>
+                          <a:rPr lang="en-US" altLang="ko-KR" sz="2000" i="1">
+                            <a:latin typeface="Cambria Math" panose="02040503050406030204" pitchFamily="18" charset="0"/>
+                          </a:rPr>
+                        </m:ctrlPr>
+                      </m:fPr>
+                      <m:num>
+                        <m:sSub>
+                          <m:sSubPr>
+                            <m:ctrlPr>
+                              <a:rPr lang="en-US" altLang="ko-KR" sz="2000" i="1">
+                                <a:latin typeface="Cambria Math" panose="02040503050406030204" pitchFamily="18" charset="0"/>
+                              </a:rPr>
+                            </m:ctrlPr>
+                          </m:sSubPr>
+                          <m:e>
+                            <m:r>
+                              <a:rPr lang="en-US" altLang="ko-KR" sz="2000" i="1">
+                                <a:latin typeface="Cambria Math" panose="02040503050406030204" pitchFamily="18" charset="0"/>
+                              </a:rPr>
+                              <m:t>𝑄</m:t>
+                            </m:r>
+                          </m:e>
+                          <m:sub>
+                            <m:r>
+                              <a:rPr lang="en-US" altLang="ko-KR" sz="2000" i="1">
+                                <a:latin typeface="Cambria Math" panose="02040503050406030204" pitchFamily="18" charset="0"/>
+                              </a:rPr>
+                              <m:t>5</m:t>
+                            </m:r>
+                          </m:sub>
+                        </m:sSub>
+                      </m:num>
+                      <m:den>
+                        <m:r>
+                          <a:rPr lang="en-US" altLang="ko-KR" sz="2000" i="1">
+                            <a:latin typeface="Cambria Math" panose="02040503050406030204" pitchFamily="18" charset="0"/>
+                          </a:rPr>
+                          <m:t>𝑎𝑏</m:t>
+                        </m:r>
+                      </m:den>
+                    </m:f>
+                  </m:oMath>
+                </a14:m>
+                <a:r>
+                  <a:rPr lang="en-US" altLang="ko-KR" sz="2000" dirty="0">
+                    <a:latin typeface="Cambria Math" panose="02040503050406030204" pitchFamily="18" charset="0"/>
+                  </a:rPr>
+                  <a:t> , </a:t>
+                </a:r>
+                <a14:m>
+                  <m:oMath xmlns:m="http://schemas.openxmlformats.org/officeDocument/2006/math">
+                    <m:sSup>
+                      <m:sSupPr>
+                        <m:ctrlPr>
+                          <a:rPr lang="en-US" altLang="ko-KR" sz="2000" i="1">
+                            <a:latin typeface="Cambria Math" panose="02040503050406030204" pitchFamily="18" charset="0"/>
+                          </a:rPr>
+                        </m:ctrlPr>
+                      </m:sSupPr>
+                      <m:e>
+                        <m:sSub>
+                          <m:sSubPr>
+                            <m:ctrlPr>
+                              <a:rPr lang="ko-KR" altLang="en-US" sz="2000" i="1">
+                                <a:latin typeface="Cambria Math" panose="02040503050406030204" pitchFamily="18" charset="0"/>
+                              </a:rPr>
+                            </m:ctrlPr>
+                          </m:sSubPr>
+                          <m:e>
+                            <m:r>
+                              <a:rPr lang="ko-KR" altLang="en-US" sz="2000" i="1">
+                                <a:latin typeface="Cambria Math" panose="02040503050406030204" pitchFamily="18" charset="0"/>
+                              </a:rPr>
+                              <m:t>𝜎</m:t>
+                            </m:r>
+                          </m:e>
+                          <m:sub>
+                            <m:r>
+                              <a:rPr lang="en-US" altLang="ko-KR" sz="2000" i="1">
+                                <a:latin typeface="Cambria Math" panose="02040503050406030204" pitchFamily="18" charset="0"/>
+                              </a:rPr>
+                              <m:t>𝑤</m:t>
+                            </m:r>
+                          </m:sub>
+                        </m:sSub>
+                      </m:e>
+                      <m:sup>
+                        <m:r>
+                          <a:rPr lang="en-US" altLang="ko-KR" sz="2000" i="1">
+                            <a:latin typeface="Cambria Math" panose="02040503050406030204" pitchFamily="18" charset="0"/>
+                          </a:rPr>
+                          <m:t>2</m:t>
+                        </m:r>
+                      </m:sup>
+                    </m:sSup>
+                  </m:oMath>
+                </a14:m>
+                <a:r>
+                  <a:rPr lang="en-US" altLang="ko-KR" sz="2000" dirty="0">
+                    <a:latin typeface="Cambria Math" panose="02040503050406030204" pitchFamily="18" charset="0"/>
+                  </a:rPr>
+                  <a:t>=</a:t>
+                </a:r>
+                <a:r>
+                  <a:rPr lang="en-US" altLang="ko-KR" sz="2000" dirty="0"/>
+                  <a:t> </a:t>
+                </a:r>
+                <a14:m>
+                  <m:oMath xmlns:m="http://schemas.openxmlformats.org/officeDocument/2006/math">
+                    <m:f>
+                      <m:fPr>
+                        <m:ctrlPr>
+                          <a:rPr lang="en-US" altLang="ko-KR" sz="2000" i="1">
+                            <a:latin typeface="Cambria Math" panose="02040503050406030204" pitchFamily="18" charset="0"/>
+                          </a:rPr>
+                        </m:ctrlPr>
+                      </m:fPr>
+                      <m:num>
+                        <m:sSub>
+                          <m:sSubPr>
+                            <m:ctrlPr>
+                              <a:rPr lang="en-US" altLang="ko-KR" sz="2000" i="1">
+                                <a:latin typeface="Cambria Math" panose="02040503050406030204" pitchFamily="18" charset="0"/>
+                              </a:rPr>
+                            </m:ctrlPr>
+                          </m:sSubPr>
+                          <m:e>
+                            <m:sSub>
+                              <m:sSubPr>
+                                <m:ctrlPr>
+                                  <a:rPr lang="en-US" altLang="ko-KR" sz="2000" i="1">
+                                    <a:latin typeface="Cambria Math" panose="02040503050406030204" pitchFamily="18" charset="0"/>
+                                  </a:rPr>
+                                </m:ctrlPr>
+                              </m:sSubPr>
+                              <m:e>
+                                <m:r>
+                                  <a:rPr lang="en-US" altLang="ko-KR" sz="2000" i="1">
+                                    <a:latin typeface="Cambria Math" panose="02040503050406030204" pitchFamily="18" charset="0"/>
+                                  </a:rPr>
+                                  <m:t>𝑄</m:t>
+                                </m:r>
+                              </m:e>
+                              <m:sub>
+                                <m:r>
+                                  <a:rPr lang="en-US" altLang="ko-KR" sz="2000" b="0" i="1" smtClean="0">
+                                    <a:latin typeface="Cambria Math" panose="02040503050406030204" pitchFamily="18" charset="0"/>
+                                  </a:rPr>
+                                  <m:t>2+</m:t>
+                                </m:r>
+                              </m:sub>
+                            </m:sSub>
+                            <m:r>
+                              <a:rPr lang="en-US" altLang="ko-KR" sz="2000" i="1">
+                                <a:latin typeface="Cambria Math" panose="02040503050406030204" pitchFamily="18" charset="0"/>
+                              </a:rPr>
+                              <m:t>𝑄</m:t>
+                            </m:r>
+                          </m:e>
+                          <m:sub>
+                            <m:r>
+                              <a:rPr lang="en-US" altLang="ko-KR" sz="2000" i="1">
+                                <a:latin typeface="Cambria Math" panose="02040503050406030204" pitchFamily="18" charset="0"/>
+                              </a:rPr>
+                              <m:t>5</m:t>
+                            </m:r>
+                          </m:sub>
+                        </m:sSub>
+                      </m:num>
+                      <m:den>
+                        <m:r>
+                          <a:rPr lang="en-US" altLang="ko-KR" sz="2000" i="1">
+                            <a:latin typeface="Cambria Math" panose="02040503050406030204" pitchFamily="18" charset="0"/>
+                          </a:rPr>
+                          <m:t>𝑎𝑏</m:t>
+                        </m:r>
+                      </m:den>
+                    </m:f>
+                  </m:oMath>
+                </a14:m>
+                <a:r>
+                  <a:rPr lang="en-US" altLang="ko-KR" sz="2000" dirty="0">
+                    <a:latin typeface="Cambria Math" panose="02040503050406030204" pitchFamily="18" charset="0"/>
+                  </a:rPr>
+                  <a:t> </a:t>
+                </a:r>
+                <a:r>
+                  <a:rPr lang="ko-KR" altLang="en-US" sz="2000" dirty="0">
+                    <a:latin typeface="Cambria Math" panose="02040503050406030204" pitchFamily="18" charset="0"/>
+                  </a:rPr>
+                  <a:t>이 각각의 </a:t>
+                </a:r>
+                <a:r>
+                  <a:rPr lang="ko-KR" altLang="en-US" sz="2000" dirty="0" err="1">
+                    <a:latin typeface="Cambria Math" panose="02040503050406030204" pitchFamily="18" charset="0"/>
+                  </a:rPr>
+                  <a:t>모수에</a:t>
+                </a:r>
+                <a:r>
+                  <a:rPr lang="ko-KR" altLang="en-US" sz="2000" dirty="0">
+                    <a:latin typeface="Cambria Math" panose="02040503050406030204" pitchFamily="18" charset="0"/>
+                  </a:rPr>
+                  <a:t> 대한 </a:t>
+                </a:r>
+                <a:r>
+                  <a:rPr lang="en-US" altLang="ko-KR" sz="2000" dirty="0">
+                    <a:latin typeface="Cambria Math" panose="02040503050406030204" pitchFamily="18" charset="0"/>
+                  </a:rPr>
+                  <a:t>MLE </a:t>
+                </a:r>
+                <a:r>
+                  <a:rPr lang="ko-KR" altLang="en-US" sz="2000" dirty="0" err="1">
+                    <a:latin typeface="Cambria Math" panose="02040503050406030204" pitchFamily="18" charset="0"/>
+                  </a:rPr>
+                  <a:t>추정량이므로</a:t>
+                </a:r>
+                <a:r>
+                  <a:rPr lang="en-US" altLang="ko-KR" sz="2000" dirty="0">
+                    <a:latin typeface="Cambria Math" panose="02040503050406030204" pitchFamily="18" charset="0"/>
+                  </a:rPr>
+                  <a:t>, </a:t>
+                </a:r>
+                <a:r>
+                  <a:rPr lang="ko-KR" altLang="en-US" sz="2000" dirty="0" err="1">
+                    <a:latin typeface="Cambria Math" panose="02040503050406030204" pitchFamily="18" charset="0"/>
+                  </a:rPr>
+                  <a:t>우도비를</a:t>
+                </a:r>
+                <a:r>
+                  <a:rPr lang="ko-KR" altLang="en-US" sz="2000" dirty="0">
+                    <a:latin typeface="Cambria Math" panose="02040503050406030204" pitchFamily="18" charset="0"/>
+                  </a:rPr>
+                  <a:t> 정의하면</a:t>
+                </a:r>
+                <a:endParaRPr lang="en-US" altLang="ko-KR" sz="2000" dirty="0">
+                  <a:latin typeface="Cambria Math" panose="02040503050406030204" pitchFamily="18" charset="0"/>
+                </a:endParaRPr>
+              </a:p>
+              <a:p>
+                <a:pPr>
+                  <a:buFontTx/>
+                  <a:buChar char="-"/>
+                </a:pPr>
+                <a:r>
+                  <a:rPr lang="en-US" altLang="ko-KR" sz="2000" dirty="0">
+                    <a:latin typeface="Cambria Math" panose="02040503050406030204" pitchFamily="18" charset="0"/>
+                  </a:rPr>
+                  <a:t> </a:t>
+                </a:r>
+                <a14:m>
+                  <m:oMath xmlns:m="http://schemas.openxmlformats.org/officeDocument/2006/math">
+                    <m:r>
+                      <a:rPr lang="en-US" altLang="ko-KR" sz="2000">
+                        <a:latin typeface="Cambria Math" panose="02040503050406030204" pitchFamily="18" charset="0"/>
+                      </a:rPr>
+                      <m:t>∧</m:t>
+                    </m:r>
+                  </m:oMath>
+                </a14:m>
+                <a:r>
+                  <a:rPr lang="en-US" altLang="ko-KR" sz="2000" dirty="0">
+                    <a:latin typeface="Cambria Math" panose="02040503050406030204" pitchFamily="18" charset="0"/>
+                  </a:rPr>
+                  <a:t> = </a:t>
+                </a:r>
+                <a14:m>
+                  <m:oMath xmlns:m="http://schemas.openxmlformats.org/officeDocument/2006/math">
+                    <m:sSup>
+                      <m:sSupPr>
+                        <m:ctrlPr>
+                          <a:rPr lang="en-US" altLang="ko-KR" sz="2000" i="1">
+                            <a:latin typeface="Cambria Math" panose="02040503050406030204" pitchFamily="18" charset="0"/>
+                          </a:rPr>
+                        </m:ctrlPr>
+                      </m:sSupPr>
+                      <m:e>
+                        <m:d>
+                          <m:dPr>
+                            <m:ctrlPr>
+                              <a:rPr lang="en-US" altLang="ko-KR" sz="2000" i="1">
+                                <a:latin typeface="Cambria Math" panose="02040503050406030204" pitchFamily="18" charset="0"/>
+                              </a:rPr>
+                            </m:ctrlPr>
+                          </m:dPr>
+                          <m:e>
+                            <m:f>
+                              <m:fPr>
+                                <m:ctrlPr>
+                                  <a:rPr lang="en-US" altLang="ko-KR" sz="2000" i="1">
+                                    <a:latin typeface="Cambria Math" panose="02040503050406030204" pitchFamily="18" charset="0"/>
+                                  </a:rPr>
+                                </m:ctrlPr>
+                              </m:fPr>
+                              <m:num>
+                                <m:sSup>
+                                  <m:sSupPr>
+                                    <m:ctrlPr>
+                                      <a:rPr lang="en-US" altLang="ko-KR" sz="2000" i="1">
+                                        <a:latin typeface="Cambria Math" panose="02040503050406030204" pitchFamily="18" charset="0"/>
+                                      </a:rPr>
+                                    </m:ctrlPr>
+                                  </m:sSupPr>
+                                  <m:e>
+                                    <m:sSub>
+                                      <m:sSubPr>
+                                        <m:ctrlPr>
+                                          <a:rPr lang="ko-KR" altLang="en-US" sz="2000" i="1">
+                                            <a:latin typeface="Cambria Math" panose="02040503050406030204" pitchFamily="18" charset="0"/>
+                                          </a:rPr>
+                                        </m:ctrlPr>
+                                      </m:sSubPr>
+                                      <m:e>
+                                        <m:r>
+                                          <a:rPr lang="ko-KR" altLang="en-US" sz="2000" i="1">
+                                            <a:latin typeface="Cambria Math" panose="02040503050406030204" pitchFamily="18" charset="0"/>
+                                          </a:rPr>
+                                          <m:t>𝜎</m:t>
+                                        </m:r>
+                                      </m:e>
+                                      <m:sub>
+                                        <m:r>
+                                          <a:rPr lang="en-US" altLang="ko-KR" sz="2000" i="1">
+                                            <a:latin typeface="Cambria Math" panose="02040503050406030204" pitchFamily="18" charset="0"/>
+                                          </a:rPr>
+                                          <m:t>𝛺</m:t>
+                                        </m:r>
+                                      </m:sub>
+                                    </m:sSub>
+                                  </m:e>
+                                  <m:sup>
+                                    <m:r>
+                                      <a:rPr lang="en-US" altLang="ko-KR" sz="2000" i="1">
+                                        <a:latin typeface="Cambria Math" panose="02040503050406030204" pitchFamily="18" charset="0"/>
+                                      </a:rPr>
+                                      <m:t>2</m:t>
+                                    </m:r>
+                                  </m:sup>
+                                </m:sSup>
+                              </m:num>
+                              <m:den>
+                                <m:sSup>
+                                  <m:sSupPr>
+                                    <m:ctrlPr>
+                                      <a:rPr lang="en-US" altLang="ko-KR" sz="2000" i="1">
+                                        <a:latin typeface="Cambria Math" panose="02040503050406030204" pitchFamily="18" charset="0"/>
+                                      </a:rPr>
+                                    </m:ctrlPr>
+                                  </m:sSupPr>
+                                  <m:e>
+                                    <m:sSub>
+                                      <m:sSubPr>
+                                        <m:ctrlPr>
+                                          <a:rPr lang="ko-KR" altLang="en-US" sz="2000" i="1">
+                                            <a:latin typeface="Cambria Math" panose="02040503050406030204" pitchFamily="18" charset="0"/>
+                                          </a:rPr>
+                                        </m:ctrlPr>
+                                      </m:sSubPr>
+                                      <m:e>
+                                        <m:r>
+                                          <a:rPr lang="ko-KR" altLang="en-US" sz="2000" i="1">
+                                            <a:latin typeface="Cambria Math" panose="02040503050406030204" pitchFamily="18" charset="0"/>
+                                          </a:rPr>
+                                          <m:t>𝜎</m:t>
+                                        </m:r>
+                                      </m:e>
+                                      <m:sub>
+                                        <m:r>
+                                          <a:rPr lang="en-US" altLang="ko-KR" sz="2000" i="1">
+                                            <a:latin typeface="Cambria Math" panose="02040503050406030204" pitchFamily="18" charset="0"/>
+                                          </a:rPr>
+                                          <m:t>𝑤</m:t>
+                                        </m:r>
+                                      </m:sub>
+                                    </m:sSub>
+                                  </m:e>
+                                  <m:sup>
+                                    <m:r>
+                                      <a:rPr lang="en-US" altLang="ko-KR" sz="2000" i="1">
+                                        <a:latin typeface="Cambria Math" panose="02040503050406030204" pitchFamily="18" charset="0"/>
+                                      </a:rPr>
+                                      <m:t>2</m:t>
+                                    </m:r>
+                                  </m:sup>
+                                </m:sSup>
+                              </m:den>
+                            </m:f>
+                          </m:e>
+                        </m:d>
+                      </m:e>
+                      <m:sup>
+                        <m:f>
+                          <m:fPr>
+                            <m:ctrlPr>
+                              <a:rPr lang="en-US" altLang="ko-KR" sz="2000" i="1">
+                                <a:latin typeface="Cambria Math" panose="02040503050406030204" pitchFamily="18" charset="0"/>
+                              </a:rPr>
+                            </m:ctrlPr>
+                          </m:fPr>
+                          <m:num>
+                            <m:r>
+                              <m:rPr>
+                                <m:sty m:val="p"/>
+                              </m:rPr>
+                              <a:rPr lang="en-US" altLang="ko-KR" sz="2000">
+                                <a:latin typeface="Cambria Math" panose="02040503050406030204" pitchFamily="18" charset="0"/>
+                              </a:rPr>
+                              <m:t>ab</m:t>
+                            </m:r>
+                          </m:num>
+                          <m:den>
+                            <m:r>
+                              <a:rPr lang="en-US" altLang="ko-KR" sz="2000">
+                                <a:latin typeface="Cambria Math" panose="02040503050406030204" pitchFamily="18" charset="0"/>
+                              </a:rPr>
+                              <m:t>2</m:t>
+                            </m:r>
+                          </m:den>
+                        </m:f>
+                      </m:sup>
+                    </m:sSup>
+                  </m:oMath>
+                </a14:m>
+                <a:r>
+                  <a:rPr lang="en-US" altLang="ko-KR" sz="2000" dirty="0">
+                    <a:latin typeface="Cambria Math" panose="02040503050406030204" pitchFamily="18" charset="0"/>
+                  </a:rPr>
+                  <a:t>=</a:t>
+                </a:r>
+                <a:r>
+                  <a:rPr lang="en-US" altLang="ko-KR" sz="2000" dirty="0"/>
+                  <a:t> </a:t>
+                </a:r>
+                <a14:m>
+                  <m:oMath xmlns:m="http://schemas.openxmlformats.org/officeDocument/2006/math">
+                    <m:f>
+                      <m:fPr>
+                        <m:ctrlPr>
+                          <a:rPr lang="en-US" altLang="ko-KR" sz="2000" i="1">
+                            <a:latin typeface="Cambria Math" panose="02040503050406030204" pitchFamily="18" charset="0"/>
+                          </a:rPr>
+                        </m:ctrlPr>
+                      </m:fPr>
+                      <m:num>
+                        <m:sSub>
+                          <m:sSubPr>
+                            <m:ctrlPr>
+                              <a:rPr lang="en-US" altLang="ko-KR" sz="2000" i="1">
+                                <a:latin typeface="Cambria Math" panose="02040503050406030204" pitchFamily="18" charset="0"/>
+                              </a:rPr>
+                            </m:ctrlPr>
+                          </m:sSubPr>
+                          <m:e>
+                            <m:r>
+                              <a:rPr lang="en-US" altLang="ko-KR" sz="2000" i="1">
+                                <a:latin typeface="Cambria Math" panose="02040503050406030204" pitchFamily="18" charset="0"/>
+                              </a:rPr>
+                              <m:t>𝑄</m:t>
+                            </m:r>
+                          </m:e>
+                          <m:sub>
+                            <m:r>
+                              <a:rPr lang="en-US" altLang="ko-KR" sz="2000" b="0" i="1" smtClean="0">
+                                <a:latin typeface="Cambria Math" panose="02040503050406030204" pitchFamily="18" charset="0"/>
+                              </a:rPr>
+                              <m:t>2</m:t>
+                            </m:r>
+                          </m:sub>
+                        </m:sSub>
+                        <m:r>
+                          <a:rPr lang="en-US" altLang="ko-KR" sz="2000" i="1">
+                            <a:latin typeface="Cambria Math" panose="02040503050406030204" pitchFamily="18" charset="0"/>
+                          </a:rPr>
+                          <m:t>/(</m:t>
+                        </m:r>
+                        <m:r>
+                          <a:rPr lang="en-US" altLang="ko-KR" sz="2000" b="0" i="1" smtClean="0">
+                            <a:latin typeface="Cambria Math" panose="02040503050406030204" pitchFamily="18" charset="0"/>
+                          </a:rPr>
+                          <m:t>𝑎</m:t>
+                        </m:r>
+                        <m:r>
+                          <a:rPr lang="en-US" altLang="ko-KR" sz="2000" i="1">
+                            <a:latin typeface="Cambria Math" panose="02040503050406030204" pitchFamily="18" charset="0"/>
+                          </a:rPr>
+                          <m:t>−1)</m:t>
+                        </m:r>
+                      </m:num>
+                      <m:den>
+                        <m:sSub>
+                          <m:sSubPr>
+                            <m:ctrlPr>
+                              <a:rPr lang="en-US" altLang="ko-KR" sz="2000" i="1">
+                                <a:latin typeface="Cambria Math" panose="02040503050406030204" pitchFamily="18" charset="0"/>
+                              </a:rPr>
+                            </m:ctrlPr>
+                          </m:sSubPr>
+                          <m:e>
+                            <m:r>
+                              <a:rPr lang="en-US" altLang="ko-KR" sz="2000" i="1">
+                                <a:latin typeface="Cambria Math" panose="02040503050406030204" pitchFamily="18" charset="0"/>
+                              </a:rPr>
+                              <m:t>𝑄</m:t>
+                            </m:r>
+                          </m:e>
+                          <m:sub>
+                            <m:r>
+                              <a:rPr lang="en-US" altLang="ko-KR" sz="2000" i="1">
+                                <a:latin typeface="Cambria Math" panose="02040503050406030204" pitchFamily="18" charset="0"/>
+                              </a:rPr>
+                              <m:t>5</m:t>
+                            </m:r>
+                          </m:sub>
+                        </m:sSub>
+                        <m:r>
+                          <a:rPr lang="en-US" altLang="ko-KR" sz="2000" i="1">
+                            <a:latin typeface="Cambria Math" panose="02040503050406030204" pitchFamily="18" charset="0"/>
+                          </a:rPr>
+                          <m:t>/(</m:t>
+                        </m:r>
+                        <m:r>
+                          <a:rPr lang="en-US" altLang="ko-KR" sz="2000" i="1">
+                            <a:latin typeface="Cambria Math" panose="02040503050406030204" pitchFamily="18" charset="0"/>
+                          </a:rPr>
+                          <m:t>𝑎</m:t>
+                        </m:r>
+                        <m:r>
+                          <a:rPr lang="en-US" altLang="ko-KR" sz="2000" i="1">
+                            <a:latin typeface="Cambria Math" panose="02040503050406030204" pitchFamily="18" charset="0"/>
+                          </a:rPr>
+                          <m:t>−1)(</m:t>
+                        </m:r>
+                        <m:r>
+                          <a:rPr lang="en-US" altLang="ko-KR" sz="2000" i="1">
+                            <a:latin typeface="Cambria Math" panose="02040503050406030204" pitchFamily="18" charset="0"/>
+                          </a:rPr>
+                          <m:t>𝑏</m:t>
+                        </m:r>
+                        <m:r>
+                          <a:rPr lang="en-US" altLang="ko-KR" sz="2000" i="1">
+                            <a:latin typeface="Cambria Math" panose="02040503050406030204" pitchFamily="18" charset="0"/>
+                          </a:rPr>
+                          <m:t>−1)</m:t>
+                        </m:r>
+                      </m:den>
+                    </m:f>
+                  </m:oMath>
+                </a14:m>
+                <a:r>
+                  <a:rPr lang="en-US" altLang="ko-KR" sz="2000" dirty="0">
+                    <a:latin typeface="Cambria Math" panose="02040503050406030204" pitchFamily="18" charset="0"/>
+                  </a:rPr>
+                  <a:t>  ~ F [(a-1),(a-1)(b-1)] </a:t>
+                </a:r>
+                <a:r>
+                  <a:rPr lang="ko-KR" altLang="en-US" sz="2000" dirty="0">
+                    <a:latin typeface="Cambria Math" panose="02040503050406030204" pitchFamily="18" charset="0"/>
+                  </a:rPr>
+                  <a:t>이다</a:t>
+                </a:r>
+                <a:r>
+                  <a:rPr lang="en-US" altLang="ko-KR" sz="2000" dirty="0">
+                    <a:latin typeface="Cambria Math" panose="02040503050406030204" pitchFamily="18" charset="0"/>
+                  </a:rPr>
+                  <a:t>.</a:t>
+                </a:r>
+              </a:p>
+              <a:p>
+                <a:pPr>
+                  <a:buFontTx/>
+                  <a:buChar char="-"/>
+                </a:pPr>
+                <a:endParaRPr lang="en-US" altLang="ko-KR" sz="2000" dirty="0">
+                  <a:latin typeface="Cambria Math" panose="02040503050406030204" pitchFamily="18" charset="0"/>
+                </a:endParaRPr>
+              </a:p>
+              <a:p>
+                <a:pPr>
+                  <a:buFontTx/>
+                  <a:buChar char="-"/>
+                </a:pPr>
+                <a:endParaRPr lang="en-US" altLang="ko-KR" sz="2000" dirty="0">
+                  <a:latin typeface="Cambria Math" panose="02040503050406030204" pitchFamily="18" charset="0"/>
+                </a:endParaRPr>
+              </a:p>
+            </p:txBody>
+          </p:sp>
+        </mc:Choice>
+        <mc:Fallback>
+          <p:sp>
+            <p:nvSpPr>
+              <p:cNvPr id="3" name="내용 개체 틀 2">
+                <a:extLst>
+                  <a:ext uri="{FF2B5EF4-FFF2-40B4-BE49-F238E27FC236}">
+                    <a16:creationId xmlns:a16="http://schemas.microsoft.com/office/drawing/2014/main" id="{CC593C31-AC9A-40BE-900A-F9483D746834}"/>
+                  </a:ext>
+                </a:extLst>
+              </p:cNvPr>
+              <p:cNvSpPr>
+                <a:spLocks noGrp="1" noRot="1" noChangeAspect="1" noMove="1" noResize="1" noEditPoints="1" noAdjustHandles="1" noChangeArrowheads="1" noChangeShapeType="1" noTextEdit="1"/>
+              </p:cNvSpPr>
+              <p:nvPr>
+                <p:ph idx="1"/>
+              </p:nvPr>
+            </p:nvSpPr>
+            <p:spPr>
+              <a:blipFill>
+                <a:blip r:embed="rId2"/>
+                <a:stretch>
+                  <a:fillRect l="-638" t="-1401"/>
+                </a:stretch>
+              </a:blipFill>
+            </p:spPr>
+            <p:txBody>
+              <a:bodyPr/>
+              <a:lstStyle/>
+              <a:p>
+                <a:r>
+                  <a:rPr lang="ko-KR" altLang="en-US">
+                    <a:noFill/>
+                  </a:rPr>
+                  <a:t> </a:t>
+                </a:r>
+              </a:p>
+            </p:txBody>
+          </p:sp>
+        </mc:Fallback>
+      </mc:AlternateContent>
+    </p:spTree>
+    <p:extLst>
+      <p:ext uri="{BB962C8B-B14F-4D97-AF65-F5344CB8AC3E}">
+        <p14:creationId xmlns:p14="http://schemas.microsoft.com/office/powerpoint/2010/main" val="3127434714"/>
+      </p:ext>
+    </p:extLst>
+  </p:cSld>
+  <p:clrMapOvr>
+    <a:masterClrMapping/>
+  </p:clrMapOvr>
+</p:sld>
+</file>
+
+<file path=ppt/slides/slide7.xml><?xml version="1.0" encoding="utf-8"?>
+<p:sld xmlns:a="http://schemas.openxmlformats.org/drawingml/2006/main" xmlns:r="http://schemas.openxmlformats.org/officeDocument/2006/relationships" xmlns:p="http://schemas.openxmlformats.org/presentationml/2006/main">
+  <p:cSld>
+    <p:spTree>
+      <p:nvGrpSpPr>
+        <p:cNvPr id="1" name=""/>
+        <p:cNvGrpSpPr/>
+        <p:nvPr/>
+      </p:nvGrpSpPr>
+      <p:grpSpPr>
+        <a:xfrm>
+          <a:off x="0" y="0"/>
+          <a:ext cx="0" cy="0"/>
+          <a:chOff x="0" y="0"/>
+          <a:chExt cx="0" cy="0"/>
+        </a:xfrm>
+      </p:grpSpPr>
+      <p:sp>
+        <p:nvSpPr>
+          <p:cNvPr id="2" name="제목 1">
+            <a:extLst>
+              <a:ext uri="{FF2B5EF4-FFF2-40B4-BE49-F238E27FC236}">
+                <a16:creationId xmlns:a16="http://schemas.microsoft.com/office/drawing/2014/main" id="{7294AC75-F40B-44E1-AB20-1DE181ABE212}"/>
+              </a:ext>
+            </a:extLst>
+          </p:cNvPr>
+          <p:cNvSpPr>
+            <a:spLocks noGrp="1"/>
+          </p:cNvSpPr>
+          <p:nvPr>
+            <p:ph type="title"/>
+          </p:nvPr>
+        </p:nvSpPr>
+        <p:spPr/>
+        <p:txBody>
+          <a:bodyPr/>
+          <a:lstStyle/>
+          <a:p>
+            <a:r>
+              <a:rPr lang="ko-KR" altLang="en-US" dirty="0"/>
+              <a:t>정의</a:t>
+            </a:r>
+          </a:p>
+        </p:txBody>
+      </p:sp>
+      <mc:AlternateContent xmlns:mc="http://schemas.openxmlformats.org/markup-compatibility/2006">
+        <mc:Choice xmlns:a14="http://schemas.microsoft.com/office/drawing/2010/main" Requires="a14">
+          <p:sp>
+            <p:nvSpPr>
+              <p:cNvPr id="3" name="내용 개체 틀 2">
+                <a:extLst>
+                  <a:ext uri="{FF2B5EF4-FFF2-40B4-BE49-F238E27FC236}">
+                    <a16:creationId xmlns:a16="http://schemas.microsoft.com/office/drawing/2014/main" id="{CC593C31-AC9A-40BE-900A-F9483D746834}"/>
+                  </a:ext>
+                </a:extLst>
+              </p:cNvPr>
+              <p:cNvSpPr>
+                <a:spLocks noGrp="1"/>
+              </p:cNvSpPr>
+              <p:nvPr>
+                <p:ph idx="1"/>
+              </p:nvPr>
+            </p:nvSpPr>
+            <p:spPr/>
+            <p:txBody>
+              <a:bodyPr>
+                <a:normAutofit lnSpcReduction="10000"/>
+              </a:bodyPr>
+              <a:lstStyle/>
+              <a:p>
+                <a:r>
+                  <a:rPr lang="ko-KR" altLang="en-US" sz="2000" dirty="0"/>
+                  <a:t>개요</a:t>
+                </a:r>
+                <a:endParaRPr lang="en-US" altLang="ko-KR" sz="2000" dirty="0"/>
+              </a:p>
+              <a:p>
+                <a:pPr marL="0" indent="0">
+                  <a:buNone/>
+                </a:pPr>
+                <a:r>
+                  <a:rPr lang="en-US" altLang="ko-KR" sz="2000" dirty="0">
+                    <a:latin typeface="Cambria Math" panose="02040503050406030204" pitchFamily="18" charset="0"/>
+                  </a:rPr>
+                  <a:t>3. </a:t>
+                </a:r>
+                <a:r>
+                  <a:rPr lang="ko-KR" altLang="en-US" sz="2000" dirty="0" err="1">
+                    <a:latin typeface="Cambria Math" panose="02040503050406030204" pitchFamily="18" charset="0"/>
+                  </a:rPr>
+                  <a:t>검정력</a:t>
+                </a:r>
+                <a:r>
+                  <a:rPr lang="ko-KR" altLang="en-US" sz="2000" dirty="0">
+                    <a:latin typeface="Cambria Math" panose="02040503050406030204" pitchFamily="18" charset="0"/>
+                  </a:rPr>
+                  <a:t> 함수</a:t>
+                </a:r>
+                <a:endParaRPr lang="en-US" altLang="ko-KR" sz="2000" dirty="0">
+                  <a:latin typeface="Cambria Math" panose="02040503050406030204" pitchFamily="18" charset="0"/>
+                </a:endParaRPr>
+              </a:p>
+              <a:p>
+                <a:pPr marL="457200" indent="-457200">
+                  <a:buAutoNum type="arabicParenR"/>
+                </a:pPr>
+                <a14:m>
+                  <m:oMath xmlns:m="http://schemas.openxmlformats.org/officeDocument/2006/math">
+                    <m:sSub>
+                      <m:sSubPr>
+                        <m:ctrlPr>
+                          <a:rPr lang="en-US" altLang="ko-KR" sz="2000" i="1" dirty="0" smtClean="0">
+                            <a:latin typeface="Cambria Math" panose="02040503050406030204" pitchFamily="18" charset="0"/>
+                          </a:rPr>
+                        </m:ctrlPr>
+                      </m:sSubPr>
+                      <m:e>
+                        <m:r>
+                          <a:rPr lang="en-US" altLang="ko-KR" sz="2000" b="0" i="1" dirty="0" smtClean="0">
+                            <a:latin typeface="Cambria Math" panose="02040503050406030204" pitchFamily="18" charset="0"/>
+                          </a:rPr>
+                          <m:t>𝑃</m:t>
+                        </m:r>
+                      </m:e>
+                      <m:sub>
+                        <m:sSub>
+                          <m:sSubPr>
+                            <m:ctrlPr>
+                              <a:rPr lang="ko-KR" altLang="en-US" sz="2000" i="1">
+                                <a:latin typeface="Cambria Math" panose="02040503050406030204" pitchFamily="18" charset="0"/>
+                              </a:rPr>
+                            </m:ctrlPr>
+                          </m:sSubPr>
+                          <m:e>
+                            <m:r>
+                              <a:rPr lang="en-US" altLang="ko-KR" sz="2000" i="1">
+                                <a:latin typeface="Cambria Math" panose="02040503050406030204" pitchFamily="18" charset="0"/>
+                              </a:rPr>
+                              <m:t>𝐻</m:t>
+                            </m:r>
+                          </m:e>
+                          <m:sub>
+                            <m:r>
+                              <a:rPr lang="en-US" altLang="ko-KR" sz="2000" i="1">
+                                <a:latin typeface="Cambria Math" panose="02040503050406030204" pitchFamily="18" charset="0"/>
+                              </a:rPr>
+                              <m:t>1</m:t>
+                            </m:r>
+                            <m:r>
+                              <a:rPr lang="en-US" altLang="ko-KR" sz="2000" i="1">
+                                <a:latin typeface="Cambria Math" panose="02040503050406030204" pitchFamily="18" charset="0"/>
+                              </a:rPr>
+                              <m:t>𝐵</m:t>
+                            </m:r>
+                          </m:sub>
+                        </m:sSub>
+                      </m:sub>
+                    </m:sSub>
+                    <m:r>
+                      <a:rPr lang="en-US" altLang="ko-KR" sz="2000" b="0" i="1" dirty="0" smtClean="0">
+                        <a:latin typeface="Cambria Math" panose="02040503050406030204" pitchFamily="18" charset="0"/>
+                      </a:rPr>
+                      <m:t>[</m:t>
+                    </m:r>
+                    <m:sSup>
+                      <m:sSupPr>
+                        <m:ctrlPr>
+                          <a:rPr lang="en-US" altLang="ko-KR" sz="2000" i="1">
+                            <a:latin typeface="Cambria Math" panose="02040503050406030204" pitchFamily="18" charset="0"/>
+                          </a:rPr>
+                        </m:ctrlPr>
+                      </m:sSupPr>
+                      <m:e>
+                        <m:d>
+                          <m:dPr>
+                            <m:ctrlPr>
+                              <a:rPr lang="en-US" altLang="ko-KR" sz="2000" i="1">
+                                <a:latin typeface="Cambria Math" panose="02040503050406030204" pitchFamily="18" charset="0"/>
+                              </a:rPr>
+                            </m:ctrlPr>
+                          </m:dPr>
+                          <m:e>
+                            <m:r>
+                              <a:rPr lang="en-US" altLang="ko-KR" sz="2000">
+                                <a:latin typeface="Cambria Math" panose="02040503050406030204" pitchFamily="18" charset="0"/>
+                              </a:rPr>
+                              <m:t>∧</m:t>
+                            </m:r>
+                          </m:e>
+                        </m:d>
+                      </m:e>
+                      <m:sup>
+                        <m:f>
+                          <m:fPr>
+                            <m:ctrlPr>
+                              <a:rPr lang="en-US" altLang="ko-KR" sz="2000" i="1">
+                                <a:latin typeface="Cambria Math" panose="02040503050406030204" pitchFamily="18" charset="0"/>
+                              </a:rPr>
+                            </m:ctrlPr>
+                          </m:fPr>
+                          <m:num>
+                            <m:r>
+                              <m:rPr>
+                                <m:sty m:val="p"/>
+                              </m:rPr>
+                              <a:rPr lang="en-US" altLang="ko-KR" sz="2000">
+                                <a:latin typeface="Cambria Math" panose="02040503050406030204" pitchFamily="18" charset="0"/>
+                              </a:rPr>
+                              <m:t>ab</m:t>
+                            </m:r>
+                          </m:num>
+                          <m:den>
+                            <m:r>
+                              <a:rPr lang="en-US" altLang="ko-KR" sz="2000">
+                                <a:latin typeface="Cambria Math" panose="02040503050406030204" pitchFamily="18" charset="0"/>
+                              </a:rPr>
+                              <m:t>2</m:t>
+                            </m:r>
+                          </m:den>
+                        </m:f>
+                      </m:sup>
+                    </m:sSup>
+                    <m:r>
+                      <a:rPr lang="en-US" altLang="ko-KR" sz="2000" b="0" i="1" smtClean="0">
+                        <a:latin typeface="Cambria Math" panose="02040503050406030204" pitchFamily="18" charset="0"/>
+                      </a:rPr>
+                      <m:t>≥</m:t>
+                    </m:r>
+                    <m:r>
+                      <a:rPr lang="en-US" altLang="ko-KR" sz="2000" b="0" i="1" smtClean="0">
+                        <a:latin typeface="Cambria Math" panose="02040503050406030204" pitchFamily="18" charset="0"/>
+                      </a:rPr>
+                      <m:t>𝑐</m:t>
+                    </m:r>
+                    <m:r>
+                      <a:rPr lang="en-US" altLang="ko-KR" sz="2000" b="0" i="1" smtClean="0">
+                        <a:latin typeface="Cambria Math" panose="02040503050406030204" pitchFamily="18" charset="0"/>
+                      </a:rPr>
+                      <m:t>]</m:t>
+                    </m:r>
+                  </m:oMath>
+                </a14:m>
+                <a:r>
+                  <a:rPr lang="en-US" altLang="ko-KR" sz="2000" dirty="0">
+                    <a:latin typeface="Cambria Math" panose="02040503050406030204" pitchFamily="18" charset="0"/>
+                  </a:rPr>
+                  <a:t> </a:t>
+                </a:r>
+                <a:r>
+                  <a:rPr lang="ko-KR" altLang="en-US" sz="2000" dirty="0">
+                    <a:latin typeface="Cambria Math" panose="02040503050406030204" pitchFamily="18" charset="0"/>
+                  </a:rPr>
+                  <a:t>는 </a:t>
+                </a:r>
+                <a14:m>
+                  <m:oMath xmlns:m="http://schemas.openxmlformats.org/officeDocument/2006/math">
+                    <m:sSub>
+                      <m:sSubPr>
+                        <m:ctrlPr>
+                          <a:rPr lang="ko-KR" altLang="en-US" sz="2000" i="1">
+                            <a:latin typeface="Cambria Math" panose="02040503050406030204" pitchFamily="18" charset="0"/>
+                          </a:rPr>
+                        </m:ctrlPr>
+                      </m:sSubPr>
+                      <m:e>
+                        <m:r>
+                          <a:rPr lang="en-US" altLang="ko-KR" sz="2000" i="1">
+                            <a:latin typeface="Cambria Math" panose="02040503050406030204" pitchFamily="18" charset="0"/>
+                          </a:rPr>
+                          <m:t>𝐻</m:t>
+                        </m:r>
+                      </m:e>
+                      <m:sub>
+                        <m:r>
+                          <a:rPr lang="en-US" altLang="ko-KR" sz="2000" i="1">
+                            <a:latin typeface="Cambria Math" panose="02040503050406030204" pitchFamily="18" charset="0"/>
+                          </a:rPr>
+                          <m:t>0</m:t>
+                        </m:r>
+                        <m:r>
+                          <a:rPr lang="en-US" altLang="ko-KR" sz="2000" i="1">
+                            <a:latin typeface="Cambria Math" panose="02040503050406030204" pitchFamily="18" charset="0"/>
+                          </a:rPr>
+                          <m:t>𝐵</m:t>
+                        </m:r>
+                      </m:sub>
+                    </m:sSub>
+                    <m:r>
+                      <a:rPr lang="ko-KR" altLang="en-US" sz="2000" i="1" smtClean="0">
+                        <a:latin typeface="Cambria Math" panose="02040503050406030204" pitchFamily="18" charset="0"/>
+                      </a:rPr>
+                      <m:t>를</m:t>
+                    </m:r>
+                  </m:oMath>
+                </a14:m>
+                <a:r>
+                  <a:rPr lang="ko-KR" altLang="en-US" sz="2000" dirty="0">
+                    <a:latin typeface="Cambria Math" panose="02040503050406030204" pitchFamily="18" charset="0"/>
+                  </a:rPr>
+                  <a:t> 기각하는 기각역에서 </a:t>
+                </a:r>
+                <a14:m>
+                  <m:oMath xmlns:m="http://schemas.openxmlformats.org/officeDocument/2006/math">
+                    <m:sSub>
+                      <m:sSubPr>
+                        <m:ctrlPr>
+                          <a:rPr lang="ko-KR" altLang="en-US" sz="2000" i="1">
+                            <a:latin typeface="Cambria Math" panose="02040503050406030204" pitchFamily="18" charset="0"/>
+                          </a:rPr>
+                        </m:ctrlPr>
+                      </m:sSubPr>
+                      <m:e>
+                        <m:r>
+                          <a:rPr lang="en-US" altLang="ko-KR" sz="2000" i="1">
+                            <a:latin typeface="Cambria Math" panose="02040503050406030204" pitchFamily="18" charset="0"/>
+                          </a:rPr>
+                          <m:t>𝐻</m:t>
+                        </m:r>
+                      </m:e>
+                      <m:sub>
+                        <m:r>
+                          <a:rPr lang="en-US" altLang="ko-KR" sz="2000" i="1">
+                            <a:latin typeface="Cambria Math" panose="02040503050406030204" pitchFamily="18" charset="0"/>
+                          </a:rPr>
+                          <m:t>1</m:t>
+                        </m:r>
+                        <m:r>
+                          <a:rPr lang="en-US" altLang="ko-KR" sz="2000" i="1">
+                            <a:latin typeface="Cambria Math" panose="02040503050406030204" pitchFamily="18" charset="0"/>
+                          </a:rPr>
+                          <m:t>𝐵</m:t>
+                        </m:r>
+                      </m:sub>
+                    </m:sSub>
+                  </m:oMath>
+                </a14:m>
+                <a:r>
+                  <a:rPr lang="ko-KR" altLang="en-US" sz="2000" dirty="0">
+                    <a:latin typeface="Cambria Math" panose="02040503050406030204" pitchFamily="18" charset="0"/>
+                  </a:rPr>
+                  <a:t>가 참일때의 확률</a:t>
+                </a:r>
+                <a:r>
+                  <a:rPr lang="en-US" altLang="ko-KR" sz="2000" dirty="0">
+                    <a:latin typeface="Cambria Math" panose="02040503050406030204" pitchFamily="18" charset="0"/>
+                  </a:rPr>
+                  <a:t>, </a:t>
+                </a:r>
+                <a:r>
+                  <a:rPr lang="ko-KR" altLang="en-US" sz="2000" dirty="0">
+                    <a:latin typeface="Cambria Math" panose="02040503050406030204" pitchFamily="18" charset="0"/>
+                  </a:rPr>
+                  <a:t>즉 </a:t>
+                </a:r>
+                <a:r>
+                  <a:rPr lang="ko-KR" altLang="en-US" sz="2000" dirty="0" err="1">
+                    <a:latin typeface="Cambria Math" panose="02040503050406030204" pitchFamily="18" charset="0"/>
+                  </a:rPr>
+                  <a:t>검정력을</a:t>
+                </a:r>
+                <a:r>
+                  <a:rPr lang="ko-KR" altLang="en-US" sz="2000" dirty="0">
+                    <a:latin typeface="Cambria Math" panose="02040503050406030204" pitchFamily="18" charset="0"/>
+                  </a:rPr>
+                  <a:t> 의미</a:t>
+                </a:r>
+                <a:endParaRPr lang="en-US" altLang="ko-KR" sz="2000" dirty="0">
+                  <a:latin typeface="Cambria Math" panose="02040503050406030204" pitchFamily="18" charset="0"/>
+                </a:endParaRPr>
+              </a:p>
+              <a:p>
+                <a:pPr marL="457200" indent="-457200">
+                  <a:buAutoNum type="arabicParenR"/>
+                </a:pPr>
+                <a:r>
+                  <a:rPr lang="en-US" altLang="ko-KR" sz="2000" dirty="0">
+                    <a:latin typeface="Cambria Math" panose="02040503050406030204" pitchFamily="18" charset="0"/>
+                  </a:rPr>
+                  <a:t>w </a:t>
+                </a:r>
+                <a:r>
+                  <a:rPr lang="ko-KR" altLang="en-US" sz="2000" dirty="0">
+                    <a:latin typeface="Cambria Math" panose="02040503050406030204" pitchFamily="18" charset="0"/>
+                  </a:rPr>
+                  <a:t>공간에서 </a:t>
+                </a:r>
+                <a:r>
+                  <a:rPr lang="en-US" altLang="ko-KR" sz="2000" dirty="0">
+                    <a:latin typeface="Cambria Math" panose="02040503050406030204" pitchFamily="18" charset="0"/>
+                  </a:rPr>
+                  <a:t>MLE </a:t>
+                </a:r>
+                <a:r>
+                  <a:rPr lang="ko-KR" altLang="en-US" sz="2000" dirty="0" err="1">
+                    <a:latin typeface="Cambria Math" panose="02040503050406030204" pitchFamily="18" charset="0"/>
+                  </a:rPr>
+                  <a:t>추정량은</a:t>
+                </a:r>
+                <a:endParaRPr lang="en-US" altLang="ko-KR" sz="2000" dirty="0">
+                  <a:latin typeface="Cambria Math" panose="02040503050406030204" pitchFamily="18" charset="0"/>
+                </a:endParaRPr>
+              </a:p>
+              <a:p>
+                <a:pPr marL="457200" indent="-457200">
+                  <a:buAutoNum type="arabicParenBoth"/>
+                </a:pPr>
+                <a14:m>
+                  <m:oMath xmlns:m="http://schemas.openxmlformats.org/officeDocument/2006/math">
+                    <m:sSup>
+                      <m:sSupPr>
+                        <m:ctrlPr>
+                          <a:rPr lang="en-US" altLang="ko-KR" sz="2000" i="1">
+                            <a:latin typeface="Cambria Math" panose="02040503050406030204" pitchFamily="18" charset="0"/>
+                          </a:rPr>
+                        </m:ctrlPr>
+                      </m:sSupPr>
+                      <m:e>
+                        <m:sSub>
+                          <m:sSubPr>
+                            <m:ctrlPr>
+                              <a:rPr lang="ko-KR" altLang="en-US" sz="2000" i="1">
+                                <a:latin typeface="Cambria Math" panose="02040503050406030204" pitchFamily="18" charset="0"/>
+                              </a:rPr>
+                            </m:ctrlPr>
+                          </m:sSubPr>
+                          <m:e>
+                            <m:r>
+                              <a:rPr lang="ko-KR" altLang="en-US" sz="2000" i="1">
+                                <a:latin typeface="Cambria Math" panose="02040503050406030204" pitchFamily="18" charset="0"/>
+                              </a:rPr>
+                              <m:t>𝜎</m:t>
+                            </m:r>
+                          </m:e>
+                          <m:sub>
+                            <m:r>
+                              <a:rPr lang="en-US" altLang="ko-KR" sz="2000" i="1">
+                                <a:latin typeface="Cambria Math" panose="02040503050406030204" pitchFamily="18" charset="0"/>
+                              </a:rPr>
+                              <m:t>𝑤</m:t>
+                            </m:r>
+                          </m:sub>
+                        </m:sSub>
+                      </m:e>
+                      <m:sup>
+                        <m:r>
+                          <a:rPr lang="en-US" altLang="ko-KR" sz="2000" i="1">
+                            <a:latin typeface="Cambria Math" panose="02040503050406030204" pitchFamily="18" charset="0"/>
+                          </a:rPr>
+                          <m:t>2</m:t>
+                        </m:r>
+                      </m:sup>
+                    </m:sSup>
+                    <m:r>
+                      <a:rPr lang="en-US" altLang="ko-KR" sz="2000" b="0" i="1" smtClean="0">
+                        <a:latin typeface="Cambria Math" panose="02040503050406030204" pitchFamily="18" charset="0"/>
+                      </a:rPr>
+                      <m:t>=</m:t>
+                    </m:r>
+                    <m:f>
+                      <m:fPr>
+                        <m:ctrlPr>
+                          <a:rPr lang="en-US" altLang="ko-KR" sz="2000" i="1">
+                            <a:latin typeface="Cambria Math" panose="02040503050406030204" pitchFamily="18" charset="0"/>
+                          </a:rPr>
+                        </m:ctrlPr>
+                      </m:fPr>
+                      <m:num>
+                        <m:sSub>
+                          <m:sSubPr>
+                            <m:ctrlPr>
+                              <a:rPr lang="en-US" altLang="ko-KR" sz="2000" i="1">
+                                <a:latin typeface="Cambria Math" panose="02040503050406030204" pitchFamily="18" charset="0"/>
+                              </a:rPr>
+                            </m:ctrlPr>
+                          </m:sSubPr>
+                          <m:e>
+                            <m:sSub>
+                              <m:sSubPr>
+                                <m:ctrlPr>
+                                  <a:rPr lang="en-US" altLang="ko-KR" sz="2000" i="1">
+                                    <a:latin typeface="Cambria Math" panose="02040503050406030204" pitchFamily="18" charset="0"/>
+                                  </a:rPr>
+                                </m:ctrlPr>
+                              </m:sSubPr>
+                              <m:e>
+                                <m:r>
+                                  <a:rPr lang="en-US" altLang="ko-KR" sz="2000" i="1">
+                                    <a:latin typeface="Cambria Math" panose="02040503050406030204" pitchFamily="18" charset="0"/>
+                                  </a:rPr>
+                                  <m:t>𝑄</m:t>
+                                </m:r>
+                              </m:e>
+                              <m:sub>
+                                <m:r>
+                                  <a:rPr lang="en-US" altLang="ko-KR" sz="2000" i="1">
+                                    <a:latin typeface="Cambria Math" panose="02040503050406030204" pitchFamily="18" charset="0"/>
+                                  </a:rPr>
+                                  <m:t>4</m:t>
+                                </m:r>
+                              </m:sub>
+                            </m:sSub>
+                            <m:r>
+                              <a:rPr lang="en-US" altLang="ko-KR" sz="2000" i="1">
+                                <a:latin typeface="Cambria Math" panose="02040503050406030204" pitchFamily="18" charset="0"/>
+                              </a:rPr>
+                              <m:t>+</m:t>
+                            </m:r>
+                            <m:r>
+                              <a:rPr lang="en-US" altLang="ko-KR" sz="2000" i="1">
+                                <a:latin typeface="Cambria Math" panose="02040503050406030204" pitchFamily="18" charset="0"/>
+                              </a:rPr>
+                              <m:t>𝑄</m:t>
+                            </m:r>
+                          </m:e>
+                          <m:sub>
+                            <m:r>
+                              <a:rPr lang="en-US" altLang="ko-KR" sz="2000" i="1">
+                                <a:latin typeface="Cambria Math" panose="02040503050406030204" pitchFamily="18" charset="0"/>
+                              </a:rPr>
+                              <m:t>5</m:t>
+                            </m:r>
+                          </m:sub>
+                        </m:sSub>
+                      </m:num>
+                      <m:den>
+                        <m:r>
+                          <a:rPr lang="en-US" altLang="ko-KR" sz="2000" i="1">
+                            <a:latin typeface="Cambria Math" panose="02040503050406030204" pitchFamily="18" charset="0"/>
+                          </a:rPr>
+                          <m:t>𝑎𝑏</m:t>
+                        </m:r>
+                      </m:den>
+                    </m:f>
+                  </m:oMath>
+                </a14:m>
+                <a:r>
+                  <a:rPr lang="en-US" altLang="ko-KR" sz="2000" dirty="0">
+                    <a:latin typeface="Cambria Math" panose="02040503050406030204" pitchFamily="18" charset="0"/>
+                  </a:rPr>
+                  <a:t> </a:t>
+                </a:r>
+                <a:r>
+                  <a:rPr lang="ko-KR" altLang="en-US" sz="2000" dirty="0">
+                    <a:latin typeface="Cambria Math" panose="02040503050406030204" pitchFamily="18" charset="0"/>
+                  </a:rPr>
+                  <a:t>였으므로</a:t>
+                </a:r>
+                <a:r>
+                  <a:rPr lang="en-US" altLang="ko-KR" sz="2000" dirty="0">
+                    <a:latin typeface="Cambria Math" panose="02040503050406030204" pitchFamily="18" charset="0"/>
+                  </a:rPr>
+                  <a:t>, </a:t>
+                </a:r>
+                <a14:m>
+                  <m:oMath xmlns:m="http://schemas.openxmlformats.org/officeDocument/2006/math">
+                    <m:sSub>
+                      <m:sSubPr>
+                        <m:ctrlPr>
+                          <a:rPr lang="en-US" altLang="ko-KR" sz="2000" i="1">
+                            <a:latin typeface="Cambria Math" panose="02040503050406030204" pitchFamily="18" charset="0"/>
+                          </a:rPr>
+                        </m:ctrlPr>
+                      </m:sSubPr>
+                      <m:e>
+                        <m:r>
+                          <a:rPr lang="en-US" altLang="ko-KR" sz="2000" i="1">
+                            <a:latin typeface="Cambria Math" panose="02040503050406030204" pitchFamily="18" charset="0"/>
+                          </a:rPr>
+                          <m:t>𝑄</m:t>
+                        </m:r>
+                      </m:e>
+                      <m:sub>
+                        <m:r>
+                          <a:rPr lang="en-US" altLang="ko-KR" sz="2000" i="1">
+                            <a:latin typeface="Cambria Math" panose="02040503050406030204" pitchFamily="18" charset="0"/>
+                          </a:rPr>
+                          <m:t>4</m:t>
+                        </m:r>
+                      </m:sub>
+                    </m:sSub>
+                  </m:oMath>
+                </a14:m>
+                <a:r>
+                  <a:rPr lang="ko-KR" altLang="en-US" sz="2000" dirty="0">
+                    <a:latin typeface="Cambria Math" panose="02040503050406030204" pitchFamily="18" charset="0"/>
+                  </a:rPr>
+                  <a:t>와 </a:t>
+                </a:r>
+                <a14:m>
+                  <m:oMath xmlns:m="http://schemas.openxmlformats.org/officeDocument/2006/math">
+                    <m:sSub>
+                      <m:sSubPr>
+                        <m:ctrlPr>
+                          <a:rPr lang="en-US" altLang="ko-KR" sz="2000" i="1">
+                            <a:latin typeface="Cambria Math" panose="02040503050406030204" pitchFamily="18" charset="0"/>
+                          </a:rPr>
+                        </m:ctrlPr>
+                      </m:sSubPr>
+                      <m:e>
+                        <m:r>
+                          <a:rPr lang="en-US" altLang="ko-KR" sz="2000" i="1">
+                            <a:latin typeface="Cambria Math" panose="02040503050406030204" pitchFamily="18" charset="0"/>
+                          </a:rPr>
+                          <m:t>𝑄</m:t>
+                        </m:r>
+                      </m:e>
+                      <m:sub>
+                        <m:r>
+                          <a:rPr lang="en-US" altLang="ko-KR" sz="2000" b="0" i="1" smtClean="0">
+                            <a:latin typeface="Cambria Math" panose="02040503050406030204" pitchFamily="18" charset="0"/>
+                          </a:rPr>
+                          <m:t>5</m:t>
+                        </m:r>
+                      </m:sub>
+                    </m:sSub>
+                  </m:oMath>
+                </a14:m>
+                <a:r>
+                  <a:rPr lang="ko-KR" altLang="en-US" sz="2000" dirty="0">
+                    <a:latin typeface="Cambria Math" panose="02040503050406030204" pitchFamily="18" charset="0"/>
+                  </a:rPr>
+                  <a:t>의 </a:t>
+                </a:r>
+                <a:r>
+                  <a:rPr lang="ko-KR" altLang="en-US" sz="2000" dirty="0" err="1">
+                    <a:latin typeface="Cambria Math" panose="02040503050406030204" pitchFamily="18" charset="0"/>
+                  </a:rPr>
+                  <a:t>비중심모수를</a:t>
+                </a:r>
+                <a:r>
+                  <a:rPr lang="ko-KR" altLang="en-US" sz="2000" dirty="0">
+                    <a:latin typeface="Cambria Math" panose="02040503050406030204" pitchFamily="18" charset="0"/>
+                  </a:rPr>
+                  <a:t> 구하면 </a:t>
+                </a:r>
+                <a:endParaRPr lang="en-US" altLang="ko-KR" sz="2000" dirty="0">
+                  <a:latin typeface="Cambria Math" panose="02040503050406030204" pitchFamily="18" charset="0"/>
+                </a:endParaRPr>
+              </a:p>
+              <a:p>
+                <a:pPr marL="457200" indent="-457200">
+                  <a:buFont typeface="Arial" panose="020B0604020202020204" pitchFamily="34" charset="0"/>
+                  <a:buAutoNum type="arabicParenBoth"/>
+                </a:pPr>
+                <a14:m>
+                  <m:oMath xmlns:m="http://schemas.openxmlformats.org/officeDocument/2006/math">
+                    <m:r>
+                      <a:rPr lang="en-US" altLang="ko-KR" sz="2000" b="0" i="1" smtClean="0">
+                        <a:latin typeface="Cambria Math" panose="02040503050406030204" pitchFamily="18" charset="0"/>
+                      </a:rPr>
+                      <m:t>𝐸</m:t>
+                    </m:r>
+                    <m:r>
+                      <a:rPr lang="en-US" altLang="ko-KR" sz="2000" b="0" i="1" smtClean="0">
+                        <a:latin typeface="Cambria Math" panose="02040503050406030204" pitchFamily="18" charset="0"/>
+                      </a:rPr>
+                      <m:t>(</m:t>
+                    </m:r>
+                    <m:sSub>
+                      <m:sSubPr>
+                        <m:ctrlPr>
+                          <a:rPr lang="ko-KR" altLang="en-US" sz="2000" i="1" smtClean="0">
+                            <a:latin typeface="Cambria Math" panose="02040503050406030204" pitchFamily="18" charset="0"/>
+                          </a:rPr>
+                        </m:ctrlPr>
+                      </m:sSubPr>
+                      <m:e>
+                        <m:r>
+                          <a:rPr lang="en-US" altLang="ko-KR" sz="2000" b="0" i="1" smtClean="0">
+                            <a:latin typeface="Cambria Math" panose="02040503050406030204" pitchFamily="18" charset="0"/>
+                          </a:rPr>
+                          <m:t>𝑋</m:t>
+                        </m:r>
+                      </m:e>
+                      <m:sub>
+                        <m:r>
+                          <a:rPr lang="en-US" altLang="ko-KR" sz="2000" i="1">
+                            <a:latin typeface="Cambria Math" panose="02040503050406030204" pitchFamily="18" charset="0"/>
+                          </a:rPr>
+                          <m:t>𝑖</m:t>
+                        </m:r>
+                        <m:r>
+                          <a:rPr lang="en-US" altLang="ko-KR" sz="2000" i="1">
+                            <a:latin typeface="Cambria Math" panose="02040503050406030204" pitchFamily="18" charset="0"/>
+                          </a:rPr>
+                          <m:t>𝑗</m:t>
+                        </m:r>
+                      </m:sub>
+                    </m:sSub>
+                    <m:r>
+                      <a:rPr lang="en-US" altLang="ko-KR" sz="2000" b="0" i="1" smtClean="0">
+                        <a:latin typeface="Cambria Math" panose="02040503050406030204" pitchFamily="18" charset="0"/>
+                      </a:rPr>
+                      <m:t>)</m:t>
+                    </m:r>
+                  </m:oMath>
+                </a14:m>
+                <a:r>
+                  <a:rPr lang="en-US" altLang="ko-KR" sz="2000" dirty="0">
+                    <a:latin typeface="Cambria Math" panose="02040503050406030204" pitchFamily="18" charset="0"/>
+                  </a:rPr>
+                  <a:t> = </a:t>
+                </a:r>
+                <a14:m>
+                  <m:oMath xmlns:m="http://schemas.openxmlformats.org/officeDocument/2006/math">
+                    <m:sSub>
+                      <m:sSubPr>
+                        <m:ctrlPr>
+                          <a:rPr lang="en-US" altLang="ko-KR" sz="2000" i="1">
+                            <a:latin typeface="Cambria Math" panose="02040503050406030204" pitchFamily="18" charset="0"/>
+                          </a:rPr>
+                        </m:ctrlPr>
+                      </m:sSubPr>
+                      <m:e>
+                        <m:r>
+                          <a:rPr lang="ko-KR" altLang="en-US" sz="2000" i="1">
+                            <a:latin typeface="Cambria Math" panose="02040503050406030204" pitchFamily="18" charset="0"/>
+                          </a:rPr>
+                          <m:t>𝜇</m:t>
+                        </m:r>
+                      </m:e>
+                      <m:sub>
+                        <m:r>
+                          <a:rPr lang="en-US" altLang="ko-KR" sz="2000" i="1">
+                            <a:latin typeface="Cambria Math" panose="02040503050406030204" pitchFamily="18" charset="0"/>
+                          </a:rPr>
+                          <m:t>𝑖𝑗</m:t>
+                        </m:r>
+                      </m:sub>
+                    </m:sSub>
+                  </m:oMath>
+                </a14:m>
+                <a:r>
+                  <a:rPr lang="ko-KR" altLang="en-US" sz="2000" dirty="0"/>
+                  <a:t> </a:t>
+                </a:r>
+                <a:r>
+                  <a:rPr lang="en-US" altLang="ko-KR" sz="2000" dirty="0"/>
+                  <a:t>=</a:t>
+                </a:r>
+                <a:r>
+                  <a:rPr lang="ko-KR" altLang="en-US" sz="2000" dirty="0"/>
+                  <a:t> </a:t>
+                </a:r>
+                <a14:m>
+                  <m:oMath xmlns:m="http://schemas.openxmlformats.org/officeDocument/2006/math">
+                    <m:r>
+                      <a:rPr lang="ko-KR" altLang="en-US" sz="2000" i="1">
+                        <a:latin typeface="Cambria Math" panose="02040503050406030204" pitchFamily="18" charset="0"/>
+                      </a:rPr>
+                      <m:t>𝜇</m:t>
+                    </m:r>
+                    <m:r>
+                      <a:rPr lang="ko-KR" altLang="en-US" sz="2000" i="1">
+                        <a:latin typeface="Cambria Math" panose="02040503050406030204" pitchFamily="18" charset="0"/>
+                      </a:rPr>
+                      <m:t> +</m:t>
+                    </m:r>
+                    <m:sSub>
+                      <m:sSubPr>
+                        <m:ctrlPr>
+                          <a:rPr lang="en-US" altLang="ko-KR" sz="2000" i="1">
+                            <a:latin typeface="Cambria Math" panose="02040503050406030204" pitchFamily="18" charset="0"/>
+                          </a:rPr>
+                        </m:ctrlPr>
+                      </m:sSubPr>
+                      <m:e>
+                        <m:r>
+                          <a:rPr lang="en-US" altLang="ko-KR" sz="2000" i="1">
+                            <a:latin typeface="Cambria Math" panose="02040503050406030204" pitchFamily="18" charset="0"/>
+                          </a:rPr>
+                          <m:t>𝛼</m:t>
+                        </m:r>
+                      </m:e>
+                      <m:sub>
+                        <m:r>
+                          <a:rPr lang="en-US" altLang="ko-KR" sz="2000" i="1">
+                            <a:latin typeface="Cambria Math" panose="02040503050406030204" pitchFamily="18" charset="0"/>
+                          </a:rPr>
+                          <m:t>𝑖</m:t>
+                        </m:r>
+                      </m:sub>
+                    </m:sSub>
+                  </m:oMath>
+                </a14:m>
+                <a:r>
+                  <a:rPr lang="en-US" altLang="ko-KR" sz="2000" dirty="0"/>
+                  <a:t>+ </a:t>
+                </a:r>
+                <a14:m>
+                  <m:oMath xmlns:m="http://schemas.openxmlformats.org/officeDocument/2006/math">
+                    <m:sSub>
+                      <m:sSubPr>
+                        <m:ctrlPr>
+                          <a:rPr lang="en-US" altLang="ko-KR" sz="2000" i="1">
+                            <a:latin typeface="Cambria Math" panose="02040503050406030204" pitchFamily="18" charset="0"/>
+                          </a:rPr>
+                        </m:ctrlPr>
+                      </m:sSubPr>
+                      <m:e>
+                        <m:r>
+                          <a:rPr lang="en-US" altLang="ko-KR" sz="2000" i="1">
+                            <a:latin typeface="Cambria Math" panose="02040503050406030204" pitchFamily="18" charset="0"/>
+                          </a:rPr>
+                          <m:t>𝛽</m:t>
+                        </m:r>
+                      </m:e>
+                      <m:sub>
+                        <m:r>
+                          <a:rPr lang="en-US" altLang="ko-KR" sz="2000" i="1">
+                            <a:latin typeface="Cambria Math" panose="02040503050406030204" pitchFamily="18" charset="0"/>
+                          </a:rPr>
+                          <m:t>𝑗</m:t>
+                        </m:r>
+                      </m:sub>
+                    </m:sSub>
+                  </m:oMath>
+                </a14:m>
+                <a:r>
+                  <a:rPr lang="en-US" altLang="ko-KR" sz="2000" dirty="0">
+                    <a:latin typeface="Cambria Math" panose="02040503050406030204" pitchFamily="18" charset="0"/>
+                  </a:rPr>
+                  <a:t> , </a:t>
+                </a:r>
+                <a14:m>
+                  <m:oMath xmlns:m="http://schemas.openxmlformats.org/officeDocument/2006/math">
+                    <m:r>
+                      <m:rPr>
+                        <m:sty m:val="p"/>
+                      </m:rPr>
+                      <a:rPr lang="en-US" altLang="ko-KR" sz="2000" b="0" i="0" smtClean="0">
+                        <a:latin typeface="Cambria Math" panose="02040503050406030204" pitchFamily="18" charset="0"/>
+                      </a:rPr>
+                      <m:t>E</m:t>
+                    </m:r>
+                    <m:r>
+                      <a:rPr lang="en-US" altLang="ko-KR" sz="2000" b="0" i="0" smtClean="0">
+                        <a:latin typeface="Cambria Math" panose="02040503050406030204" pitchFamily="18" charset="0"/>
+                      </a:rPr>
+                      <m:t>(</m:t>
+                    </m:r>
+                    <m:sSub>
+                      <m:sSubPr>
+                        <m:ctrlPr>
+                          <a:rPr lang="ko-KR" altLang="en-US" sz="2000" i="1" smtClean="0">
+                            <a:latin typeface="Cambria Math" panose="02040503050406030204" pitchFamily="18" charset="0"/>
+                          </a:rPr>
+                        </m:ctrlPr>
+                      </m:sSubPr>
+                      <m:e>
+                        <m:bar>
+                          <m:barPr>
+                            <m:pos m:val="top"/>
+                            <m:ctrlPr>
+                              <a:rPr lang="en-US" altLang="ko-KR" sz="2000" i="1">
+                                <a:latin typeface="Cambria Math" panose="02040503050406030204" pitchFamily="18" charset="0"/>
+                              </a:rPr>
+                            </m:ctrlPr>
+                          </m:barPr>
+                          <m:e>
+                            <m:r>
+                              <a:rPr lang="en-US" altLang="ko-KR" sz="2000" i="1">
+                                <a:latin typeface="Cambria Math" panose="02040503050406030204" pitchFamily="18" charset="0"/>
+                              </a:rPr>
+                              <m:t>𝑥</m:t>
+                            </m:r>
+                          </m:e>
+                        </m:bar>
+                      </m:e>
+                      <m:sub>
+                        <m:r>
+                          <a:rPr lang="en-US" altLang="ko-KR" sz="2000" i="1">
+                            <a:latin typeface="Cambria Math" panose="02040503050406030204" pitchFamily="18" charset="0"/>
+                          </a:rPr>
+                          <m:t>𝑖</m:t>
+                        </m:r>
+                      </m:sub>
+                    </m:sSub>
+                    <m:r>
+                      <a:rPr lang="en-US" altLang="ko-KR" sz="2000" b="0" i="0" smtClean="0">
+                        <a:latin typeface="Cambria Math" panose="02040503050406030204" pitchFamily="18" charset="0"/>
+                      </a:rPr>
+                      <m:t>)</m:t>
+                    </m:r>
+                  </m:oMath>
+                </a14:m>
+                <a:r>
+                  <a:rPr lang="en-US" altLang="ko-KR" sz="2000" dirty="0">
+                    <a:latin typeface="Cambria Math" panose="02040503050406030204" pitchFamily="18" charset="0"/>
+                  </a:rPr>
+                  <a:t>=</a:t>
+                </a:r>
+                <a14:m>
+                  <m:oMath xmlns:m="http://schemas.openxmlformats.org/officeDocument/2006/math">
+                    <m:sSub>
+                      <m:sSubPr>
+                        <m:ctrlPr>
+                          <a:rPr lang="en-US" altLang="ko-KR" sz="2000" i="1">
+                            <a:latin typeface="Cambria Math" panose="02040503050406030204" pitchFamily="18" charset="0"/>
+                          </a:rPr>
+                        </m:ctrlPr>
+                      </m:sSubPr>
+                      <m:e>
+                        <m:r>
+                          <a:rPr lang="ko-KR" altLang="en-US" sz="2000" i="1">
+                            <a:latin typeface="Cambria Math" panose="02040503050406030204" pitchFamily="18" charset="0"/>
+                          </a:rPr>
+                          <m:t>𝜇</m:t>
+                        </m:r>
+                      </m:e>
+                      <m:sub>
+                        <m:r>
+                          <a:rPr lang="en-US" altLang="ko-KR" sz="2000" i="1">
+                            <a:latin typeface="Cambria Math" panose="02040503050406030204" pitchFamily="18" charset="0"/>
+                          </a:rPr>
+                          <m:t>𝑖</m:t>
+                        </m:r>
+                      </m:sub>
+                    </m:sSub>
+                  </m:oMath>
+                </a14:m>
+                <a:r>
+                  <a:rPr lang="en-US" altLang="ko-KR" sz="2000" dirty="0">
+                    <a:latin typeface="Cambria Math" panose="02040503050406030204" pitchFamily="18" charset="0"/>
+                  </a:rPr>
+                  <a:t>=</a:t>
+                </a:r>
+                <a:r>
+                  <a:rPr lang="ko-KR" altLang="en-US" sz="2000" dirty="0"/>
+                  <a:t> </a:t>
+                </a:r>
+                <a14:m>
+                  <m:oMath xmlns:m="http://schemas.openxmlformats.org/officeDocument/2006/math">
+                    <m:r>
+                      <a:rPr lang="ko-KR" altLang="en-US" sz="2000" i="1">
+                        <a:latin typeface="Cambria Math" panose="02040503050406030204" pitchFamily="18" charset="0"/>
+                      </a:rPr>
+                      <m:t>𝜇</m:t>
+                    </m:r>
+                    <m:r>
+                      <a:rPr lang="ko-KR" altLang="en-US" sz="2000" i="1">
+                        <a:latin typeface="Cambria Math" panose="02040503050406030204" pitchFamily="18" charset="0"/>
+                      </a:rPr>
+                      <m:t> +</m:t>
+                    </m:r>
+                    <m:sSub>
+                      <m:sSubPr>
+                        <m:ctrlPr>
+                          <a:rPr lang="en-US" altLang="ko-KR" sz="2000" i="1">
+                            <a:latin typeface="Cambria Math" panose="02040503050406030204" pitchFamily="18" charset="0"/>
+                          </a:rPr>
+                        </m:ctrlPr>
+                      </m:sSubPr>
+                      <m:e>
+                        <m:r>
+                          <a:rPr lang="en-US" altLang="ko-KR" sz="2000" i="1">
+                            <a:latin typeface="Cambria Math" panose="02040503050406030204" pitchFamily="18" charset="0"/>
+                          </a:rPr>
+                          <m:t>𝛼</m:t>
+                        </m:r>
+                      </m:e>
+                      <m:sub>
+                        <m:r>
+                          <a:rPr lang="en-US" altLang="ko-KR" sz="2000" i="1">
+                            <a:latin typeface="Cambria Math" panose="02040503050406030204" pitchFamily="18" charset="0"/>
+                          </a:rPr>
+                          <m:t>𝑖</m:t>
+                        </m:r>
+                      </m:sub>
+                    </m:sSub>
+                  </m:oMath>
+                </a14:m>
+                <a:r>
+                  <a:rPr lang="en-US" altLang="ko-KR" sz="2000" dirty="0">
+                    <a:latin typeface="Cambria Math" panose="02040503050406030204" pitchFamily="18" charset="0"/>
+                  </a:rPr>
+                  <a:t>, </a:t>
+                </a:r>
+                <a14:m>
+                  <m:oMath xmlns:m="http://schemas.openxmlformats.org/officeDocument/2006/math">
+                    <m:r>
+                      <a:rPr lang="en-US" altLang="ko-KR" sz="2000" b="0" i="0" smtClean="0">
+                        <a:latin typeface="Cambria Math" panose="02040503050406030204" pitchFamily="18" charset="0"/>
+                      </a:rPr>
+                      <m:t> </m:t>
+                    </m:r>
+                    <m:r>
+                      <m:rPr>
+                        <m:sty m:val="p"/>
+                      </m:rPr>
+                      <a:rPr lang="en-US" altLang="ko-KR" sz="2000">
+                        <a:latin typeface="Cambria Math" panose="02040503050406030204" pitchFamily="18" charset="0"/>
+                      </a:rPr>
+                      <m:t>E</m:t>
+                    </m:r>
+                    <m:r>
+                      <a:rPr lang="en-US" altLang="ko-KR" sz="2000">
+                        <a:latin typeface="Cambria Math" panose="02040503050406030204" pitchFamily="18" charset="0"/>
+                      </a:rPr>
+                      <m:t>(</m:t>
+                    </m:r>
+                    <m:sSub>
+                      <m:sSubPr>
+                        <m:ctrlPr>
+                          <a:rPr lang="ko-KR" altLang="en-US" sz="2000" i="1">
+                            <a:latin typeface="Cambria Math" panose="02040503050406030204" pitchFamily="18" charset="0"/>
+                          </a:rPr>
+                        </m:ctrlPr>
+                      </m:sSubPr>
+                      <m:e>
+                        <m:bar>
+                          <m:barPr>
+                            <m:pos m:val="top"/>
+                            <m:ctrlPr>
+                              <a:rPr lang="en-US" altLang="ko-KR" sz="2000" i="1">
+                                <a:latin typeface="Cambria Math" panose="02040503050406030204" pitchFamily="18" charset="0"/>
+                              </a:rPr>
+                            </m:ctrlPr>
+                          </m:barPr>
+                          <m:e>
+                            <m:r>
+                              <a:rPr lang="en-US" altLang="ko-KR" sz="2000" i="1">
+                                <a:latin typeface="Cambria Math" panose="02040503050406030204" pitchFamily="18" charset="0"/>
+                              </a:rPr>
+                              <m:t>𝑥</m:t>
+                            </m:r>
+                          </m:e>
+                        </m:bar>
+                      </m:e>
+                      <m:sub>
+                        <m:r>
+                          <a:rPr lang="en-US" altLang="ko-KR" sz="2000" b="0" i="1" smtClean="0">
+                            <a:latin typeface="Cambria Math" panose="02040503050406030204" pitchFamily="18" charset="0"/>
+                          </a:rPr>
+                          <m:t>𝑗</m:t>
+                        </m:r>
+                      </m:sub>
+                    </m:sSub>
+                    <m:r>
+                      <a:rPr lang="en-US" altLang="ko-KR" sz="2000">
+                        <a:latin typeface="Cambria Math" panose="02040503050406030204" pitchFamily="18" charset="0"/>
+                      </a:rPr>
+                      <m:t>)</m:t>
+                    </m:r>
+                  </m:oMath>
+                </a14:m>
+                <a:r>
+                  <a:rPr lang="en-US" altLang="ko-KR" sz="2000" dirty="0">
+                    <a:latin typeface="Cambria Math" panose="02040503050406030204" pitchFamily="18" charset="0"/>
+                  </a:rPr>
+                  <a:t>=</a:t>
+                </a:r>
+                <a14:m>
+                  <m:oMath xmlns:m="http://schemas.openxmlformats.org/officeDocument/2006/math">
+                    <m:sSub>
+                      <m:sSubPr>
+                        <m:ctrlPr>
+                          <a:rPr lang="en-US" altLang="ko-KR" sz="2000" i="1">
+                            <a:latin typeface="Cambria Math" panose="02040503050406030204" pitchFamily="18" charset="0"/>
+                          </a:rPr>
+                        </m:ctrlPr>
+                      </m:sSubPr>
+                      <m:e>
+                        <m:r>
+                          <a:rPr lang="ko-KR" altLang="en-US" sz="2000" i="1">
+                            <a:latin typeface="Cambria Math" panose="02040503050406030204" pitchFamily="18" charset="0"/>
+                          </a:rPr>
+                          <m:t>𝜇</m:t>
+                        </m:r>
+                      </m:e>
+                      <m:sub>
+                        <m:r>
+                          <a:rPr lang="en-US" altLang="ko-KR" sz="2000" b="0" i="1" smtClean="0">
+                            <a:latin typeface="Cambria Math" panose="02040503050406030204" pitchFamily="18" charset="0"/>
+                          </a:rPr>
+                          <m:t>𝑗</m:t>
+                        </m:r>
+                      </m:sub>
+                    </m:sSub>
+                  </m:oMath>
+                </a14:m>
+                <a:r>
+                  <a:rPr lang="en-US" altLang="ko-KR" sz="2000" dirty="0">
+                    <a:latin typeface="Cambria Math" panose="02040503050406030204" pitchFamily="18" charset="0"/>
+                  </a:rPr>
+                  <a:t>=</a:t>
+                </a:r>
+                <a:r>
+                  <a:rPr lang="ko-KR" altLang="en-US" sz="2000" dirty="0"/>
+                  <a:t> </a:t>
+                </a:r>
+                <a14:m>
+                  <m:oMath xmlns:m="http://schemas.openxmlformats.org/officeDocument/2006/math">
+                    <m:r>
+                      <a:rPr lang="ko-KR" altLang="en-US" sz="2000" i="1">
+                        <a:latin typeface="Cambria Math" panose="02040503050406030204" pitchFamily="18" charset="0"/>
+                      </a:rPr>
+                      <m:t>𝜇</m:t>
+                    </m:r>
+                    <m:r>
+                      <a:rPr lang="ko-KR" altLang="en-US" sz="2000" i="1">
+                        <a:latin typeface="Cambria Math" panose="02040503050406030204" pitchFamily="18" charset="0"/>
+                      </a:rPr>
+                      <m:t> +</m:t>
+                    </m:r>
+                    <m:sSub>
+                      <m:sSubPr>
+                        <m:ctrlPr>
+                          <a:rPr lang="en-US" altLang="ko-KR" sz="2000" i="1">
+                            <a:latin typeface="Cambria Math" panose="02040503050406030204" pitchFamily="18" charset="0"/>
+                          </a:rPr>
+                        </m:ctrlPr>
+                      </m:sSubPr>
+                      <m:e>
+                        <m:r>
+                          <a:rPr lang="en-US" altLang="ko-KR" sz="2000" i="1">
+                            <a:latin typeface="Cambria Math" panose="02040503050406030204" pitchFamily="18" charset="0"/>
+                          </a:rPr>
+                          <m:t>𝛽</m:t>
+                        </m:r>
+                      </m:e>
+                      <m:sub>
+                        <m:r>
+                          <a:rPr lang="en-US" altLang="ko-KR" sz="2000" b="0" i="1" smtClean="0">
+                            <a:latin typeface="Cambria Math" panose="02040503050406030204" pitchFamily="18" charset="0"/>
+                          </a:rPr>
+                          <m:t>𝑗</m:t>
+                        </m:r>
+                      </m:sub>
+                    </m:sSub>
+                  </m:oMath>
+                </a14:m>
+                <a:r>
+                  <a:rPr lang="en-US" altLang="ko-KR" sz="2000" dirty="0">
+                    <a:latin typeface="Cambria Math" panose="02040503050406030204" pitchFamily="18" charset="0"/>
+                  </a:rPr>
+                  <a:t>, E(</a:t>
+                </a:r>
+                <a14:m>
+                  <m:oMath xmlns:m="http://schemas.openxmlformats.org/officeDocument/2006/math">
+                    <m:bar>
+                      <m:barPr>
+                        <m:pos m:val="top"/>
+                        <m:ctrlPr>
+                          <a:rPr lang="en-US" altLang="ko-KR" sz="2000" i="1">
+                            <a:latin typeface="Cambria Math" panose="02040503050406030204" pitchFamily="18" charset="0"/>
+                          </a:rPr>
+                        </m:ctrlPr>
+                      </m:barPr>
+                      <m:e>
+                        <m:r>
+                          <a:rPr lang="en-US" altLang="ko-KR" sz="2000" i="1">
+                            <a:latin typeface="Cambria Math" panose="02040503050406030204" pitchFamily="18" charset="0"/>
+                          </a:rPr>
+                          <m:t>𝑥</m:t>
+                        </m:r>
+                      </m:e>
+                    </m:bar>
+                  </m:oMath>
+                </a14:m>
+                <a:r>
+                  <a:rPr lang="en-US" altLang="ko-KR" sz="2000" dirty="0">
+                    <a:latin typeface="Cambria Math" panose="02040503050406030204" pitchFamily="18" charset="0"/>
+                  </a:rPr>
+                  <a:t>) = </a:t>
+                </a:r>
+                <a14:m>
+                  <m:oMath xmlns:m="http://schemas.openxmlformats.org/officeDocument/2006/math">
+                    <m:r>
+                      <a:rPr lang="ko-KR" altLang="en-US" sz="2000" i="1">
+                        <a:latin typeface="Cambria Math" panose="02040503050406030204" pitchFamily="18" charset="0"/>
+                      </a:rPr>
+                      <m:t>𝜇</m:t>
+                    </m:r>
+                  </m:oMath>
+                </a14:m>
+                <a:endParaRPr lang="en-US" altLang="ko-KR" sz="2000" dirty="0">
+                  <a:latin typeface="Cambria Math" panose="02040503050406030204" pitchFamily="18" charset="0"/>
+                </a:endParaRPr>
+              </a:p>
+              <a:p>
+                <a:pPr marL="457200" indent="-457200">
+                  <a:buFont typeface="Arial" panose="020B0604020202020204" pitchFamily="34" charset="0"/>
+                  <a:buAutoNum type="arabicParenBoth"/>
+                </a:pPr>
+                <a:r>
+                  <a:rPr lang="ko-KR" altLang="en-US" sz="2000" dirty="0">
+                    <a:latin typeface="Cambria Math" panose="02040503050406030204" pitchFamily="18" charset="0"/>
+                  </a:rPr>
+                  <a:t>따라서 </a:t>
+                </a:r>
+                <a14:m>
+                  <m:oMath xmlns:m="http://schemas.openxmlformats.org/officeDocument/2006/math">
+                    <m:r>
+                      <m:rPr>
+                        <m:sty m:val="p"/>
+                      </m:rPr>
+                      <a:rPr lang="en-US" altLang="ko-KR" sz="2000" b="0" i="0" smtClean="0">
+                        <a:latin typeface="Cambria Math" panose="02040503050406030204" pitchFamily="18" charset="0"/>
+                      </a:rPr>
+                      <m:t>E</m:t>
+                    </m:r>
+                    <m:r>
+                      <a:rPr lang="en-US" altLang="ko-KR" sz="2000" b="0" i="1" smtClean="0">
+                        <a:latin typeface="Cambria Math" panose="02040503050406030204" pitchFamily="18" charset="0"/>
+                      </a:rPr>
+                      <m:t>(</m:t>
+                    </m:r>
+                    <m:f>
+                      <m:fPr>
+                        <m:ctrlPr>
+                          <a:rPr lang="en-US" altLang="ko-KR" sz="2000" b="0" i="1" smtClean="0">
+                            <a:latin typeface="Cambria Math" panose="02040503050406030204" pitchFamily="18" charset="0"/>
+                          </a:rPr>
+                        </m:ctrlPr>
+                      </m:fPr>
+                      <m:num>
+                        <m:sSub>
+                          <m:sSubPr>
+                            <m:ctrlPr>
+                              <a:rPr lang="en-US" altLang="ko-KR" sz="2000" i="1">
+                                <a:latin typeface="Cambria Math" panose="02040503050406030204" pitchFamily="18" charset="0"/>
+                              </a:rPr>
+                            </m:ctrlPr>
+                          </m:sSubPr>
+                          <m:e>
+                            <m:r>
+                              <a:rPr lang="en-US" altLang="ko-KR" sz="2000" i="1">
+                                <a:latin typeface="Cambria Math" panose="02040503050406030204" pitchFamily="18" charset="0"/>
+                              </a:rPr>
+                              <m:t>𝑄</m:t>
+                            </m:r>
+                          </m:e>
+                          <m:sub>
+                            <m:r>
+                              <a:rPr lang="en-US" altLang="ko-KR" sz="2000" i="1">
+                                <a:latin typeface="Cambria Math" panose="02040503050406030204" pitchFamily="18" charset="0"/>
+                              </a:rPr>
+                              <m:t>4</m:t>
+                            </m:r>
+                          </m:sub>
+                        </m:sSub>
+                      </m:num>
+                      <m:den>
+                        <m:sSup>
+                          <m:sSupPr>
+                            <m:ctrlPr>
+                              <a:rPr lang="en-US" altLang="ko-KR" sz="2000" i="1">
+                                <a:latin typeface="Cambria Math" panose="02040503050406030204" pitchFamily="18" charset="0"/>
+                              </a:rPr>
+                            </m:ctrlPr>
+                          </m:sSupPr>
+                          <m:e>
+                            <m:r>
+                              <a:rPr lang="ko-KR" altLang="en-US" sz="2000" i="1">
+                                <a:latin typeface="Cambria Math" panose="02040503050406030204" pitchFamily="18" charset="0"/>
+                              </a:rPr>
+                              <m:t>𝜎</m:t>
+                            </m:r>
+                          </m:e>
+                          <m:sup>
+                            <m:r>
+                              <a:rPr lang="en-US" altLang="ko-KR" sz="2000" i="1">
+                                <a:latin typeface="Cambria Math" panose="02040503050406030204" pitchFamily="18" charset="0"/>
+                              </a:rPr>
+                              <m:t>2</m:t>
+                            </m:r>
+                          </m:sup>
+                        </m:sSup>
+                      </m:den>
+                    </m:f>
+                    <m:r>
+                      <a:rPr lang="en-US" altLang="ko-KR" sz="2000" b="0" i="1" smtClean="0">
+                        <a:latin typeface="Cambria Math" panose="02040503050406030204" pitchFamily="18" charset="0"/>
+                      </a:rPr>
+                      <m:t>)</m:t>
+                    </m:r>
+                  </m:oMath>
+                </a14:m>
+                <a:r>
+                  <a:rPr lang="en-US" altLang="ko-KR" sz="2000" dirty="0">
+                    <a:latin typeface="Cambria Math" panose="02040503050406030204" pitchFamily="18" charset="0"/>
+                  </a:rPr>
+                  <a:t> = </a:t>
+                </a:r>
+                <a14:m>
+                  <m:oMath xmlns:m="http://schemas.openxmlformats.org/officeDocument/2006/math">
+                    <m:f>
+                      <m:fPr>
+                        <m:ctrlPr>
+                          <a:rPr lang="en-US" altLang="ko-KR" sz="2000" b="0" i="0" smtClean="0">
+                            <a:latin typeface="Cambria Math" panose="02040503050406030204" pitchFamily="18" charset="0"/>
+                          </a:rPr>
+                        </m:ctrlPr>
+                      </m:fPr>
+                      <m:num>
+                        <m:r>
+                          <m:rPr>
+                            <m:sty m:val="p"/>
+                          </m:rPr>
+                          <a:rPr lang="en-US" altLang="ko-KR" sz="2000" b="0" i="0" smtClean="0">
+                            <a:latin typeface="Cambria Math" panose="02040503050406030204" pitchFamily="18" charset="0"/>
+                          </a:rPr>
+                          <m:t>a</m:t>
+                        </m:r>
+                      </m:num>
+                      <m:den>
+                        <m:sSup>
+                          <m:sSupPr>
+                            <m:ctrlPr>
+                              <a:rPr lang="en-US" altLang="ko-KR" sz="2000" b="0" i="1" smtClean="0">
+                                <a:latin typeface="Cambria Math" panose="02040503050406030204" pitchFamily="18" charset="0"/>
+                              </a:rPr>
+                            </m:ctrlPr>
+                          </m:sSupPr>
+                          <m:e>
+                            <m:r>
+                              <a:rPr lang="ko-KR" altLang="en-US" sz="2000" i="1">
+                                <a:latin typeface="Cambria Math" panose="02040503050406030204" pitchFamily="18" charset="0"/>
+                              </a:rPr>
+                              <m:t>𝜎</m:t>
+                            </m:r>
+                          </m:e>
+                          <m:sup>
+                            <m:r>
+                              <a:rPr lang="en-US" altLang="ko-KR" sz="2000" b="0" i="1" smtClean="0">
+                                <a:latin typeface="Cambria Math" panose="02040503050406030204" pitchFamily="18" charset="0"/>
+                              </a:rPr>
+                              <m:t>2</m:t>
+                            </m:r>
+                          </m:sup>
+                        </m:sSup>
+                      </m:den>
+                    </m:f>
+                    <m:nary>
+                      <m:naryPr>
+                        <m:chr m:val="∑"/>
+                        <m:ctrlPr>
+                          <a:rPr lang="en-US" altLang="ko-KR" sz="2000" i="1">
+                            <a:latin typeface="Cambria Math" panose="02040503050406030204" pitchFamily="18" charset="0"/>
+                          </a:rPr>
+                        </m:ctrlPr>
+                      </m:naryPr>
+                      <m:sub>
+                        <m:r>
+                          <m:rPr>
+                            <m:brk m:alnAt="23"/>
+                          </m:rPr>
+                          <a:rPr lang="en-US" altLang="ko-KR" sz="2000" i="1">
+                            <a:latin typeface="Cambria Math" panose="02040503050406030204" pitchFamily="18" charset="0"/>
+                          </a:rPr>
+                          <m:t>𝑖</m:t>
+                        </m:r>
+                        <m:r>
+                          <a:rPr lang="en-US" altLang="ko-KR" sz="2000" i="1">
+                            <a:latin typeface="Cambria Math" panose="02040503050406030204" pitchFamily="18" charset="0"/>
+                          </a:rPr>
+                          <m:t>=1</m:t>
+                        </m:r>
+                      </m:sub>
+                      <m:sup>
+                        <m:r>
+                          <a:rPr lang="en-US" altLang="ko-KR" sz="2000" i="1">
+                            <a:latin typeface="Cambria Math" panose="02040503050406030204" pitchFamily="18" charset="0"/>
+                          </a:rPr>
+                          <m:t>𝑏</m:t>
+                        </m:r>
+                      </m:sup>
+                      <m:e>
+                        <m:r>
+                          <a:rPr lang="en-US" altLang="ko-KR" sz="2000" b="0" i="1" smtClean="0">
+                            <a:latin typeface="Cambria Math" panose="02040503050406030204" pitchFamily="18" charset="0"/>
+                          </a:rPr>
+                          <m:t>𝐸</m:t>
+                        </m:r>
+                        <m:d>
+                          <m:dPr>
+                            <m:begChr m:val="["/>
+                            <m:endChr m:val="]"/>
+                            <m:ctrlPr>
+                              <a:rPr lang="en-US" altLang="ko-KR" sz="2000" b="0" i="1" smtClean="0">
+                                <a:latin typeface="Cambria Math" panose="02040503050406030204" pitchFamily="18" charset="0"/>
+                              </a:rPr>
+                            </m:ctrlPr>
+                          </m:dPr>
+                          <m:e>
+                            <m:sSup>
+                              <m:sSupPr>
+                                <m:ctrlPr>
+                                  <a:rPr lang="en-US" altLang="ko-KR" sz="2000" i="1">
+                                    <a:latin typeface="Cambria Math" panose="02040503050406030204" pitchFamily="18" charset="0"/>
+                                  </a:rPr>
+                                </m:ctrlPr>
+                              </m:sSupPr>
+                              <m:e>
+                                <m:d>
+                                  <m:dPr>
+                                    <m:ctrlPr>
+                                      <a:rPr lang="en-US" altLang="ko-KR" sz="2000" i="1">
+                                        <a:latin typeface="Cambria Math" panose="02040503050406030204" pitchFamily="18" charset="0"/>
+                                      </a:rPr>
+                                    </m:ctrlPr>
+                                  </m:dPr>
+                                  <m:e>
+                                    <m:sSub>
+                                      <m:sSubPr>
+                                        <m:ctrlPr>
+                                          <a:rPr lang="ko-KR" altLang="en-US" sz="2000" i="1">
+                                            <a:latin typeface="Cambria Math" panose="02040503050406030204" pitchFamily="18" charset="0"/>
+                                          </a:rPr>
+                                        </m:ctrlPr>
+                                      </m:sSubPr>
+                                      <m:e>
+                                        <m:bar>
+                                          <m:barPr>
+                                            <m:pos m:val="top"/>
+                                            <m:ctrlPr>
+                                              <a:rPr lang="en-US" altLang="ko-KR" sz="2000" i="1">
+                                                <a:latin typeface="Cambria Math" panose="02040503050406030204" pitchFamily="18" charset="0"/>
+                                              </a:rPr>
+                                            </m:ctrlPr>
+                                          </m:barPr>
+                                          <m:e>
+                                            <m:r>
+                                              <a:rPr lang="en-US" altLang="ko-KR" sz="2000" i="1">
+                                                <a:latin typeface="Cambria Math" panose="02040503050406030204" pitchFamily="18" charset="0"/>
+                                              </a:rPr>
+                                              <m:t>𝑥</m:t>
+                                            </m:r>
+                                          </m:e>
+                                        </m:bar>
+                                      </m:e>
+                                      <m:sub>
+                                        <m:r>
+                                          <a:rPr lang="en-US" altLang="ko-KR" sz="2000" i="1">
+                                            <a:latin typeface="Cambria Math" panose="02040503050406030204" pitchFamily="18" charset="0"/>
+                                          </a:rPr>
+                                          <m:t>𝑗</m:t>
+                                        </m:r>
+                                      </m:sub>
+                                    </m:sSub>
+                                    <m:r>
+                                      <a:rPr lang="en-US" altLang="ko-KR" sz="2000" i="1">
+                                        <a:latin typeface="Cambria Math" panose="02040503050406030204" pitchFamily="18" charset="0"/>
+                                      </a:rPr>
+                                      <m:t>−</m:t>
+                                    </m:r>
+                                    <m:bar>
+                                      <m:barPr>
+                                        <m:pos m:val="top"/>
+                                        <m:ctrlPr>
+                                          <a:rPr lang="en-US" altLang="ko-KR" sz="2000" i="1">
+                                            <a:latin typeface="Cambria Math" panose="02040503050406030204" pitchFamily="18" charset="0"/>
+                                          </a:rPr>
+                                        </m:ctrlPr>
+                                      </m:barPr>
+                                      <m:e>
+                                        <m:r>
+                                          <a:rPr lang="en-US" altLang="ko-KR" sz="2000" i="1">
+                                            <a:latin typeface="Cambria Math" panose="02040503050406030204" pitchFamily="18" charset="0"/>
+                                          </a:rPr>
+                                          <m:t>𝑥</m:t>
+                                        </m:r>
+                                      </m:e>
+                                    </m:bar>
+                                  </m:e>
+                                </m:d>
+                              </m:e>
+                              <m:sup>
+                                <m:r>
+                                  <a:rPr lang="en-US" altLang="ko-KR" sz="2000" i="1">
+                                    <a:latin typeface="Cambria Math" panose="02040503050406030204" pitchFamily="18" charset="0"/>
+                                  </a:rPr>
+                                  <m:t>2</m:t>
+                                </m:r>
+                              </m:sup>
+                            </m:sSup>
+                          </m:e>
+                        </m:d>
+                      </m:e>
+                    </m:nary>
+                  </m:oMath>
+                </a14:m>
+                <a:r>
+                  <a:rPr lang="en-US" altLang="ko-KR" sz="2000" dirty="0">
+                    <a:latin typeface="Cambria Math" panose="02040503050406030204" pitchFamily="18" charset="0"/>
+                  </a:rPr>
+                  <a:t> = </a:t>
+                </a:r>
+                <a14:m>
+                  <m:oMath xmlns:m="http://schemas.openxmlformats.org/officeDocument/2006/math">
+                    <m:f>
+                      <m:fPr>
+                        <m:ctrlPr>
+                          <a:rPr lang="en-US" altLang="ko-KR" sz="2000" i="1">
+                            <a:latin typeface="Cambria Math" panose="02040503050406030204" pitchFamily="18" charset="0"/>
+                          </a:rPr>
+                        </m:ctrlPr>
+                      </m:fPr>
+                      <m:num>
+                        <m:r>
+                          <m:rPr>
+                            <m:sty m:val="p"/>
+                          </m:rPr>
+                          <a:rPr lang="en-US" altLang="ko-KR" sz="2000">
+                            <a:latin typeface="Cambria Math" panose="02040503050406030204" pitchFamily="18" charset="0"/>
+                          </a:rPr>
+                          <m:t>a</m:t>
+                        </m:r>
+                      </m:num>
+                      <m:den>
+                        <m:sSup>
+                          <m:sSupPr>
+                            <m:ctrlPr>
+                              <a:rPr lang="en-US" altLang="ko-KR" sz="2000" i="1">
+                                <a:latin typeface="Cambria Math" panose="02040503050406030204" pitchFamily="18" charset="0"/>
+                              </a:rPr>
+                            </m:ctrlPr>
+                          </m:sSupPr>
+                          <m:e>
+                            <m:r>
+                              <a:rPr lang="ko-KR" altLang="en-US" sz="2000" i="1">
+                                <a:latin typeface="Cambria Math" panose="02040503050406030204" pitchFamily="18" charset="0"/>
+                              </a:rPr>
+                              <m:t>𝜎</m:t>
+                            </m:r>
+                          </m:e>
+                          <m:sup>
+                            <m:r>
+                              <a:rPr lang="en-US" altLang="ko-KR" sz="2000" i="1">
+                                <a:latin typeface="Cambria Math" panose="02040503050406030204" pitchFamily="18" charset="0"/>
+                              </a:rPr>
+                              <m:t>2</m:t>
+                            </m:r>
+                          </m:sup>
+                        </m:sSup>
+                      </m:den>
+                    </m:f>
+                    <m:nary>
+                      <m:naryPr>
+                        <m:chr m:val="∑"/>
+                        <m:ctrlPr>
+                          <a:rPr lang="en-US" altLang="ko-KR" sz="2000" i="1" smtClean="0">
+                            <a:latin typeface="Cambria Math" panose="02040503050406030204" pitchFamily="18" charset="0"/>
+                          </a:rPr>
+                        </m:ctrlPr>
+                      </m:naryPr>
+                      <m:sub>
+                        <m:r>
+                          <m:rPr>
+                            <m:brk m:alnAt="23"/>
+                          </m:rPr>
+                          <a:rPr lang="en-US" altLang="ko-KR" sz="2000" i="1">
+                            <a:latin typeface="Cambria Math" panose="02040503050406030204" pitchFamily="18" charset="0"/>
+                          </a:rPr>
+                          <m:t>𝑖</m:t>
+                        </m:r>
+                        <m:r>
+                          <a:rPr lang="en-US" altLang="ko-KR" sz="2000" i="1">
+                            <a:latin typeface="Cambria Math" panose="02040503050406030204" pitchFamily="18" charset="0"/>
+                          </a:rPr>
+                          <m:t>=1</m:t>
+                        </m:r>
+                      </m:sub>
+                      <m:sup>
+                        <m:r>
+                          <a:rPr lang="en-US" altLang="ko-KR" sz="2000" i="1">
+                            <a:latin typeface="Cambria Math" panose="02040503050406030204" pitchFamily="18" charset="0"/>
+                          </a:rPr>
+                          <m:t>𝑏</m:t>
+                        </m:r>
+                      </m:sup>
+                      <m:e>
+                        <m:sSup>
+                          <m:sSupPr>
+                            <m:ctrlPr>
+                              <a:rPr lang="en-US" altLang="ko-KR" sz="2000" i="1">
+                                <a:latin typeface="Cambria Math" panose="02040503050406030204" pitchFamily="18" charset="0"/>
+                              </a:rPr>
+                            </m:ctrlPr>
+                          </m:sSupPr>
+                          <m:e>
+                            <m:d>
+                              <m:dPr>
+                                <m:ctrlPr>
+                                  <a:rPr lang="en-US" altLang="ko-KR" sz="2000" i="1">
+                                    <a:latin typeface="Cambria Math" panose="02040503050406030204" pitchFamily="18" charset="0"/>
+                                  </a:rPr>
+                                </m:ctrlPr>
+                              </m:dPr>
+                              <m:e>
+                                <m:r>
+                                  <a:rPr lang="ko-KR" altLang="en-US" sz="2000" i="1">
+                                    <a:latin typeface="Cambria Math" panose="02040503050406030204" pitchFamily="18" charset="0"/>
+                                  </a:rPr>
+                                  <m:t>𝜇</m:t>
+                                </m:r>
+                                <m:r>
+                                  <a:rPr lang="ko-KR" altLang="en-US" sz="2000" i="1">
+                                    <a:latin typeface="Cambria Math" panose="02040503050406030204" pitchFamily="18" charset="0"/>
+                                  </a:rPr>
+                                  <m:t> +</m:t>
+                                </m:r>
+                                <m:sSub>
+                                  <m:sSubPr>
+                                    <m:ctrlPr>
+                                      <a:rPr lang="en-US" altLang="ko-KR" sz="2000" i="1">
+                                        <a:latin typeface="Cambria Math" panose="02040503050406030204" pitchFamily="18" charset="0"/>
+                                      </a:rPr>
+                                    </m:ctrlPr>
+                                  </m:sSubPr>
+                                  <m:e>
+                                    <m:r>
+                                      <a:rPr lang="en-US" altLang="ko-KR" sz="2000" i="1">
+                                        <a:latin typeface="Cambria Math" panose="02040503050406030204" pitchFamily="18" charset="0"/>
+                                      </a:rPr>
+                                      <m:t>𝛽</m:t>
+                                    </m:r>
+                                  </m:e>
+                                  <m:sub>
+                                    <m:r>
+                                      <a:rPr lang="en-US" altLang="ko-KR" sz="2000" i="1">
+                                        <a:latin typeface="Cambria Math" panose="02040503050406030204" pitchFamily="18" charset="0"/>
+                                      </a:rPr>
+                                      <m:t>𝑗</m:t>
+                                    </m:r>
+                                  </m:sub>
+                                </m:sSub>
+                                <m:r>
+                                  <a:rPr lang="en-US" altLang="ko-KR" sz="2000" i="1">
+                                    <a:latin typeface="Cambria Math" panose="02040503050406030204" pitchFamily="18" charset="0"/>
+                                  </a:rPr>
+                                  <m:t>−</m:t>
+                                </m:r>
+                                <m:r>
+                                  <a:rPr lang="ko-KR" altLang="en-US" sz="2000" i="1">
+                                    <a:latin typeface="Cambria Math" panose="02040503050406030204" pitchFamily="18" charset="0"/>
+                                  </a:rPr>
+                                  <m:t>𝜇</m:t>
+                                </m:r>
+                              </m:e>
+                            </m:d>
+                          </m:e>
+                          <m:sup>
+                            <m:r>
+                              <a:rPr lang="en-US" altLang="ko-KR" sz="2000" i="1">
+                                <a:latin typeface="Cambria Math" panose="02040503050406030204" pitchFamily="18" charset="0"/>
+                              </a:rPr>
+                              <m:t>2</m:t>
+                            </m:r>
+                          </m:sup>
+                        </m:sSup>
+                      </m:e>
+                    </m:nary>
+                  </m:oMath>
+                </a14:m>
+                <a:r>
+                  <a:rPr lang="en-US" altLang="ko-KR" sz="2000" dirty="0">
+                    <a:latin typeface="Cambria Math" panose="02040503050406030204" pitchFamily="18" charset="0"/>
+                  </a:rPr>
+                  <a:t> = </a:t>
+                </a:r>
+                <a14:m>
+                  <m:oMath xmlns:m="http://schemas.openxmlformats.org/officeDocument/2006/math">
+                    <m:f>
+                      <m:fPr>
+                        <m:ctrlPr>
+                          <a:rPr lang="en-US" altLang="ko-KR" sz="2000" i="1" smtClean="0">
+                            <a:solidFill>
+                              <a:srgbClr val="FF0000"/>
+                            </a:solidFill>
+                            <a:latin typeface="Cambria Math" panose="02040503050406030204" pitchFamily="18" charset="0"/>
+                          </a:rPr>
+                        </m:ctrlPr>
+                      </m:fPr>
+                      <m:num>
+                        <m:r>
+                          <m:rPr>
+                            <m:sty m:val="p"/>
+                          </m:rPr>
+                          <a:rPr lang="en-US" altLang="ko-KR" sz="2000">
+                            <a:solidFill>
+                              <a:srgbClr val="FF0000"/>
+                            </a:solidFill>
+                            <a:latin typeface="Cambria Math" panose="02040503050406030204" pitchFamily="18" charset="0"/>
+                          </a:rPr>
+                          <m:t>a</m:t>
+                        </m:r>
+                      </m:num>
+                      <m:den>
+                        <m:sSup>
+                          <m:sSupPr>
+                            <m:ctrlPr>
+                              <a:rPr lang="en-US" altLang="ko-KR" sz="2000" i="1">
+                                <a:solidFill>
+                                  <a:srgbClr val="FF0000"/>
+                                </a:solidFill>
+                                <a:latin typeface="Cambria Math" panose="02040503050406030204" pitchFamily="18" charset="0"/>
+                              </a:rPr>
+                            </m:ctrlPr>
+                          </m:sSupPr>
+                          <m:e>
+                            <m:r>
+                              <a:rPr lang="ko-KR" altLang="en-US" sz="2000" i="1">
+                                <a:solidFill>
+                                  <a:srgbClr val="FF0000"/>
+                                </a:solidFill>
+                                <a:latin typeface="Cambria Math" panose="02040503050406030204" pitchFamily="18" charset="0"/>
+                              </a:rPr>
+                              <m:t>𝜎</m:t>
+                            </m:r>
+                          </m:e>
+                          <m:sup>
+                            <m:r>
+                              <a:rPr lang="en-US" altLang="ko-KR" sz="2000" i="1">
+                                <a:solidFill>
+                                  <a:srgbClr val="FF0000"/>
+                                </a:solidFill>
+                                <a:latin typeface="Cambria Math" panose="02040503050406030204" pitchFamily="18" charset="0"/>
+                              </a:rPr>
+                              <m:t>2</m:t>
+                            </m:r>
+                          </m:sup>
+                        </m:sSup>
+                      </m:den>
+                    </m:f>
+                    <m:nary>
+                      <m:naryPr>
+                        <m:chr m:val="∑"/>
+                        <m:ctrlPr>
+                          <a:rPr lang="en-US" altLang="ko-KR" sz="2000" i="1">
+                            <a:solidFill>
+                              <a:srgbClr val="FF0000"/>
+                            </a:solidFill>
+                            <a:latin typeface="Cambria Math" panose="02040503050406030204" pitchFamily="18" charset="0"/>
+                          </a:rPr>
+                        </m:ctrlPr>
+                      </m:naryPr>
+                      <m:sub>
+                        <m:r>
+                          <m:rPr>
+                            <m:brk m:alnAt="23"/>
+                          </m:rPr>
+                          <a:rPr lang="en-US" altLang="ko-KR" sz="2000" i="1">
+                            <a:solidFill>
+                              <a:srgbClr val="FF0000"/>
+                            </a:solidFill>
+                            <a:latin typeface="Cambria Math" panose="02040503050406030204" pitchFamily="18" charset="0"/>
+                          </a:rPr>
+                          <m:t>𝑖</m:t>
+                        </m:r>
+                        <m:r>
+                          <a:rPr lang="en-US" altLang="ko-KR" sz="2000" i="1">
+                            <a:solidFill>
+                              <a:srgbClr val="FF0000"/>
+                            </a:solidFill>
+                            <a:latin typeface="Cambria Math" panose="02040503050406030204" pitchFamily="18" charset="0"/>
+                          </a:rPr>
+                          <m:t>=1</m:t>
+                        </m:r>
+                      </m:sub>
+                      <m:sup>
+                        <m:r>
+                          <a:rPr lang="en-US" altLang="ko-KR" sz="2000" i="1">
+                            <a:solidFill>
+                              <a:srgbClr val="FF0000"/>
+                            </a:solidFill>
+                            <a:latin typeface="Cambria Math" panose="02040503050406030204" pitchFamily="18" charset="0"/>
+                          </a:rPr>
+                          <m:t>𝑏</m:t>
+                        </m:r>
+                      </m:sup>
+                      <m:e>
+                        <m:sSup>
+                          <m:sSupPr>
+                            <m:ctrlPr>
+                              <a:rPr lang="en-US" altLang="ko-KR" sz="2000" i="1">
+                                <a:solidFill>
+                                  <a:srgbClr val="FF0000"/>
+                                </a:solidFill>
+                                <a:latin typeface="Cambria Math" panose="02040503050406030204" pitchFamily="18" charset="0"/>
+                              </a:rPr>
+                            </m:ctrlPr>
+                          </m:sSupPr>
+                          <m:e>
+                            <m:d>
+                              <m:dPr>
+                                <m:ctrlPr>
+                                  <a:rPr lang="en-US" altLang="ko-KR" sz="2000" i="1">
+                                    <a:solidFill>
+                                      <a:srgbClr val="FF0000"/>
+                                    </a:solidFill>
+                                    <a:latin typeface="Cambria Math" panose="02040503050406030204" pitchFamily="18" charset="0"/>
+                                  </a:rPr>
+                                </m:ctrlPr>
+                              </m:dPr>
+                              <m:e>
+                                <m:sSub>
+                                  <m:sSubPr>
+                                    <m:ctrlPr>
+                                      <a:rPr lang="en-US" altLang="ko-KR" sz="2000" i="1">
+                                        <a:solidFill>
+                                          <a:srgbClr val="FF0000"/>
+                                        </a:solidFill>
+                                        <a:latin typeface="Cambria Math" panose="02040503050406030204" pitchFamily="18" charset="0"/>
+                                      </a:rPr>
+                                    </m:ctrlPr>
+                                  </m:sSubPr>
+                                  <m:e>
+                                    <m:r>
+                                      <a:rPr lang="en-US" altLang="ko-KR" sz="2000" i="1">
+                                        <a:solidFill>
+                                          <a:srgbClr val="FF0000"/>
+                                        </a:solidFill>
+                                        <a:latin typeface="Cambria Math" panose="02040503050406030204" pitchFamily="18" charset="0"/>
+                                      </a:rPr>
+                                      <m:t>𝛽</m:t>
+                                    </m:r>
+                                  </m:e>
+                                  <m:sub>
+                                    <m:r>
+                                      <a:rPr lang="en-US" altLang="ko-KR" sz="2000" i="1">
+                                        <a:solidFill>
+                                          <a:srgbClr val="FF0000"/>
+                                        </a:solidFill>
+                                        <a:latin typeface="Cambria Math" panose="02040503050406030204" pitchFamily="18" charset="0"/>
+                                      </a:rPr>
+                                      <m:t>𝑗</m:t>
+                                    </m:r>
+                                  </m:sub>
+                                </m:sSub>
+                              </m:e>
+                            </m:d>
+                          </m:e>
+                          <m:sup>
+                            <m:r>
+                              <a:rPr lang="en-US" altLang="ko-KR" sz="2000" i="1">
+                                <a:solidFill>
+                                  <a:srgbClr val="FF0000"/>
+                                </a:solidFill>
+                                <a:latin typeface="Cambria Math" panose="02040503050406030204" pitchFamily="18" charset="0"/>
+                              </a:rPr>
+                              <m:t>2</m:t>
+                            </m:r>
+                          </m:sup>
+                        </m:sSup>
+                      </m:e>
+                    </m:nary>
+                  </m:oMath>
+                </a14:m>
+                <a:endParaRPr lang="en-US" altLang="ko-KR" sz="2000" dirty="0">
+                  <a:latin typeface="Cambria Math" panose="02040503050406030204" pitchFamily="18" charset="0"/>
+                </a:endParaRPr>
+              </a:p>
+              <a:p>
+                <a:pPr marL="457200" indent="-457200">
+                  <a:buAutoNum type="arabicParenBoth" startAt="4"/>
+                </a:pPr>
+                <a14:m>
+                  <m:oMath xmlns:m="http://schemas.openxmlformats.org/officeDocument/2006/math">
+                    <m:r>
+                      <m:rPr>
+                        <m:sty m:val="p"/>
+                      </m:rPr>
+                      <a:rPr lang="en-US" altLang="ko-KR" sz="2000">
+                        <a:latin typeface="Cambria Math" panose="02040503050406030204" pitchFamily="18" charset="0"/>
+                      </a:rPr>
+                      <m:t>E</m:t>
+                    </m:r>
+                    <m:r>
+                      <a:rPr lang="en-US" altLang="ko-KR" sz="2000" i="1">
+                        <a:latin typeface="Cambria Math" panose="02040503050406030204" pitchFamily="18" charset="0"/>
+                      </a:rPr>
+                      <m:t>(</m:t>
+                    </m:r>
+                    <m:f>
+                      <m:fPr>
+                        <m:ctrlPr>
+                          <a:rPr lang="en-US" altLang="ko-KR" sz="2000" i="1">
+                            <a:latin typeface="Cambria Math" panose="02040503050406030204" pitchFamily="18" charset="0"/>
+                          </a:rPr>
+                        </m:ctrlPr>
+                      </m:fPr>
+                      <m:num>
+                        <m:sSub>
+                          <m:sSubPr>
+                            <m:ctrlPr>
+                              <a:rPr lang="en-US" altLang="ko-KR" sz="2000" i="1">
+                                <a:latin typeface="Cambria Math" panose="02040503050406030204" pitchFamily="18" charset="0"/>
+                              </a:rPr>
+                            </m:ctrlPr>
+                          </m:sSubPr>
+                          <m:e>
+                            <m:r>
+                              <a:rPr lang="en-US" altLang="ko-KR" sz="2000" i="1">
+                                <a:latin typeface="Cambria Math" panose="02040503050406030204" pitchFamily="18" charset="0"/>
+                              </a:rPr>
+                              <m:t>𝑄</m:t>
+                            </m:r>
+                          </m:e>
+                          <m:sub>
+                            <m:r>
+                              <a:rPr lang="en-US" altLang="ko-KR" sz="2000" i="1">
+                                <a:latin typeface="Cambria Math" panose="02040503050406030204" pitchFamily="18" charset="0"/>
+                              </a:rPr>
+                              <m:t>5</m:t>
+                            </m:r>
+                          </m:sub>
+                        </m:sSub>
+                      </m:num>
+                      <m:den>
+                        <m:sSup>
+                          <m:sSupPr>
+                            <m:ctrlPr>
+                              <a:rPr lang="en-US" altLang="ko-KR" sz="2000" i="1">
+                                <a:latin typeface="Cambria Math" panose="02040503050406030204" pitchFamily="18" charset="0"/>
+                              </a:rPr>
+                            </m:ctrlPr>
+                          </m:sSupPr>
+                          <m:e>
+                            <m:r>
+                              <a:rPr lang="ko-KR" altLang="en-US" sz="2000" i="1">
+                                <a:latin typeface="Cambria Math" panose="02040503050406030204" pitchFamily="18" charset="0"/>
+                              </a:rPr>
+                              <m:t>𝜎</m:t>
+                            </m:r>
+                          </m:e>
+                          <m:sup>
+                            <m:r>
+                              <a:rPr lang="en-US" altLang="ko-KR" sz="2000" i="1">
+                                <a:latin typeface="Cambria Math" panose="02040503050406030204" pitchFamily="18" charset="0"/>
+                              </a:rPr>
+                              <m:t>2</m:t>
+                            </m:r>
+                          </m:sup>
+                        </m:sSup>
+                      </m:den>
+                    </m:f>
+                    <m:r>
+                      <a:rPr lang="en-US" altLang="ko-KR" sz="2000" i="1">
+                        <a:latin typeface="Cambria Math" panose="02040503050406030204" pitchFamily="18" charset="0"/>
+                      </a:rPr>
+                      <m:t>)</m:t>
+                    </m:r>
+                  </m:oMath>
+                </a14:m>
+                <a:r>
+                  <a:rPr lang="en-US" altLang="ko-KR" sz="2000" dirty="0">
+                    <a:latin typeface="Cambria Math" panose="02040503050406030204" pitchFamily="18" charset="0"/>
+                  </a:rPr>
+                  <a:t>  = </a:t>
+                </a:r>
+                <a14:m>
+                  <m:oMath xmlns:m="http://schemas.openxmlformats.org/officeDocument/2006/math">
+                    <m:nary>
+                      <m:naryPr>
+                        <m:chr m:val="∑"/>
+                        <m:ctrlPr>
+                          <a:rPr lang="en-US" altLang="ko-KR" sz="2000" i="1">
+                            <a:latin typeface="Cambria Math" panose="02040503050406030204" pitchFamily="18" charset="0"/>
+                          </a:rPr>
+                        </m:ctrlPr>
+                      </m:naryPr>
+                      <m:sub>
+                        <m:r>
+                          <m:rPr>
+                            <m:brk m:alnAt="23"/>
+                          </m:rPr>
+                          <a:rPr lang="en-US" altLang="ko-KR" sz="2000" i="1">
+                            <a:latin typeface="Cambria Math" panose="02040503050406030204" pitchFamily="18" charset="0"/>
+                          </a:rPr>
+                          <m:t>𝑖</m:t>
+                        </m:r>
+                        <m:r>
+                          <a:rPr lang="en-US" altLang="ko-KR" sz="2000" i="1">
+                            <a:latin typeface="Cambria Math" panose="02040503050406030204" pitchFamily="18" charset="0"/>
+                          </a:rPr>
+                          <m:t>=1</m:t>
+                        </m:r>
+                      </m:sub>
+                      <m:sup>
+                        <m:r>
+                          <a:rPr lang="en-US" altLang="ko-KR" sz="2000" i="1">
+                            <a:latin typeface="Cambria Math" panose="02040503050406030204" pitchFamily="18" charset="0"/>
+                          </a:rPr>
+                          <m:t>𝑎</m:t>
+                        </m:r>
+                      </m:sup>
+                      <m:e>
+                        <m:nary>
+                          <m:naryPr>
+                            <m:chr m:val="∑"/>
+                            <m:ctrlPr>
+                              <a:rPr lang="en-US" altLang="ko-KR" sz="2000" i="1">
+                                <a:latin typeface="Cambria Math" panose="02040503050406030204" pitchFamily="18" charset="0"/>
+                              </a:rPr>
+                            </m:ctrlPr>
+                          </m:naryPr>
+                          <m:sub>
+                            <m:r>
+                              <m:rPr>
+                                <m:brk m:alnAt="23"/>
+                              </m:rPr>
+                              <a:rPr lang="en-US" altLang="ko-KR" sz="2000" i="1">
+                                <a:latin typeface="Cambria Math" panose="02040503050406030204" pitchFamily="18" charset="0"/>
+                              </a:rPr>
+                              <m:t>𝑗</m:t>
+                            </m:r>
+                            <m:r>
+                              <a:rPr lang="en-US" altLang="ko-KR" sz="2000" i="1">
+                                <a:latin typeface="Cambria Math" panose="02040503050406030204" pitchFamily="18" charset="0"/>
+                              </a:rPr>
+                              <m:t>=1</m:t>
+                            </m:r>
+                          </m:sub>
+                          <m:sup>
+                            <m:r>
+                              <a:rPr lang="en-US" altLang="ko-KR" sz="2000" i="1">
+                                <a:latin typeface="Cambria Math" panose="02040503050406030204" pitchFamily="18" charset="0"/>
+                              </a:rPr>
+                              <m:t>𝑏</m:t>
+                            </m:r>
+                          </m:sup>
+                          <m:e>
+                            <m:r>
+                              <a:rPr lang="en-US" altLang="ko-KR" sz="2000" b="0" i="1" smtClean="0">
+                                <a:latin typeface="Cambria Math" panose="02040503050406030204" pitchFamily="18" charset="0"/>
+                              </a:rPr>
+                              <m:t>𝐸</m:t>
+                            </m:r>
+                            <m:d>
+                              <m:dPr>
+                                <m:begChr m:val="["/>
+                                <m:endChr m:val="]"/>
+                                <m:ctrlPr>
+                                  <a:rPr lang="en-US" altLang="ko-KR" sz="2000" b="0" i="1" smtClean="0">
+                                    <a:latin typeface="Cambria Math" panose="02040503050406030204" pitchFamily="18" charset="0"/>
+                                  </a:rPr>
+                                </m:ctrlPr>
+                              </m:dPr>
+                              <m:e>
+                                <m:sSup>
+                                  <m:sSupPr>
+                                    <m:ctrlPr>
+                                      <a:rPr lang="en-US" altLang="ko-KR" sz="2000" i="1">
+                                        <a:latin typeface="Cambria Math" panose="02040503050406030204" pitchFamily="18" charset="0"/>
+                                      </a:rPr>
+                                    </m:ctrlPr>
+                                  </m:sSupPr>
+                                  <m:e>
+                                    <m:d>
+                                      <m:dPr>
+                                        <m:ctrlPr>
+                                          <a:rPr lang="en-US" altLang="ko-KR" sz="2000" i="1">
+                                            <a:latin typeface="Cambria Math" panose="02040503050406030204" pitchFamily="18" charset="0"/>
+                                          </a:rPr>
+                                        </m:ctrlPr>
+                                      </m:dPr>
+                                      <m:e>
+                                        <m:sSub>
+                                          <m:sSubPr>
+                                            <m:ctrlPr>
+                                              <a:rPr lang="ko-KR" altLang="en-US" sz="2000" i="1">
+                                                <a:latin typeface="Cambria Math" panose="02040503050406030204" pitchFamily="18" charset="0"/>
+                                              </a:rPr>
+                                            </m:ctrlPr>
+                                          </m:sSubPr>
+                                          <m:e>
+                                            <m:r>
+                                              <a:rPr lang="en-US" altLang="ko-KR" sz="2000" i="1">
+                                                <a:latin typeface="Cambria Math" panose="02040503050406030204" pitchFamily="18" charset="0"/>
+                                              </a:rPr>
+                                              <m:t>𝑥</m:t>
+                                            </m:r>
+                                          </m:e>
+                                          <m:sub>
+                                            <m:r>
+                                              <a:rPr lang="en-US" altLang="ko-KR" sz="2000" i="1">
+                                                <a:latin typeface="Cambria Math" panose="02040503050406030204" pitchFamily="18" charset="0"/>
+                                              </a:rPr>
+                                              <m:t>𝑖</m:t>
+                                            </m:r>
+                                            <m:r>
+                                              <a:rPr lang="en-US" altLang="ko-KR" sz="2000" i="1">
+                                                <a:latin typeface="Cambria Math" panose="02040503050406030204" pitchFamily="18" charset="0"/>
+                                              </a:rPr>
+                                              <m:t>𝑗</m:t>
+                                            </m:r>
+                                          </m:sub>
+                                        </m:sSub>
+                                        <m:r>
+                                          <a:rPr lang="en-US" altLang="ko-KR" sz="2000" i="1">
+                                            <a:latin typeface="Cambria Math" panose="02040503050406030204" pitchFamily="18" charset="0"/>
+                                          </a:rPr>
+                                          <m:t>−</m:t>
+                                        </m:r>
+                                        <m:sSub>
+                                          <m:sSubPr>
+                                            <m:ctrlPr>
+                                              <a:rPr lang="ko-KR" altLang="en-US" sz="2000" i="1">
+                                                <a:latin typeface="Cambria Math" panose="02040503050406030204" pitchFamily="18" charset="0"/>
+                                              </a:rPr>
+                                            </m:ctrlPr>
+                                          </m:sSubPr>
+                                          <m:e>
+                                            <m:bar>
+                                              <m:barPr>
+                                                <m:pos m:val="top"/>
+                                                <m:ctrlPr>
+                                                  <a:rPr lang="en-US" altLang="ko-KR" sz="2000" i="1">
+                                                    <a:latin typeface="Cambria Math" panose="02040503050406030204" pitchFamily="18" charset="0"/>
+                                                  </a:rPr>
+                                                </m:ctrlPr>
+                                              </m:barPr>
+                                              <m:e>
+                                                <m:r>
+                                                  <a:rPr lang="en-US" altLang="ko-KR" sz="2000" i="1">
+                                                    <a:latin typeface="Cambria Math" panose="02040503050406030204" pitchFamily="18" charset="0"/>
+                                                  </a:rPr>
+                                                  <m:t>𝑥</m:t>
+                                                </m:r>
+                                              </m:e>
+                                            </m:bar>
+                                          </m:e>
+                                          <m:sub>
+                                            <m:r>
+                                              <a:rPr lang="en-US" altLang="ko-KR" sz="2000" i="1">
+                                                <a:latin typeface="Cambria Math" panose="02040503050406030204" pitchFamily="18" charset="0"/>
+                                              </a:rPr>
+                                              <m:t>𝑖</m:t>
+                                            </m:r>
+                                          </m:sub>
+                                        </m:sSub>
+                                        <m:r>
+                                          <a:rPr lang="en-US" altLang="ko-KR" sz="2000">
+                                            <a:latin typeface="Cambria Math" panose="02040503050406030204" pitchFamily="18" charset="0"/>
+                                          </a:rPr>
+                                          <m:t>−</m:t>
+                                        </m:r>
+                                        <m:sSub>
+                                          <m:sSubPr>
+                                            <m:ctrlPr>
+                                              <a:rPr lang="ko-KR" altLang="en-US" sz="2000" i="1">
+                                                <a:latin typeface="Cambria Math" panose="02040503050406030204" pitchFamily="18" charset="0"/>
+                                              </a:rPr>
+                                            </m:ctrlPr>
+                                          </m:sSubPr>
+                                          <m:e>
+                                            <m:bar>
+                                              <m:barPr>
+                                                <m:pos m:val="top"/>
+                                                <m:ctrlPr>
+                                                  <a:rPr lang="en-US" altLang="ko-KR" sz="2000" i="1">
+                                                    <a:latin typeface="Cambria Math" panose="02040503050406030204" pitchFamily="18" charset="0"/>
+                                                  </a:rPr>
+                                                </m:ctrlPr>
+                                              </m:barPr>
+                                              <m:e>
+                                                <m:r>
+                                                  <a:rPr lang="en-US" altLang="ko-KR" sz="2000" i="1">
+                                                    <a:latin typeface="Cambria Math" panose="02040503050406030204" pitchFamily="18" charset="0"/>
+                                                  </a:rPr>
+                                                  <m:t>𝑥</m:t>
+                                                </m:r>
+                                              </m:e>
+                                            </m:bar>
+                                          </m:e>
+                                          <m:sub>
+                                            <m:r>
+                                              <a:rPr lang="en-US" altLang="ko-KR" sz="2000" i="1">
+                                                <a:latin typeface="Cambria Math" panose="02040503050406030204" pitchFamily="18" charset="0"/>
+                                              </a:rPr>
+                                              <m:t>𝑗</m:t>
+                                            </m:r>
+                                          </m:sub>
+                                        </m:sSub>
+                                        <m:r>
+                                          <a:rPr lang="en-US" altLang="ko-KR" sz="2000" i="1">
+                                            <a:latin typeface="Cambria Math" panose="02040503050406030204" pitchFamily="18" charset="0"/>
+                                          </a:rPr>
+                                          <m:t>+</m:t>
+                                        </m:r>
+                                        <m:bar>
+                                          <m:barPr>
+                                            <m:pos m:val="top"/>
+                                            <m:ctrlPr>
+                                              <a:rPr lang="en-US" altLang="ko-KR" sz="2000" i="1">
+                                                <a:latin typeface="Cambria Math" panose="02040503050406030204" pitchFamily="18" charset="0"/>
+                                              </a:rPr>
+                                            </m:ctrlPr>
+                                          </m:barPr>
+                                          <m:e>
+                                            <m:r>
+                                              <a:rPr lang="en-US" altLang="ko-KR" sz="2000" i="1">
+                                                <a:latin typeface="Cambria Math" panose="02040503050406030204" pitchFamily="18" charset="0"/>
+                                              </a:rPr>
+                                              <m:t>𝑥</m:t>
+                                            </m:r>
+                                          </m:e>
+                                        </m:bar>
+                                      </m:e>
+                                    </m:d>
+                                  </m:e>
+                                  <m:sup>
+                                    <m:r>
+                                      <a:rPr lang="en-US" altLang="ko-KR" sz="2000" i="1">
+                                        <a:latin typeface="Cambria Math" panose="02040503050406030204" pitchFamily="18" charset="0"/>
+                                      </a:rPr>
+                                      <m:t>2</m:t>
+                                    </m:r>
+                                  </m:sup>
+                                </m:sSup>
+                              </m:e>
+                            </m:d>
+                          </m:e>
+                        </m:nary>
+                      </m:e>
+                    </m:nary>
+                  </m:oMath>
+                </a14:m>
+                <a:r>
+                  <a:rPr lang="en-US" altLang="ko-KR" sz="2000" dirty="0"/>
+                  <a:t> = </a:t>
+                </a:r>
+                <a14:m>
+                  <m:oMath xmlns:m="http://schemas.openxmlformats.org/officeDocument/2006/math">
+                    <m:nary>
+                      <m:naryPr>
+                        <m:chr m:val="∑"/>
+                        <m:ctrlPr>
+                          <a:rPr lang="en-US" altLang="ko-KR" sz="2000" i="1">
+                            <a:latin typeface="Cambria Math" panose="02040503050406030204" pitchFamily="18" charset="0"/>
+                          </a:rPr>
+                        </m:ctrlPr>
+                      </m:naryPr>
+                      <m:sub>
+                        <m:r>
+                          <m:rPr>
+                            <m:brk m:alnAt="23"/>
+                          </m:rPr>
+                          <a:rPr lang="en-US" altLang="ko-KR" sz="2000" i="1">
+                            <a:latin typeface="Cambria Math" panose="02040503050406030204" pitchFamily="18" charset="0"/>
+                          </a:rPr>
+                          <m:t>𝑖</m:t>
+                        </m:r>
+                        <m:r>
+                          <a:rPr lang="en-US" altLang="ko-KR" sz="2000" i="1">
+                            <a:latin typeface="Cambria Math" panose="02040503050406030204" pitchFamily="18" charset="0"/>
+                          </a:rPr>
+                          <m:t>=1</m:t>
+                        </m:r>
+                      </m:sub>
+                      <m:sup>
+                        <m:r>
+                          <a:rPr lang="en-US" altLang="ko-KR" sz="2000" i="1">
+                            <a:latin typeface="Cambria Math" panose="02040503050406030204" pitchFamily="18" charset="0"/>
+                          </a:rPr>
+                          <m:t>𝑎</m:t>
+                        </m:r>
+                      </m:sup>
+                      <m:e>
+                        <m:nary>
+                          <m:naryPr>
+                            <m:chr m:val="∑"/>
+                            <m:ctrlPr>
+                              <a:rPr lang="en-US" altLang="ko-KR" sz="2000" i="1">
+                                <a:latin typeface="Cambria Math" panose="02040503050406030204" pitchFamily="18" charset="0"/>
+                              </a:rPr>
+                            </m:ctrlPr>
+                          </m:naryPr>
+                          <m:sub>
+                            <m:r>
+                              <m:rPr>
+                                <m:brk m:alnAt="23"/>
+                              </m:rPr>
+                              <a:rPr lang="en-US" altLang="ko-KR" sz="2000" i="1">
+                                <a:latin typeface="Cambria Math" panose="02040503050406030204" pitchFamily="18" charset="0"/>
+                              </a:rPr>
+                              <m:t>𝑗</m:t>
+                            </m:r>
+                            <m:r>
+                              <a:rPr lang="en-US" altLang="ko-KR" sz="2000" i="1">
+                                <a:latin typeface="Cambria Math" panose="02040503050406030204" pitchFamily="18" charset="0"/>
+                              </a:rPr>
+                              <m:t>=1</m:t>
+                            </m:r>
+                          </m:sub>
+                          <m:sup>
+                            <m:r>
+                              <a:rPr lang="en-US" altLang="ko-KR" sz="2000" i="1">
+                                <a:latin typeface="Cambria Math" panose="02040503050406030204" pitchFamily="18" charset="0"/>
+                              </a:rPr>
+                              <m:t>𝑏</m:t>
+                            </m:r>
+                          </m:sup>
+                          <m:e>
+                            <m:sSup>
+                              <m:sSupPr>
+                                <m:ctrlPr>
+                                  <a:rPr lang="en-US" altLang="ko-KR" sz="2000" i="1">
+                                    <a:latin typeface="Cambria Math" panose="02040503050406030204" pitchFamily="18" charset="0"/>
+                                  </a:rPr>
+                                </m:ctrlPr>
+                              </m:sSupPr>
+                              <m:e>
+                                <m:d>
+                                  <m:dPr>
+                                    <m:ctrlPr>
+                                      <a:rPr lang="en-US" altLang="ko-KR" sz="2000" i="1">
+                                        <a:latin typeface="Cambria Math" panose="02040503050406030204" pitchFamily="18" charset="0"/>
+                                      </a:rPr>
+                                    </m:ctrlPr>
+                                  </m:dPr>
+                                  <m:e>
+                                    <m:sSub>
+                                      <m:sSubPr>
+                                        <m:ctrlPr>
+                                          <a:rPr lang="ko-KR" altLang="en-US" sz="2000" i="1">
+                                            <a:latin typeface="Cambria Math" panose="02040503050406030204" pitchFamily="18" charset="0"/>
+                                          </a:rPr>
+                                        </m:ctrlPr>
+                                      </m:sSubPr>
+                                      <m:e>
+                                        <m:r>
+                                          <a:rPr lang="en-US" altLang="ko-KR" sz="2000" i="1">
+                                            <a:latin typeface="Cambria Math" panose="02040503050406030204" pitchFamily="18" charset="0"/>
+                                          </a:rPr>
+                                          <m:t>𝑥</m:t>
+                                        </m:r>
+                                      </m:e>
+                                      <m:sub>
+                                        <m:r>
+                                          <a:rPr lang="en-US" altLang="ko-KR" sz="2000" i="1">
+                                            <a:latin typeface="Cambria Math" panose="02040503050406030204" pitchFamily="18" charset="0"/>
+                                          </a:rPr>
+                                          <m:t>𝑖𝑗</m:t>
+                                        </m:r>
+                                      </m:sub>
+                                    </m:sSub>
+                                    <m:r>
+                                      <a:rPr lang="en-US" altLang="ko-KR" sz="2000" i="1">
+                                        <a:latin typeface="Cambria Math" panose="02040503050406030204" pitchFamily="18" charset="0"/>
+                                      </a:rPr>
+                                      <m:t>−</m:t>
+                                    </m:r>
+                                    <m:sSub>
+                                      <m:sSubPr>
+                                        <m:ctrlPr>
+                                          <a:rPr lang="ko-KR" altLang="en-US" sz="2000" i="1">
+                                            <a:latin typeface="Cambria Math" panose="02040503050406030204" pitchFamily="18" charset="0"/>
+                                          </a:rPr>
+                                        </m:ctrlPr>
+                                      </m:sSubPr>
+                                      <m:e>
+                                        <m:bar>
+                                          <m:barPr>
+                                            <m:pos m:val="top"/>
+                                            <m:ctrlPr>
+                                              <a:rPr lang="en-US" altLang="ko-KR" sz="2000" i="1">
+                                                <a:latin typeface="Cambria Math" panose="02040503050406030204" pitchFamily="18" charset="0"/>
+                                              </a:rPr>
+                                            </m:ctrlPr>
+                                          </m:barPr>
+                                          <m:e>
+                                            <m:r>
+                                              <a:rPr lang="en-US" altLang="ko-KR" sz="2000" i="1">
+                                                <a:latin typeface="Cambria Math" panose="02040503050406030204" pitchFamily="18" charset="0"/>
+                                              </a:rPr>
+                                              <m:t>𝑥</m:t>
+                                            </m:r>
+                                          </m:e>
+                                        </m:bar>
+                                      </m:e>
+                                      <m:sub>
+                                        <m:r>
+                                          <a:rPr lang="en-US" altLang="ko-KR" sz="2000" i="1">
+                                            <a:latin typeface="Cambria Math" panose="02040503050406030204" pitchFamily="18" charset="0"/>
+                                          </a:rPr>
+                                          <m:t>𝑖</m:t>
+                                        </m:r>
+                                      </m:sub>
+                                    </m:sSub>
+                                    <m:r>
+                                      <a:rPr lang="en-US" altLang="ko-KR" sz="2000">
+                                        <a:latin typeface="Cambria Math" panose="02040503050406030204" pitchFamily="18" charset="0"/>
+                                      </a:rPr>
+                                      <m:t>−</m:t>
+                                    </m:r>
+                                    <m:sSub>
+                                      <m:sSubPr>
+                                        <m:ctrlPr>
+                                          <a:rPr lang="ko-KR" altLang="en-US" sz="2000" i="1">
+                                            <a:latin typeface="Cambria Math" panose="02040503050406030204" pitchFamily="18" charset="0"/>
+                                          </a:rPr>
+                                        </m:ctrlPr>
+                                      </m:sSubPr>
+                                      <m:e>
+                                        <m:bar>
+                                          <m:barPr>
+                                            <m:pos m:val="top"/>
+                                            <m:ctrlPr>
+                                              <a:rPr lang="en-US" altLang="ko-KR" sz="2000" i="1">
+                                                <a:latin typeface="Cambria Math" panose="02040503050406030204" pitchFamily="18" charset="0"/>
+                                              </a:rPr>
+                                            </m:ctrlPr>
+                                          </m:barPr>
+                                          <m:e>
+                                            <m:r>
+                                              <a:rPr lang="en-US" altLang="ko-KR" sz="2000" i="1">
+                                                <a:latin typeface="Cambria Math" panose="02040503050406030204" pitchFamily="18" charset="0"/>
+                                              </a:rPr>
+                                              <m:t>𝑥</m:t>
+                                            </m:r>
+                                          </m:e>
+                                        </m:bar>
+                                      </m:e>
+                                      <m:sub>
+                                        <m:r>
+                                          <a:rPr lang="en-US" altLang="ko-KR" sz="2000" i="1">
+                                            <a:latin typeface="Cambria Math" panose="02040503050406030204" pitchFamily="18" charset="0"/>
+                                          </a:rPr>
+                                          <m:t>𝑗</m:t>
+                                        </m:r>
+                                      </m:sub>
+                                    </m:sSub>
+                                    <m:r>
+                                      <a:rPr lang="en-US" altLang="ko-KR" sz="2000" i="1">
+                                        <a:latin typeface="Cambria Math" panose="02040503050406030204" pitchFamily="18" charset="0"/>
+                                      </a:rPr>
+                                      <m:t>+</m:t>
+                                    </m:r>
+                                    <m:bar>
+                                      <m:barPr>
+                                        <m:pos m:val="top"/>
+                                        <m:ctrlPr>
+                                          <a:rPr lang="en-US" altLang="ko-KR" sz="2000" i="1">
+                                            <a:latin typeface="Cambria Math" panose="02040503050406030204" pitchFamily="18" charset="0"/>
+                                          </a:rPr>
+                                        </m:ctrlPr>
+                                      </m:barPr>
+                                      <m:e>
+                                        <m:r>
+                                          <a:rPr lang="en-US" altLang="ko-KR" sz="2000" i="1">
+                                            <a:latin typeface="Cambria Math" panose="02040503050406030204" pitchFamily="18" charset="0"/>
+                                          </a:rPr>
+                                          <m:t>𝑥</m:t>
+                                        </m:r>
+                                      </m:e>
+                                    </m:bar>
+                                  </m:e>
+                                </m:d>
+                              </m:e>
+                              <m:sup>
+                                <m:r>
+                                  <a:rPr lang="en-US" altLang="ko-KR" sz="2000" i="1">
+                                    <a:latin typeface="Cambria Math" panose="02040503050406030204" pitchFamily="18" charset="0"/>
+                                  </a:rPr>
+                                  <m:t>2</m:t>
+                                </m:r>
+                              </m:sup>
+                            </m:sSup>
+                          </m:e>
+                        </m:nary>
+                      </m:e>
+                    </m:nary>
+                  </m:oMath>
+                </a14:m>
+                <a:br>
+                  <a:rPr lang="en-US" altLang="ko-KR" sz="2000" dirty="0">
+                    <a:latin typeface="Cambria Math" panose="02040503050406030204" pitchFamily="18" charset="0"/>
+                  </a:rPr>
+                </a:br>
+                <a14:m>
+                  <m:oMath xmlns:m="http://schemas.openxmlformats.org/officeDocument/2006/math">
+                    <m:r>
+                      <a:rPr lang="en-US" altLang="ko-KR" sz="2000" b="0" i="1" smtClean="0">
+                        <a:latin typeface="Cambria Math" panose="02040503050406030204" pitchFamily="18" charset="0"/>
+                      </a:rPr>
+                      <m:t>=</m:t>
+                    </m:r>
+                    <m:nary>
+                      <m:naryPr>
+                        <m:chr m:val="∑"/>
+                        <m:ctrlPr>
+                          <a:rPr lang="en-US" altLang="ko-KR" sz="2000" i="1">
+                            <a:latin typeface="Cambria Math" panose="02040503050406030204" pitchFamily="18" charset="0"/>
+                          </a:rPr>
+                        </m:ctrlPr>
+                      </m:naryPr>
+                      <m:sub>
+                        <m:r>
+                          <m:rPr>
+                            <m:brk m:alnAt="23"/>
+                          </m:rPr>
+                          <a:rPr lang="en-US" altLang="ko-KR" sz="2000" i="1">
+                            <a:latin typeface="Cambria Math" panose="02040503050406030204" pitchFamily="18" charset="0"/>
+                          </a:rPr>
+                          <m:t>𝑖</m:t>
+                        </m:r>
+                        <m:r>
+                          <a:rPr lang="en-US" altLang="ko-KR" sz="2000" i="1">
+                            <a:latin typeface="Cambria Math" panose="02040503050406030204" pitchFamily="18" charset="0"/>
+                          </a:rPr>
+                          <m:t>=1</m:t>
+                        </m:r>
+                      </m:sub>
+                      <m:sup>
+                        <m:r>
+                          <a:rPr lang="en-US" altLang="ko-KR" sz="2000" i="1">
+                            <a:latin typeface="Cambria Math" panose="02040503050406030204" pitchFamily="18" charset="0"/>
+                          </a:rPr>
+                          <m:t>𝑎</m:t>
+                        </m:r>
+                      </m:sup>
+                      <m:e>
+                        <m:nary>
+                          <m:naryPr>
+                            <m:chr m:val="∑"/>
+                            <m:ctrlPr>
+                              <a:rPr lang="en-US" altLang="ko-KR" sz="2000" i="1">
+                                <a:latin typeface="Cambria Math" panose="02040503050406030204" pitchFamily="18" charset="0"/>
+                              </a:rPr>
+                            </m:ctrlPr>
+                          </m:naryPr>
+                          <m:sub>
+                            <m:r>
+                              <m:rPr>
+                                <m:brk m:alnAt="23"/>
+                              </m:rPr>
+                              <a:rPr lang="en-US" altLang="ko-KR" sz="2000" i="1">
+                                <a:latin typeface="Cambria Math" panose="02040503050406030204" pitchFamily="18" charset="0"/>
+                              </a:rPr>
+                              <m:t>𝑗</m:t>
+                            </m:r>
+                            <m:r>
+                              <a:rPr lang="en-US" altLang="ko-KR" sz="2000" i="1">
+                                <a:latin typeface="Cambria Math" panose="02040503050406030204" pitchFamily="18" charset="0"/>
+                              </a:rPr>
+                              <m:t>=1</m:t>
+                            </m:r>
+                          </m:sub>
+                          <m:sup>
+                            <m:r>
+                              <a:rPr lang="en-US" altLang="ko-KR" sz="2000" i="1">
+                                <a:latin typeface="Cambria Math" panose="02040503050406030204" pitchFamily="18" charset="0"/>
+                              </a:rPr>
+                              <m:t>𝑏</m:t>
+                            </m:r>
+                          </m:sup>
+                          <m:e>
+                            <m:sSup>
+                              <m:sSupPr>
+                                <m:ctrlPr>
+                                  <a:rPr lang="en-US" altLang="ko-KR" sz="2000" i="1">
+                                    <a:latin typeface="Cambria Math" panose="02040503050406030204" pitchFamily="18" charset="0"/>
+                                  </a:rPr>
+                                </m:ctrlPr>
+                              </m:sSupPr>
+                              <m:e>
+                                <m:d>
+                                  <m:dPr>
+                                    <m:ctrlPr>
+                                      <a:rPr lang="en-US" altLang="ko-KR" sz="2000" i="1">
+                                        <a:latin typeface="Cambria Math" panose="02040503050406030204" pitchFamily="18" charset="0"/>
+                                      </a:rPr>
+                                    </m:ctrlPr>
+                                  </m:dPr>
+                                  <m:e>
+                                    <m:r>
+                                      <a:rPr lang="ko-KR" altLang="en-US" sz="2000" i="1">
+                                        <a:latin typeface="Cambria Math" panose="02040503050406030204" pitchFamily="18" charset="0"/>
+                                      </a:rPr>
+                                      <m:t>𝜇</m:t>
+                                    </m:r>
+                                    <m:r>
+                                      <a:rPr lang="ko-KR" altLang="en-US" sz="2000" i="1">
+                                        <a:latin typeface="Cambria Math" panose="02040503050406030204" pitchFamily="18" charset="0"/>
+                                      </a:rPr>
+                                      <m:t> +</m:t>
+                                    </m:r>
+                                    <m:sSub>
+                                      <m:sSubPr>
+                                        <m:ctrlPr>
+                                          <a:rPr lang="en-US" altLang="ko-KR" sz="2000" i="1">
+                                            <a:latin typeface="Cambria Math" panose="02040503050406030204" pitchFamily="18" charset="0"/>
+                                          </a:rPr>
+                                        </m:ctrlPr>
+                                      </m:sSubPr>
+                                      <m:e>
+                                        <m:r>
+                                          <a:rPr lang="en-US" altLang="ko-KR" sz="2000" i="1">
+                                            <a:latin typeface="Cambria Math" panose="02040503050406030204" pitchFamily="18" charset="0"/>
+                                          </a:rPr>
+                                          <m:t>𝛼</m:t>
+                                        </m:r>
+                                      </m:e>
+                                      <m:sub>
+                                        <m:r>
+                                          <a:rPr lang="en-US" altLang="ko-KR" sz="2000" i="1">
+                                            <a:latin typeface="Cambria Math" panose="02040503050406030204" pitchFamily="18" charset="0"/>
+                                          </a:rPr>
+                                          <m:t>𝑖</m:t>
+                                        </m:r>
+                                      </m:sub>
+                                    </m:sSub>
+                                    <m:r>
+                                      <m:rPr>
+                                        <m:nor/>
+                                      </m:rPr>
+                                      <a:rPr lang="en-US" altLang="ko-KR" sz="2000" dirty="0"/>
+                                      <m:t>+ </m:t>
+                                    </m:r>
+                                    <m:sSub>
+                                      <m:sSubPr>
+                                        <m:ctrlPr>
+                                          <a:rPr lang="en-US" altLang="ko-KR" sz="2000" i="1">
+                                            <a:latin typeface="Cambria Math" panose="02040503050406030204" pitchFamily="18" charset="0"/>
+                                          </a:rPr>
+                                        </m:ctrlPr>
+                                      </m:sSubPr>
+                                      <m:e>
+                                        <m:r>
+                                          <a:rPr lang="en-US" altLang="ko-KR" sz="2000" i="1">
+                                            <a:latin typeface="Cambria Math" panose="02040503050406030204" pitchFamily="18" charset="0"/>
+                                          </a:rPr>
+                                          <m:t>𝛽</m:t>
+                                        </m:r>
+                                      </m:e>
+                                      <m:sub>
+                                        <m:r>
+                                          <a:rPr lang="en-US" altLang="ko-KR" sz="2000" i="1">
+                                            <a:latin typeface="Cambria Math" panose="02040503050406030204" pitchFamily="18" charset="0"/>
+                                          </a:rPr>
+                                          <m:t>𝑗</m:t>
+                                        </m:r>
+                                      </m:sub>
+                                    </m:sSub>
+                                    <m:r>
+                                      <a:rPr lang="en-US" altLang="ko-KR" sz="2000">
+                                        <a:latin typeface="Cambria Math" panose="02040503050406030204" pitchFamily="18" charset="0"/>
+                                      </a:rPr>
+                                      <m:t>−</m:t>
+                                    </m:r>
+                                    <m:r>
+                                      <a:rPr lang="ko-KR" altLang="en-US" sz="2000" i="1">
+                                        <a:latin typeface="Cambria Math" panose="02040503050406030204" pitchFamily="18" charset="0"/>
+                                      </a:rPr>
+                                      <m:t>𝜇</m:t>
+                                    </m:r>
+                                    <m:r>
+                                      <a:rPr lang="ko-KR" altLang="en-US" sz="2000" i="1">
+                                        <a:latin typeface="Cambria Math" panose="02040503050406030204" pitchFamily="18" charset="0"/>
+                                      </a:rPr>
+                                      <m:t> −</m:t>
+                                    </m:r>
+                                    <m:sSub>
+                                      <m:sSubPr>
+                                        <m:ctrlPr>
+                                          <a:rPr lang="en-US" altLang="ko-KR" sz="2000" i="1">
+                                            <a:latin typeface="Cambria Math" panose="02040503050406030204" pitchFamily="18" charset="0"/>
+                                          </a:rPr>
+                                        </m:ctrlPr>
+                                      </m:sSubPr>
+                                      <m:e>
+                                        <m:r>
+                                          <a:rPr lang="en-US" altLang="ko-KR" sz="2000" i="1">
+                                            <a:latin typeface="Cambria Math" panose="02040503050406030204" pitchFamily="18" charset="0"/>
+                                          </a:rPr>
+                                          <m:t>𝛼</m:t>
+                                        </m:r>
+                                      </m:e>
+                                      <m:sub>
+                                        <m:r>
+                                          <a:rPr lang="en-US" altLang="ko-KR" sz="2000" i="1">
+                                            <a:latin typeface="Cambria Math" panose="02040503050406030204" pitchFamily="18" charset="0"/>
+                                          </a:rPr>
+                                          <m:t>𝑖</m:t>
+                                        </m:r>
+                                      </m:sub>
+                                    </m:sSub>
+                                    <m:r>
+                                      <a:rPr lang="en-US" altLang="ko-KR" sz="2000" i="1">
+                                        <a:latin typeface="Cambria Math" panose="02040503050406030204" pitchFamily="18" charset="0"/>
+                                      </a:rPr>
+                                      <m:t>−</m:t>
+                                    </m:r>
+                                    <m:r>
+                                      <a:rPr lang="ko-KR" altLang="en-US" sz="2000" i="1">
+                                        <a:latin typeface="Cambria Math" panose="02040503050406030204" pitchFamily="18" charset="0"/>
+                                      </a:rPr>
+                                      <m:t>𝜇</m:t>
+                                    </m:r>
+                                    <m:r>
+                                      <a:rPr lang="ko-KR" altLang="en-US" sz="2000" i="1">
+                                        <a:latin typeface="Cambria Math" panose="02040503050406030204" pitchFamily="18" charset="0"/>
+                                      </a:rPr>
+                                      <m:t> −</m:t>
+                                    </m:r>
+                                    <m:sSub>
+                                      <m:sSubPr>
+                                        <m:ctrlPr>
+                                          <a:rPr lang="en-US" altLang="ko-KR" sz="2000" i="1">
+                                            <a:latin typeface="Cambria Math" panose="02040503050406030204" pitchFamily="18" charset="0"/>
+                                          </a:rPr>
+                                        </m:ctrlPr>
+                                      </m:sSubPr>
+                                      <m:e>
+                                        <m:r>
+                                          <a:rPr lang="en-US" altLang="ko-KR" sz="2000" i="1">
+                                            <a:latin typeface="Cambria Math" panose="02040503050406030204" pitchFamily="18" charset="0"/>
+                                          </a:rPr>
+                                          <m:t>𝛽</m:t>
+                                        </m:r>
+                                      </m:e>
+                                      <m:sub>
+                                        <m:r>
+                                          <a:rPr lang="en-US" altLang="ko-KR" sz="2000" i="1">
+                                            <a:latin typeface="Cambria Math" panose="02040503050406030204" pitchFamily="18" charset="0"/>
+                                          </a:rPr>
+                                          <m:t>𝑗</m:t>
+                                        </m:r>
+                                      </m:sub>
+                                    </m:sSub>
+                                    <m:r>
+                                      <a:rPr lang="en-US" altLang="ko-KR" sz="2000" i="1">
+                                        <a:latin typeface="Cambria Math" panose="02040503050406030204" pitchFamily="18" charset="0"/>
+                                      </a:rPr>
+                                      <m:t>+</m:t>
+                                    </m:r>
+                                    <m:r>
+                                      <a:rPr lang="ko-KR" altLang="en-US" sz="2000" i="1">
+                                        <a:latin typeface="Cambria Math" panose="02040503050406030204" pitchFamily="18" charset="0"/>
+                                      </a:rPr>
+                                      <m:t>𝜇</m:t>
+                                    </m:r>
+                                    <m:r>
+                                      <m:rPr>
+                                        <m:nor/>
+                                      </m:rPr>
+                                      <a:rPr lang="en-US" altLang="ko-KR" sz="2000" dirty="0">
+                                        <a:latin typeface="Cambria Math" panose="02040503050406030204" pitchFamily="18" charset="0"/>
+                                      </a:rPr>
+                                      <m:t> </m:t>
+                                    </m:r>
+                                  </m:e>
+                                </m:d>
+                              </m:e>
+                              <m:sup>
+                                <m:r>
+                                  <a:rPr lang="en-US" altLang="ko-KR" sz="2000" i="1">
+                                    <a:latin typeface="Cambria Math" panose="02040503050406030204" pitchFamily="18" charset="0"/>
+                                  </a:rPr>
+                                  <m:t>2</m:t>
+                                </m:r>
+                              </m:sup>
+                            </m:sSup>
+                          </m:e>
+                        </m:nary>
+                      </m:e>
+                    </m:nary>
+                  </m:oMath>
+                </a14:m>
+                <a:r>
+                  <a:rPr lang="en-US" altLang="ko-KR" sz="2000" dirty="0">
+                    <a:latin typeface="Cambria Math" panose="02040503050406030204" pitchFamily="18" charset="0"/>
+                  </a:rPr>
+                  <a:t> =</a:t>
+                </a:r>
+                <a:r>
+                  <a:rPr lang="en-US" altLang="ko-KR" sz="2000" dirty="0">
+                    <a:solidFill>
+                      <a:srgbClr val="FF0000"/>
+                    </a:solidFill>
+                    <a:latin typeface="Cambria Math" panose="02040503050406030204" pitchFamily="18" charset="0"/>
+                  </a:rPr>
+                  <a:t> 0  </a:t>
+                </a:r>
+              </a:p>
+              <a:p>
+                <a:pPr marL="0" indent="0">
+                  <a:buNone/>
+                </a:pPr>
+                <a:r>
+                  <a:rPr lang="en-US" altLang="ko-KR" sz="2000" dirty="0">
+                    <a:latin typeface="Cambria Math" panose="02040503050406030204" pitchFamily="18" charset="0"/>
+                  </a:rPr>
+                  <a:t>3) </a:t>
+                </a:r>
+                <a:r>
+                  <a:rPr lang="ko-KR" altLang="en-US" sz="2000" dirty="0">
+                    <a:latin typeface="Cambria Math" panose="02040503050406030204" pitchFamily="18" charset="0"/>
+                  </a:rPr>
+                  <a:t>따라서</a:t>
+                </a:r>
+                <a:r>
+                  <a:rPr lang="en-US" altLang="ko-KR" sz="2000" dirty="0">
+                    <a:latin typeface="Cambria Math" panose="02040503050406030204" pitchFamily="18" charset="0"/>
+                  </a:rPr>
+                  <a:t>, </a:t>
+                </a:r>
+                <a:r>
+                  <a:rPr lang="ko-KR" altLang="en-US" sz="2000" dirty="0">
+                    <a:latin typeface="Cambria Math" panose="02040503050406030204" pitchFamily="18" charset="0"/>
+                  </a:rPr>
+                  <a:t>각각의 </a:t>
+                </a:r>
+                <a:r>
+                  <a:rPr lang="ko-KR" altLang="en-US" sz="2000" dirty="0" err="1">
+                    <a:latin typeface="Cambria Math" panose="02040503050406030204" pitchFamily="18" charset="0"/>
+                  </a:rPr>
+                  <a:t>비중심모수를</a:t>
+                </a:r>
+                <a:r>
+                  <a:rPr lang="ko-KR" altLang="en-US" sz="2000" dirty="0">
+                    <a:latin typeface="Cambria Math" panose="02040503050406030204" pitchFamily="18" charset="0"/>
+                  </a:rPr>
+                  <a:t> 가지는 </a:t>
+                </a:r>
+                <a:r>
+                  <a:rPr lang="en-US" altLang="ko-KR" sz="2000" dirty="0">
+                    <a:latin typeface="Cambria Math" panose="02040503050406030204" pitchFamily="18" charset="0"/>
+                  </a:rPr>
+                  <a:t>F</a:t>
+                </a:r>
+                <a:r>
+                  <a:rPr lang="ko-KR" altLang="en-US" sz="2000" dirty="0">
+                    <a:latin typeface="Cambria Math" panose="02040503050406030204" pitchFamily="18" charset="0"/>
+                  </a:rPr>
+                  <a:t>분포를 정의할 수 있다</a:t>
+                </a:r>
+                <a:r>
+                  <a:rPr lang="en-US" altLang="ko-KR" sz="2000" dirty="0">
+                    <a:latin typeface="Cambria Math" panose="02040503050406030204" pitchFamily="18" charset="0"/>
+                  </a:rPr>
+                  <a:t>.</a:t>
+                </a:r>
+              </a:p>
+              <a:p>
+                <a:pPr marL="0" indent="0">
+                  <a:buNone/>
+                </a:pPr>
+                <a:endParaRPr lang="en-US" altLang="ko-KR" sz="2000" dirty="0">
+                  <a:latin typeface="Cambria Math" panose="02040503050406030204" pitchFamily="18" charset="0"/>
+                </a:endParaRPr>
+              </a:p>
+              <a:p>
+                <a:pPr marL="0" indent="0">
+                  <a:buNone/>
+                </a:pPr>
+                <a:endParaRPr lang="en-US" altLang="ko-KR" sz="2000" dirty="0">
+                  <a:latin typeface="Cambria Math" panose="02040503050406030204" pitchFamily="18" charset="0"/>
+                </a:endParaRPr>
+              </a:p>
+              <a:p>
+                <a:pPr marL="0" indent="0">
+                  <a:buNone/>
+                </a:pPr>
+                <a:endParaRPr lang="en-US" altLang="ko-KR" sz="2000" dirty="0">
+                  <a:latin typeface="Cambria Math" panose="02040503050406030204" pitchFamily="18" charset="0"/>
+                </a:endParaRPr>
+              </a:p>
+            </p:txBody>
+          </p:sp>
+        </mc:Choice>
+        <mc:Fallback>
+          <p:sp>
+            <p:nvSpPr>
+              <p:cNvPr id="3" name="내용 개체 틀 2">
+                <a:extLst>
+                  <a:ext uri="{FF2B5EF4-FFF2-40B4-BE49-F238E27FC236}">
+                    <a16:creationId xmlns:a16="http://schemas.microsoft.com/office/drawing/2014/main" id="{CC593C31-AC9A-40BE-900A-F9483D746834}"/>
+                  </a:ext>
+                </a:extLst>
+              </p:cNvPr>
+              <p:cNvSpPr>
+                <a:spLocks noGrp="1" noRot="1" noChangeAspect="1" noMove="1" noResize="1" noEditPoints="1" noAdjustHandles="1" noChangeArrowheads="1" noChangeShapeType="1" noTextEdit="1"/>
+              </p:cNvSpPr>
+              <p:nvPr>
+                <p:ph idx="1"/>
+              </p:nvPr>
+            </p:nvSpPr>
+            <p:spPr>
+              <a:blipFill>
+                <a:blip r:embed="rId2"/>
+                <a:stretch>
+                  <a:fillRect l="-638" t="-2101"/>
+                </a:stretch>
+              </a:blipFill>
+            </p:spPr>
+            <p:txBody>
+              <a:bodyPr/>
+              <a:lstStyle/>
+              <a:p>
+                <a:r>
+                  <a:rPr lang="ko-KR" altLang="en-US">
+                    <a:noFill/>
+                  </a:rPr>
+                  <a:t> </a:t>
+                </a:r>
+              </a:p>
+            </p:txBody>
+          </p:sp>
+        </mc:Fallback>
+      </mc:AlternateContent>
+    </p:spTree>
+    <p:extLst>
+      <p:ext uri="{BB962C8B-B14F-4D97-AF65-F5344CB8AC3E}">
+        <p14:creationId xmlns:p14="http://schemas.microsoft.com/office/powerpoint/2010/main" val="1699271462"/>
+      </p:ext>
+    </p:extLst>
+  </p:cSld>
+  <p:clrMapOvr>
+    <a:masterClrMapping/>
+  </p:clrMapOvr>
+</p:sld>
+</file>
+
+<file path=ppt/slides/slide8.xml><?xml version="1.0" encoding="utf-8"?>
+<p:sld xmlns:a="http://schemas.openxmlformats.org/drawingml/2006/main" xmlns:r="http://schemas.openxmlformats.org/officeDocument/2006/relationships" xmlns:p="http://schemas.openxmlformats.org/presentationml/2006/main">
+  <p:cSld>
+    <p:spTree>
+      <p:nvGrpSpPr>
+        <p:cNvPr id="1" name=""/>
+        <p:cNvGrpSpPr/>
+        <p:nvPr/>
+      </p:nvGrpSpPr>
+      <p:grpSpPr>
+        <a:xfrm>
+          <a:off x="0" y="0"/>
+          <a:ext cx="0" cy="0"/>
+          <a:chOff x="0" y="0"/>
+          <a:chExt cx="0" cy="0"/>
+        </a:xfrm>
+      </p:grpSpPr>
+      <p:sp>
+        <p:nvSpPr>
+          <p:cNvPr id="2" name="제목 1">
+            <a:extLst>
+              <a:ext uri="{FF2B5EF4-FFF2-40B4-BE49-F238E27FC236}">
+                <a16:creationId xmlns:a16="http://schemas.microsoft.com/office/drawing/2014/main" id="{7294AC75-F40B-44E1-AB20-1DE181ABE212}"/>
+              </a:ext>
+            </a:extLst>
+          </p:cNvPr>
+          <p:cNvSpPr>
+            <a:spLocks noGrp="1"/>
+          </p:cNvSpPr>
+          <p:nvPr>
+            <p:ph type="title"/>
+          </p:nvPr>
+        </p:nvSpPr>
+        <p:spPr/>
+        <p:txBody>
+          <a:bodyPr/>
+          <a:lstStyle/>
+          <a:p>
+            <a:r>
+              <a:rPr lang="ko-KR" altLang="en-US" dirty="0"/>
+              <a:t>정의</a:t>
+            </a:r>
+          </a:p>
+        </p:txBody>
+      </p:sp>
+      <mc:AlternateContent xmlns:mc="http://schemas.openxmlformats.org/markup-compatibility/2006">
+        <mc:Choice xmlns:a14="http://schemas.microsoft.com/office/drawing/2010/main" Requires="a14">
+          <p:sp>
+            <p:nvSpPr>
+              <p:cNvPr id="3" name="내용 개체 틀 2">
+                <a:extLst>
+                  <a:ext uri="{FF2B5EF4-FFF2-40B4-BE49-F238E27FC236}">
+                    <a16:creationId xmlns:a16="http://schemas.microsoft.com/office/drawing/2014/main" id="{CC593C31-AC9A-40BE-900A-F9483D746834}"/>
+                  </a:ext>
+                </a:extLst>
+              </p:cNvPr>
+              <p:cNvSpPr>
+                <a:spLocks noGrp="1"/>
+              </p:cNvSpPr>
+              <p:nvPr>
+                <p:ph idx="1"/>
+              </p:nvPr>
+            </p:nvSpPr>
+            <p:spPr/>
+            <p:txBody>
+              <a:bodyPr>
+                <a:normAutofit lnSpcReduction="10000"/>
+              </a:bodyPr>
+              <a:lstStyle/>
+              <a:p>
+                <a:r>
+                  <a:rPr lang="ko-KR" altLang="en-US" sz="2000" dirty="0">
+                    <a:latin typeface="Cambria Math" panose="02040503050406030204" pitchFamily="18" charset="0"/>
+                  </a:rPr>
+                  <a:t>교호작용의 분석</a:t>
+                </a:r>
+                <a:endParaRPr lang="en-US" altLang="ko-KR" sz="2000" dirty="0">
+                  <a:latin typeface="Cambria Math" panose="02040503050406030204" pitchFamily="18" charset="0"/>
+                </a:endParaRPr>
+              </a:p>
+              <a:p>
+                <a:pPr marL="457200" indent="-457200">
+                  <a:buAutoNum type="arabicPeriod"/>
+                </a:pPr>
+                <a14:m>
+                  <m:oMath xmlns:m="http://schemas.openxmlformats.org/officeDocument/2006/math">
+                    <m:sSub>
+                      <m:sSubPr>
+                        <m:ctrlPr>
+                          <a:rPr lang="en-US" altLang="ko-KR" sz="2000" i="1">
+                            <a:latin typeface="Cambria Math" panose="02040503050406030204" pitchFamily="18" charset="0"/>
+                          </a:rPr>
+                        </m:ctrlPr>
+                      </m:sSubPr>
+                      <m:e>
+                        <m:r>
+                          <a:rPr lang="en-US" altLang="ko-KR" sz="2000" i="1">
+                            <a:latin typeface="Cambria Math" panose="02040503050406030204" pitchFamily="18" charset="0"/>
+                          </a:rPr>
+                          <m:t>𝛼</m:t>
+                        </m:r>
+                      </m:e>
+                      <m:sub>
+                        <m:r>
+                          <a:rPr lang="en-US" altLang="ko-KR" sz="2000" b="0" i="1" smtClean="0">
+                            <a:latin typeface="Cambria Math" panose="02040503050406030204" pitchFamily="18" charset="0"/>
+                          </a:rPr>
+                          <m:t>𝑖</m:t>
+                        </m:r>
+                      </m:sub>
+                    </m:sSub>
+                  </m:oMath>
+                </a14:m>
+                <a:r>
+                  <a:rPr lang="en-US" altLang="ko-KR" sz="2000" dirty="0">
+                    <a:latin typeface="Cambria Math" panose="02040503050406030204" pitchFamily="18" charset="0"/>
+                  </a:rPr>
+                  <a:t>, </a:t>
+                </a:r>
+                <a14:m>
+                  <m:oMath xmlns:m="http://schemas.openxmlformats.org/officeDocument/2006/math">
+                    <m:sSub>
+                      <m:sSubPr>
+                        <m:ctrlPr>
+                          <a:rPr lang="en-US" altLang="ko-KR" sz="2000" i="1">
+                            <a:latin typeface="Cambria Math" panose="02040503050406030204" pitchFamily="18" charset="0"/>
+                          </a:rPr>
+                        </m:ctrlPr>
+                      </m:sSubPr>
+                      <m:e>
+                        <m:r>
+                          <a:rPr lang="en-US" altLang="ko-KR" sz="2000" i="1">
+                            <a:latin typeface="Cambria Math" panose="02040503050406030204" pitchFamily="18" charset="0"/>
+                          </a:rPr>
+                          <m:t>𝛽</m:t>
+                        </m:r>
+                      </m:e>
+                      <m:sub>
+                        <m:r>
+                          <a:rPr lang="en-US" altLang="ko-KR" sz="2000" b="0" i="1" smtClean="0">
+                            <a:latin typeface="Cambria Math" panose="02040503050406030204" pitchFamily="18" charset="0"/>
+                          </a:rPr>
+                          <m:t>𝑖</m:t>
+                        </m:r>
+                      </m:sub>
+                    </m:sSub>
+                  </m:oMath>
+                </a14:m>
+                <a:r>
+                  <a:rPr lang="en-US" altLang="ko-KR" sz="2000" dirty="0">
+                    <a:latin typeface="Cambria Math" panose="02040503050406030204" pitchFamily="18" charset="0"/>
+                  </a:rPr>
+                  <a:t> </a:t>
+                </a:r>
+                <a:r>
+                  <a:rPr lang="ko-KR" altLang="en-US" sz="2000" dirty="0">
+                    <a:latin typeface="Cambria Math" panose="02040503050406030204" pitchFamily="18" charset="0"/>
+                  </a:rPr>
+                  <a:t>외에 변수간 교호작용 효과를 반영하는 </a:t>
+                </a:r>
+                <a14:m>
+                  <m:oMath xmlns:m="http://schemas.openxmlformats.org/officeDocument/2006/math">
+                    <m:sSub>
+                      <m:sSubPr>
+                        <m:ctrlPr>
+                          <a:rPr lang="en-US" altLang="ko-KR" sz="2000" i="1">
+                            <a:latin typeface="Cambria Math" panose="02040503050406030204" pitchFamily="18" charset="0"/>
+                          </a:rPr>
+                        </m:ctrlPr>
+                      </m:sSubPr>
+                      <m:e>
+                        <m:r>
+                          <a:rPr lang="ko-KR" altLang="en-US" sz="2000" i="1" smtClean="0">
+                            <a:latin typeface="Cambria Math" panose="02040503050406030204" pitchFamily="18" charset="0"/>
+                          </a:rPr>
+                          <m:t>𝛾</m:t>
+                        </m:r>
+                      </m:e>
+                      <m:sub>
+                        <m:r>
+                          <a:rPr lang="en-US" altLang="ko-KR" sz="2000" i="1">
+                            <a:latin typeface="Cambria Math" panose="02040503050406030204" pitchFamily="18" charset="0"/>
+                          </a:rPr>
+                          <m:t>𝑖</m:t>
+                        </m:r>
+                        <m:r>
+                          <a:rPr lang="en-US" altLang="ko-KR" sz="2000" b="0" i="1" smtClean="0">
+                            <a:latin typeface="Cambria Math" panose="02040503050406030204" pitchFamily="18" charset="0"/>
+                          </a:rPr>
+                          <m:t>𝑗</m:t>
+                        </m:r>
+                      </m:sub>
+                    </m:sSub>
+                  </m:oMath>
+                </a14:m>
+                <a:r>
+                  <a:rPr lang="ko-KR" altLang="en-US" sz="2000" dirty="0">
+                    <a:latin typeface="Cambria Math" panose="02040503050406030204" pitchFamily="18" charset="0"/>
+                  </a:rPr>
+                  <a:t>를 추가한 모형</a:t>
+                </a:r>
+                <a:endParaRPr lang="en-US" altLang="ko-KR" sz="2000" dirty="0">
+                  <a:latin typeface="Cambria Math" panose="02040503050406030204" pitchFamily="18" charset="0"/>
+                </a:endParaRPr>
+              </a:p>
+              <a:p>
+                <a:pPr marL="457200" indent="-457200">
+                  <a:buFont typeface="Arial" panose="020B0604020202020204" pitchFamily="34" charset="0"/>
+                  <a:buAutoNum type="arabicPeriod"/>
+                </a:pPr>
+                <a:r>
+                  <a:rPr lang="ko-KR" altLang="en-US" sz="2000" dirty="0">
+                    <a:latin typeface="Cambria Math" panose="02040503050406030204" pitchFamily="18" charset="0"/>
+                  </a:rPr>
+                  <a:t>가법모형 </a:t>
+                </a:r>
+                <a:r>
+                  <a:rPr lang="en-US" altLang="ko-KR" sz="2000" dirty="0">
+                    <a:latin typeface="Cambria Math" panose="02040503050406030204" pitchFamily="18" charset="0"/>
+                  </a:rPr>
+                  <a:t> </a:t>
+                </a:r>
+                <a14:m>
+                  <m:oMath xmlns:m="http://schemas.openxmlformats.org/officeDocument/2006/math">
+                    <m:sSub>
+                      <m:sSubPr>
+                        <m:ctrlPr>
+                          <a:rPr lang="en-US" altLang="ko-KR" sz="2000" i="1">
+                            <a:latin typeface="Cambria Math" panose="02040503050406030204" pitchFamily="18" charset="0"/>
+                          </a:rPr>
+                        </m:ctrlPr>
+                      </m:sSubPr>
+                      <m:e>
+                        <m:r>
+                          <a:rPr lang="ko-KR" altLang="en-US" sz="2000" i="1">
+                            <a:latin typeface="Cambria Math" panose="02040503050406030204" pitchFamily="18" charset="0"/>
+                          </a:rPr>
+                          <m:t>𝜇</m:t>
+                        </m:r>
+                      </m:e>
+                      <m:sub>
+                        <m:r>
+                          <a:rPr lang="en-US" altLang="ko-KR" sz="2000" i="1">
+                            <a:latin typeface="Cambria Math" panose="02040503050406030204" pitchFamily="18" charset="0"/>
+                          </a:rPr>
+                          <m:t>𝑖𝑗</m:t>
+                        </m:r>
+                      </m:sub>
+                    </m:sSub>
+                  </m:oMath>
+                </a14:m>
+                <a:r>
+                  <a:rPr lang="ko-KR" altLang="en-US" sz="2000" dirty="0"/>
+                  <a:t> </a:t>
+                </a:r>
+                <a:r>
+                  <a:rPr lang="en-US" altLang="ko-KR" sz="2000" dirty="0"/>
+                  <a:t>=</a:t>
+                </a:r>
+                <a:r>
+                  <a:rPr lang="ko-KR" altLang="en-US" sz="2000" dirty="0"/>
+                  <a:t> </a:t>
+                </a:r>
+                <a14:m>
+                  <m:oMath xmlns:m="http://schemas.openxmlformats.org/officeDocument/2006/math">
+                    <m:r>
+                      <a:rPr lang="ko-KR" altLang="en-US" sz="2000" i="1">
+                        <a:latin typeface="Cambria Math" panose="02040503050406030204" pitchFamily="18" charset="0"/>
+                      </a:rPr>
+                      <m:t>𝜇</m:t>
+                    </m:r>
+                    <m:r>
+                      <a:rPr lang="ko-KR" altLang="en-US" sz="2000" i="1">
+                        <a:latin typeface="Cambria Math" panose="02040503050406030204" pitchFamily="18" charset="0"/>
+                      </a:rPr>
+                      <m:t> +(</m:t>
+                    </m:r>
+                    <m:acc>
+                      <m:accPr>
+                        <m:chr m:val="̅"/>
+                        <m:ctrlPr>
+                          <a:rPr lang="en-US" altLang="ko-KR" sz="2000" i="1">
+                            <a:latin typeface="Cambria Math" panose="02040503050406030204" pitchFamily="18" charset="0"/>
+                          </a:rPr>
+                        </m:ctrlPr>
+                      </m:accPr>
+                      <m:e>
+                        <m:sSub>
+                          <m:sSubPr>
+                            <m:ctrlPr>
+                              <a:rPr lang="en-US" altLang="ko-KR" sz="2000" i="1">
+                                <a:latin typeface="Cambria Math" panose="02040503050406030204" pitchFamily="18" charset="0"/>
+                              </a:rPr>
+                            </m:ctrlPr>
+                          </m:sSubPr>
+                          <m:e>
+                            <m:r>
+                              <a:rPr lang="ko-KR" altLang="en-US" sz="2000" i="1">
+                                <a:latin typeface="Cambria Math" panose="02040503050406030204" pitchFamily="18" charset="0"/>
+                              </a:rPr>
+                              <m:t>𝜇</m:t>
+                            </m:r>
+                          </m:e>
+                          <m:sub>
+                            <m:r>
+                              <a:rPr lang="en-US" altLang="ko-KR" sz="2000" i="1">
+                                <a:latin typeface="Cambria Math" panose="02040503050406030204" pitchFamily="18" charset="0"/>
+                              </a:rPr>
+                              <m:t>𝑖</m:t>
+                            </m:r>
+                          </m:sub>
+                        </m:sSub>
+                      </m:e>
+                    </m:acc>
+                    <m:r>
+                      <a:rPr lang="en-US" altLang="ko-KR" sz="2000" i="1">
+                        <a:latin typeface="Cambria Math" panose="02040503050406030204" pitchFamily="18" charset="0"/>
+                      </a:rPr>
+                      <m:t>−</m:t>
+                    </m:r>
+                  </m:oMath>
+                </a14:m>
+                <a:r>
+                  <a:rPr lang="ko-KR" altLang="en-US" sz="2000" dirty="0"/>
+                  <a:t> </a:t>
+                </a:r>
+                <a14:m>
+                  <m:oMath xmlns:m="http://schemas.openxmlformats.org/officeDocument/2006/math">
+                    <m:acc>
+                      <m:accPr>
+                        <m:chr m:val="̅"/>
+                        <m:ctrlPr>
+                          <a:rPr lang="ko-KR" altLang="en-US" sz="2000" i="1">
+                            <a:latin typeface="Cambria Math" panose="02040503050406030204" pitchFamily="18" charset="0"/>
+                          </a:rPr>
+                        </m:ctrlPr>
+                      </m:accPr>
+                      <m:e>
+                        <m:r>
+                          <a:rPr lang="ko-KR" altLang="en-US" sz="2000" i="1">
+                            <a:latin typeface="Cambria Math" panose="02040503050406030204" pitchFamily="18" charset="0"/>
+                          </a:rPr>
+                          <m:t>𝜇</m:t>
+                        </m:r>
+                      </m:e>
+                    </m:acc>
+                  </m:oMath>
+                </a14:m>
+                <a:r>
+                  <a:rPr lang="en-US" altLang="ko-KR" sz="2000" dirty="0"/>
+                  <a:t>) + (</a:t>
+                </a:r>
+                <a14:m>
+                  <m:oMath xmlns:m="http://schemas.openxmlformats.org/officeDocument/2006/math">
+                    <m:acc>
+                      <m:accPr>
+                        <m:chr m:val="̅"/>
+                        <m:ctrlPr>
+                          <a:rPr lang="en-US" altLang="ko-KR" sz="2000" i="1">
+                            <a:latin typeface="Cambria Math" panose="02040503050406030204" pitchFamily="18" charset="0"/>
+                          </a:rPr>
+                        </m:ctrlPr>
+                      </m:accPr>
+                      <m:e>
+                        <m:sSub>
+                          <m:sSubPr>
+                            <m:ctrlPr>
+                              <a:rPr lang="en-US" altLang="ko-KR" sz="2000" i="1">
+                                <a:latin typeface="Cambria Math" panose="02040503050406030204" pitchFamily="18" charset="0"/>
+                              </a:rPr>
+                            </m:ctrlPr>
+                          </m:sSubPr>
+                          <m:e>
+                            <m:r>
+                              <a:rPr lang="ko-KR" altLang="en-US" sz="2000" i="1">
+                                <a:latin typeface="Cambria Math" panose="02040503050406030204" pitchFamily="18" charset="0"/>
+                              </a:rPr>
+                              <m:t>𝜇</m:t>
+                            </m:r>
+                          </m:e>
+                          <m:sub>
+                            <m:r>
+                              <a:rPr lang="en-US" altLang="ko-KR" sz="2000" i="1">
+                                <a:latin typeface="Cambria Math" panose="02040503050406030204" pitchFamily="18" charset="0"/>
+                              </a:rPr>
+                              <m:t>𝑗</m:t>
+                            </m:r>
+                          </m:sub>
+                        </m:sSub>
+                      </m:e>
+                    </m:acc>
+                    <m:r>
+                      <a:rPr lang="en-US" altLang="ko-KR" sz="2000" i="1">
+                        <a:latin typeface="Cambria Math" panose="02040503050406030204" pitchFamily="18" charset="0"/>
+                      </a:rPr>
+                      <m:t>−</m:t>
+                    </m:r>
+                    <m:acc>
+                      <m:accPr>
+                        <m:chr m:val="̅"/>
+                        <m:ctrlPr>
+                          <a:rPr lang="ko-KR" altLang="en-US" sz="2000" i="1">
+                            <a:latin typeface="Cambria Math" panose="02040503050406030204" pitchFamily="18" charset="0"/>
+                          </a:rPr>
+                        </m:ctrlPr>
+                      </m:accPr>
+                      <m:e>
+                        <m:r>
+                          <a:rPr lang="ko-KR" altLang="en-US" sz="2000" i="1">
+                            <a:latin typeface="Cambria Math" panose="02040503050406030204" pitchFamily="18" charset="0"/>
+                          </a:rPr>
+                          <m:t>𝜇</m:t>
+                        </m:r>
+                      </m:e>
+                    </m:acc>
+                  </m:oMath>
+                </a14:m>
+                <a:r>
+                  <a:rPr lang="en-US" altLang="ko-KR" sz="2000" dirty="0"/>
+                  <a:t>)</a:t>
+                </a:r>
+                <a:r>
+                  <a:rPr lang="ko-KR" altLang="en-US" sz="2000" dirty="0"/>
+                  <a:t>에서</a:t>
+                </a:r>
+                <a:r>
+                  <a:rPr lang="en-US" altLang="ko-KR" sz="2000" dirty="0"/>
+                  <a:t>, </a:t>
+                </a:r>
+                <a:r>
+                  <a:rPr lang="ko-KR" altLang="en-US" sz="2000" dirty="0"/>
+                  <a:t>만약 이 관계가 등호가 아니라면</a:t>
+                </a:r>
+                <a:endParaRPr lang="en-US" altLang="ko-KR" sz="2000" dirty="0"/>
+              </a:p>
+              <a:p>
+                <a:pPr marL="457200" indent="-457200">
+                  <a:buAutoNum type="arabicParenR"/>
+                </a:pPr>
+                <a14:m>
+                  <m:oMath xmlns:m="http://schemas.openxmlformats.org/officeDocument/2006/math">
+                    <m:sSub>
+                      <m:sSubPr>
+                        <m:ctrlPr>
+                          <a:rPr lang="en-US" altLang="ko-KR" sz="2000" i="1">
+                            <a:latin typeface="Cambria Math" panose="02040503050406030204" pitchFamily="18" charset="0"/>
+                          </a:rPr>
+                        </m:ctrlPr>
+                      </m:sSubPr>
+                      <m:e>
+                        <m:r>
+                          <a:rPr lang="ko-KR" altLang="en-US" sz="2000" i="1">
+                            <a:latin typeface="Cambria Math" panose="02040503050406030204" pitchFamily="18" charset="0"/>
+                          </a:rPr>
+                          <m:t>𝛾</m:t>
+                        </m:r>
+                      </m:e>
+                      <m:sub>
+                        <m:r>
+                          <a:rPr lang="en-US" altLang="ko-KR" sz="2000" i="1">
+                            <a:latin typeface="Cambria Math" panose="02040503050406030204" pitchFamily="18" charset="0"/>
+                          </a:rPr>
+                          <m:t>𝑖</m:t>
+                        </m:r>
+                        <m:r>
+                          <a:rPr lang="en-US" altLang="ko-KR" sz="2000" i="1">
+                            <a:latin typeface="Cambria Math" panose="02040503050406030204" pitchFamily="18" charset="0"/>
+                          </a:rPr>
+                          <m:t>𝑗</m:t>
+                        </m:r>
+                      </m:sub>
+                    </m:sSub>
+                  </m:oMath>
+                </a14:m>
+                <a:r>
+                  <a:rPr lang="en-US" altLang="ko-KR" sz="2000" dirty="0"/>
+                  <a:t> = </a:t>
+                </a:r>
+                <a14:m>
+                  <m:oMath xmlns:m="http://schemas.openxmlformats.org/officeDocument/2006/math">
+                    <m:sSub>
+                      <m:sSubPr>
+                        <m:ctrlPr>
+                          <a:rPr lang="en-US" altLang="ko-KR" sz="2000" i="1">
+                            <a:latin typeface="Cambria Math" panose="02040503050406030204" pitchFamily="18" charset="0"/>
+                          </a:rPr>
+                        </m:ctrlPr>
+                      </m:sSubPr>
+                      <m:e>
+                        <m:r>
+                          <a:rPr lang="ko-KR" altLang="en-US" sz="2000" i="1">
+                            <a:latin typeface="Cambria Math" panose="02040503050406030204" pitchFamily="18" charset="0"/>
+                          </a:rPr>
+                          <m:t>𝜇</m:t>
+                        </m:r>
+                      </m:e>
+                      <m:sub>
+                        <m:r>
+                          <a:rPr lang="en-US" altLang="ko-KR" sz="2000" i="1">
+                            <a:latin typeface="Cambria Math" panose="02040503050406030204" pitchFamily="18" charset="0"/>
+                          </a:rPr>
+                          <m:t>𝑖𝑗</m:t>
+                        </m:r>
+                      </m:sub>
+                    </m:sSub>
+                    <m:r>
+                      <a:rPr lang="en-US" altLang="ko-KR" sz="2000" b="0" i="0" smtClean="0">
+                        <a:latin typeface="Cambria Math" panose="02040503050406030204" pitchFamily="18" charset="0"/>
+                      </a:rPr>
+                      <m:t>−{</m:t>
+                    </m:r>
+                    <m:r>
+                      <a:rPr lang="ko-KR" altLang="en-US" sz="2000" i="1">
+                        <a:latin typeface="Cambria Math" panose="02040503050406030204" pitchFamily="18" charset="0"/>
+                      </a:rPr>
+                      <m:t>𝜇</m:t>
+                    </m:r>
+                    <m:r>
+                      <a:rPr lang="ko-KR" altLang="en-US" sz="2000" i="1">
+                        <a:latin typeface="Cambria Math" panose="02040503050406030204" pitchFamily="18" charset="0"/>
+                      </a:rPr>
+                      <m:t> +</m:t>
+                    </m:r>
+                    <m:d>
+                      <m:dPr>
+                        <m:ctrlPr>
+                          <a:rPr lang="ko-KR" altLang="en-US" sz="2000" i="1">
+                            <a:latin typeface="Cambria Math" panose="02040503050406030204" pitchFamily="18" charset="0"/>
+                          </a:rPr>
+                        </m:ctrlPr>
+                      </m:dPr>
+                      <m:e>
+                        <m:acc>
+                          <m:accPr>
+                            <m:chr m:val="̅"/>
+                            <m:ctrlPr>
+                              <a:rPr lang="en-US" altLang="ko-KR" sz="2000" i="1">
+                                <a:latin typeface="Cambria Math" panose="02040503050406030204" pitchFamily="18" charset="0"/>
+                              </a:rPr>
+                            </m:ctrlPr>
+                          </m:accPr>
+                          <m:e>
+                            <m:sSub>
+                              <m:sSubPr>
+                                <m:ctrlPr>
+                                  <a:rPr lang="en-US" altLang="ko-KR" sz="2000" i="1">
+                                    <a:latin typeface="Cambria Math" panose="02040503050406030204" pitchFamily="18" charset="0"/>
+                                  </a:rPr>
+                                </m:ctrlPr>
+                              </m:sSubPr>
+                              <m:e>
+                                <m:r>
+                                  <a:rPr lang="ko-KR" altLang="en-US" sz="2000" i="1">
+                                    <a:latin typeface="Cambria Math" panose="02040503050406030204" pitchFamily="18" charset="0"/>
+                                  </a:rPr>
+                                  <m:t>𝜇</m:t>
+                                </m:r>
+                              </m:e>
+                              <m:sub>
+                                <m:r>
+                                  <a:rPr lang="en-US" altLang="ko-KR" sz="2000" i="1">
+                                    <a:latin typeface="Cambria Math" panose="02040503050406030204" pitchFamily="18" charset="0"/>
+                                  </a:rPr>
+                                  <m:t>𝑖</m:t>
+                                </m:r>
+                              </m:sub>
+                            </m:sSub>
+                          </m:e>
+                        </m:acc>
+                        <m:r>
+                          <a:rPr lang="en-US" altLang="ko-KR" sz="2000" i="1">
+                            <a:latin typeface="Cambria Math" panose="02040503050406030204" pitchFamily="18" charset="0"/>
+                          </a:rPr>
+                          <m:t>−</m:t>
+                        </m:r>
+                        <m:acc>
+                          <m:accPr>
+                            <m:chr m:val="̅"/>
+                            <m:ctrlPr>
+                              <a:rPr lang="ko-KR" altLang="en-US" sz="2000" i="1">
+                                <a:latin typeface="Cambria Math" panose="02040503050406030204" pitchFamily="18" charset="0"/>
+                              </a:rPr>
+                            </m:ctrlPr>
+                          </m:accPr>
+                          <m:e>
+                            <m:r>
+                              <a:rPr lang="ko-KR" altLang="en-US" sz="2000" i="1">
+                                <a:latin typeface="Cambria Math" panose="02040503050406030204" pitchFamily="18" charset="0"/>
+                              </a:rPr>
+                              <m:t>𝜇</m:t>
+                            </m:r>
+                          </m:e>
+                        </m:acc>
+                      </m:e>
+                    </m:d>
+                    <m:r>
+                      <a:rPr lang="en-US" altLang="ko-KR" sz="2000" b="0" i="0" smtClean="0">
+                        <a:latin typeface="Cambria Math" panose="02040503050406030204" pitchFamily="18" charset="0"/>
+                      </a:rPr>
+                      <m:t>+</m:t>
+                    </m:r>
+                    <m:d>
+                      <m:dPr>
+                        <m:ctrlPr>
+                          <a:rPr lang="en-US" altLang="ko-KR" sz="2000" b="0" i="0" smtClean="0">
+                            <a:latin typeface="Cambria Math" panose="02040503050406030204" pitchFamily="18" charset="0"/>
+                          </a:rPr>
+                        </m:ctrlPr>
+                      </m:dPr>
+                      <m:e>
+                        <m:acc>
+                          <m:accPr>
+                            <m:chr m:val="̅"/>
+                            <m:ctrlPr>
+                              <a:rPr lang="en-US" altLang="ko-KR" sz="2000" i="1" smtClean="0">
+                                <a:latin typeface="Cambria Math" panose="02040503050406030204" pitchFamily="18" charset="0"/>
+                              </a:rPr>
+                            </m:ctrlPr>
+                          </m:accPr>
+                          <m:e>
+                            <m:sSub>
+                              <m:sSubPr>
+                                <m:ctrlPr>
+                                  <a:rPr lang="en-US" altLang="ko-KR" sz="2000" i="1">
+                                    <a:latin typeface="Cambria Math" panose="02040503050406030204" pitchFamily="18" charset="0"/>
+                                  </a:rPr>
+                                </m:ctrlPr>
+                              </m:sSubPr>
+                              <m:e>
+                                <m:r>
+                                  <a:rPr lang="ko-KR" altLang="en-US" sz="2000" i="1">
+                                    <a:latin typeface="Cambria Math" panose="02040503050406030204" pitchFamily="18" charset="0"/>
+                                  </a:rPr>
+                                  <m:t>𝜇</m:t>
+                                </m:r>
+                              </m:e>
+                              <m:sub>
+                                <m:r>
+                                  <a:rPr lang="en-US" altLang="ko-KR" sz="2000" i="1">
+                                    <a:latin typeface="Cambria Math" panose="02040503050406030204" pitchFamily="18" charset="0"/>
+                                  </a:rPr>
+                                  <m:t>𝑗</m:t>
+                                </m:r>
+                              </m:sub>
+                            </m:sSub>
+                          </m:e>
+                        </m:acc>
+                        <m:r>
+                          <a:rPr lang="en-US" altLang="ko-KR" sz="2000" i="1">
+                            <a:latin typeface="Cambria Math" panose="02040503050406030204" pitchFamily="18" charset="0"/>
+                          </a:rPr>
+                          <m:t>−</m:t>
+                        </m:r>
+                        <m:acc>
+                          <m:accPr>
+                            <m:chr m:val="̅"/>
+                            <m:ctrlPr>
+                              <a:rPr lang="ko-KR" altLang="en-US" sz="2000" i="1">
+                                <a:latin typeface="Cambria Math" panose="02040503050406030204" pitchFamily="18" charset="0"/>
+                              </a:rPr>
+                            </m:ctrlPr>
+                          </m:accPr>
+                          <m:e>
+                            <m:r>
+                              <a:rPr lang="ko-KR" altLang="en-US" sz="2000" i="1">
+                                <a:latin typeface="Cambria Math" panose="02040503050406030204" pitchFamily="18" charset="0"/>
+                              </a:rPr>
+                              <m:t>𝜇</m:t>
+                            </m:r>
+                          </m:e>
+                        </m:acc>
+                      </m:e>
+                    </m:d>
+                    <m:r>
+                      <a:rPr lang="en-US" altLang="ko-KR" sz="2000" b="0" i="0" smtClean="0">
+                        <a:latin typeface="Cambria Math" panose="02040503050406030204" pitchFamily="18" charset="0"/>
+                      </a:rPr>
+                      <m:t>}</m:t>
+                    </m:r>
+                  </m:oMath>
+                </a14:m>
+                <a:r>
+                  <a:rPr lang="en-US" altLang="ko-KR" sz="2000" dirty="0"/>
+                  <a:t> </a:t>
+                </a:r>
+                <a:r>
+                  <a:rPr lang="ko-KR" altLang="en-US" sz="2000" dirty="0"/>
+                  <a:t>로 표현할 수 있다</a:t>
+                </a:r>
+                <a:r>
+                  <a:rPr lang="en-US" altLang="ko-KR" sz="2000" dirty="0"/>
+                  <a:t>.</a:t>
+                </a:r>
+              </a:p>
+              <a:p>
+                <a:pPr marL="457200" indent="-457200">
+                  <a:buAutoNum type="arabicParenBoth"/>
+                </a:pPr>
+                <a:r>
+                  <a:rPr lang="ko-KR" altLang="en-US" sz="2000" dirty="0"/>
+                  <a:t>즉</a:t>
+                </a:r>
+                <a:r>
+                  <a:rPr lang="en-US" altLang="ko-KR" sz="2000" dirty="0"/>
+                  <a:t>, </a:t>
+                </a:r>
+                <a14:m>
+                  <m:oMath xmlns:m="http://schemas.openxmlformats.org/officeDocument/2006/math">
+                    <m:sSub>
+                      <m:sSubPr>
+                        <m:ctrlPr>
+                          <a:rPr lang="en-US" altLang="ko-KR" sz="2000" i="1">
+                            <a:latin typeface="Cambria Math" panose="02040503050406030204" pitchFamily="18" charset="0"/>
+                          </a:rPr>
+                        </m:ctrlPr>
+                      </m:sSubPr>
+                      <m:e>
+                        <m:r>
+                          <a:rPr lang="ko-KR" altLang="en-US" sz="2000" i="1">
+                            <a:latin typeface="Cambria Math" panose="02040503050406030204" pitchFamily="18" charset="0"/>
+                          </a:rPr>
+                          <m:t>𝛾</m:t>
+                        </m:r>
+                      </m:e>
+                      <m:sub>
+                        <m:r>
+                          <a:rPr lang="en-US" altLang="ko-KR" sz="2000" i="1">
+                            <a:latin typeface="Cambria Math" panose="02040503050406030204" pitchFamily="18" charset="0"/>
+                          </a:rPr>
+                          <m:t>𝑖𝑗</m:t>
+                        </m:r>
+                      </m:sub>
+                    </m:sSub>
+                  </m:oMath>
+                </a14:m>
+                <a:r>
+                  <a:rPr lang="ko-KR" altLang="en-US" sz="2000" dirty="0"/>
+                  <a:t>는 셀 내 효과를 제외하고도 설명이 되지 않는 </a:t>
+                </a:r>
+                <a:r>
+                  <a:rPr lang="ko-KR" altLang="en-US" sz="2000" dirty="0" err="1"/>
+                  <a:t>잔차를</a:t>
+                </a:r>
+                <a:r>
+                  <a:rPr lang="ko-KR" altLang="en-US" sz="2000" dirty="0"/>
+                  <a:t> 반영한다</a:t>
+                </a:r>
+                <a:r>
+                  <a:rPr lang="en-US" altLang="ko-KR" sz="2000" dirty="0"/>
+                  <a:t>.</a:t>
+                </a:r>
+              </a:p>
+              <a:p>
+                <a:pPr marL="457200" indent="-457200">
+                  <a:buAutoNum type="arabicParenR" startAt="2"/>
+                </a:pPr>
+                <a:r>
+                  <a:rPr lang="ko-KR" altLang="en-US" sz="2000" dirty="0"/>
+                  <a:t>이 때</a:t>
+                </a:r>
+                <a:r>
+                  <a:rPr lang="en-US" altLang="ko-KR" sz="2000" dirty="0"/>
+                  <a:t>, </a:t>
+                </a:r>
+                <a:r>
+                  <a:rPr lang="ko-KR" altLang="en-US" sz="2000" dirty="0"/>
+                  <a:t>관심 있는 새로운 연구가설은</a:t>
+                </a:r>
+                <a:endParaRPr lang="en-US" altLang="ko-KR" sz="2000" dirty="0"/>
+              </a:p>
+              <a:p>
+                <a:pPr marL="457200" indent="-457200">
+                  <a:buAutoNum type="arabicParenBoth"/>
+                </a:pPr>
+                <a14:m>
+                  <m:oMath xmlns:m="http://schemas.openxmlformats.org/officeDocument/2006/math">
+                    <m:sSub>
+                      <m:sSubPr>
+                        <m:ctrlPr>
+                          <a:rPr lang="en-US" altLang="ko-KR" sz="2000" i="1">
+                            <a:latin typeface="Cambria Math" panose="02040503050406030204" pitchFamily="18" charset="0"/>
+                          </a:rPr>
+                        </m:ctrlPr>
+                      </m:sSubPr>
+                      <m:e>
+                        <m:r>
+                          <a:rPr lang="en-US" altLang="ko-KR" sz="2000" b="0" i="1" smtClean="0">
+                            <a:latin typeface="Cambria Math" panose="02040503050406030204" pitchFamily="18" charset="0"/>
+                          </a:rPr>
+                          <m:t>𝐻</m:t>
+                        </m:r>
+                      </m:e>
+                      <m:sub>
+                        <m:r>
+                          <a:rPr lang="en-US" altLang="ko-KR" sz="2000" b="0" i="1" smtClean="0">
+                            <a:latin typeface="Cambria Math" panose="02040503050406030204" pitchFamily="18" charset="0"/>
+                          </a:rPr>
+                          <m:t>0</m:t>
+                        </m:r>
+                        <m:r>
+                          <a:rPr lang="en-US" altLang="ko-KR" sz="2000" b="0" i="1" smtClean="0">
+                            <a:latin typeface="Cambria Math" panose="02040503050406030204" pitchFamily="18" charset="0"/>
+                          </a:rPr>
+                          <m:t>𝐴𝐵</m:t>
+                        </m:r>
+                      </m:sub>
+                    </m:sSub>
+                  </m:oMath>
+                </a14:m>
+                <a:r>
+                  <a:rPr lang="en-US" altLang="ko-KR" sz="2000" dirty="0"/>
+                  <a:t> : </a:t>
+                </a:r>
+                <a14:m>
+                  <m:oMath xmlns:m="http://schemas.openxmlformats.org/officeDocument/2006/math">
+                    <m:sSub>
+                      <m:sSubPr>
+                        <m:ctrlPr>
+                          <a:rPr lang="en-US" altLang="ko-KR" sz="2000" i="1">
+                            <a:latin typeface="Cambria Math" panose="02040503050406030204" pitchFamily="18" charset="0"/>
+                          </a:rPr>
+                        </m:ctrlPr>
+                      </m:sSubPr>
+                      <m:e>
+                        <m:r>
+                          <a:rPr lang="ko-KR" altLang="en-US" sz="2000" i="1">
+                            <a:latin typeface="Cambria Math" panose="02040503050406030204" pitchFamily="18" charset="0"/>
+                          </a:rPr>
+                          <m:t>𝛾</m:t>
+                        </m:r>
+                      </m:e>
+                      <m:sub>
+                        <m:r>
+                          <a:rPr lang="en-US" altLang="ko-KR" sz="2000" i="1">
+                            <a:latin typeface="Cambria Math" panose="02040503050406030204" pitchFamily="18" charset="0"/>
+                          </a:rPr>
+                          <m:t>𝑖𝑗</m:t>
+                        </m:r>
+                      </m:sub>
+                    </m:sSub>
+                  </m:oMath>
+                </a14:m>
+                <a:r>
+                  <a:rPr lang="en-US" altLang="ko-KR" sz="2000" dirty="0"/>
+                  <a:t> = 0 VS </a:t>
+                </a:r>
+                <a14:m>
+                  <m:oMath xmlns:m="http://schemas.openxmlformats.org/officeDocument/2006/math">
+                    <m:sSub>
+                      <m:sSubPr>
+                        <m:ctrlPr>
+                          <a:rPr lang="en-US" altLang="ko-KR" sz="2000" i="1">
+                            <a:latin typeface="Cambria Math" panose="02040503050406030204" pitchFamily="18" charset="0"/>
+                          </a:rPr>
+                        </m:ctrlPr>
+                      </m:sSubPr>
+                      <m:e>
+                        <m:r>
+                          <a:rPr lang="en-US" altLang="ko-KR" sz="2000" i="1">
+                            <a:latin typeface="Cambria Math" panose="02040503050406030204" pitchFamily="18" charset="0"/>
+                          </a:rPr>
+                          <m:t>𝐻</m:t>
+                        </m:r>
+                      </m:e>
+                      <m:sub>
+                        <m:r>
+                          <a:rPr lang="en-US" altLang="ko-KR" sz="2000" b="0" i="1" smtClean="0">
+                            <a:latin typeface="Cambria Math" panose="02040503050406030204" pitchFamily="18" charset="0"/>
+                          </a:rPr>
+                          <m:t>1</m:t>
+                        </m:r>
+                        <m:r>
+                          <a:rPr lang="en-US" altLang="ko-KR" sz="2000" i="1">
+                            <a:latin typeface="Cambria Math" panose="02040503050406030204" pitchFamily="18" charset="0"/>
+                          </a:rPr>
+                          <m:t>𝐴𝐵</m:t>
+                        </m:r>
+                      </m:sub>
+                    </m:sSub>
+                  </m:oMath>
+                </a14:m>
+                <a:r>
+                  <a:rPr lang="en-US" altLang="ko-KR" sz="2000" dirty="0"/>
+                  <a:t> : </a:t>
+                </a:r>
+                <a14:m>
+                  <m:oMath xmlns:m="http://schemas.openxmlformats.org/officeDocument/2006/math">
+                    <m:sSub>
+                      <m:sSubPr>
+                        <m:ctrlPr>
+                          <a:rPr lang="en-US" altLang="ko-KR" sz="2000" i="1">
+                            <a:latin typeface="Cambria Math" panose="02040503050406030204" pitchFamily="18" charset="0"/>
+                          </a:rPr>
+                        </m:ctrlPr>
+                      </m:sSubPr>
+                      <m:e>
+                        <m:r>
+                          <a:rPr lang="ko-KR" altLang="en-US" sz="2000" i="1">
+                            <a:latin typeface="Cambria Math" panose="02040503050406030204" pitchFamily="18" charset="0"/>
+                          </a:rPr>
+                          <m:t>𝛾</m:t>
+                        </m:r>
+                      </m:e>
+                      <m:sub>
+                        <m:r>
+                          <a:rPr lang="en-US" altLang="ko-KR" sz="2000" i="1">
+                            <a:latin typeface="Cambria Math" panose="02040503050406030204" pitchFamily="18" charset="0"/>
+                          </a:rPr>
+                          <m:t>𝑖𝑗</m:t>
+                        </m:r>
+                      </m:sub>
+                    </m:sSub>
+                    <m:r>
+                      <a:rPr lang="en-US" altLang="ko-KR" sz="2000" dirty="0">
+                        <a:ea typeface="Cambria Math" panose="02040503050406030204" pitchFamily="18" charset="0"/>
+                      </a:rPr>
+                      <m:t>≠</m:t>
+                    </m:r>
+                    <m:r>
+                      <a:rPr lang="en-US" altLang="ko-KR" sz="2000" b="0" i="0" dirty="0" smtClean="0">
+                        <a:latin typeface="Cambria Math" panose="02040503050406030204" pitchFamily="18" charset="0"/>
+                        <a:ea typeface="Cambria Math" panose="02040503050406030204" pitchFamily="18" charset="0"/>
+                      </a:rPr>
+                      <m:t>0</m:t>
+                    </m:r>
+                  </m:oMath>
+                </a14:m>
+                <a:r>
+                  <a:rPr lang="en-US" altLang="ko-KR" sz="2000" dirty="0"/>
+                  <a:t> </a:t>
+                </a:r>
+                <a:r>
+                  <a:rPr lang="ko-KR" altLang="en-US" sz="2000" dirty="0"/>
+                  <a:t>이다</a:t>
+                </a:r>
+                <a:r>
+                  <a:rPr lang="en-US" altLang="ko-KR" sz="2000" dirty="0"/>
+                  <a:t>.</a:t>
+                </a:r>
+              </a:p>
+              <a:p>
+                <a:pPr marL="457200" indent="-457200">
+                  <a:buAutoNum type="arabicParenBoth"/>
+                </a:pPr>
+                <a:r>
+                  <a:rPr lang="ko-KR" altLang="en-US" sz="2000" dirty="0"/>
+                  <a:t>한편</a:t>
+                </a:r>
+                <a:r>
+                  <a:rPr lang="en-US" altLang="ko-KR" sz="2000" dirty="0"/>
+                  <a:t>, </a:t>
+                </a:r>
+                <a:r>
+                  <a:rPr lang="ko-KR" altLang="en-US" sz="2000" dirty="0"/>
+                  <a:t>이차형태 </a:t>
+                </a:r>
+                <a:r>
+                  <a:rPr lang="en-US" altLang="ko-KR" sz="2000" dirty="0"/>
+                  <a:t>Q</a:t>
+                </a:r>
+                <a:r>
+                  <a:rPr lang="ko-KR" altLang="en-US" sz="2000" dirty="0"/>
+                  <a:t>를 교호작용을 포함한 항들로 분해하면 </a:t>
+                </a:r>
+                <a14:m>
+                  <m:oMath xmlns:m="http://schemas.openxmlformats.org/officeDocument/2006/math">
+                    <m:sSub>
+                      <m:sSubPr>
+                        <m:ctrlPr>
+                          <a:rPr lang="ko-KR" altLang="en-US" sz="2000" i="1">
+                            <a:latin typeface="Cambria Math" panose="02040503050406030204" pitchFamily="18" charset="0"/>
+                          </a:rPr>
+                        </m:ctrlPr>
+                      </m:sSubPr>
+                      <m:e>
+                        <m:r>
+                          <a:rPr lang="en-US" altLang="ko-KR" sz="2000" i="1">
+                            <a:latin typeface="Cambria Math" panose="02040503050406030204" pitchFamily="18" charset="0"/>
+                          </a:rPr>
+                          <m:t>𝑥</m:t>
+                        </m:r>
+                      </m:e>
+                      <m:sub>
+                        <m:r>
+                          <a:rPr lang="en-US" altLang="ko-KR" sz="2000" i="1">
+                            <a:latin typeface="Cambria Math" panose="02040503050406030204" pitchFamily="18" charset="0"/>
+                          </a:rPr>
+                          <m:t>𝑖𝑗</m:t>
+                        </m:r>
+                      </m:sub>
+                    </m:sSub>
+                    <m:r>
+                      <a:rPr lang="en-US" altLang="ko-KR" sz="2000" i="1">
+                        <a:latin typeface="Cambria Math" panose="02040503050406030204" pitchFamily="18" charset="0"/>
+                      </a:rPr>
+                      <m:t>−</m:t>
+                    </m:r>
+                    <m:sSub>
+                      <m:sSubPr>
+                        <m:ctrlPr>
+                          <a:rPr lang="ko-KR" altLang="en-US" sz="2000" i="1">
+                            <a:latin typeface="Cambria Math" panose="02040503050406030204" pitchFamily="18" charset="0"/>
+                          </a:rPr>
+                        </m:ctrlPr>
+                      </m:sSubPr>
+                      <m:e>
+                        <m:bar>
+                          <m:barPr>
+                            <m:pos m:val="top"/>
+                            <m:ctrlPr>
+                              <a:rPr lang="en-US" altLang="ko-KR" sz="2000" i="1">
+                                <a:latin typeface="Cambria Math" panose="02040503050406030204" pitchFamily="18" charset="0"/>
+                              </a:rPr>
+                            </m:ctrlPr>
+                          </m:barPr>
+                          <m:e>
+                            <m:r>
+                              <a:rPr lang="en-US" altLang="ko-KR" sz="2000" i="1">
+                                <a:latin typeface="Cambria Math" panose="02040503050406030204" pitchFamily="18" charset="0"/>
+                              </a:rPr>
+                              <m:t>𝑥</m:t>
+                            </m:r>
+                          </m:e>
+                        </m:bar>
+                      </m:e>
+                      <m:sub>
+                        <m:r>
+                          <a:rPr lang="en-US" altLang="ko-KR" sz="2000" i="1">
+                            <a:latin typeface="Cambria Math" panose="02040503050406030204" pitchFamily="18" charset="0"/>
+                          </a:rPr>
+                          <m:t>𝑖</m:t>
+                        </m:r>
+                      </m:sub>
+                    </m:sSub>
+                    <m:r>
+                      <a:rPr lang="en-US" altLang="ko-KR" sz="2000">
+                        <a:latin typeface="Cambria Math" panose="02040503050406030204" pitchFamily="18" charset="0"/>
+                      </a:rPr>
+                      <m:t>−</m:t>
+                    </m:r>
+                    <m:sSub>
+                      <m:sSubPr>
+                        <m:ctrlPr>
+                          <a:rPr lang="ko-KR" altLang="en-US" sz="2000" i="1">
+                            <a:latin typeface="Cambria Math" panose="02040503050406030204" pitchFamily="18" charset="0"/>
+                          </a:rPr>
+                        </m:ctrlPr>
+                      </m:sSubPr>
+                      <m:e>
+                        <m:bar>
+                          <m:barPr>
+                            <m:pos m:val="top"/>
+                            <m:ctrlPr>
+                              <a:rPr lang="en-US" altLang="ko-KR" sz="2000" i="1">
+                                <a:latin typeface="Cambria Math" panose="02040503050406030204" pitchFamily="18" charset="0"/>
+                              </a:rPr>
+                            </m:ctrlPr>
+                          </m:barPr>
+                          <m:e>
+                            <m:r>
+                              <a:rPr lang="en-US" altLang="ko-KR" sz="2000" i="1">
+                                <a:latin typeface="Cambria Math" panose="02040503050406030204" pitchFamily="18" charset="0"/>
+                              </a:rPr>
+                              <m:t>𝑥</m:t>
+                            </m:r>
+                          </m:e>
+                        </m:bar>
+                      </m:e>
+                      <m:sub>
+                        <m:r>
+                          <a:rPr lang="en-US" altLang="ko-KR" sz="2000" i="1">
+                            <a:latin typeface="Cambria Math" panose="02040503050406030204" pitchFamily="18" charset="0"/>
+                          </a:rPr>
+                          <m:t>𝑗</m:t>
+                        </m:r>
+                      </m:sub>
+                    </m:sSub>
+                    <m:r>
+                      <a:rPr lang="en-US" altLang="ko-KR" sz="2000" i="1">
+                        <a:latin typeface="Cambria Math" panose="02040503050406030204" pitchFamily="18" charset="0"/>
+                      </a:rPr>
+                      <m:t>+</m:t>
+                    </m:r>
+                    <m:bar>
+                      <m:barPr>
+                        <m:pos m:val="top"/>
+                        <m:ctrlPr>
+                          <a:rPr lang="en-US" altLang="ko-KR" sz="2000" i="1">
+                            <a:latin typeface="Cambria Math" panose="02040503050406030204" pitchFamily="18" charset="0"/>
+                          </a:rPr>
+                        </m:ctrlPr>
+                      </m:barPr>
+                      <m:e>
+                        <m:r>
+                          <a:rPr lang="en-US" altLang="ko-KR" sz="2000" i="1">
+                            <a:latin typeface="Cambria Math" panose="02040503050406030204" pitchFamily="18" charset="0"/>
+                          </a:rPr>
+                          <m:t>𝑥</m:t>
+                        </m:r>
+                      </m:e>
+                    </m:bar>
+                  </m:oMath>
+                </a14:m>
+                <a:endParaRPr lang="en-US" altLang="ko-KR" sz="2000" dirty="0"/>
+              </a:p>
+              <a:p>
+                <a:pPr>
+                  <a:buFontTx/>
+                  <a:buChar char="-"/>
+                </a:pPr>
+                <a14:m>
+                  <m:oMath xmlns:m="http://schemas.openxmlformats.org/officeDocument/2006/math">
+                    <m:nary>
+                      <m:naryPr>
+                        <m:chr m:val="∑"/>
+                        <m:ctrlPr>
+                          <a:rPr lang="en-US" altLang="ko-KR" sz="1600" i="1">
+                            <a:latin typeface="Cambria Math" panose="02040503050406030204" pitchFamily="18" charset="0"/>
+                          </a:rPr>
+                        </m:ctrlPr>
+                      </m:naryPr>
+                      <m:sub>
+                        <m:r>
+                          <m:rPr>
+                            <m:brk m:alnAt="23"/>
+                          </m:rPr>
+                          <a:rPr lang="en-US" altLang="ko-KR" sz="1600" i="1">
+                            <a:latin typeface="Cambria Math" panose="02040503050406030204" pitchFamily="18" charset="0"/>
+                          </a:rPr>
+                          <m:t>𝑖</m:t>
+                        </m:r>
+                        <m:r>
+                          <a:rPr lang="en-US" altLang="ko-KR" sz="1600" i="1">
+                            <a:latin typeface="Cambria Math" panose="02040503050406030204" pitchFamily="18" charset="0"/>
+                          </a:rPr>
+                          <m:t>=1</m:t>
+                        </m:r>
+                      </m:sub>
+                      <m:sup>
+                        <m:r>
+                          <a:rPr lang="en-US" altLang="ko-KR" sz="1600" i="1">
+                            <a:latin typeface="Cambria Math" panose="02040503050406030204" pitchFamily="18" charset="0"/>
+                          </a:rPr>
+                          <m:t>𝑎</m:t>
+                        </m:r>
+                      </m:sup>
+                      <m:e>
+                        <m:nary>
+                          <m:naryPr>
+                            <m:chr m:val="∑"/>
+                            <m:ctrlPr>
+                              <a:rPr lang="en-US" altLang="ko-KR" sz="1600" i="1">
+                                <a:latin typeface="Cambria Math" panose="02040503050406030204" pitchFamily="18" charset="0"/>
+                              </a:rPr>
+                            </m:ctrlPr>
+                          </m:naryPr>
+                          <m:sub>
+                            <m:r>
+                              <m:rPr>
+                                <m:brk m:alnAt="23"/>
+                              </m:rPr>
+                              <a:rPr lang="en-US" altLang="ko-KR" sz="1600" i="1">
+                                <a:latin typeface="Cambria Math" panose="02040503050406030204" pitchFamily="18" charset="0"/>
+                              </a:rPr>
+                              <m:t>𝑗</m:t>
+                            </m:r>
+                            <m:r>
+                              <a:rPr lang="en-US" altLang="ko-KR" sz="1600" i="1">
+                                <a:latin typeface="Cambria Math" panose="02040503050406030204" pitchFamily="18" charset="0"/>
+                              </a:rPr>
+                              <m:t>=1</m:t>
+                            </m:r>
+                          </m:sub>
+                          <m:sup>
+                            <m:r>
+                              <a:rPr lang="en-US" altLang="ko-KR" sz="1600" i="1">
+                                <a:latin typeface="Cambria Math" panose="02040503050406030204" pitchFamily="18" charset="0"/>
+                              </a:rPr>
+                              <m:t>𝑏</m:t>
+                            </m:r>
+                          </m:sup>
+                          <m:e>
+                            <m:nary>
+                              <m:naryPr>
+                                <m:chr m:val="∑"/>
+                                <m:ctrlPr>
+                                  <a:rPr lang="en-US" altLang="ko-KR" sz="1600" i="1">
+                                    <a:latin typeface="Cambria Math" panose="02040503050406030204" pitchFamily="18" charset="0"/>
+                                  </a:rPr>
+                                </m:ctrlPr>
+                              </m:naryPr>
+                              <m:sub>
+                                <m:r>
+                                  <m:rPr>
+                                    <m:brk m:alnAt="23"/>
+                                  </m:rPr>
+                                  <a:rPr lang="en-US" altLang="ko-KR" sz="1600" i="1">
+                                    <a:latin typeface="Cambria Math" panose="02040503050406030204" pitchFamily="18" charset="0"/>
+                                  </a:rPr>
+                                  <m:t>𝑗</m:t>
+                                </m:r>
+                                <m:r>
+                                  <a:rPr lang="en-US" altLang="ko-KR" sz="1600" i="1">
+                                    <a:latin typeface="Cambria Math" panose="02040503050406030204" pitchFamily="18" charset="0"/>
+                                  </a:rPr>
+                                  <m:t>=1</m:t>
+                                </m:r>
+                              </m:sub>
+                              <m:sup>
+                                <m:r>
+                                  <a:rPr lang="en-US" altLang="ko-KR" sz="1600" b="0" i="1" smtClean="0">
+                                    <a:latin typeface="Cambria Math" panose="02040503050406030204" pitchFamily="18" charset="0"/>
+                                  </a:rPr>
+                                  <m:t>𝑐</m:t>
+                                </m:r>
+                              </m:sup>
+                              <m:e>
+                                <m:sSup>
+                                  <m:sSupPr>
+                                    <m:ctrlPr>
+                                      <a:rPr lang="en-US" altLang="ko-KR" sz="1600" i="1">
+                                        <a:latin typeface="Cambria Math" panose="02040503050406030204" pitchFamily="18" charset="0"/>
+                                      </a:rPr>
+                                    </m:ctrlPr>
+                                  </m:sSupPr>
+                                  <m:e>
+                                    <m:d>
+                                      <m:dPr>
+                                        <m:ctrlPr>
+                                          <a:rPr lang="en-US" altLang="ko-KR" sz="1600" i="1">
+                                            <a:latin typeface="Cambria Math" panose="02040503050406030204" pitchFamily="18" charset="0"/>
+                                          </a:rPr>
+                                        </m:ctrlPr>
+                                      </m:dPr>
+                                      <m:e>
+                                        <m:sSub>
+                                          <m:sSubPr>
+                                            <m:ctrlPr>
+                                              <a:rPr lang="ko-KR" altLang="en-US" sz="1600" i="1">
+                                                <a:latin typeface="Cambria Math" panose="02040503050406030204" pitchFamily="18" charset="0"/>
+                                              </a:rPr>
+                                            </m:ctrlPr>
+                                          </m:sSubPr>
+                                          <m:e>
+                                            <m:r>
+                                              <a:rPr lang="en-US" altLang="ko-KR" sz="1600" i="1">
+                                                <a:latin typeface="Cambria Math" panose="02040503050406030204" pitchFamily="18" charset="0"/>
+                                              </a:rPr>
+                                              <m:t>𝑥</m:t>
+                                            </m:r>
+                                          </m:e>
+                                          <m:sub>
+                                            <m:r>
+                                              <a:rPr lang="en-US" altLang="ko-KR" sz="1600" i="1">
+                                                <a:latin typeface="Cambria Math" panose="02040503050406030204" pitchFamily="18" charset="0"/>
+                                              </a:rPr>
+                                              <m:t>𝑖𝑗</m:t>
+                                            </m:r>
+                                            <m:r>
+                                              <a:rPr lang="en-US" altLang="ko-KR" sz="1600" i="1">
+                                                <a:latin typeface="Cambria Math" panose="02040503050406030204" pitchFamily="18" charset="0"/>
+                                              </a:rPr>
+                                              <m:t>𝑘</m:t>
+                                            </m:r>
+                                          </m:sub>
+                                        </m:sSub>
+                                        <m:r>
+                                          <a:rPr lang="en-US" altLang="ko-KR" sz="1600" i="1">
+                                            <a:latin typeface="Cambria Math" panose="02040503050406030204" pitchFamily="18" charset="0"/>
+                                          </a:rPr>
+                                          <m:t>−</m:t>
+                                        </m:r>
+                                        <m:bar>
+                                          <m:barPr>
+                                            <m:pos m:val="top"/>
+                                            <m:ctrlPr>
+                                              <a:rPr lang="en-US" altLang="ko-KR" sz="1600" i="1">
+                                                <a:latin typeface="Cambria Math" panose="02040503050406030204" pitchFamily="18" charset="0"/>
+                                              </a:rPr>
+                                            </m:ctrlPr>
+                                          </m:barPr>
+                                          <m:e>
+                                            <m:r>
+                                              <a:rPr lang="en-US" altLang="ko-KR" sz="1600" i="1">
+                                                <a:latin typeface="Cambria Math" panose="02040503050406030204" pitchFamily="18" charset="0"/>
+                                              </a:rPr>
+                                              <m:t>𝑥</m:t>
+                                            </m:r>
+                                          </m:e>
+                                        </m:bar>
+                                      </m:e>
+                                    </m:d>
+                                  </m:e>
+                                  <m:sup>
+                                    <m:r>
+                                      <a:rPr lang="en-US" altLang="ko-KR" sz="1600" i="1">
+                                        <a:latin typeface="Cambria Math" panose="02040503050406030204" pitchFamily="18" charset="0"/>
+                                      </a:rPr>
+                                      <m:t>2</m:t>
+                                    </m:r>
+                                  </m:sup>
+                                </m:sSup>
+                              </m:e>
+                            </m:nary>
+                          </m:e>
+                        </m:nary>
+                      </m:e>
+                    </m:nary>
+                  </m:oMath>
+                </a14:m>
+                <a:r>
+                  <a:rPr lang="en-US" altLang="ko-KR" sz="1600" dirty="0"/>
+                  <a:t> </a:t>
+                </a:r>
+                <a:br>
+                  <a:rPr lang="en-US" altLang="ko-KR" sz="1600" dirty="0"/>
+                </a:br>
+                <a:r>
+                  <a:rPr lang="en-US" altLang="ko-KR" sz="1600" dirty="0"/>
+                  <a:t>= </a:t>
+                </a:r>
+                <a:r>
+                  <a:rPr lang="en-US" altLang="ko-KR" sz="1600" dirty="0">
+                    <a:solidFill>
+                      <a:srgbClr val="FF0000"/>
+                    </a:solidFill>
+                  </a:rPr>
+                  <a:t>bc</a:t>
+                </a:r>
+                <a14:m>
+                  <m:oMath xmlns:m="http://schemas.openxmlformats.org/officeDocument/2006/math">
+                    <m:nary>
+                      <m:naryPr>
+                        <m:chr m:val="∑"/>
+                        <m:ctrlPr>
+                          <a:rPr lang="en-US" altLang="ko-KR" sz="1600" i="1">
+                            <a:solidFill>
+                              <a:srgbClr val="FF0000"/>
+                            </a:solidFill>
+                            <a:latin typeface="Cambria Math" panose="02040503050406030204" pitchFamily="18" charset="0"/>
+                          </a:rPr>
+                        </m:ctrlPr>
+                      </m:naryPr>
+                      <m:sub>
+                        <m:r>
+                          <a:rPr lang="en-US" altLang="ko-KR" sz="1600" b="0" i="1" smtClean="0">
+                            <a:solidFill>
+                              <a:srgbClr val="FF0000"/>
+                            </a:solidFill>
+                            <a:latin typeface="Cambria Math" panose="02040503050406030204" pitchFamily="18" charset="0"/>
+                          </a:rPr>
+                          <m:t>𝑖</m:t>
+                        </m:r>
+                        <m:r>
+                          <a:rPr lang="en-US" altLang="ko-KR" sz="1600" i="1">
+                            <a:solidFill>
+                              <a:srgbClr val="FF0000"/>
+                            </a:solidFill>
+                            <a:latin typeface="Cambria Math" panose="02040503050406030204" pitchFamily="18" charset="0"/>
+                          </a:rPr>
+                          <m:t>=1</m:t>
+                        </m:r>
+                      </m:sub>
+                      <m:sup>
+                        <m:r>
+                          <a:rPr lang="en-US" altLang="ko-KR" sz="1600" b="0" i="1" smtClean="0">
+                            <a:solidFill>
+                              <a:srgbClr val="FF0000"/>
+                            </a:solidFill>
+                            <a:latin typeface="Cambria Math" panose="02040503050406030204" pitchFamily="18" charset="0"/>
+                          </a:rPr>
+                          <m:t>𝑎</m:t>
+                        </m:r>
+                      </m:sup>
+                      <m:e>
+                        <m:sSup>
+                          <m:sSupPr>
+                            <m:ctrlPr>
+                              <a:rPr lang="en-US" altLang="ko-KR" sz="1600" i="1">
+                                <a:solidFill>
+                                  <a:srgbClr val="FF0000"/>
+                                </a:solidFill>
+                                <a:latin typeface="Cambria Math" panose="02040503050406030204" pitchFamily="18" charset="0"/>
+                              </a:rPr>
+                            </m:ctrlPr>
+                          </m:sSupPr>
+                          <m:e>
+                            <m:d>
+                              <m:dPr>
+                                <m:ctrlPr>
+                                  <a:rPr lang="en-US" altLang="ko-KR" sz="1600" i="1">
+                                    <a:solidFill>
+                                      <a:srgbClr val="FF0000"/>
+                                    </a:solidFill>
+                                    <a:latin typeface="Cambria Math" panose="02040503050406030204" pitchFamily="18" charset="0"/>
+                                  </a:rPr>
+                                </m:ctrlPr>
+                              </m:dPr>
+                              <m:e>
+                                <m:sSub>
+                                  <m:sSubPr>
+                                    <m:ctrlPr>
+                                      <a:rPr lang="ko-KR" altLang="en-US" sz="1600" i="1" smtClean="0">
+                                        <a:solidFill>
+                                          <a:srgbClr val="FF0000"/>
+                                        </a:solidFill>
+                                        <a:latin typeface="Cambria Math" panose="02040503050406030204" pitchFamily="18" charset="0"/>
+                                      </a:rPr>
+                                    </m:ctrlPr>
+                                  </m:sSubPr>
+                                  <m:e>
+                                    <m:bar>
+                                      <m:barPr>
+                                        <m:pos m:val="top"/>
+                                        <m:ctrlPr>
+                                          <a:rPr lang="en-US" altLang="ko-KR" sz="1600" i="1">
+                                            <a:solidFill>
+                                              <a:srgbClr val="FF0000"/>
+                                            </a:solidFill>
+                                            <a:latin typeface="Cambria Math" panose="02040503050406030204" pitchFamily="18" charset="0"/>
+                                          </a:rPr>
+                                        </m:ctrlPr>
+                                      </m:barPr>
+                                      <m:e>
+                                        <m:r>
+                                          <a:rPr lang="en-US" altLang="ko-KR" sz="1600" i="1">
+                                            <a:solidFill>
+                                              <a:srgbClr val="FF0000"/>
+                                            </a:solidFill>
+                                            <a:latin typeface="Cambria Math" panose="02040503050406030204" pitchFamily="18" charset="0"/>
+                                          </a:rPr>
+                                          <m:t>𝑥</m:t>
+                                        </m:r>
+                                      </m:e>
+                                    </m:bar>
+                                  </m:e>
+                                  <m:sub>
+                                    <m:r>
+                                      <a:rPr lang="en-US" altLang="ko-KR" sz="1600" i="1">
+                                        <a:solidFill>
+                                          <a:srgbClr val="FF0000"/>
+                                        </a:solidFill>
+                                        <a:latin typeface="Cambria Math" panose="02040503050406030204" pitchFamily="18" charset="0"/>
+                                      </a:rPr>
+                                      <m:t>𝑖</m:t>
+                                    </m:r>
+                                  </m:sub>
+                                </m:sSub>
+                                <m:r>
+                                  <a:rPr lang="en-US" altLang="ko-KR" sz="1600" i="1">
+                                    <a:solidFill>
+                                      <a:srgbClr val="FF0000"/>
+                                    </a:solidFill>
+                                    <a:latin typeface="Cambria Math" panose="02040503050406030204" pitchFamily="18" charset="0"/>
+                                  </a:rPr>
+                                  <m:t>−</m:t>
+                                </m:r>
+                                <m:bar>
+                                  <m:barPr>
+                                    <m:pos m:val="top"/>
+                                    <m:ctrlPr>
+                                      <a:rPr lang="en-US" altLang="ko-KR" sz="1600" i="1">
+                                        <a:solidFill>
+                                          <a:srgbClr val="FF0000"/>
+                                        </a:solidFill>
+                                        <a:latin typeface="Cambria Math" panose="02040503050406030204" pitchFamily="18" charset="0"/>
+                                      </a:rPr>
+                                    </m:ctrlPr>
+                                  </m:barPr>
+                                  <m:e>
+                                    <m:r>
+                                      <a:rPr lang="en-US" altLang="ko-KR" sz="1600" i="1">
+                                        <a:solidFill>
+                                          <a:srgbClr val="FF0000"/>
+                                        </a:solidFill>
+                                        <a:latin typeface="Cambria Math" panose="02040503050406030204" pitchFamily="18" charset="0"/>
+                                      </a:rPr>
+                                      <m:t>𝑥</m:t>
+                                    </m:r>
+                                  </m:e>
+                                </m:bar>
+                              </m:e>
+                            </m:d>
+                          </m:e>
+                          <m:sup>
+                            <m:r>
+                              <a:rPr lang="en-US" altLang="ko-KR" sz="1600" i="1">
+                                <a:solidFill>
+                                  <a:srgbClr val="FF0000"/>
+                                </a:solidFill>
+                                <a:latin typeface="Cambria Math" panose="02040503050406030204" pitchFamily="18" charset="0"/>
+                              </a:rPr>
+                              <m:t>2</m:t>
+                            </m:r>
+                          </m:sup>
+                        </m:sSup>
+                      </m:e>
+                    </m:nary>
+                  </m:oMath>
+                </a14:m>
+                <a:r>
+                  <a:rPr lang="en-US" altLang="ko-KR" sz="1600" dirty="0"/>
+                  <a:t> + </a:t>
+                </a:r>
+                <a:r>
+                  <a:rPr lang="en-US" altLang="ko-KR" sz="1600" dirty="0">
+                    <a:solidFill>
+                      <a:srgbClr val="00B050"/>
+                    </a:solidFill>
+                  </a:rPr>
+                  <a:t>ac </a:t>
+                </a:r>
+                <a14:m>
+                  <m:oMath xmlns:m="http://schemas.openxmlformats.org/officeDocument/2006/math">
+                    <m:nary>
+                      <m:naryPr>
+                        <m:chr m:val="∑"/>
+                        <m:ctrlPr>
+                          <a:rPr lang="en-US" altLang="ko-KR" sz="1600" i="1">
+                            <a:solidFill>
+                              <a:srgbClr val="00B050"/>
+                            </a:solidFill>
+                            <a:latin typeface="Cambria Math" panose="02040503050406030204" pitchFamily="18" charset="0"/>
+                          </a:rPr>
+                        </m:ctrlPr>
+                      </m:naryPr>
+                      <m:sub>
+                        <m:r>
+                          <m:rPr>
+                            <m:brk m:alnAt="23"/>
+                          </m:rPr>
+                          <a:rPr lang="en-US" altLang="ko-KR" sz="1600" i="1">
+                            <a:solidFill>
+                              <a:srgbClr val="00B050"/>
+                            </a:solidFill>
+                            <a:latin typeface="Cambria Math" panose="02040503050406030204" pitchFamily="18" charset="0"/>
+                          </a:rPr>
+                          <m:t>𝑗</m:t>
+                        </m:r>
+                        <m:r>
+                          <a:rPr lang="en-US" altLang="ko-KR" sz="1600" i="1">
+                            <a:solidFill>
+                              <a:srgbClr val="00B050"/>
+                            </a:solidFill>
+                            <a:latin typeface="Cambria Math" panose="02040503050406030204" pitchFamily="18" charset="0"/>
+                          </a:rPr>
+                          <m:t>=1</m:t>
+                        </m:r>
+                      </m:sub>
+                      <m:sup>
+                        <m:r>
+                          <a:rPr lang="en-US" altLang="ko-KR" sz="1600" b="0" i="1" smtClean="0">
+                            <a:solidFill>
+                              <a:srgbClr val="00B050"/>
+                            </a:solidFill>
+                            <a:latin typeface="Cambria Math" panose="02040503050406030204" pitchFamily="18" charset="0"/>
+                          </a:rPr>
+                          <m:t>𝑏</m:t>
+                        </m:r>
+                      </m:sup>
+                      <m:e>
+                        <m:sSup>
+                          <m:sSupPr>
+                            <m:ctrlPr>
+                              <a:rPr lang="en-US" altLang="ko-KR" sz="1600" i="1">
+                                <a:solidFill>
+                                  <a:srgbClr val="00B050"/>
+                                </a:solidFill>
+                                <a:latin typeface="Cambria Math" panose="02040503050406030204" pitchFamily="18" charset="0"/>
+                              </a:rPr>
+                            </m:ctrlPr>
+                          </m:sSupPr>
+                          <m:e>
+                            <m:d>
+                              <m:dPr>
+                                <m:ctrlPr>
+                                  <a:rPr lang="en-US" altLang="ko-KR" sz="1600" i="1">
+                                    <a:solidFill>
+                                      <a:srgbClr val="00B050"/>
+                                    </a:solidFill>
+                                    <a:latin typeface="Cambria Math" panose="02040503050406030204" pitchFamily="18" charset="0"/>
+                                  </a:rPr>
+                                </m:ctrlPr>
+                              </m:dPr>
+                              <m:e>
+                                <m:sSub>
+                                  <m:sSubPr>
+                                    <m:ctrlPr>
+                                      <a:rPr lang="ko-KR" altLang="en-US" sz="1600" i="1" smtClean="0">
+                                        <a:solidFill>
+                                          <a:srgbClr val="00B050"/>
+                                        </a:solidFill>
+                                        <a:latin typeface="Cambria Math" panose="02040503050406030204" pitchFamily="18" charset="0"/>
+                                      </a:rPr>
+                                    </m:ctrlPr>
+                                  </m:sSubPr>
+                                  <m:e>
+                                    <m:bar>
+                                      <m:barPr>
+                                        <m:pos m:val="top"/>
+                                        <m:ctrlPr>
+                                          <a:rPr lang="en-US" altLang="ko-KR" sz="1600" i="1">
+                                            <a:solidFill>
+                                              <a:srgbClr val="00B050"/>
+                                            </a:solidFill>
+                                            <a:latin typeface="Cambria Math" panose="02040503050406030204" pitchFamily="18" charset="0"/>
+                                          </a:rPr>
+                                        </m:ctrlPr>
+                                      </m:barPr>
+                                      <m:e>
+                                        <m:r>
+                                          <a:rPr lang="en-US" altLang="ko-KR" sz="1600" i="1">
+                                            <a:solidFill>
+                                              <a:srgbClr val="00B050"/>
+                                            </a:solidFill>
+                                            <a:latin typeface="Cambria Math" panose="02040503050406030204" pitchFamily="18" charset="0"/>
+                                          </a:rPr>
+                                          <m:t>𝑥</m:t>
+                                        </m:r>
+                                      </m:e>
+                                    </m:bar>
+                                  </m:e>
+                                  <m:sub>
+                                    <m:r>
+                                      <a:rPr lang="en-US" altLang="ko-KR" sz="1600" i="1">
+                                        <a:solidFill>
+                                          <a:srgbClr val="00B050"/>
+                                        </a:solidFill>
+                                        <a:latin typeface="Cambria Math" panose="02040503050406030204" pitchFamily="18" charset="0"/>
+                                      </a:rPr>
+                                      <m:t>𝑗</m:t>
+                                    </m:r>
+                                  </m:sub>
+                                </m:sSub>
+                                <m:r>
+                                  <a:rPr lang="en-US" altLang="ko-KR" sz="1600" i="1">
+                                    <a:solidFill>
+                                      <a:srgbClr val="00B050"/>
+                                    </a:solidFill>
+                                    <a:latin typeface="Cambria Math" panose="02040503050406030204" pitchFamily="18" charset="0"/>
+                                  </a:rPr>
+                                  <m:t>−</m:t>
+                                </m:r>
+                                <m:bar>
+                                  <m:barPr>
+                                    <m:pos m:val="top"/>
+                                    <m:ctrlPr>
+                                      <a:rPr lang="en-US" altLang="ko-KR" sz="1600" i="1">
+                                        <a:solidFill>
+                                          <a:srgbClr val="00B050"/>
+                                        </a:solidFill>
+                                        <a:latin typeface="Cambria Math" panose="02040503050406030204" pitchFamily="18" charset="0"/>
+                                      </a:rPr>
+                                    </m:ctrlPr>
+                                  </m:barPr>
+                                  <m:e>
+                                    <m:r>
+                                      <a:rPr lang="en-US" altLang="ko-KR" sz="1600" i="1">
+                                        <a:solidFill>
+                                          <a:srgbClr val="00B050"/>
+                                        </a:solidFill>
+                                        <a:latin typeface="Cambria Math" panose="02040503050406030204" pitchFamily="18" charset="0"/>
+                                      </a:rPr>
+                                      <m:t>𝑥</m:t>
+                                    </m:r>
+                                  </m:e>
+                                </m:bar>
+                              </m:e>
+                            </m:d>
+                          </m:e>
+                          <m:sup>
+                            <m:r>
+                              <a:rPr lang="en-US" altLang="ko-KR" sz="1600" i="1">
+                                <a:solidFill>
+                                  <a:srgbClr val="00B050"/>
+                                </a:solidFill>
+                                <a:latin typeface="Cambria Math" panose="02040503050406030204" pitchFamily="18" charset="0"/>
+                              </a:rPr>
+                              <m:t>2</m:t>
+                            </m:r>
+                          </m:sup>
+                        </m:sSup>
+                      </m:e>
+                    </m:nary>
+                  </m:oMath>
+                </a14:m>
+                <a:r>
+                  <a:rPr lang="en-US" altLang="ko-KR" sz="1600" dirty="0"/>
+                  <a:t> + </a:t>
+                </a:r>
+                <a:r>
+                  <a:rPr lang="en-US" altLang="ko-KR" sz="1600" dirty="0">
+                    <a:solidFill>
+                      <a:srgbClr val="FFC000"/>
+                    </a:solidFill>
+                  </a:rPr>
+                  <a:t>c</a:t>
+                </a:r>
+                <a14:m>
+                  <m:oMath xmlns:m="http://schemas.openxmlformats.org/officeDocument/2006/math">
+                    <m:nary>
+                      <m:naryPr>
+                        <m:chr m:val="∑"/>
+                        <m:ctrlPr>
+                          <a:rPr lang="en-US" altLang="ko-KR" sz="1600" i="1">
+                            <a:solidFill>
+                              <a:srgbClr val="FFC000"/>
+                            </a:solidFill>
+                            <a:latin typeface="Cambria Math" panose="02040503050406030204" pitchFamily="18" charset="0"/>
+                          </a:rPr>
+                        </m:ctrlPr>
+                      </m:naryPr>
+                      <m:sub>
+                        <m:r>
+                          <a:rPr lang="en-US" altLang="ko-KR" sz="1600" b="0" i="1" smtClean="0">
+                            <a:solidFill>
+                              <a:srgbClr val="FFC000"/>
+                            </a:solidFill>
+                            <a:latin typeface="Cambria Math" panose="02040503050406030204" pitchFamily="18" charset="0"/>
+                          </a:rPr>
+                          <m:t>𝑖</m:t>
+                        </m:r>
+                        <m:r>
+                          <a:rPr lang="en-US" altLang="ko-KR" sz="1600" i="1">
+                            <a:solidFill>
+                              <a:srgbClr val="FFC000"/>
+                            </a:solidFill>
+                            <a:latin typeface="Cambria Math" panose="02040503050406030204" pitchFamily="18" charset="0"/>
+                          </a:rPr>
+                          <m:t>=1</m:t>
+                        </m:r>
+                      </m:sub>
+                      <m:sup>
+                        <m:r>
+                          <a:rPr lang="en-US" altLang="ko-KR" sz="1600" b="0" i="1" smtClean="0">
+                            <a:solidFill>
+                              <a:srgbClr val="FFC000"/>
+                            </a:solidFill>
+                            <a:latin typeface="Cambria Math" panose="02040503050406030204" pitchFamily="18" charset="0"/>
+                          </a:rPr>
+                          <m:t>𝑎</m:t>
+                        </m:r>
+                      </m:sup>
+                      <m:e>
+                        <m:nary>
+                          <m:naryPr>
+                            <m:chr m:val="∑"/>
+                            <m:ctrlPr>
+                              <a:rPr lang="en-US" altLang="ko-KR" sz="1600" i="1">
+                                <a:solidFill>
+                                  <a:srgbClr val="FFC000"/>
+                                </a:solidFill>
+                                <a:latin typeface="Cambria Math" panose="02040503050406030204" pitchFamily="18" charset="0"/>
+                              </a:rPr>
+                            </m:ctrlPr>
+                          </m:naryPr>
+                          <m:sub>
+                            <m:r>
+                              <m:rPr>
+                                <m:brk m:alnAt="23"/>
+                              </m:rPr>
+                              <a:rPr lang="en-US" altLang="ko-KR" sz="1600" i="1">
+                                <a:solidFill>
+                                  <a:srgbClr val="FFC000"/>
+                                </a:solidFill>
+                                <a:latin typeface="Cambria Math" panose="02040503050406030204" pitchFamily="18" charset="0"/>
+                              </a:rPr>
+                              <m:t>𝑗</m:t>
+                            </m:r>
+                            <m:r>
+                              <a:rPr lang="en-US" altLang="ko-KR" sz="1600" i="1">
+                                <a:solidFill>
+                                  <a:srgbClr val="FFC000"/>
+                                </a:solidFill>
+                                <a:latin typeface="Cambria Math" panose="02040503050406030204" pitchFamily="18" charset="0"/>
+                              </a:rPr>
+                              <m:t>=1</m:t>
+                            </m:r>
+                          </m:sub>
+                          <m:sup>
+                            <m:r>
+                              <a:rPr lang="en-US" altLang="ko-KR" sz="1600" b="0" i="1" smtClean="0">
+                                <a:solidFill>
+                                  <a:srgbClr val="FFC000"/>
+                                </a:solidFill>
+                                <a:latin typeface="Cambria Math" panose="02040503050406030204" pitchFamily="18" charset="0"/>
+                              </a:rPr>
+                              <m:t>𝑏</m:t>
+                            </m:r>
+                          </m:sup>
+                          <m:e>
+                            <m:sSup>
+                              <m:sSupPr>
+                                <m:ctrlPr>
+                                  <a:rPr lang="en-US" altLang="ko-KR" sz="1600" i="1">
+                                    <a:solidFill>
+                                      <a:srgbClr val="FFC000"/>
+                                    </a:solidFill>
+                                    <a:latin typeface="Cambria Math" panose="02040503050406030204" pitchFamily="18" charset="0"/>
+                                  </a:rPr>
+                                </m:ctrlPr>
+                              </m:sSupPr>
+                              <m:e>
+                                <m:d>
+                                  <m:dPr>
+                                    <m:ctrlPr>
+                                      <a:rPr lang="en-US" altLang="ko-KR" sz="1600" i="1">
+                                        <a:solidFill>
+                                          <a:srgbClr val="FFC000"/>
+                                        </a:solidFill>
+                                        <a:latin typeface="Cambria Math" panose="02040503050406030204" pitchFamily="18" charset="0"/>
+                                      </a:rPr>
+                                    </m:ctrlPr>
+                                  </m:dPr>
+                                  <m:e>
+                                    <m:sSub>
+                                      <m:sSubPr>
+                                        <m:ctrlPr>
+                                          <a:rPr lang="ko-KR" altLang="en-US" sz="1600" i="1" smtClean="0">
+                                            <a:solidFill>
+                                              <a:srgbClr val="FFC000"/>
+                                            </a:solidFill>
+                                            <a:latin typeface="Cambria Math" panose="02040503050406030204" pitchFamily="18" charset="0"/>
+                                          </a:rPr>
+                                        </m:ctrlPr>
+                                      </m:sSubPr>
+                                      <m:e>
+                                        <m:bar>
+                                          <m:barPr>
+                                            <m:pos m:val="top"/>
+                                            <m:ctrlPr>
+                                              <a:rPr lang="en-US" altLang="ko-KR" sz="1600" i="1">
+                                                <a:solidFill>
+                                                  <a:srgbClr val="FFC000"/>
+                                                </a:solidFill>
+                                                <a:latin typeface="Cambria Math" panose="02040503050406030204" pitchFamily="18" charset="0"/>
+                                              </a:rPr>
+                                            </m:ctrlPr>
+                                          </m:barPr>
+                                          <m:e>
+                                            <m:r>
+                                              <a:rPr lang="en-US" altLang="ko-KR" sz="1600" i="1">
+                                                <a:solidFill>
+                                                  <a:srgbClr val="FFC000"/>
+                                                </a:solidFill>
+                                                <a:latin typeface="Cambria Math" panose="02040503050406030204" pitchFamily="18" charset="0"/>
+                                              </a:rPr>
+                                              <m:t>𝑥</m:t>
+                                            </m:r>
+                                          </m:e>
+                                        </m:bar>
+                                      </m:e>
+                                      <m:sub>
+                                        <m:r>
+                                          <a:rPr lang="en-US" altLang="ko-KR" sz="1600" i="1">
+                                            <a:solidFill>
+                                              <a:srgbClr val="FFC000"/>
+                                            </a:solidFill>
+                                            <a:latin typeface="Cambria Math" panose="02040503050406030204" pitchFamily="18" charset="0"/>
+                                          </a:rPr>
+                                          <m:t>𝑖</m:t>
+                                        </m:r>
+                                        <m:r>
+                                          <a:rPr lang="en-US" altLang="ko-KR" sz="1600" b="0" i="1" smtClean="0">
+                                            <a:solidFill>
+                                              <a:srgbClr val="FFC000"/>
+                                            </a:solidFill>
+                                            <a:latin typeface="Cambria Math" panose="02040503050406030204" pitchFamily="18" charset="0"/>
+                                          </a:rPr>
+                                          <m:t>𝑗</m:t>
+                                        </m:r>
+                                      </m:sub>
+                                    </m:sSub>
+                                    <m:r>
+                                      <a:rPr lang="en-US" altLang="ko-KR" sz="1600" i="1">
+                                        <a:solidFill>
+                                          <a:srgbClr val="FFC000"/>
+                                        </a:solidFill>
+                                        <a:latin typeface="Cambria Math" panose="02040503050406030204" pitchFamily="18" charset="0"/>
+                                      </a:rPr>
+                                      <m:t>−</m:t>
+                                    </m:r>
+                                    <m:sSub>
+                                      <m:sSubPr>
+                                        <m:ctrlPr>
+                                          <a:rPr lang="ko-KR" altLang="en-US" sz="1600" i="1">
+                                            <a:solidFill>
+                                              <a:srgbClr val="FFC000"/>
+                                            </a:solidFill>
+                                            <a:latin typeface="Cambria Math" panose="02040503050406030204" pitchFamily="18" charset="0"/>
+                                          </a:rPr>
+                                        </m:ctrlPr>
+                                      </m:sSubPr>
+                                      <m:e>
+                                        <m:bar>
+                                          <m:barPr>
+                                            <m:pos m:val="top"/>
+                                            <m:ctrlPr>
+                                              <a:rPr lang="en-US" altLang="ko-KR" sz="1600" i="1">
+                                                <a:solidFill>
+                                                  <a:srgbClr val="FFC000"/>
+                                                </a:solidFill>
+                                                <a:latin typeface="Cambria Math" panose="02040503050406030204" pitchFamily="18" charset="0"/>
+                                              </a:rPr>
+                                            </m:ctrlPr>
+                                          </m:barPr>
+                                          <m:e>
+                                            <m:r>
+                                              <a:rPr lang="en-US" altLang="ko-KR" sz="1600" i="1">
+                                                <a:solidFill>
+                                                  <a:srgbClr val="FFC000"/>
+                                                </a:solidFill>
+                                                <a:latin typeface="Cambria Math" panose="02040503050406030204" pitchFamily="18" charset="0"/>
+                                              </a:rPr>
+                                              <m:t>𝑥</m:t>
+                                            </m:r>
+                                          </m:e>
+                                        </m:bar>
+                                      </m:e>
+                                      <m:sub>
+                                        <m:r>
+                                          <a:rPr lang="en-US" altLang="ko-KR" sz="1600" i="1">
+                                            <a:solidFill>
+                                              <a:srgbClr val="FFC000"/>
+                                            </a:solidFill>
+                                            <a:latin typeface="Cambria Math" panose="02040503050406030204" pitchFamily="18" charset="0"/>
+                                          </a:rPr>
+                                          <m:t>𝑖</m:t>
+                                        </m:r>
+                                      </m:sub>
+                                    </m:sSub>
+                                    <m:r>
+                                      <a:rPr lang="en-US" altLang="ko-KR" sz="1600">
+                                        <a:solidFill>
+                                          <a:srgbClr val="FFC000"/>
+                                        </a:solidFill>
+                                        <a:latin typeface="Cambria Math" panose="02040503050406030204" pitchFamily="18" charset="0"/>
+                                      </a:rPr>
+                                      <m:t>−</m:t>
+                                    </m:r>
+                                    <m:sSub>
+                                      <m:sSubPr>
+                                        <m:ctrlPr>
+                                          <a:rPr lang="ko-KR" altLang="en-US" sz="1600" i="1">
+                                            <a:solidFill>
+                                              <a:srgbClr val="FFC000"/>
+                                            </a:solidFill>
+                                            <a:latin typeface="Cambria Math" panose="02040503050406030204" pitchFamily="18" charset="0"/>
+                                          </a:rPr>
+                                        </m:ctrlPr>
+                                      </m:sSubPr>
+                                      <m:e>
+                                        <m:bar>
+                                          <m:barPr>
+                                            <m:pos m:val="top"/>
+                                            <m:ctrlPr>
+                                              <a:rPr lang="en-US" altLang="ko-KR" sz="1600" i="1">
+                                                <a:solidFill>
+                                                  <a:srgbClr val="FFC000"/>
+                                                </a:solidFill>
+                                                <a:latin typeface="Cambria Math" panose="02040503050406030204" pitchFamily="18" charset="0"/>
+                                              </a:rPr>
+                                            </m:ctrlPr>
+                                          </m:barPr>
+                                          <m:e>
+                                            <m:r>
+                                              <a:rPr lang="en-US" altLang="ko-KR" sz="1600" i="1">
+                                                <a:solidFill>
+                                                  <a:srgbClr val="FFC000"/>
+                                                </a:solidFill>
+                                                <a:latin typeface="Cambria Math" panose="02040503050406030204" pitchFamily="18" charset="0"/>
+                                              </a:rPr>
+                                              <m:t>𝑥</m:t>
+                                            </m:r>
+                                          </m:e>
+                                        </m:bar>
+                                      </m:e>
+                                      <m:sub>
+                                        <m:r>
+                                          <a:rPr lang="en-US" altLang="ko-KR" sz="1600" i="1">
+                                            <a:solidFill>
+                                              <a:srgbClr val="FFC000"/>
+                                            </a:solidFill>
+                                            <a:latin typeface="Cambria Math" panose="02040503050406030204" pitchFamily="18" charset="0"/>
+                                          </a:rPr>
+                                          <m:t>𝑗</m:t>
+                                        </m:r>
+                                      </m:sub>
+                                    </m:sSub>
+                                    <m:r>
+                                      <a:rPr lang="en-US" altLang="ko-KR" sz="1600" i="1">
+                                        <a:solidFill>
+                                          <a:srgbClr val="FFC000"/>
+                                        </a:solidFill>
+                                        <a:latin typeface="Cambria Math" panose="02040503050406030204" pitchFamily="18" charset="0"/>
+                                      </a:rPr>
+                                      <m:t>+</m:t>
+                                    </m:r>
+                                    <m:bar>
+                                      <m:barPr>
+                                        <m:pos m:val="top"/>
+                                        <m:ctrlPr>
+                                          <a:rPr lang="en-US" altLang="ko-KR" sz="1600" i="1">
+                                            <a:solidFill>
+                                              <a:srgbClr val="FFC000"/>
+                                            </a:solidFill>
+                                            <a:latin typeface="Cambria Math" panose="02040503050406030204" pitchFamily="18" charset="0"/>
+                                          </a:rPr>
+                                        </m:ctrlPr>
+                                      </m:barPr>
+                                      <m:e>
+                                        <m:r>
+                                          <a:rPr lang="en-US" altLang="ko-KR" sz="1600" i="1">
+                                            <a:solidFill>
+                                              <a:srgbClr val="FFC000"/>
+                                            </a:solidFill>
+                                            <a:latin typeface="Cambria Math" panose="02040503050406030204" pitchFamily="18" charset="0"/>
+                                          </a:rPr>
+                                          <m:t>𝑥</m:t>
+                                        </m:r>
+                                      </m:e>
+                                    </m:bar>
+                                  </m:e>
+                                </m:d>
+                              </m:e>
+                              <m:sup>
+                                <m:r>
+                                  <a:rPr lang="en-US" altLang="ko-KR" sz="1600" i="1">
+                                    <a:solidFill>
+                                      <a:srgbClr val="FFC000"/>
+                                    </a:solidFill>
+                                    <a:latin typeface="Cambria Math" panose="02040503050406030204" pitchFamily="18" charset="0"/>
+                                  </a:rPr>
+                                  <m:t>2</m:t>
+                                </m:r>
+                              </m:sup>
+                            </m:sSup>
+                          </m:e>
+                        </m:nary>
+                      </m:e>
+                    </m:nary>
+                  </m:oMath>
+                </a14:m>
+                <a:r>
+                  <a:rPr lang="en-US" altLang="ko-KR" sz="2000" dirty="0"/>
+                  <a:t> + </a:t>
+                </a:r>
+                <a14:m>
+                  <m:oMath xmlns:m="http://schemas.openxmlformats.org/officeDocument/2006/math">
+                    <m:nary>
+                      <m:naryPr>
+                        <m:chr m:val="∑"/>
+                        <m:ctrlPr>
+                          <a:rPr lang="en-US" altLang="ko-KR" sz="1600" i="1" smtClean="0">
+                            <a:solidFill>
+                              <a:srgbClr val="FFFF00"/>
+                            </a:solidFill>
+                            <a:latin typeface="Cambria Math" panose="02040503050406030204" pitchFamily="18" charset="0"/>
+                          </a:rPr>
+                        </m:ctrlPr>
+                      </m:naryPr>
+                      <m:sub>
+                        <m:r>
+                          <m:rPr>
+                            <m:brk m:alnAt="23"/>
+                          </m:rPr>
+                          <a:rPr lang="en-US" altLang="ko-KR" sz="1600" i="1">
+                            <a:solidFill>
+                              <a:srgbClr val="FFFF00"/>
+                            </a:solidFill>
+                            <a:latin typeface="Cambria Math" panose="02040503050406030204" pitchFamily="18" charset="0"/>
+                          </a:rPr>
+                          <m:t>𝑖</m:t>
+                        </m:r>
+                        <m:r>
+                          <a:rPr lang="en-US" altLang="ko-KR" sz="1600" i="1">
+                            <a:solidFill>
+                              <a:srgbClr val="FFFF00"/>
+                            </a:solidFill>
+                            <a:latin typeface="Cambria Math" panose="02040503050406030204" pitchFamily="18" charset="0"/>
+                          </a:rPr>
+                          <m:t>=1</m:t>
+                        </m:r>
+                      </m:sub>
+                      <m:sup>
+                        <m:r>
+                          <a:rPr lang="en-US" altLang="ko-KR" sz="1600" i="1">
+                            <a:solidFill>
+                              <a:srgbClr val="FFFF00"/>
+                            </a:solidFill>
+                            <a:latin typeface="Cambria Math" panose="02040503050406030204" pitchFamily="18" charset="0"/>
+                          </a:rPr>
+                          <m:t>𝑎</m:t>
+                        </m:r>
+                      </m:sup>
+                      <m:e>
+                        <m:nary>
+                          <m:naryPr>
+                            <m:chr m:val="∑"/>
+                            <m:ctrlPr>
+                              <a:rPr lang="en-US" altLang="ko-KR" sz="1600" i="1">
+                                <a:solidFill>
+                                  <a:srgbClr val="FFFF00"/>
+                                </a:solidFill>
+                                <a:latin typeface="Cambria Math" panose="02040503050406030204" pitchFamily="18" charset="0"/>
+                              </a:rPr>
+                            </m:ctrlPr>
+                          </m:naryPr>
+                          <m:sub>
+                            <m:r>
+                              <m:rPr>
+                                <m:brk m:alnAt="23"/>
+                              </m:rPr>
+                              <a:rPr lang="en-US" altLang="ko-KR" sz="1600" i="1">
+                                <a:solidFill>
+                                  <a:srgbClr val="FFFF00"/>
+                                </a:solidFill>
+                                <a:latin typeface="Cambria Math" panose="02040503050406030204" pitchFamily="18" charset="0"/>
+                              </a:rPr>
+                              <m:t>𝑗</m:t>
+                            </m:r>
+                            <m:r>
+                              <a:rPr lang="en-US" altLang="ko-KR" sz="1600" i="1">
+                                <a:solidFill>
+                                  <a:srgbClr val="FFFF00"/>
+                                </a:solidFill>
+                                <a:latin typeface="Cambria Math" panose="02040503050406030204" pitchFamily="18" charset="0"/>
+                              </a:rPr>
+                              <m:t>=1</m:t>
+                            </m:r>
+                          </m:sub>
+                          <m:sup>
+                            <m:r>
+                              <a:rPr lang="en-US" altLang="ko-KR" sz="1600" i="1">
+                                <a:solidFill>
+                                  <a:srgbClr val="FFFF00"/>
+                                </a:solidFill>
+                                <a:latin typeface="Cambria Math" panose="02040503050406030204" pitchFamily="18" charset="0"/>
+                              </a:rPr>
+                              <m:t>𝑏</m:t>
+                            </m:r>
+                          </m:sup>
+                          <m:e>
+                            <m:nary>
+                              <m:naryPr>
+                                <m:chr m:val="∑"/>
+                                <m:ctrlPr>
+                                  <a:rPr lang="en-US" altLang="ko-KR" sz="1600" i="1">
+                                    <a:solidFill>
+                                      <a:srgbClr val="FFFF00"/>
+                                    </a:solidFill>
+                                    <a:latin typeface="Cambria Math" panose="02040503050406030204" pitchFamily="18" charset="0"/>
+                                  </a:rPr>
+                                </m:ctrlPr>
+                              </m:naryPr>
+                              <m:sub>
+                                <m:r>
+                                  <m:rPr>
+                                    <m:brk m:alnAt="23"/>
+                                  </m:rPr>
+                                  <a:rPr lang="en-US" altLang="ko-KR" sz="1600" i="1">
+                                    <a:solidFill>
+                                      <a:srgbClr val="FFFF00"/>
+                                    </a:solidFill>
+                                    <a:latin typeface="Cambria Math" panose="02040503050406030204" pitchFamily="18" charset="0"/>
+                                  </a:rPr>
+                                  <m:t>𝑗</m:t>
+                                </m:r>
+                                <m:r>
+                                  <a:rPr lang="en-US" altLang="ko-KR" sz="1600" i="1">
+                                    <a:solidFill>
+                                      <a:srgbClr val="FFFF00"/>
+                                    </a:solidFill>
+                                    <a:latin typeface="Cambria Math" panose="02040503050406030204" pitchFamily="18" charset="0"/>
+                                  </a:rPr>
+                                  <m:t>=1</m:t>
+                                </m:r>
+                              </m:sub>
+                              <m:sup>
+                                <m:r>
+                                  <a:rPr lang="en-US" altLang="ko-KR" sz="1600" i="1">
+                                    <a:solidFill>
+                                      <a:srgbClr val="FFFF00"/>
+                                    </a:solidFill>
+                                    <a:latin typeface="Cambria Math" panose="02040503050406030204" pitchFamily="18" charset="0"/>
+                                  </a:rPr>
+                                  <m:t>𝑐</m:t>
+                                </m:r>
+                              </m:sup>
+                              <m:e>
+                                <m:sSup>
+                                  <m:sSupPr>
+                                    <m:ctrlPr>
+                                      <a:rPr lang="en-US" altLang="ko-KR" sz="1600" i="1">
+                                        <a:solidFill>
+                                          <a:srgbClr val="FFFF00"/>
+                                        </a:solidFill>
+                                        <a:latin typeface="Cambria Math" panose="02040503050406030204" pitchFamily="18" charset="0"/>
+                                      </a:rPr>
+                                    </m:ctrlPr>
+                                  </m:sSupPr>
+                                  <m:e>
+                                    <m:d>
+                                      <m:dPr>
+                                        <m:ctrlPr>
+                                          <a:rPr lang="en-US" altLang="ko-KR" sz="1600" i="1">
+                                            <a:solidFill>
+                                              <a:srgbClr val="FFFF00"/>
+                                            </a:solidFill>
+                                            <a:latin typeface="Cambria Math" panose="02040503050406030204" pitchFamily="18" charset="0"/>
+                                          </a:rPr>
+                                        </m:ctrlPr>
+                                      </m:dPr>
+                                      <m:e>
+                                        <m:sSub>
+                                          <m:sSubPr>
+                                            <m:ctrlPr>
+                                              <a:rPr lang="ko-KR" altLang="en-US" sz="1600" i="1">
+                                                <a:solidFill>
+                                                  <a:srgbClr val="FFFF00"/>
+                                                </a:solidFill>
+                                                <a:latin typeface="Cambria Math" panose="02040503050406030204" pitchFamily="18" charset="0"/>
+                                              </a:rPr>
+                                            </m:ctrlPr>
+                                          </m:sSubPr>
+                                          <m:e>
+                                            <m:r>
+                                              <a:rPr lang="en-US" altLang="ko-KR" sz="1600" i="1">
+                                                <a:solidFill>
+                                                  <a:srgbClr val="FFFF00"/>
+                                                </a:solidFill>
+                                                <a:latin typeface="Cambria Math" panose="02040503050406030204" pitchFamily="18" charset="0"/>
+                                              </a:rPr>
+                                              <m:t>𝑥</m:t>
+                                            </m:r>
+                                          </m:e>
+                                          <m:sub>
+                                            <m:r>
+                                              <a:rPr lang="en-US" altLang="ko-KR" sz="1600" i="1">
+                                                <a:solidFill>
+                                                  <a:srgbClr val="FFFF00"/>
+                                                </a:solidFill>
+                                                <a:latin typeface="Cambria Math" panose="02040503050406030204" pitchFamily="18" charset="0"/>
+                                              </a:rPr>
+                                              <m:t>𝑖𝑗𝑘</m:t>
+                                            </m:r>
+                                          </m:sub>
+                                        </m:sSub>
+                                        <m:r>
+                                          <a:rPr lang="en-US" altLang="ko-KR" sz="1600" i="1">
+                                            <a:solidFill>
+                                              <a:srgbClr val="FFFF00"/>
+                                            </a:solidFill>
+                                            <a:latin typeface="Cambria Math" panose="02040503050406030204" pitchFamily="18" charset="0"/>
+                                          </a:rPr>
+                                          <m:t>−</m:t>
+                                        </m:r>
+                                        <m:bar>
+                                          <m:barPr>
+                                            <m:pos m:val="top"/>
+                                            <m:ctrlPr>
+                                              <a:rPr lang="en-US" altLang="ko-KR" sz="1600" i="1">
+                                                <a:solidFill>
+                                                  <a:srgbClr val="FFFF00"/>
+                                                </a:solidFill>
+                                                <a:latin typeface="Cambria Math" panose="02040503050406030204" pitchFamily="18" charset="0"/>
+                                              </a:rPr>
+                                            </m:ctrlPr>
+                                          </m:barPr>
+                                          <m:e>
+                                            <m:sSub>
+                                              <m:sSubPr>
+                                                <m:ctrlPr>
+                                                  <a:rPr lang="ko-KR" altLang="en-US" sz="1600" i="1">
+                                                    <a:solidFill>
+                                                      <a:srgbClr val="FFFF00"/>
+                                                    </a:solidFill>
+                                                    <a:latin typeface="Cambria Math" panose="02040503050406030204" pitchFamily="18" charset="0"/>
+                                                  </a:rPr>
+                                                </m:ctrlPr>
+                                              </m:sSubPr>
+                                              <m:e>
+                                                <m:r>
+                                                  <a:rPr lang="en-US" altLang="ko-KR" sz="1600" i="1">
+                                                    <a:solidFill>
+                                                      <a:srgbClr val="FFFF00"/>
+                                                    </a:solidFill>
+                                                    <a:latin typeface="Cambria Math" panose="02040503050406030204" pitchFamily="18" charset="0"/>
+                                                  </a:rPr>
+                                                  <m:t>𝑥</m:t>
+                                                </m:r>
+                                              </m:e>
+                                              <m:sub>
+                                                <m:r>
+                                                  <a:rPr lang="en-US" altLang="ko-KR" sz="1600" i="1">
+                                                    <a:solidFill>
+                                                      <a:srgbClr val="FFFF00"/>
+                                                    </a:solidFill>
+                                                    <a:latin typeface="Cambria Math" panose="02040503050406030204" pitchFamily="18" charset="0"/>
+                                                  </a:rPr>
+                                                  <m:t>𝑖𝑗</m:t>
+                                                </m:r>
+                                              </m:sub>
+                                            </m:sSub>
+                                          </m:e>
+                                        </m:bar>
+                                      </m:e>
+                                    </m:d>
+                                  </m:e>
+                                  <m:sup>
+                                    <m:r>
+                                      <a:rPr lang="en-US" altLang="ko-KR" sz="1600" i="1">
+                                        <a:solidFill>
+                                          <a:srgbClr val="FFFF00"/>
+                                        </a:solidFill>
+                                        <a:latin typeface="Cambria Math" panose="02040503050406030204" pitchFamily="18" charset="0"/>
+                                      </a:rPr>
+                                      <m:t>2</m:t>
+                                    </m:r>
+                                  </m:sup>
+                                </m:sSup>
+                              </m:e>
+                            </m:nary>
+                          </m:e>
+                        </m:nary>
+                      </m:e>
+                    </m:nary>
+                  </m:oMath>
+                </a14:m>
+                <a:endParaRPr lang="en-US" altLang="ko-KR" sz="1600" dirty="0"/>
+              </a:p>
+              <a:p>
+                <a:pPr>
+                  <a:buFontTx/>
+                  <a:buChar char="-"/>
+                </a:pPr>
+                <a:r>
+                  <a:rPr lang="ko-KR" altLang="en-US" sz="2000" dirty="0"/>
+                  <a:t>즉</a:t>
+                </a:r>
+                <a:r>
+                  <a:rPr lang="en-US" altLang="ko-KR" sz="2000" dirty="0"/>
+                  <a:t>, </a:t>
+                </a:r>
+                <a:r>
+                  <a:rPr lang="ko-KR" altLang="en-US" sz="2000" dirty="0">
+                    <a:solidFill>
+                      <a:srgbClr val="FF0000"/>
+                    </a:solidFill>
+                  </a:rPr>
+                  <a:t>행간 차이</a:t>
+                </a:r>
+                <a:r>
+                  <a:rPr lang="en-US" altLang="ko-KR" sz="2000" dirty="0"/>
+                  <a:t>, </a:t>
+                </a:r>
+                <a:r>
+                  <a:rPr lang="ko-KR" altLang="en-US" sz="2000" dirty="0">
+                    <a:solidFill>
+                      <a:srgbClr val="00B050"/>
+                    </a:solidFill>
+                  </a:rPr>
+                  <a:t>열간 차이</a:t>
+                </a:r>
+                <a:r>
+                  <a:rPr lang="en-US" altLang="ko-KR" sz="2000" dirty="0"/>
+                  <a:t>, </a:t>
+                </a:r>
+                <a:r>
+                  <a:rPr lang="ko-KR" altLang="en-US" sz="2000" dirty="0">
+                    <a:solidFill>
+                      <a:srgbClr val="FFC000"/>
+                    </a:solidFill>
+                  </a:rPr>
+                  <a:t>교호작용에 의한 것</a:t>
+                </a:r>
+                <a:r>
+                  <a:rPr lang="en-US" altLang="ko-KR" sz="2000" dirty="0"/>
+                  <a:t>, </a:t>
+                </a:r>
+                <a:r>
+                  <a:rPr lang="ko-KR" altLang="en-US" sz="2000" dirty="0">
+                    <a:solidFill>
+                      <a:srgbClr val="FFFF00"/>
+                    </a:solidFill>
+                  </a:rPr>
+                  <a:t>칸내 변동</a:t>
+                </a:r>
+                <a:r>
+                  <a:rPr lang="ko-KR" altLang="en-US" sz="2000" dirty="0"/>
+                  <a:t>으로 분해된다</a:t>
+                </a:r>
+                <a:r>
+                  <a:rPr lang="en-US" altLang="ko-KR" sz="2000" dirty="0"/>
+                  <a:t>.</a:t>
+                </a:r>
+              </a:p>
+              <a:p>
+                <a:pPr marL="457200" indent="-457200">
+                  <a:buAutoNum type="arabicPeriod"/>
+                </a:pPr>
+                <a:endParaRPr lang="en-US" altLang="ko-KR" sz="2000" dirty="0">
+                  <a:latin typeface="Cambria Math" panose="02040503050406030204" pitchFamily="18" charset="0"/>
+                </a:endParaRPr>
+              </a:p>
+              <a:p>
+                <a:pPr marL="0" indent="0">
+                  <a:buNone/>
+                </a:pPr>
+                <a:endParaRPr lang="en-US" altLang="ko-KR" sz="2000" dirty="0">
+                  <a:latin typeface="Cambria Math" panose="02040503050406030204" pitchFamily="18" charset="0"/>
+                </a:endParaRPr>
+              </a:p>
+              <a:p>
+                <a:pPr marL="0" indent="0">
+                  <a:buNone/>
+                </a:pPr>
+                <a:endParaRPr lang="en-US" altLang="ko-KR" sz="2000" dirty="0">
+                  <a:latin typeface="Cambria Math" panose="02040503050406030204" pitchFamily="18" charset="0"/>
+                </a:endParaRPr>
+              </a:p>
+            </p:txBody>
+          </p:sp>
+        </mc:Choice>
+        <mc:Fallback>
+          <p:sp>
+            <p:nvSpPr>
+              <p:cNvPr id="3" name="내용 개체 틀 2">
+                <a:extLst>
+                  <a:ext uri="{FF2B5EF4-FFF2-40B4-BE49-F238E27FC236}">
+                    <a16:creationId xmlns:a16="http://schemas.microsoft.com/office/drawing/2014/main" id="{CC593C31-AC9A-40BE-900A-F9483D746834}"/>
+                  </a:ext>
+                </a:extLst>
+              </p:cNvPr>
+              <p:cNvSpPr>
+                <a:spLocks noGrp="1" noRot="1" noChangeAspect="1" noMove="1" noResize="1" noEditPoints="1" noAdjustHandles="1" noChangeArrowheads="1" noChangeShapeType="1" noTextEdit="1"/>
+              </p:cNvSpPr>
+              <p:nvPr>
+                <p:ph idx="1"/>
+              </p:nvPr>
+            </p:nvSpPr>
+            <p:spPr>
+              <a:blipFill>
+                <a:blip r:embed="rId2"/>
+                <a:stretch>
+                  <a:fillRect l="-812" t="-2101"/>
+                </a:stretch>
+              </a:blipFill>
+            </p:spPr>
+            <p:txBody>
+              <a:bodyPr/>
+              <a:lstStyle/>
+              <a:p>
+                <a:r>
+                  <a:rPr lang="ko-KR" altLang="en-US">
+                    <a:noFill/>
+                  </a:rPr>
+                  <a:t> </a:t>
+                </a:r>
+              </a:p>
+            </p:txBody>
+          </p:sp>
+        </mc:Fallback>
+      </mc:AlternateContent>
+    </p:spTree>
+    <p:extLst>
+      <p:ext uri="{BB962C8B-B14F-4D97-AF65-F5344CB8AC3E}">
+        <p14:creationId xmlns:p14="http://schemas.microsoft.com/office/powerpoint/2010/main" val="2095712271"/>
+      </p:ext>
+    </p:extLst>
+  </p:cSld>
+  <p:clrMapOvr>
+    <a:masterClrMapping/>
+  </p:clrMapOvr>
+</p:sld>
+</file>
+
+<file path=ppt/slides/slide9.xml><?xml version="1.0" encoding="utf-8"?>
+<p:sld xmlns:a="http://schemas.openxmlformats.org/drawingml/2006/main" xmlns:r="http://schemas.openxmlformats.org/officeDocument/2006/relationships" xmlns:p="http://schemas.openxmlformats.org/presentationml/2006/main">
+  <p:cSld>
+    <p:spTree>
+      <p:nvGrpSpPr>
+        <p:cNvPr id="1" name=""/>
+        <p:cNvGrpSpPr/>
+        <p:nvPr/>
+      </p:nvGrpSpPr>
+      <p:grpSpPr>
+        <a:xfrm>
+          <a:off x="0" y="0"/>
+          <a:ext cx="0" cy="0"/>
+          <a:chOff x="0" y="0"/>
+          <a:chExt cx="0" cy="0"/>
+        </a:xfrm>
+      </p:grpSpPr>
+      <p:sp>
+        <p:nvSpPr>
+          <p:cNvPr id="2" name="제목 1">
+            <a:extLst>
+              <a:ext uri="{FF2B5EF4-FFF2-40B4-BE49-F238E27FC236}">
+                <a16:creationId xmlns:a16="http://schemas.microsoft.com/office/drawing/2014/main" id="{7294AC75-F40B-44E1-AB20-1DE181ABE212}"/>
+              </a:ext>
+            </a:extLst>
+          </p:cNvPr>
+          <p:cNvSpPr>
+            <a:spLocks noGrp="1"/>
+          </p:cNvSpPr>
+          <p:nvPr>
+            <p:ph type="title"/>
+          </p:nvPr>
+        </p:nvSpPr>
+        <p:spPr/>
+        <p:txBody>
+          <a:bodyPr/>
+          <a:lstStyle/>
+          <a:p>
+            <a:r>
+              <a:rPr lang="ko-KR" altLang="en-US" dirty="0"/>
+              <a:t>정의</a:t>
+            </a:r>
+          </a:p>
+        </p:txBody>
+      </p:sp>
+      <mc:AlternateContent xmlns:mc="http://schemas.openxmlformats.org/markup-compatibility/2006">
+        <mc:Choice xmlns:a14="http://schemas.microsoft.com/office/drawing/2010/main" Requires="a14">
+          <p:sp>
+            <p:nvSpPr>
+              <p:cNvPr id="3" name="내용 개체 틀 2">
+                <a:extLst>
+                  <a:ext uri="{FF2B5EF4-FFF2-40B4-BE49-F238E27FC236}">
+                    <a16:creationId xmlns:a16="http://schemas.microsoft.com/office/drawing/2014/main" id="{CC593C31-AC9A-40BE-900A-F9483D746834}"/>
+                  </a:ext>
+                </a:extLst>
+              </p:cNvPr>
+              <p:cNvSpPr>
+                <a:spLocks noGrp="1"/>
+              </p:cNvSpPr>
+              <p:nvPr>
+                <p:ph idx="1"/>
+              </p:nvPr>
+            </p:nvSpPr>
+            <p:spPr/>
+            <p:txBody>
+              <a:bodyPr>
+                <a:normAutofit/>
+              </a:bodyPr>
+              <a:lstStyle/>
+              <a:p>
+                <a:r>
+                  <a:rPr lang="ko-KR" altLang="en-US" sz="2000" dirty="0">
+                    <a:latin typeface="Cambria Math" panose="02040503050406030204" pitchFamily="18" charset="0"/>
+                  </a:rPr>
+                  <a:t>교호작용의 분석</a:t>
+                </a:r>
+                <a:endParaRPr lang="en-US" altLang="ko-KR" sz="2000" dirty="0">
+                  <a:latin typeface="Cambria Math" panose="02040503050406030204" pitchFamily="18" charset="0"/>
+                </a:endParaRPr>
+              </a:p>
+              <a:p>
+                <a:pPr marL="457200" indent="-457200">
+                  <a:buAutoNum type="arabicPeriod" startAt="3"/>
+                </a:pPr>
+                <a14:m>
+                  <m:oMath xmlns:m="http://schemas.openxmlformats.org/officeDocument/2006/math">
+                    <m:sSub>
+                      <m:sSubPr>
+                        <m:ctrlPr>
+                          <a:rPr lang="en-US" altLang="ko-KR" sz="2000" i="1">
+                            <a:latin typeface="Cambria Math" panose="02040503050406030204" pitchFamily="18" charset="0"/>
+                          </a:rPr>
+                        </m:ctrlPr>
+                      </m:sSubPr>
+                      <m:e>
+                        <m:r>
+                          <a:rPr lang="en-US" altLang="ko-KR" sz="2000" i="1">
+                            <a:latin typeface="Cambria Math" panose="02040503050406030204" pitchFamily="18" charset="0"/>
+                          </a:rPr>
+                          <m:t>𝐻</m:t>
+                        </m:r>
+                      </m:e>
+                      <m:sub>
+                        <m:r>
+                          <a:rPr lang="en-US" altLang="ko-KR" sz="2000" i="1">
+                            <a:latin typeface="Cambria Math" panose="02040503050406030204" pitchFamily="18" charset="0"/>
+                          </a:rPr>
+                          <m:t>0</m:t>
+                        </m:r>
+                        <m:r>
+                          <a:rPr lang="en-US" altLang="ko-KR" sz="2000" i="1">
+                            <a:latin typeface="Cambria Math" panose="02040503050406030204" pitchFamily="18" charset="0"/>
+                          </a:rPr>
+                          <m:t>𝐴𝐵</m:t>
+                        </m:r>
+                      </m:sub>
+                    </m:sSub>
+                  </m:oMath>
+                </a14:m>
+                <a:r>
+                  <a:rPr lang="en-US" altLang="ko-KR" sz="2000" dirty="0"/>
+                  <a:t> </a:t>
+                </a:r>
+                <a:r>
+                  <a:rPr lang="ko-KR" altLang="en-US" sz="2000" dirty="0"/>
+                  <a:t>와</a:t>
+                </a:r>
+                <a14:m>
+                  <m:oMath xmlns:m="http://schemas.openxmlformats.org/officeDocument/2006/math">
+                    <m:r>
+                      <a:rPr lang="en-US" altLang="ko-KR" sz="2000" b="0" i="0" smtClean="0">
+                        <a:latin typeface="Cambria Math" panose="02040503050406030204" pitchFamily="18" charset="0"/>
+                      </a:rPr>
+                      <m:t> </m:t>
+                    </m:r>
+                    <m:sSub>
+                      <m:sSubPr>
+                        <m:ctrlPr>
+                          <a:rPr lang="en-US" altLang="ko-KR" sz="2000" i="1">
+                            <a:latin typeface="Cambria Math" panose="02040503050406030204" pitchFamily="18" charset="0"/>
+                          </a:rPr>
+                        </m:ctrlPr>
+                      </m:sSubPr>
+                      <m:e>
+                        <m:r>
+                          <a:rPr lang="en-US" altLang="ko-KR" sz="2000" i="1">
+                            <a:latin typeface="Cambria Math" panose="02040503050406030204" pitchFamily="18" charset="0"/>
+                          </a:rPr>
+                          <m:t>𝐻</m:t>
+                        </m:r>
+                      </m:e>
+                      <m:sub>
+                        <m:r>
+                          <a:rPr lang="en-US" altLang="ko-KR" sz="2000" i="1">
+                            <a:latin typeface="Cambria Math" panose="02040503050406030204" pitchFamily="18" charset="0"/>
+                          </a:rPr>
+                          <m:t>1</m:t>
+                        </m:r>
+                        <m:r>
+                          <a:rPr lang="en-US" altLang="ko-KR" sz="2000" i="1">
+                            <a:latin typeface="Cambria Math" panose="02040503050406030204" pitchFamily="18" charset="0"/>
+                          </a:rPr>
+                          <m:t>𝐴𝐵</m:t>
+                        </m:r>
+                      </m:sub>
+                    </m:sSub>
+                  </m:oMath>
+                </a14:m>
+                <a:r>
+                  <a:rPr lang="ko-KR" altLang="en-US" sz="2000" dirty="0">
+                    <a:latin typeface="Cambria Math" panose="02040503050406030204" pitchFamily="18" charset="0"/>
+                  </a:rPr>
+                  <a:t>의 </a:t>
+                </a:r>
+                <a:r>
+                  <a:rPr lang="ko-KR" altLang="en-US" sz="2000" dirty="0" err="1">
+                    <a:latin typeface="Cambria Math" panose="02040503050406030204" pitchFamily="18" charset="0"/>
+                  </a:rPr>
+                  <a:t>우도비는</a:t>
+                </a:r>
+                <a:r>
+                  <a:rPr lang="en-US" altLang="ko-KR" sz="2000" dirty="0">
+                    <a:latin typeface="Cambria Math" panose="02040503050406030204" pitchFamily="18" charset="0"/>
+                  </a:rPr>
+                  <a:t> </a:t>
+                </a:r>
+              </a:p>
+              <a:p>
+                <a:pPr marL="457200" indent="-457200">
+                  <a:buAutoNum type="arabicParenR"/>
+                </a:pPr>
+                <a14:m>
+                  <m:oMath xmlns:m="http://schemas.openxmlformats.org/officeDocument/2006/math">
+                    <m:sSup>
+                      <m:sSupPr>
+                        <m:ctrlPr>
+                          <a:rPr lang="en-US" altLang="ko-KR" sz="2000" i="1">
+                            <a:latin typeface="Cambria Math" panose="02040503050406030204" pitchFamily="18" charset="0"/>
+                          </a:rPr>
+                        </m:ctrlPr>
+                      </m:sSupPr>
+                      <m:e>
+                        <m:d>
+                          <m:dPr>
+                            <m:ctrlPr>
+                              <a:rPr lang="en-US" altLang="ko-KR" sz="2000" i="1">
+                                <a:latin typeface="Cambria Math" panose="02040503050406030204" pitchFamily="18" charset="0"/>
+                              </a:rPr>
+                            </m:ctrlPr>
+                          </m:dPr>
+                          <m:e>
+                            <m:r>
+                              <a:rPr lang="en-US" altLang="ko-KR" sz="2000">
+                                <a:latin typeface="Cambria Math" panose="02040503050406030204" pitchFamily="18" charset="0"/>
+                              </a:rPr>
+                              <m:t>∧</m:t>
+                            </m:r>
+                          </m:e>
+                        </m:d>
+                      </m:e>
+                      <m:sup>
+                        <m:f>
+                          <m:fPr>
+                            <m:ctrlPr>
+                              <a:rPr lang="en-US" altLang="ko-KR" sz="2000" i="1">
+                                <a:latin typeface="Cambria Math" panose="02040503050406030204" pitchFamily="18" charset="0"/>
+                              </a:rPr>
+                            </m:ctrlPr>
+                          </m:fPr>
+                          <m:num>
+                            <m:r>
+                              <m:rPr>
+                                <m:sty m:val="p"/>
+                              </m:rPr>
+                              <a:rPr lang="en-US" altLang="ko-KR" sz="2000">
+                                <a:latin typeface="Cambria Math" panose="02040503050406030204" pitchFamily="18" charset="0"/>
+                              </a:rPr>
+                              <m:t>ab</m:t>
+                            </m:r>
+                            <m:r>
+                              <a:rPr lang="en-US" altLang="ko-KR" sz="2000" b="0" i="1" smtClean="0">
+                                <a:latin typeface="Cambria Math" panose="02040503050406030204" pitchFamily="18" charset="0"/>
+                              </a:rPr>
+                              <m:t>𝑐</m:t>
+                            </m:r>
+                          </m:num>
+                          <m:den>
+                            <m:r>
+                              <a:rPr lang="en-US" altLang="ko-KR" sz="2000">
+                                <a:latin typeface="Cambria Math" panose="02040503050406030204" pitchFamily="18" charset="0"/>
+                              </a:rPr>
+                              <m:t>2</m:t>
+                            </m:r>
+                          </m:den>
+                        </m:f>
+                      </m:sup>
+                    </m:sSup>
+                  </m:oMath>
+                </a14:m>
+                <a:r>
+                  <a:rPr lang="en-US" altLang="ko-KR" sz="2000" dirty="0">
+                    <a:latin typeface="Cambria Math" panose="02040503050406030204" pitchFamily="18" charset="0"/>
+                  </a:rPr>
+                  <a:t> = </a:t>
+                </a:r>
+                <a:r>
+                  <a:rPr lang="en-US" altLang="ko-KR" sz="2000" dirty="0">
+                    <a:solidFill>
+                      <a:schemeClr val="tx1"/>
+                    </a:solidFill>
+                  </a:rPr>
+                  <a:t>c</a:t>
+                </a:r>
+                <a14:m>
+                  <m:oMath xmlns:m="http://schemas.openxmlformats.org/officeDocument/2006/math">
+                    <m:f>
+                      <m:fPr>
+                        <m:ctrlPr>
+                          <a:rPr lang="en-US" altLang="ko-KR" sz="2000" b="0" i="1" smtClean="0">
+                            <a:solidFill>
+                              <a:schemeClr val="tx1"/>
+                            </a:solidFill>
+                            <a:latin typeface="Cambria Math" panose="02040503050406030204" pitchFamily="18" charset="0"/>
+                          </a:rPr>
+                        </m:ctrlPr>
+                      </m:fPr>
+                      <m:num>
+                        <m:f>
+                          <m:fPr>
+                            <m:type m:val="skw"/>
+                            <m:ctrlPr>
+                              <a:rPr lang="en-US" altLang="ko-KR" sz="2000" b="0" i="1" smtClean="0">
+                                <a:solidFill>
+                                  <a:schemeClr val="tx1"/>
+                                </a:solidFill>
+                                <a:latin typeface="Cambria Math" panose="02040503050406030204" pitchFamily="18" charset="0"/>
+                              </a:rPr>
+                            </m:ctrlPr>
+                          </m:fPr>
+                          <m:num>
+                            <m:nary>
+                              <m:naryPr>
+                                <m:chr m:val="∑"/>
+                                <m:ctrlPr>
+                                  <a:rPr lang="en-US" altLang="ko-KR" sz="2000" i="1">
+                                    <a:solidFill>
+                                      <a:schemeClr val="tx1"/>
+                                    </a:solidFill>
+                                    <a:latin typeface="Cambria Math" panose="02040503050406030204" pitchFamily="18" charset="0"/>
+                                  </a:rPr>
+                                </m:ctrlPr>
+                              </m:naryPr>
+                              <m:sub>
+                                <m:r>
+                                  <a:rPr lang="en-US" altLang="ko-KR" sz="2000" i="1">
+                                    <a:solidFill>
+                                      <a:schemeClr val="tx1"/>
+                                    </a:solidFill>
+                                    <a:latin typeface="Cambria Math" panose="02040503050406030204" pitchFamily="18" charset="0"/>
+                                  </a:rPr>
+                                  <m:t>𝑖</m:t>
+                                </m:r>
+                                <m:r>
+                                  <a:rPr lang="en-US" altLang="ko-KR" sz="2000" i="1">
+                                    <a:solidFill>
+                                      <a:schemeClr val="tx1"/>
+                                    </a:solidFill>
+                                    <a:latin typeface="Cambria Math" panose="02040503050406030204" pitchFamily="18" charset="0"/>
+                                  </a:rPr>
+                                  <m:t>=1</m:t>
+                                </m:r>
+                              </m:sub>
+                              <m:sup>
+                                <m:r>
+                                  <a:rPr lang="en-US" altLang="ko-KR" sz="2000" i="1">
+                                    <a:solidFill>
+                                      <a:schemeClr val="tx1"/>
+                                    </a:solidFill>
+                                    <a:latin typeface="Cambria Math" panose="02040503050406030204" pitchFamily="18" charset="0"/>
+                                  </a:rPr>
+                                  <m:t>𝑎</m:t>
+                                </m:r>
+                              </m:sup>
+                              <m:e>
+                                <m:nary>
+                                  <m:naryPr>
+                                    <m:chr m:val="∑"/>
+                                    <m:ctrlPr>
+                                      <a:rPr lang="en-US" altLang="ko-KR" sz="2000" i="1">
+                                        <a:solidFill>
+                                          <a:schemeClr val="tx1"/>
+                                        </a:solidFill>
+                                        <a:latin typeface="Cambria Math" panose="02040503050406030204" pitchFamily="18" charset="0"/>
+                                      </a:rPr>
+                                    </m:ctrlPr>
+                                  </m:naryPr>
+                                  <m:sub>
+                                    <m:r>
+                                      <m:rPr>
+                                        <m:brk m:alnAt="23"/>
+                                      </m:rPr>
+                                      <a:rPr lang="en-US" altLang="ko-KR" sz="2000" i="1">
+                                        <a:solidFill>
+                                          <a:schemeClr val="tx1"/>
+                                        </a:solidFill>
+                                        <a:latin typeface="Cambria Math" panose="02040503050406030204" pitchFamily="18" charset="0"/>
+                                      </a:rPr>
+                                      <m:t>𝑗</m:t>
+                                    </m:r>
+                                    <m:r>
+                                      <a:rPr lang="en-US" altLang="ko-KR" sz="2000" i="1">
+                                        <a:solidFill>
+                                          <a:schemeClr val="tx1"/>
+                                        </a:solidFill>
+                                        <a:latin typeface="Cambria Math" panose="02040503050406030204" pitchFamily="18" charset="0"/>
+                                      </a:rPr>
+                                      <m:t>=1</m:t>
+                                    </m:r>
+                                  </m:sub>
+                                  <m:sup>
+                                    <m:r>
+                                      <a:rPr lang="en-US" altLang="ko-KR" sz="2000" i="1">
+                                        <a:solidFill>
+                                          <a:schemeClr val="tx1"/>
+                                        </a:solidFill>
+                                        <a:latin typeface="Cambria Math" panose="02040503050406030204" pitchFamily="18" charset="0"/>
+                                      </a:rPr>
+                                      <m:t>𝑏</m:t>
+                                    </m:r>
+                                  </m:sup>
+                                  <m:e>
+                                    <m:sSup>
+                                      <m:sSupPr>
+                                        <m:ctrlPr>
+                                          <a:rPr lang="en-US" altLang="ko-KR" sz="2000" i="1">
+                                            <a:solidFill>
+                                              <a:schemeClr val="tx1"/>
+                                            </a:solidFill>
+                                            <a:latin typeface="Cambria Math" panose="02040503050406030204" pitchFamily="18" charset="0"/>
+                                          </a:rPr>
+                                        </m:ctrlPr>
+                                      </m:sSupPr>
+                                      <m:e>
+                                        <m:d>
+                                          <m:dPr>
+                                            <m:ctrlPr>
+                                              <a:rPr lang="en-US" altLang="ko-KR" sz="2000" i="1">
+                                                <a:solidFill>
+                                                  <a:schemeClr val="tx1"/>
+                                                </a:solidFill>
+                                                <a:latin typeface="Cambria Math" panose="02040503050406030204" pitchFamily="18" charset="0"/>
+                                              </a:rPr>
+                                            </m:ctrlPr>
+                                          </m:dPr>
+                                          <m:e>
+                                            <m:sSub>
+                                              <m:sSubPr>
+                                                <m:ctrlPr>
+                                                  <a:rPr lang="ko-KR" altLang="en-US" sz="2000" i="1">
+                                                    <a:solidFill>
+                                                      <a:schemeClr val="tx1"/>
+                                                    </a:solidFill>
+                                                    <a:latin typeface="Cambria Math" panose="02040503050406030204" pitchFamily="18" charset="0"/>
+                                                  </a:rPr>
+                                                </m:ctrlPr>
+                                              </m:sSubPr>
+                                              <m:e>
+                                                <m:bar>
+                                                  <m:barPr>
+                                                    <m:pos m:val="top"/>
+                                                    <m:ctrlPr>
+                                                      <a:rPr lang="en-US" altLang="ko-KR" sz="2000" i="1">
+                                                        <a:solidFill>
+                                                          <a:schemeClr val="tx1"/>
+                                                        </a:solidFill>
+                                                        <a:latin typeface="Cambria Math" panose="02040503050406030204" pitchFamily="18" charset="0"/>
+                                                      </a:rPr>
+                                                    </m:ctrlPr>
+                                                  </m:barPr>
+                                                  <m:e>
+                                                    <m:r>
+                                                      <a:rPr lang="en-US" altLang="ko-KR" sz="2000" i="1">
+                                                        <a:solidFill>
+                                                          <a:schemeClr val="tx1"/>
+                                                        </a:solidFill>
+                                                        <a:latin typeface="Cambria Math" panose="02040503050406030204" pitchFamily="18" charset="0"/>
+                                                      </a:rPr>
+                                                      <m:t>𝑥</m:t>
+                                                    </m:r>
+                                                  </m:e>
+                                                </m:bar>
+                                              </m:e>
+                                              <m:sub>
+                                                <m:r>
+                                                  <a:rPr lang="en-US" altLang="ko-KR" sz="2000" i="1">
+                                                    <a:solidFill>
+                                                      <a:schemeClr val="tx1"/>
+                                                    </a:solidFill>
+                                                    <a:latin typeface="Cambria Math" panose="02040503050406030204" pitchFamily="18" charset="0"/>
+                                                  </a:rPr>
+                                                  <m:t>𝑖</m:t>
+                                                </m:r>
+                                                <m:r>
+                                                  <a:rPr lang="en-US" altLang="ko-KR" sz="2000" i="1">
+                                                    <a:solidFill>
+                                                      <a:schemeClr val="tx1"/>
+                                                    </a:solidFill>
+                                                    <a:latin typeface="Cambria Math" panose="02040503050406030204" pitchFamily="18" charset="0"/>
+                                                  </a:rPr>
+                                                  <m:t>𝑗</m:t>
+                                                </m:r>
+                                              </m:sub>
+                                            </m:sSub>
+                                            <m:r>
+                                              <a:rPr lang="en-US" altLang="ko-KR" sz="2000" i="1">
+                                                <a:solidFill>
+                                                  <a:schemeClr val="tx1"/>
+                                                </a:solidFill>
+                                                <a:latin typeface="Cambria Math" panose="02040503050406030204" pitchFamily="18" charset="0"/>
+                                              </a:rPr>
+                                              <m:t>−</m:t>
+                                            </m:r>
+                                            <m:sSub>
+                                              <m:sSubPr>
+                                                <m:ctrlPr>
+                                                  <a:rPr lang="ko-KR" altLang="en-US" sz="2000" i="1">
+                                                    <a:solidFill>
+                                                      <a:schemeClr val="tx1"/>
+                                                    </a:solidFill>
+                                                    <a:latin typeface="Cambria Math" panose="02040503050406030204" pitchFamily="18" charset="0"/>
+                                                  </a:rPr>
+                                                </m:ctrlPr>
+                                              </m:sSubPr>
+                                              <m:e>
+                                                <m:bar>
+                                                  <m:barPr>
+                                                    <m:pos m:val="top"/>
+                                                    <m:ctrlPr>
+                                                      <a:rPr lang="en-US" altLang="ko-KR" sz="2000" i="1">
+                                                        <a:solidFill>
+                                                          <a:schemeClr val="tx1"/>
+                                                        </a:solidFill>
+                                                        <a:latin typeface="Cambria Math" panose="02040503050406030204" pitchFamily="18" charset="0"/>
+                                                      </a:rPr>
+                                                    </m:ctrlPr>
+                                                  </m:barPr>
+                                                  <m:e>
+                                                    <m:r>
+                                                      <a:rPr lang="en-US" altLang="ko-KR" sz="2000" i="1">
+                                                        <a:solidFill>
+                                                          <a:schemeClr val="tx1"/>
+                                                        </a:solidFill>
+                                                        <a:latin typeface="Cambria Math" panose="02040503050406030204" pitchFamily="18" charset="0"/>
+                                                      </a:rPr>
+                                                      <m:t>𝑥</m:t>
+                                                    </m:r>
+                                                  </m:e>
+                                                </m:bar>
+                                              </m:e>
+                                              <m:sub>
+                                                <m:r>
+                                                  <a:rPr lang="en-US" altLang="ko-KR" sz="2000" i="1">
+                                                    <a:solidFill>
+                                                      <a:schemeClr val="tx1"/>
+                                                    </a:solidFill>
+                                                    <a:latin typeface="Cambria Math" panose="02040503050406030204" pitchFamily="18" charset="0"/>
+                                                  </a:rPr>
+                                                  <m:t>𝑖</m:t>
+                                                </m:r>
+                                              </m:sub>
+                                            </m:sSub>
+                                            <m:r>
+                                              <a:rPr lang="en-US" altLang="ko-KR" sz="2000">
+                                                <a:solidFill>
+                                                  <a:schemeClr val="tx1"/>
+                                                </a:solidFill>
+                                                <a:latin typeface="Cambria Math" panose="02040503050406030204" pitchFamily="18" charset="0"/>
+                                              </a:rPr>
+                                              <m:t>−</m:t>
+                                            </m:r>
+                                            <m:sSub>
+                                              <m:sSubPr>
+                                                <m:ctrlPr>
+                                                  <a:rPr lang="ko-KR" altLang="en-US" sz="2000" i="1">
+                                                    <a:solidFill>
+                                                      <a:schemeClr val="tx1"/>
+                                                    </a:solidFill>
+                                                    <a:latin typeface="Cambria Math" panose="02040503050406030204" pitchFamily="18" charset="0"/>
+                                                  </a:rPr>
+                                                </m:ctrlPr>
+                                              </m:sSubPr>
+                                              <m:e>
+                                                <m:bar>
+                                                  <m:barPr>
+                                                    <m:pos m:val="top"/>
+                                                    <m:ctrlPr>
+                                                      <a:rPr lang="en-US" altLang="ko-KR" sz="2000" i="1">
+                                                        <a:solidFill>
+                                                          <a:schemeClr val="tx1"/>
+                                                        </a:solidFill>
+                                                        <a:latin typeface="Cambria Math" panose="02040503050406030204" pitchFamily="18" charset="0"/>
+                                                      </a:rPr>
+                                                    </m:ctrlPr>
+                                                  </m:barPr>
+                                                  <m:e>
+                                                    <m:r>
+                                                      <a:rPr lang="en-US" altLang="ko-KR" sz="2000" i="1">
+                                                        <a:solidFill>
+                                                          <a:schemeClr val="tx1"/>
+                                                        </a:solidFill>
+                                                        <a:latin typeface="Cambria Math" panose="02040503050406030204" pitchFamily="18" charset="0"/>
+                                                      </a:rPr>
+                                                      <m:t>𝑥</m:t>
+                                                    </m:r>
+                                                  </m:e>
+                                                </m:bar>
+                                              </m:e>
+                                              <m:sub>
+                                                <m:r>
+                                                  <a:rPr lang="en-US" altLang="ko-KR" sz="2000" i="1">
+                                                    <a:solidFill>
+                                                      <a:schemeClr val="tx1"/>
+                                                    </a:solidFill>
+                                                    <a:latin typeface="Cambria Math" panose="02040503050406030204" pitchFamily="18" charset="0"/>
+                                                  </a:rPr>
+                                                  <m:t>𝑗</m:t>
+                                                </m:r>
+                                              </m:sub>
+                                            </m:sSub>
+                                            <m:r>
+                                              <a:rPr lang="en-US" altLang="ko-KR" sz="2000" i="1">
+                                                <a:solidFill>
+                                                  <a:schemeClr val="tx1"/>
+                                                </a:solidFill>
+                                                <a:latin typeface="Cambria Math" panose="02040503050406030204" pitchFamily="18" charset="0"/>
+                                              </a:rPr>
+                                              <m:t>+</m:t>
+                                            </m:r>
+                                            <m:bar>
+                                              <m:barPr>
+                                                <m:pos m:val="top"/>
+                                                <m:ctrlPr>
+                                                  <a:rPr lang="en-US" altLang="ko-KR" sz="2000" i="1">
+                                                    <a:solidFill>
+                                                      <a:schemeClr val="tx1"/>
+                                                    </a:solidFill>
+                                                    <a:latin typeface="Cambria Math" panose="02040503050406030204" pitchFamily="18" charset="0"/>
+                                                  </a:rPr>
+                                                </m:ctrlPr>
+                                              </m:barPr>
+                                              <m:e>
+                                                <m:r>
+                                                  <a:rPr lang="en-US" altLang="ko-KR" sz="2000" i="1">
+                                                    <a:solidFill>
+                                                      <a:schemeClr val="tx1"/>
+                                                    </a:solidFill>
+                                                    <a:latin typeface="Cambria Math" panose="02040503050406030204" pitchFamily="18" charset="0"/>
+                                                  </a:rPr>
+                                                  <m:t>𝑥</m:t>
+                                                </m:r>
+                                              </m:e>
+                                            </m:bar>
+                                          </m:e>
+                                        </m:d>
+                                      </m:e>
+                                      <m:sup>
+                                        <m:r>
+                                          <a:rPr lang="en-US" altLang="ko-KR" sz="2000" i="1">
+                                            <a:solidFill>
+                                              <a:schemeClr val="tx1"/>
+                                            </a:solidFill>
+                                            <a:latin typeface="Cambria Math" panose="02040503050406030204" pitchFamily="18" charset="0"/>
+                                          </a:rPr>
+                                          <m:t>2</m:t>
+                                        </m:r>
+                                      </m:sup>
+                                    </m:sSup>
+                                  </m:e>
+                                </m:nary>
+                              </m:e>
+                            </m:nary>
+                          </m:num>
+                          <m:den>
+                            <m:d>
+                              <m:dPr>
+                                <m:ctrlPr>
+                                  <a:rPr lang="en-US" altLang="ko-KR" sz="2000" b="0" i="1" smtClean="0">
+                                    <a:solidFill>
+                                      <a:schemeClr val="tx1"/>
+                                    </a:solidFill>
+                                    <a:latin typeface="Cambria Math" panose="02040503050406030204" pitchFamily="18" charset="0"/>
+                                  </a:rPr>
+                                </m:ctrlPr>
+                              </m:dPr>
+                              <m:e>
+                                <m:r>
+                                  <a:rPr lang="en-US" altLang="ko-KR" sz="2000" b="0" i="1" smtClean="0">
+                                    <a:solidFill>
+                                      <a:schemeClr val="tx1"/>
+                                    </a:solidFill>
+                                    <a:latin typeface="Cambria Math" panose="02040503050406030204" pitchFamily="18" charset="0"/>
+                                  </a:rPr>
+                                  <m:t>𝑎</m:t>
+                                </m:r>
+                                <m:r>
+                                  <a:rPr lang="en-US" altLang="ko-KR" sz="2000" b="0" i="1" smtClean="0">
+                                    <a:solidFill>
+                                      <a:schemeClr val="tx1"/>
+                                    </a:solidFill>
+                                    <a:latin typeface="Cambria Math" panose="02040503050406030204" pitchFamily="18" charset="0"/>
+                                  </a:rPr>
+                                  <m:t>−1</m:t>
+                                </m:r>
+                              </m:e>
+                            </m:d>
+                            <m:d>
+                              <m:dPr>
+                                <m:ctrlPr>
+                                  <a:rPr lang="en-US" altLang="ko-KR" sz="2000" b="0" i="1" smtClean="0">
+                                    <a:solidFill>
+                                      <a:schemeClr val="tx1"/>
+                                    </a:solidFill>
+                                    <a:latin typeface="Cambria Math" panose="02040503050406030204" pitchFamily="18" charset="0"/>
+                                  </a:rPr>
+                                </m:ctrlPr>
+                              </m:dPr>
+                              <m:e>
+                                <m:r>
+                                  <a:rPr lang="en-US" altLang="ko-KR" sz="2000" b="0" i="1" smtClean="0">
+                                    <a:solidFill>
+                                      <a:schemeClr val="tx1"/>
+                                    </a:solidFill>
+                                    <a:latin typeface="Cambria Math" panose="02040503050406030204" pitchFamily="18" charset="0"/>
+                                  </a:rPr>
+                                  <m:t>𝑏</m:t>
+                                </m:r>
+                                <m:r>
+                                  <a:rPr lang="en-US" altLang="ko-KR" sz="2000" b="0" i="1" smtClean="0">
+                                    <a:solidFill>
+                                      <a:schemeClr val="tx1"/>
+                                    </a:solidFill>
+                                    <a:latin typeface="Cambria Math" panose="02040503050406030204" pitchFamily="18" charset="0"/>
+                                  </a:rPr>
+                                  <m:t>−1</m:t>
+                                </m:r>
+                              </m:e>
+                            </m:d>
+                          </m:den>
+                        </m:f>
+                      </m:num>
+                      <m:den>
+                        <m:f>
+                          <m:fPr>
+                            <m:type m:val="skw"/>
+                            <m:ctrlPr>
+                              <a:rPr lang="en-US" altLang="ko-KR" sz="2000" b="0" i="1" smtClean="0">
+                                <a:solidFill>
+                                  <a:schemeClr val="tx1"/>
+                                </a:solidFill>
+                                <a:latin typeface="Cambria Math" panose="02040503050406030204" pitchFamily="18" charset="0"/>
+                              </a:rPr>
+                            </m:ctrlPr>
+                          </m:fPr>
+                          <m:num>
+                            <m:nary>
+                              <m:naryPr>
+                                <m:chr m:val="∑"/>
+                                <m:ctrlPr>
+                                  <a:rPr lang="en-US" altLang="ko-KR" sz="2000" i="1" smtClean="0">
+                                    <a:solidFill>
+                                      <a:schemeClr val="tx1"/>
+                                    </a:solidFill>
+                                    <a:latin typeface="Cambria Math" panose="02040503050406030204" pitchFamily="18" charset="0"/>
+                                  </a:rPr>
+                                </m:ctrlPr>
+                              </m:naryPr>
+                              <m:sub>
+                                <m:r>
+                                  <m:rPr>
+                                    <m:brk m:alnAt="23"/>
+                                  </m:rPr>
+                                  <a:rPr lang="en-US" altLang="ko-KR" sz="2000" i="1">
+                                    <a:solidFill>
+                                      <a:schemeClr val="tx1"/>
+                                    </a:solidFill>
+                                    <a:latin typeface="Cambria Math" panose="02040503050406030204" pitchFamily="18" charset="0"/>
+                                  </a:rPr>
+                                  <m:t>𝑖</m:t>
+                                </m:r>
+                                <m:r>
+                                  <a:rPr lang="en-US" altLang="ko-KR" sz="2000" i="1">
+                                    <a:solidFill>
+                                      <a:schemeClr val="tx1"/>
+                                    </a:solidFill>
+                                    <a:latin typeface="Cambria Math" panose="02040503050406030204" pitchFamily="18" charset="0"/>
+                                  </a:rPr>
+                                  <m:t>=1</m:t>
+                                </m:r>
+                              </m:sub>
+                              <m:sup>
+                                <m:r>
+                                  <a:rPr lang="en-US" altLang="ko-KR" sz="2000" i="1">
+                                    <a:solidFill>
+                                      <a:schemeClr val="tx1"/>
+                                    </a:solidFill>
+                                    <a:latin typeface="Cambria Math" panose="02040503050406030204" pitchFamily="18" charset="0"/>
+                                  </a:rPr>
+                                  <m:t>𝑎</m:t>
+                                </m:r>
+                              </m:sup>
+                              <m:e>
+                                <m:nary>
+                                  <m:naryPr>
+                                    <m:chr m:val="∑"/>
+                                    <m:ctrlPr>
+                                      <a:rPr lang="en-US" altLang="ko-KR" sz="2000" i="1">
+                                        <a:solidFill>
+                                          <a:schemeClr val="tx1"/>
+                                        </a:solidFill>
+                                        <a:latin typeface="Cambria Math" panose="02040503050406030204" pitchFamily="18" charset="0"/>
+                                      </a:rPr>
+                                    </m:ctrlPr>
+                                  </m:naryPr>
+                                  <m:sub>
+                                    <m:r>
+                                      <m:rPr>
+                                        <m:brk m:alnAt="23"/>
+                                      </m:rPr>
+                                      <a:rPr lang="en-US" altLang="ko-KR" sz="2000" i="1">
+                                        <a:solidFill>
+                                          <a:schemeClr val="tx1"/>
+                                        </a:solidFill>
+                                        <a:latin typeface="Cambria Math" panose="02040503050406030204" pitchFamily="18" charset="0"/>
+                                      </a:rPr>
+                                      <m:t>𝑗</m:t>
+                                    </m:r>
+                                    <m:r>
+                                      <a:rPr lang="en-US" altLang="ko-KR" sz="2000" i="1">
+                                        <a:solidFill>
+                                          <a:schemeClr val="tx1"/>
+                                        </a:solidFill>
+                                        <a:latin typeface="Cambria Math" panose="02040503050406030204" pitchFamily="18" charset="0"/>
+                                      </a:rPr>
+                                      <m:t>=1</m:t>
+                                    </m:r>
+                                  </m:sub>
+                                  <m:sup>
+                                    <m:r>
+                                      <a:rPr lang="en-US" altLang="ko-KR" sz="2000" i="1">
+                                        <a:solidFill>
+                                          <a:schemeClr val="tx1"/>
+                                        </a:solidFill>
+                                        <a:latin typeface="Cambria Math" panose="02040503050406030204" pitchFamily="18" charset="0"/>
+                                      </a:rPr>
+                                      <m:t>𝑏</m:t>
+                                    </m:r>
+                                  </m:sup>
+                                  <m:e>
+                                    <m:nary>
+                                      <m:naryPr>
+                                        <m:chr m:val="∑"/>
+                                        <m:ctrlPr>
+                                          <a:rPr lang="en-US" altLang="ko-KR" sz="2000" i="1">
+                                            <a:solidFill>
+                                              <a:schemeClr val="tx1"/>
+                                            </a:solidFill>
+                                            <a:latin typeface="Cambria Math" panose="02040503050406030204" pitchFamily="18" charset="0"/>
+                                          </a:rPr>
+                                        </m:ctrlPr>
+                                      </m:naryPr>
+                                      <m:sub>
+                                        <m:r>
+                                          <m:rPr>
+                                            <m:brk m:alnAt="23"/>
+                                          </m:rPr>
+                                          <a:rPr lang="en-US" altLang="ko-KR" sz="2000" i="1">
+                                            <a:solidFill>
+                                              <a:schemeClr val="tx1"/>
+                                            </a:solidFill>
+                                            <a:latin typeface="Cambria Math" panose="02040503050406030204" pitchFamily="18" charset="0"/>
+                                          </a:rPr>
+                                          <m:t>𝑗</m:t>
+                                        </m:r>
+                                        <m:r>
+                                          <a:rPr lang="en-US" altLang="ko-KR" sz="2000" i="1">
+                                            <a:solidFill>
+                                              <a:schemeClr val="tx1"/>
+                                            </a:solidFill>
+                                            <a:latin typeface="Cambria Math" panose="02040503050406030204" pitchFamily="18" charset="0"/>
+                                          </a:rPr>
+                                          <m:t>=1</m:t>
+                                        </m:r>
+                                      </m:sub>
+                                      <m:sup>
+                                        <m:r>
+                                          <a:rPr lang="en-US" altLang="ko-KR" sz="2000" i="1">
+                                            <a:solidFill>
+                                              <a:schemeClr val="tx1"/>
+                                            </a:solidFill>
+                                            <a:latin typeface="Cambria Math" panose="02040503050406030204" pitchFamily="18" charset="0"/>
+                                          </a:rPr>
+                                          <m:t>𝑐</m:t>
+                                        </m:r>
+                                      </m:sup>
+                                      <m:e>
+                                        <m:sSup>
+                                          <m:sSupPr>
+                                            <m:ctrlPr>
+                                              <a:rPr lang="en-US" altLang="ko-KR" sz="2000" i="1">
+                                                <a:solidFill>
+                                                  <a:schemeClr val="tx1"/>
+                                                </a:solidFill>
+                                                <a:latin typeface="Cambria Math" panose="02040503050406030204" pitchFamily="18" charset="0"/>
+                                              </a:rPr>
+                                            </m:ctrlPr>
+                                          </m:sSupPr>
+                                          <m:e>
+                                            <m:d>
+                                              <m:dPr>
+                                                <m:ctrlPr>
+                                                  <a:rPr lang="en-US" altLang="ko-KR" sz="2000" i="1">
+                                                    <a:solidFill>
+                                                      <a:schemeClr val="tx1"/>
+                                                    </a:solidFill>
+                                                    <a:latin typeface="Cambria Math" panose="02040503050406030204" pitchFamily="18" charset="0"/>
+                                                  </a:rPr>
+                                                </m:ctrlPr>
+                                              </m:dPr>
+                                              <m:e>
+                                                <m:sSub>
+                                                  <m:sSubPr>
+                                                    <m:ctrlPr>
+                                                      <a:rPr lang="ko-KR" altLang="en-US" sz="2000" i="1">
+                                                        <a:solidFill>
+                                                          <a:schemeClr val="tx1"/>
+                                                        </a:solidFill>
+                                                        <a:latin typeface="Cambria Math" panose="02040503050406030204" pitchFamily="18" charset="0"/>
+                                                      </a:rPr>
+                                                    </m:ctrlPr>
+                                                  </m:sSubPr>
+                                                  <m:e>
+                                                    <m:r>
+                                                      <a:rPr lang="en-US" altLang="ko-KR" sz="2000" i="1">
+                                                        <a:solidFill>
+                                                          <a:schemeClr val="tx1"/>
+                                                        </a:solidFill>
+                                                        <a:latin typeface="Cambria Math" panose="02040503050406030204" pitchFamily="18" charset="0"/>
+                                                      </a:rPr>
+                                                      <m:t>𝑥</m:t>
+                                                    </m:r>
+                                                  </m:e>
+                                                  <m:sub>
+                                                    <m:r>
+                                                      <a:rPr lang="en-US" altLang="ko-KR" sz="2000" i="1">
+                                                        <a:solidFill>
+                                                          <a:schemeClr val="tx1"/>
+                                                        </a:solidFill>
+                                                        <a:latin typeface="Cambria Math" panose="02040503050406030204" pitchFamily="18" charset="0"/>
+                                                      </a:rPr>
+                                                      <m:t>𝑖𝑗𝑘</m:t>
+                                                    </m:r>
+                                                  </m:sub>
+                                                </m:sSub>
+                                                <m:r>
+                                                  <a:rPr lang="en-US" altLang="ko-KR" sz="2000" i="1">
+                                                    <a:solidFill>
+                                                      <a:schemeClr val="tx1"/>
+                                                    </a:solidFill>
+                                                    <a:latin typeface="Cambria Math" panose="02040503050406030204" pitchFamily="18" charset="0"/>
+                                                  </a:rPr>
+                                                  <m:t>−</m:t>
+                                                </m:r>
+                                                <m:bar>
+                                                  <m:barPr>
+                                                    <m:pos m:val="top"/>
+                                                    <m:ctrlPr>
+                                                      <a:rPr lang="en-US" altLang="ko-KR" sz="2000" i="1">
+                                                        <a:solidFill>
+                                                          <a:schemeClr val="tx1"/>
+                                                        </a:solidFill>
+                                                        <a:latin typeface="Cambria Math" panose="02040503050406030204" pitchFamily="18" charset="0"/>
+                                                      </a:rPr>
+                                                    </m:ctrlPr>
+                                                  </m:barPr>
+                                                  <m:e>
+                                                    <m:sSub>
+                                                      <m:sSubPr>
+                                                        <m:ctrlPr>
+                                                          <a:rPr lang="ko-KR" altLang="en-US" sz="2000" i="1">
+                                                            <a:solidFill>
+                                                              <a:schemeClr val="tx1"/>
+                                                            </a:solidFill>
+                                                            <a:latin typeface="Cambria Math" panose="02040503050406030204" pitchFamily="18" charset="0"/>
+                                                          </a:rPr>
+                                                        </m:ctrlPr>
+                                                      </m:sSubPr>
+                                                      <m:e>
+                                                        <m:r>
+                                                          <a:rPr lang="en-US" altLang="ko-KR" sz="2000" i="1">
+                                                            <a:solidFill>
+                                                              <a:schemeClr val="tx1"/>
+                                                            </a:solidFill>
+                                                            <a:latin typeface="Cambria Math" panose="02040503050406030204" pitchFamily="18" charset="0"/>
+                                                          </a:rPr>
+                                                          <m:t>𝑥</m:t>
+                                                        </m:r>
+                                                      </m:e>
+                                                      <m:sub>
+                                                        <m:r>
+                                                          <a:rPr lang="en-US" altLang="ko-KR" sz="2000" i="1">
+                                                            <a:solidFill>
+                                                              <a:schemeClr val="tx1"/>
+                                                            </a:solidFill>
+                                                            <a:latin typeface="Cambria Math" panose="02040503050406030204" pitchFamily="18" charset="0"/>
+                                                          </a:rPr>
+                                                          <m:t>𝑖𝑗</m:t>
+                                                        </m:r>
+                                                      </m:sub>
+                                                    </m:sSub>
+                                                  </m:e>
+                                                </m:bar>
+                                              </m:e>
+                                            </m:d>
+                                          </m:e>
+                                          <m:sup>
+                                            <m:r>
+                                              <a:rPr lang="en-US" altLang="ko-KR" sz="2000" i="1">
+                                                <a:solidFill>
+                                                  <a:schemeClr val="tx1"/>
+                                                </a:solidFill>
+                                                <a:latin typeface="Cambria Math" panose="02040503050406030204" pitchFamily="18" charset="0"/>
+                                              </a:rPr>
+                                              <m:t>2</m:t>
+                                            </m:r>
+                                          </m:sup>
+                                        </m:sSup>
+                                      </m:e>
+                                    </m:nary>
+                                  </m:e>
+                                </m:nary>
+                              </m:e>
+                            </m:nary>
+                          </m:num>
+                          <m:den>
+                            <m:r>
+                              <a:rPr lang="en-US" altLang="ko-KR" sz="2000" b="0" i="1" smtClean="0">
+                                <a:solidFill>
+                                  <a:schemeClr val="tx1"/>
+                                </a:solidFill>
+                                <a:latin typeface="Cambria Math" panose="02040503050406030204" pitchFamily="18" charset="0"/>
+                              </a:rPr>
+                              <m:t>𝑎𝑏</m:t>
+                            </m:r>
+                            <m:r>
+                              <a:rPr lang="en-US" altLang="ko-KR" sz="2000" b="0" i="1" smtClean="0">
+                                <a:solidFill>
+                                  <a:schemeClr val="tx1"/>
+                                </a:solidFill>
+                                <a:latin typeface="Cambria Math" panose="02040503050406030204" pitchFamily="18" charset="0"/>
+                              </a:rPr>
+                              <m:t>(</m:t>
+                            </m:r>
+                            <m:r>
+                              <a:rPr lang="en-US" altLang="ko-KR" sz="2000" b="0" i="1" smtClean="0">
+                                <a:solidFill>
+                                  <a:schemeClr val="tx1"/>
+                                </a:solidFill>
+                                <a:latin typeface="Cambria Math" panose="02040503050406030204" pitchFamily="18" charset="0"/>
+                              </a:rPr>
+                              <m:t>𝑐</m:t>
+                            </m:r>
+                            <m:r>
+                              <a:rPr lang="en-US" altLang="ko-KR" sz="2000" b="0" i="1" smtClean="0">
+                                <a:solidFill>
+                                  <a:schemeClr val="tx1"/>
+                                </a:solidFill>
+                                <a:latin typeface="Cambria Math" panose="02040503050406030204" pitchFamily="18" charset="0"/>
+                              </a:rPr>
+                              <m:t>−1)</m:t>
+                            </m:r>
+                          </m:den>
+                        </m:f>
+                      </m:den>
+                    </m:f>
+                  </m:oMath>
+                </a14:m>
+                <a:r>
+                  <a:rPr lang="en-US" altLang="ko-KR" sz="2000" dirty="0">
+                    <a:latin typeface="Cambria Math" panose="02040503050406030204" pitchFamily="18" charset="0"/>
+                  </a:rPr>
+                  <a:t> </a:t>
+                </a:r>
+                <a:r>
+                  <a:rPr lang="ko-KR" altLang="en-US" sz="2000" dirty="0">
+                    <a:latin typeface="Cambria Math" panose="02040503050406030204" pitchFamily="18" charset="0"/>
+                  </a:rPr>
+                  <a:t>이고</a:t>
+                </a:r>
+                <a:r>
+                  <a:rPr lang="en-US" altLang="ko-KR" sz="2000" dirty="0">
+                    <a:latin typeface="Cambria Math" panose="02040503050406030204" pitchFamily="18" charset="0"/>
+                  </a:rPr>
+                  <a:t>, </a:t>
+                </a:r>
+                <a:r>
+                  <a:rPr lang="ko-KR" altLang="en-US" sz="2000" dirty="0">
+                    <a:latin typeface="Cambria Math" panose="02040503050406030204" pitchFamily="18" charset="0"/>
+                  </a:rPr>
+                  <a:t>이는 </a:t>
+                </a:r>
+                <a:r>
+                  <a:rPr lang="en-US" altLang="ko-KR" sz="2000" dirty="0">
+                    <a:latin typeface="Cambria Math" panose="02040503050406030204" pitchFamily="18" charset="0"/>
+                  </a:rPr>
+                  <a:t>F[(a-1)(b-1),ab(c-1),</a:t>
+                </a:r>
+                <a14:m>
+                  <m:oMath xmlns:m="http://schemas.openxmlformats.org/officeDocument/2006/math">
+                    <m:r>
+                      <a:rPr lang="en-US" altLang="ko-KR" sz="2000" b="0" i="1" smtClean="0">
+                        <a:latin typeface="Cambria Math" panose="02040503050406030204" pitchFamily="18" charset="0"/>
+                      </a:rPr>
+                      <m:t> </m:t>
+                    </m:r>
+                    <m:f>
+                      <m:fPr>
+                        <m:ctrlPr>
+                          <a:rPr lang="en-US" altLang="ko-KR" sz="2000" b="0" i="1" smtClean="0">
+                            <a:latin typeface="Cambria Math" panose="02040503050406030204" pitchFamily="18" charset="0"/>
+                          </a:rPr>
+                        </m:ctrlPr>
+                      </m:fPr>
+                      <m:num>
+                        <m:r>
+                          <m:rPr>
+                            <m:sty m:val="p"/>
+                          </m:rPr>
+                          <a:rPr lang="en-US" altLang="ko-KR" sz="2000">
+                            <a:latin typeface="Cambria Math" panose="02040503050406030204" pitchFamily="18" charset="0"/>
+                          </a:rPr>
+                          <m:t>c</m:t>
+                        </m:r>
+                        <m:r>
+                          <a:rPr lang="en-US" altLang="ko-KR" sz="2000">
+                            <a:latin typeface="Cambria Math" panose="02040503050406030204" pitchFamily="18" charset="0"/>
+                          </a:rPr>
+                          <m:t>−</m:t>
+                        </m:r>
+                        <m:nary>
+                          <m:naryPr>
+                            <m:chr m:val="∑"/>
+                            <m:subHide m:val="on"/>
+                            <m:supHide m:val="on"/>
+                            <m:ctrlPr>
+                              <a:rPr lang="en-US" altLang="ko-KR" sz="2000" i="1" smtClean="0">
+                                <a:latin typeface="Cambria Math" panose="02040503050406030204" pitchFamily="18" charset="0"/>
+                              </a:rPr>
+                            </m:ctrlPr>
+                          </m:naryPr>
+                          <m:sub/>
+                          <m:sup/>
+                          <m:e>
+                            <m:nary>
+                              <m:naryPr>
+                                <m:chr m:val="∑"/>
+                                <m:subHide m:val="on"/>
+                                <m:supHide m:val="on"/>
+                                <m:ctrlPr>
+                                  <a:rPr lang="en-US" altLang="ko-KR" sz="2000" i="1">
+                                    <a:latin typeface="Cambria Math" panose="02040503050406030204" pitchFamily="18" charset="0"/>
+                                  </a:rPr>
+                                </m:ctrlPr>
+                              </m:naryPr>
+                              <m:sub/>
+                              <m:sup/>
+                              <m:e>
+                                <m:sSup>
+                                  <m:sSupPr>
+                                    <m:ctrlPr>
+                                      <a:rPr lang="en-US" altLang="ko-KR" sz="2000" i="1" smtClean="0">
+                                        <a:latin typeface="Cambria Math" panose="02040503050406030204" pitchFamily="18" charset="0"/>
+                                      </a:rPr>
+                                    </m:ctrlPr>
+                                  </m:sSupPr>
+                                  <m:e>
+                                    <m:sSub>
+                                      <m:sSubPr>
+                                        <m:ctrlPr>
+                                          <a:rPr lang="en-US" altLang="ko-KR" sz="2000" i="1">
+                                            <a:latin typeface="Cambria Math" panose="02040503050406030204" pitchFamily="18" charset="0"/>
+                                          </a:rPr>
+                                        </m:ctrlPr>
+                                      </m:sSubPr>
+                                      <m:e>
+                                        <m:r>
+                                          <a:rPr lang="ko-KR" altLang="en-US" sz="2000" i="1">
+                                            <a:latin typeface="Cambria Math" panose="02040503050406030204" pitchFamily="18" charset="0"/>
+                                          </a:rPr>
+                                          <m:t>𝛾</m:t>
+                                        </m:r>
+                                      </m:e>
+                                      <m:sub>
+                                        <m:r>
+                                          <a:rPr lang="en-US" altLang="ko-KR" sz="2000" i="1">
+                                            <a:latin typeface="Cambria Math" panose="02040503050406030204" pitchFamily="18" charset="0"/>
+                                          </a:rPr>
+                                          <m:t>𝑖𝑗</m:t>
+                                        </m:r>
+                                      </m:sub>
+                                    </m:sSub>
+                                  </m:e>
+                                  <m:sup>
+                                    <m:r>
+                                      <a:rPr lang="en-US" altLang="ko-KR" sz="2000" b="0" i="1" smtClean="0">
+                                        <a:latin typeface="Cambria Math" panose="02040503050406030204" pitchFamily="18" charset="0"/>
+                                      </a:rPr>
+                                      <m:t>2</m:t>
+                                    </m:r>
+                                  </m:sup>
+                                </m:sSup>
+                              </m:e>
+                            </m:nary>
+                          </m:e>
+                        </m:nary>
+                      </m:num>
+                      <m:den>
+                        <m:sSup>
+                          <m:sSupPr>
+                            <m:ctrlPr>
+                              <a:rPr lang="en-US" altLang="ko-KR" sz="2000" i="1" smtClean="0">
+                                <a:latin typeface="Cambria Math" panose="02040503050406030204" pitchFamily="18" charset="0"/>
+                              </a:rPr>
+                            </m:ctrlPr>
+                          </m:sSupPr>
+                          <m:e>
+                            <m:r>
+                              <a:rPr lang="ko-KR" altLang="en-US" sz="2000" i="1">
+                                <a:latin typeface="Cambria Math" panose="02040503050406030204" pitchFamily="18" charset="0"/>
+                              </a:rPr>
+                              <m:t>𝜎</m:t>
+                            </m:r>
+                          </m:e>
+                          <m:sup>
+                            <m:r>
+                              <a:rPr lang="en-US" altLang="ko-KR" sz="2000" b="0" i="1" smtClean="0">
+                                <a:latin typeface="Cambria Math" panose="02040503050406030204" pitchFamily="18" charset="0"/>
+                              </a:rPr>
+                              <m:t>2</m:t>
+                            </m:r>
+                          </m:sup>
+                        </m:sSup>
+                      </m:den>
+                    </m:f>
+                  </m:oMath>
+                </a14:m>
+                <a:r>
+                  <a:rPr lang="en-US" altLang="ko-KR" sz="2000" dirty="0">
+                    <a:latin typeface="Cambria Math" panose="02040503050406030204" pitchFamily="18" charset="0"/>
+                  </a:rPr>
+                  <a:t>] </a:t>
+                </a:r>
+                <a:r>
+                  <a:rPr lang="ko-KR" altLang="en-US" sz="2000" dirty="0">
+                    <a:latin typeface="Cambria Math" panose="02040503050406030204" pitchFamily="18" charset="0"/>
+                  </a:rPr>
+                  <a:t>을 따른다</a:t>
+                </a:r>
+                <a:r>
+                  <a:rPr lang="en-US" altLang="ko-KR" sz="2000" dirty="0">
+                    <a:latin typeface="Cambria Math" panose="02040503050406030204" pitchFamily="18" charset="0"/>
+                  </a:rPr>
+                  <a:t>.</a:t>
+                </a:r>
+              </a:p>
+              <a:p>
+                <a:pPr marL="457200" indent="-457200">
+                  <a:buAutoNum type="arabicParenR"/>
+                </a:pPr>
+                <a:r>
+                  <a:rPr lang="ko-KR" altLang="en-US" sz="2000" dirty="0">
+                    <a:latin typeface="Cambria Math" panose="02040503050406030204" pitchFamily="18" charset="0"/>
+                  </a:rPr>
+                  <a:t>이 때</a:t>
+                </a:r>
+                <a:r>
+                  <a:rPr lang="en-US" altLang="ko-KR" sz="2000" dirty="0">
+                    <a:latin typeface="Cambria Math" panose="02040503050406030204" pitchFamily="18" charset="0"/>
+                  </a:rPr>
+                  <a:t>, </a:t>
+                </a:r>
+                <a:r>
+                  <a:rPr lang="ko-KR" altLang="en-US" sz="2000" dirty="0" err="1">
+                    <a:latin typeface="Cambria Math" panose="02040503050406030204" pitchFamily="18" charset="0"/>
+                  </a:rPr>
+                  <a:t>검정통계량</a:t>
+                </a:r>
+                <a:r>
+                  <a:rPr lang="ko-KR" altLang="en-US" sz="2000" dirty="0">
+                    <a:latin typeface="Cambria Math" panose="02040503050406030204" pitchFamily="18" charset="0"/>
+                  </a:rPr>
+                  <a:t> </a:t>
+                </a:r>
+                <a14:m>
+                  <m:oMath xmlns:m="http://schemas.openxmlformats.org/officeDocument/2006/math">
+                    <m:sSub>
+                      <m:sSubPr>
+                        <m:ctrlPr>
+                          <a:rPr lang="en-US" altLang="ko-KR" sz="2000" i="1">
+                            <a:latin typeface="Cambria Math" panose="02040503050406030204" pitchFamily="18" charset="0"/>
+                          </a:rPr>
+                        </m:ctrlPr>
+                      </m:sSubPr>
+                      <m:e>
+                        <m:r>
+                          <a:rPr lang="en-US" altLang="ko-KR" sz="2000" b="0" i="1" smtClean="0">
+                            <a:latin typeface="Cambria Math" panose="02040503050406030204" pitchFamily="18" charset="0"/>
+                          </a:rPr>
+                          <m:t>𝑃</m:t>
+                        </m:r>
+                      </m:e>
+                      <m:sub>
+                        <m:sSub>
+                          <m:sSubPr>
+                            <m:ctrlPr>
+                              <a:rPr lang="en-US" altLang="ko-KR" sz="2000" i="1">
+                                <a:latin typeface="Cambria Math" panose="02040503050406030204" pitchFamily="18" charset="0"/>
+                              </a:rPr>
+                            </m:ctrlPr>
+                          </m:sSubPr>
+                          <m:e>
+                            <m:r>
+                              <a:rPr lang="en-US" altLang="ko-KR" sz="2000" i="1">
+                                <a:latin typeface="Cambria Math" panose="02040503050406030204" pitchFamily="18" charset="0"/>
+                              </a:rPr>
+                              <m:t>𝐻</m:t>
+                            </m:r>
+                          </m:e>
+                          <m:sub>
+                            <m:r>
+                              <a:rPr lang="en-US" altLang="ko-KR" sz="2000" b="0" i="1" smtClean="0">
+                                <a:latin typeface="Cambria Math" panose="02040503050406030204" pitchFamily="18" charset="0"/>
+                              </a:rPr>
+                              <m:t>1</m:t>
+                            </m:r>
+                          </m:sub>
+                        </m:sSub>
+                      </m:sub>
+                    </m:sSub>
+                    <m:d>
+                      <m:dPr>
+                        <m:begChr m:val="["/>
+                        <m:endChr m:val="]"/>
+                        <m:ctrlPr>
+                          <a:rPr lang="en-US" altLang="ko-KR" sz="2000" b="0" i="1" smtClean="0">
+                            <a:latin typeface="Cambria Math" panose="02040503050406030204" pitchFamily="18" charset="0"/>
+                          </a:rPr>
+                        </m:ctrlPr>
+                      </m:dPr>
+                      <m:e>
+                        <m:sSup>
+                          <m:sSupPr>
+                            <m:ctrlPr>
+                              <a:rPr lang="en-US" altLang="ko-KR" sz="2000" i="1">
+                                <a:latin typeface="Cambria Math" panose="02040503050406030204" pitchFamily="18" charset="0"/>
+                              </a:rPr>
+                            </m:ctrlPr>
+                          </m:sSupPr>
+                          <m:e>
+                            <m:d>
+                              <m:dPr>
+                                <m:ctrlPr>
+                                  <a:rPr lang="en-US" altLang="ko-KR" sz="2000" i="1">
+                                    <a:latin typeface="Cambria Math" panose="02040503050406030204" pitchFamily="18" charset="0"/>
+                                  </a:rPr>
+                                </m:ctrlPr>
+                              </m:dPr>
+                              <m:e>
+                                <m:r>
+                                  <a:rPr lang="en-US" altLang="ko-KR" sz="2000">
+                                    <a:latin typeface="Cambria Math" panose="02040503050406030204" pitchFamily="18" charset="0"/>
+                                  </a:rPr>
+                                  <m:t>∧</m:t>
+                                </m:r>
+                              </m:e>
+                            </m:d>
+                          </m:e>
+                          <m:sup>
+                            <m:f>
+                              <m:fPr>
+                                <m:ctrlPr>
+                                  <a:rPr lang="en-US" altLang="ko-KR" sz="2000" i="1">
+                                    <a:latin typeface="Cambria Math" panose="02040503050406030204" pitchFamily="18" charset="0"/>
+                                  </a:rPr>
+                                </m:ctrlPr>
+                              </m:fPr>
+                              <m:num>
+                                <m:r>
+                                  <m:rPr>
+                                    <m:sty m:val="p"/>
+                                  </m:rPr>
+                                  <a:rPr lang="en-US" altLang="ko-KR" sz="2000">
+                                    <a:latin typeface="Cambria Math" panose="02040503050406030204" pitchFamily="18" charset="0"/>
+                                  </a:rPr>
+                                  <m:t>ab</m:t>
+                                </m:r>
+                                <m:r>
+                                  <a:rPr lang="en-US" altLang="ko-KR" sz="2000" i="1">
+                                    <a:latin typeface="Cambria Math" panose="02040503050406030204" pitchFamily="18" charset="0"/>
+                                  </a:rPr>
+                                  <m:t>𝑐</m:t>
+                                </m:r>
+                              </m:num>
+                              <m:den>
+                                <m:r>
+                                  <a:rPr lang="en-US" altLang="ko-KR" sz="2000">
+                                    <a:latin typeface="Cambria Math" panose="02040503050406030204" pitchFamily="18" charset="0"/>
+                                  </a:rPr>
+                                  <m:t>2</m:t>
+                                </m:r>
+                              </m:den>
+                            </m:f>
+                          </m:sup>
+                        </m:sSup>
+                        <m:r>
+                          <a:rPr lang="en-US" altLang="ko-KR" sz="2000" b="0" i="1" smtClean="0">
+                            <a:latin typeface="Cambria Math" panose="02040503050406030204" pitchFamily="18" charset="0"/>
+                          </a:rPr>
+                          <m:t>≥</m:t>
+                        </m:r>
+                        <m:r>
+                          <a:rPr lang="en-US" altLang="ko-KR" sz="2000" b="0" i="1" smtClean="0">
+                            <a:latin typeface="Cambria Math" panose="02040503050406030204" pitchFamily="18" charset="0"/>
+                          </a:rPr>
+                          <m:t>𝑐</m:t>
+                        </m:r>
+                      </m:e>
+                    </m:d>
+                  </m:oMath>
+                </a14:m>
+                <a:r>
+                  <a:rPr lang="ko-KR" altLang="en-US" sz="2000" dirty="0">
+                    <a:latin typeface="Cambria Math" panose="02040503050406030204" pitchFamily="18" charset="0"/>
+                  </a:rPr>
+                  <a:t>는</a:t>
+                </a:r>
+                <a:endParaRPr lang="en-US" altLang="ko-KR" sz="2000" dirty="0">
+                  <a:latin typeface="Cambria Math" panose="02040503050406030204" pitchFamily="18" charset="0"/>
+                </a:endParaRPr>
+              </a:p>
+              <a:p>
+                <a:pPr marL="0" indent="0">
+                  <a:buNone/>
+                </a:pPr>
+                <a:r>
+                  <a:rPr lang="en-US" altLang="ko-KR" sz="2000" dirty="0">
+                    <a:latin typeface="Cambria Math" panose="02040503050406030204" pitchFamily="18" charset="0"/>
+                  </a:rPr>
+                  <a:t>(1) F = </a:t>
+                </a:r>
+                <a14:m>
+                  <m:oMath xmlns:m="http://schemas.openxmlformats.org/officeDocument/2006/math">
+                    <m:f>
+                      <m:fPr>
+                        <m:ctrlPr>
+                          <a:rPr lang="en-US" altLang="ko-KR" sz="2000" i="1">
+                            <a:latin typeface="Cambria Math" panose="02040503050406030204" pitchFamily="18" charset="0"/>
+                          </a:rPr>
+                        </m:ctrlPr>
+                      </m:fPr>
+                      <m:num>
+                        <m:f>
+                          <m:fPr>
+                            <m:type m:val="skw"/>
+                            <m:ctrlPr>
+                              <a:rPr lang="en-US" altLang="ko-KR" sz="2000" i="1">
+                                <a:latin typeface="Cambria Math" panose="02040503050406030204" pitchFamily="18" charset="0"/>
+                              </a:rPr>
+                            </m:ctrlPr>
+                          </m:fPr>
+                          <m:num>
+                            <m:r>
+                              <a:rPr lang="en-US" altLang="ko-KR" sz="2000" b="0" i="1" smtClean="0">
+                                <a:latin typeface="Cambria Math" panose="02040503050406030204" pitchFamily="18" charset="0"/>
+                              </a:rPr>
+                              <m:t>𝑏</m:t>
+                            </m:r>
+                            <m:nary>
+                              <m:naryPr>
+                                <m:chr m:val="∑"/>
+                                <m:ctrlPr>
+                                  <a:rPr lang="en-US" altLang="ko-KR" sz="2000" i="1">
+                                    <a:latin typeface="Cambria Math" panose="02040503050406030204" pitchFamily="18" charset="0"/>
+                                  </a:rPr>
+                                </m:ctrlPr>
+                              </m:naryPr>
+                              <m:sub>
+                                <m:r>
+                                  <a:rPr lang="en-US" altLang="ko-KR" sz="2000" i="1">
+                                    <a:latin typeface="Cambria Math" panose="02040503050406030204" pitchFamily="18" charset="0"/>
+                                  </a:rPr>
+                                  <m:t>𝑖</m:t>
+                                </m:r>
+                                <m:r>
+                                  <a:rPr lang="en-US" altLang="ko-KR" sz="2000" i="1">
+                                    <a:latin typeface="Cambria Math" panose="02040503050406030204" pitchFamily="18" charset="0"/>
+                                  </a:rPr>
+                                  <m:t>=1</m:t>
+                                </m:r>
+                              </m:sub>
+                              <m:sup>
+                                <m:r>
+                                  <a:rPr lang="en-US" altLang="ko-KR" sz="2000" i="1">
+                                    <a:latin typeface="Cambria Math" panose="02040503050406030204" pitchFamily="18" charset="0"/>
+                                  </a:rPr>
+                                  <m:t>𝑎</m:t>
+                                </m:r>
+                              </m:sup>
+                              <m:e>
+                                <m:nary>
+                                  <m:naryPr>
+                                    <m:chr m:val="∑"/>
+                                    <m:ctrlPr>
+                                      <a:rPr lang="en-US" altLang="ko-KR" sz="2000" i="1">
+                                        <a:latin typeface="Cambria Math" panose="02040503050406030204" pitchFamily="18" charset="0"/>
+                                      </a:rPr>
+                                    </m:ctrlPr>
+                                  </m:naryPr>
+                                  <m:sub>
+                                    <m:r>
+                                      <m:rPr>
+                                        <m:brk m:alnAt="23"/>
+                                      </m:rPr>
+                                      <a:rPr lang="en-US" altLang="ko-KR" sz="2000" i="1">
+                                        <a:latin typeface="Cambria Math" panose="02040503050406030204" pitchFamily="18" charset="0"/>
+                                      </a:rPr>
+                                      <m:t>𝑗</m:t>
+                                    </m:r>
+                                    <m:r>
+                                      <a:rPr lang="en-US" altLang="ko-KR" sz="2000" i="1">
+                                        <a:latin typeface="Cambria Math" panose="02040503050406030204" pitchFamily="18" charset="0"/>
+                                      </a:rPr>
+                                      <m:t>=1</m:t>
+                                    </m:r>
+                                  </m:sub>
+                                  <m:sup>
+                                    <m:r>
+                                      <a:rPr lang="en-US" altLang="ko-KR" sz="2000" i="1">
+                                        <a:latin typeface="Cambria Math" panose="02040503050406030204" pitchFamily="18" charset="0"/>
+                                      </a:rPr>
+                                      <m:t>𝑏</m:t>
+                                    </m:r>
+                                  </m:sup>
+                                  <m:e>
+                                    <m:sSup>
+                                      <m:sSupPr>
+                                        <m:ctrlPr>
+                                          <a:rPr lang="en-US" altLang="ko-KR" sz="2000" i="1">
+                                            <a:latin typeface="Cambria Math" panose="02040503050406030204" pitchFamily="18" charset="0"/>
+                                          </a:rPr>
+                                        </m:ctrlPr>
+                                      </m:sSupPr>
+                                      <m:e>
+                                        <m:d>
+                                          <m:dPr>
+                                            <m:ctrlPr>
+                                              <a:rPr lang="en-US" altLang="ko-KR" sz="2000" i="1">
+                                                <a:latin typeface="Cambria Math" panose="02040503050406030204" pitchFamily="18" charset="0"/>
+                                              </a:rPr>
+                                            </m:ctrlPr>
+                                          </m:dPr>
+                                          <m:e>
+                                            <m:sSub>
+                                              <m:sSubPr>
+                                                <m:ctrlPr>
+                                                  <a:rPr lang="ko-KR" altLang="en-US" sz="2000" i="1">
+                                                    <a:latin typeface="Cambria Math" panose="02040503050406030204" pitchFamily="18" charset="0"/>
+                                                  </a:rPr>
+                                                </m:ctrlPr>
+                                              </m:sSubPr>
+                                              <m:e>
+                                                <m:bar>
+                                                  <m:barPr>
+                                                    <m:pos m:val="top"/>
+                                                    <m:ctrlPr>
+                                                      <a:rPr lang="en-US" altLang="ko-KR" sz="2000" i="1">
+                                                        <a:latin typeface="Cambria Math" panose="02040503050406030204" pitchFamily="18" charset="0"/>
+                                                      </a:rPr>
+                                                    </m:ctrlPr>
+                                                  </m:barPr>
+                                                  <m:e>
+                                                    <m:r>
+                                                      <a:rPr lang="en-US" altLang="ko-KR" sz="2000" i="1">
+                                                        <a:latin typeface="Cambria Math" panose="02040503050406030204" pitchFamily="18" charset="0"/>
+                                                      </a:rPr>
+                                                      <m:t>𝑥</m:t>
+                                                    </m:r>
+                                                  </m:e>
+                                                </m:bar>
+                                              </m:e>
+                                              <m:sub>
+                                                <m:r>
+                                                  <a:rPr lang="en-US" altLang="ko-KR" sz="2000" i="1">
+                                                    <a:latin typeface="Cambria Math" panose="02040503050406030204" pitchFamily="18" charset="0"/>
+                                                  </a:rPr>
+                                                  <m:t>𝑖𝑗</m:t>
+                                                </m:r>
+                                              </m:sub>
+                                            </m:sSub>
+                                            <m:r>
+                                              <a:rPr lang="en-US" altLang="ko-KR" sz="2000" i="1">
+                                                <a:latin typeface="Cambria Math" panose="02040503050406030204" pitchFamily="18" charset="0"/>
+                                              </a:rPr>
+                                              <m:t>−</m:t>
+                                            </m:r>
+                                            <m:sSub>
+                                              <m:sSubPr>
+                                                <m:ctrlPr>
+                                                  <a:rPr lang="ko-KR" altLang="en-US" sz="2000" i="1">
+                                                    <a:latin typeface="Cambria Math" panose="02040503050406030204" pitchFamily="18" charset="0"/>
+                                                  </a:rPr>
+                                                </m:ctrlPr>
+                                              </m:sSubPr>
+                                              <m:e>
+                                                <m:bar>
+                                                  <m:barPr>
+                                                    <m:pos m:val="top"/>
+                                                    <m:ctrlPr>
+                                                      <a:rPr lang="en-US" altLang="ko-KR" sz="2000" i="1">
+                                                        <a:latin typeface="Cambria Math" panose="02040503050406030204" pitchFamily="18" charset="0"/>
+                                                      </a:rPr>
+                                                    </m:ctrlPr>
+                                                  </m:barPr>
+                                                  <m:e>
+                                                    <m:r>
+                                                      <a:rPr lang="en-US" altLang="ko-KR" sz="2000" i="1">
+                                                        <a:latin typeface="Cambria Math" panose="02040503050406030204" pitchFamily="18" charset="0"/>
+                                                      </a:rPr>
+                                                      <m:t>𝑥</m:t>
+                                                    </m:r>
+                                                  </m:e>
+                                                </m:bar>
+                                              </m:e>
+                                              <m:sub>
+                                                <m:r>
+                                                  <a:rPr lang="en-US" altLang="ko-KR" sz="2000" i="1">
+                                                    <a:latin typeface="Cambria Math" panose="02040503050406030204" pitchFamily="18" charset="0"/>
+                                                  </a:rPr>
+                                                  <m:t>𝑖</m:t>
+                                                </m:r>
+                                              </m:sub>
+                                            </m:sSub>
+                                            <m:r>
+                                              <a:rPr lang="en-US" altLang="ko-KR" sz="2000">
+                                                <a:latin typeface="Cambria Math" panose="02040503050406030204" pitchFamily="18" charset="0"/>
+                                              </a:rPr>
+                                              <m:t>−</m:t>
+                                            </m:r>
+                                            <m:sSub>
+                                              <m:sSubPr>
+                                                <m:ctrlPr>
+                                                  <a:rPr lang="ko-KR" altLang="en-US" sz="2000" i="1">
+                                                    <a:latin typeface="Cambria Math" panose="02040503050406030204" pitchFamily="18" charset="0"/>
+                                                  </a:rPr>
+                                                </m:ctrlPr>
+                                              </m:sSubPr>
+                                              <m:e>
+                                                <m:bar>
+                                                  <m:barPr>
+                                                    <m:pos m:val="top"/>
+                                                    <m:ctrlPr>
+                                                      <a:rPr lang="en-US" altLang="ko-KR" sz="2000" i="1">
+                                                        <a:latin typeface="Cambria Math" panose="02040503050406030204" pitchFamily="18" charset="0"/>
+                                                      </a:rPr>
+                                                    </m:ctrlPr>
+                                                  </m:barPr>
+                                                  <m:e>
+                                                    <m:r>
+                                                      <a:rPr lang="en-US" altLang="ko-KR" sz="2000" i="1">
+                                                        <a:latin typeface="Cambria Math" panose="02040503050406030204" pitchFamily="18" charset="0"/>
+                                                      </a:rPr>
+                                                      <m:t>𝑥</m:t>
+                                                    </m:r>
+                                                  </m:e>
+                                                </m:bar>
+                                              </m:e>
+                                              <m:sub>
+                                                <m:r>
+                                                  <a:rPr lang="en-US" altLang="ko-KR" sz="2000" i="1">
+                                                    <a:latin typeface="Cambria Math" panose="02040503050406030204" pitchFamily="18" charset="0"/>
+                                                  </a:rPr>
+                                                  <m:t>𝑗</m:t>
+                                                </m:r>
+                                              </m:sub>
+                                            </m:sSub>
+                                            <m:r>
+                                              <a:rPr lang="en-US" altLang="ko-KR" sz="2000" i="1">
+                                                <a:latin typeface="Cambria Math" panose="02040503050406030204" pitchFamily="18" charset="0"/>
+                                              </a:rPr>
+                                              <m:t>+</m:t>
+                                            </m:r>
+                                            <m:bar>
+                                              <m:barPr>
+                                                <m:pos m:val="top"/>
+                                                <m:ctrlPr>
+                                                  <a:rPr lang="en-US" altLang="ko-KR" sz="2000" i="1">
+                                                    <a:latin typeface="Cambria Math" panose="02040503050406030204" pitchFamily="18" charset="0"/>
+                                                  </a:rPr>
+                                                </m:ctrlPr>
+                                              </m:barPr>
+                                              <m:e>
+                                                <m:r>
+                                                  <a:rPr lang="en-US" altLang="ko-KR" sz="2000" i="1">
+                                                    <a:latin typeface="Cambria Math" panose="02040503050406030204" pitchFamily="18" charset="0"/>
+                                                  </a:rPr>
+                                                  <m:t>𝑥</m:t>
+                                                </m:r>
+                                              </m:e>
+                                            </m:bar>
+                                          </m:e>
+                                        </m:d>
+                                      </m:e>
+                                      <m:sup>
+                                        <m:r>
+                                          <a:rPr lang="en-US" altLang="ko-KR" sz="2000" i="1">
+                                            <a:latin typeface="Cambria Math" panose="02040503050406030204" pitchFamily="18" charset="0"/>
+                                          </a:rPr>
+                                          <m:t>2</m:t>
+                                        </m:r>
+                                      </m:sup>
+                                    </m:sSup>
+                                  </m:e>
+                                </m:nary>
+                              </m:e>
+                            </m:nary>
+                          </m:num>
+                          <m:den>
+                            <m:d>
+                              <m:dPr>
+                                <m:ctrlPr>
+                                  <a:rPr lang="en-US" altLang="ko-KR" sz="2000" i="1">
+                                    <a:latin typeface="Cambria Math" panose="02040503050406030204" pitchFamily="18" charset="0"/>
+                                  </a:rPr>
+                                </m:ctrlPr>
+                              </m:dPr>
+                              <m:e>
+                                <m:r>
+                                  <a:rPr lang="en-US" altLang="ko-KR" sz="2000" i="1">
+                                    <a:latin typeface="Cambria Math" panose="02040503050406030204" pitchFamily="18" charset="0"/>
+                                  </a:rPr>
+                                  <m:t>𝑏</m:t>
+                                </m:r>
+                                <m:r>
+                                  <a:rPr lang="en-US" altLang="ko-KR" sz="2000" i="1">
+                                    <a:latin typeface="Cambria Math" panose="02040503050406030204" pitchFamily="18" charset="0"/>
+                                  </a:rPr>
+                                  <m:t>−1</m:t>
+                                </m:r>
+                              </m:e>
+                            </m:d>
+                          </m:den>
+                        </m:f>
+                      </m:num>
+                      <m:den>
+                        <m:f>
+                          <m:fPr>
+                            <m:type m:val="skw"/>
+                            <m:ctrlPr>
+                              <a:rPr lang="en-US" altLang="ko-KR" sz="2000" i="1">
+                                <a:latin typeface="Cambria Math" panose="02040503050406030204" pitchFamily="18" charset="0"/>
+                              </a:rPr>
+                            </m:ctrlPr>
+                          </m:fPr>
+                          <m:num>
+                            <m:nary>
+                              <m:naryPr>
+                                <m:chr m:val="∑"/>
+                                <m:ctrlPr>
+                                  <a:rPr lang="en-US" altLang="ko-KR" sz="2000" i="1">
+                                    <a:latin typeface="Cambria Math" panose="02040503050406030204" pitchFamily="18" charset="0"/>
+                                  </a:rPr>
+                                </m:ctrlPr>
+                              </m:naryPr>
+                              <m:sub>
+                                <m:r>
+                                  <m:rPr>
+                                    <m:brk m:alnAt="23"/>
+                                  </m:rPr>
+                                  <a:rPr lang="en-US" altLang="ko-KR" sz="2000" i="1">
+                                    <a:latin typeface="Cambria Math" panose="02040503050406030204" pitchFamily="18" charset="0"/>
+                                  </a:rPr>
+                                  <m:t>𝑖</m:t>
+                                </m:r>
+                                <m:r>
+                                  <a:rPr lang="en-US" altLang="ko-KR" sz="2000" i="1">
+                                    <a:latin typeface="Cambria Math" panose="02040503050406030204" pitchFamily="18" charset="0"/>
+                                  </a:rPr>
+                                  <m:t>=1</m:t>
+                                </m:r>
+                              </m:sub>
+                              <m:sup>
+                                <m:r>
+                                  <a:rPr lang="en-US" altLang="ko-KR" sz="2000" i="1">
+                                    <a:latin typeface="Cambria Math" panose="02040503050406030204" pitchFamily="18" charset="0"/>
+                                  </a:rPr>
+                                  <m:t>𝑎</m:t>
+                                </m:r>
+                              </m:sup>
+                              <m:e>
+                                <m:nary>
+                                  <m:naryPr>
+                                    <m:chr m:val="∑"/>
+                                    <m:ctrlPr>
+                                      <a:rPr lang="en-US" altLang="ko-KR" sz="2000" i="1">
+                                        <a:latin typeface="Cambria Math" panose="02040503050406030204" pitchFamily="18" charset="0"/>
+                                      </a:rPr>
+                                    </m:ctrlPr>
+                                  </m:naryPr>
+                                  <m:sub>
+                                    <m:r>
+                                      <m:rPr>
+                                        <m:brk m:alnAt="23"/>
+                                      </m:rPr>
+                                      <a:rPr lang="en-US" altLang="ko-KR" sz="2000" i="1">
+                                        <a:latin typeface="Cambria Math" panose="02040503050406030204" pitchFamily="18" charset="0"/>
+                                      </a:rPr>
+                                      <m:t>𝑗</m:t>
+                                    </m:r>
+                                    <m:r>
+                                      <a:rPr lang="en-US" altLang="ko-KR" sz="2000" i="1">
+                                        <a:latin typeface="Cambria Math" panose="02040503050406030204" pitchFamily="18" charset="0"/>
+                                      </a:rPr>
+                                      <m:t>=1</m:t>
+                                    </m:r>
+                                  </m:sub>
+                                  <m:sup>
+                                    <m:r>
+                                      <a:rPr lang="en-US" altLang="ko-KR" sz="2000" i="1">
+                                        <a:latin typeface="Cambria Math" panose="02040503050406030204" pitchFamily="18" charset="0"/>
+                                      </a:rPr>
+                                      <m:t>𝑏</m:t>
+                                    </m:r>
+                                  </m:sup>
+                                  <m:e>
+                                    <m:nary>
+                                      <m:naryPr>
+                                        <m:chr m:val="∑"/>
+                                        <m:ctrlPr>
+                                          <a:rPr lang="en-US" altLang="ko-KR" sz="2000" i="1">
+                                            <a:latin typeface="Cambria Math" panose="02040503050406030204" pitchFamily="18" charset="0"/>
+                                          </a:rPr>
+                                        </m:ctrlPr>
+                                      </m:naryPr>
+                                      <m:sub>
+                                        <m:r>
+                                          <m:rPr>
+                                            <m:brk m:alnAt="23"/>
+                                          </m:rPr>
+                                          <a:rPr lang="en-US" altLang="ko-KR" sz="2000" i="1">
+                                            <a:latin typeface="Cambria Math" panose="02040503050406030204" pitchFamily="18" charset="0"/>
+                                          </a:rPr>
+                                          <m:t>𝑗</m:t>
+                                        </m:r>
+                                        <m:r>
+                                          <a:rPr lang="en-US" altLang="ko-KR" sz="2000" i="1">
+                                            <a:latin typeface="Cambria Math" panose="02040503050406030204" pitchFamily="18" charset="0"/>
+                                          </a:rPr>
+                                          <m:t>=1</m:t>
+                                        </m:r>
+                                      </m:sub>
+                                      <m:sup>
+                                        <m:r>
+                                          <a:rPr lang="en-US" altLang="ko-KR" sz="2000" i="1">
+                                            <a:latin typeface="Cambria Math" panose="02040503050406030204" pitchFamily="18" charset="0"/>
+                                          </a:rPr>
+                                          <m:t>𝑐</m:t>
+                                        </m:r>
+                                      </m:sup>
+                                      <m:e>
+                                        <m:sSup>
+                                          <m:sSupPr>
+                                            <m:ctrlPr>
+                                              <a:rPr lang="en-US" altLang="ko-KR" sz="2000" i="1">
+                                                <a:latin typeface="Cambria Math" panose="02040503050406030204" pitchFamily="18" charset="0"/>
+                                              </a:rPr>
+                                            </m:ctrlPr>
+                                          </m:sSupPr>
+                                          <m:e>
+                                            <m:d>
+                                              <m:dPr>
+                                                <m:ctrlPr>
+                                                  <a:rPr lang="en-US" altLang="ko-KR" sz="2000" i="1">
+                                                    <a:latin typeface="Cambria Math" panose="02040503050406030204" pitchFamily="18" charset="0"/>
+                                                  </a:rPr>
+                                                </m:ctrlPr>
+                                              </m:dPr>
+                                              <m:e>
+                                                <m:sSub>
+                                                  <m:sSubPr>
+                                                    <m:ctrlPr>
+                                                      <a:rPr lang="ko-KR" altLang="en-US" sz="2000" i="1">
+                                                        <a:latin typeface="Cambria Math" panose="02040503050406030204" pitchFamily="18" charset="0"/>
+                                                      </a:rPr>
+                                                    </m:ctrlPr>
+                                                  </m:sSubPr>
+                                                  <m:e>
+                                                    <m:r>
+                                                      <a:rPr lang="en-US" altLang="ko-KR" sz="2000" i="1">
+                                                        <a:latin typeface="Cambria Math" panose="02040503050406030204" pitchFamily="18" charset="0"/>
+                                                      </a:rPr>
+                                                      <m:t>𝑥</m:t>
+                                                    </m:r>
+                                                  </m:e>
+                                                  <m:sub>
+                                                    <m:r>
+                                                      <a:rPr lang="en-US" altLang="ko-KR" sz="2000" i="1">
+                                                        <a:latin typeface="Cambria Math" panose="02040503050406030204" pitchFamily="18" charset="0"/>
+                                                      </a:rPr>
+                                                      <m:t>𝑖𝑗𝑘</m:t>
+                                                    </m:r>
+                                                  </m:sub>
+                                                </m:sSub>
+                                                <m:r>
+                                                  <a:rPr lang="en-US" altLang="ko-KR" sz="2000" i="1">
+                                                    <a:latin typeface="Cambria Math" panose="02040503050406030204" pitchFamily="18" charset="0"/>
+                                                  </a:rPr>
+                                                  <m:t>−</m:t>
+                                                </m:r>
+                                                <m:bar>
+                                                  <m:barPr>
+                                                    <m:pos m:val="top"/>
+                                                    <m:ctrlPr>
+                                                      <a:rPr lang="en-US" altLang="ko-KR" sz="2000" i="1">
+                                                        <a:latin typeface="Cambria Math" panose="02040503050406030204" pitchFamily="18" charset="0"/>
+                                                      </a:rPr>
+                                                    </m:ctrlPr>
+                                                  </m:barPr>
+                                                  <m:e>
+                                                    <m:sSub>
+                                                      <m:sSubPr>
+                                                        <m:ctrlPr>
+                                                          <a:rPr lang="ko-KR" altLang="en-US" sz="2000" i="1">
+                                                            <a:latin typeface="Cambria Math" panose="02040503050406030204" pitchFamily="18" charset="0"/>
+                                                          </a:rPr>
+                                                        </m:ctrlPr>
+                                                      </m:sSubPr>
+                                                      <m:e>
+                                                        <m:r>
+                                                          <a:rPr lang="en-US" altLang="ko-KR" sz="2000" i="1">
+                                                            <a:latin typeface="Cambria Math" panose="02040503050406030204" pitchFamily="18" charset="0"/>
+                                                          </a:rPr>
+                                                          <m:t>𝑥</m:t>
+                                                        </m:r>
+                                                      </m:e>
+                                                      <m:sub>
+                                                        <m:r>
+                                                          <a:rPr lang="en-US" altLang="ko-KR" sz="2000" i="1">
+                                                            <a:latin typeface="Cambria Math" panose="02040503050406030204" pitchFamily="18" charset="0"/>
+                                                          </a:rPr>
+                                                          <m:t>𝑖𝑗</m:t>
+                                                        </m:r>
+                                                      </m:sub>
+                                                    </m:sSub>
+                                                  </m:e>
+                                                </m:bar>
+                                              </m:e>
+                                            </m:d>
+                                          </m:e>
+                                          <m:sup>
+                                            <m:r>
+                                              <a:rPr lang="en-US" altLang="ko-KR" sz="2000" i="1">
+                                                <a:latin typeface="Cambria Math" panose="02040503050406030204" pitchFamily="18" charset="0"/>
+                                              </a:rPr>
+                                              <m:t>2</m:t>
+                                            </m:r>
+                                          </m:sup>
+                                        </m:sSup>
+                                      </m:e>
+                                    </m:nary>
+                                  </m:e>
+                                </m:nary>
+                              </m:e>
+                            </m:nary>
+                          </m:num>
+                          <m:den>
+                            <m:r>
+                              <a:rPr lang="en-US" altLang="ko-KR" sz="2000" i="1">
+                                <a:latin typeface="Cambria Math" panose="02040503050406030204" pitchFamily="18" charset="0"/>
+                              </a:rPr>
+                              <m:t>𝑎𝑏</m:t>
+                            </m:r>
+                            <m:r>
+                              <a:rPr lang="en-US" altLang="ko-KR" sz="2000" i="1">
+                                <a:latin typeface="Cambria Math" panose="02040503050406030204" pitchFamily="18" charset="0"/>
+                              </a:rPr>
+                              <m:t>(</m:t>
+                            </m:r>
+                            <m:r>
+                              <a:rPr lang="en-US" altLang="ko-KR" sz="2000" i="1">
+                                <a:latin typeface="Cambria Math" panose="02040503050406030204" pitchFamily="18" charset="0"/>
+                              </a:rPr>
+                              <m:t>𝑐</m:t>
+                            </m:r>
+                            <m:r>
+                              <a:rPr lang="en-US" altLang="ko-KR" sz="2000" i="1">
+                                <a:latin typeface="Cambria Math" panose="02040503050406030204" pitchFamily="18" charset="0"/>
+                              </a:rPr>
+                              <m:t>−1)</m:t>
+                            </m:r>
+                          </m:den>
+                        </m:f>
+                      </m:den>
+                    </m:f>
+                  </m:oMath>
+                </a14:m>
+                <a:r>
+                  <a:rPr lang="en-US" altLang="ko-KR" sz="2000" dirty="0">
+                    <a:latin typeface="Cambria Math" panose="02040503050406030204" pitchFamily="18" charset="0"/>
+                  </a:rPr>
+                  <a:t> ~ F(b-1),ab(c-1),</a:t>
+                </a:r>
+                <a14:m>
+                  <m:oMath xmlns:m="http://schemas.openxmlformats.org/officeDocument/2006/math">
+                    <m:r>
+                      <a:rPr lang="en-US" altLang="ko-KR" sz="2000" i="1">
+                        <a:latin typeface="Cambria Math" panose="02040503050406030204" pitchFamily="18" charset="0"/>
+                      </a:rPr>
+                      <m:t> </m:t>
+                    </m:r>
+                    <m:f>
+                      <m:fPr>
+                        <m:ctrlPr>
+                          <a:rPr lang="en-US" altLang="ko-KR" sz="2000" i="1">
+                            <a:latin typeface="Cambria Math" panose="02040503050406030204" pitchFamily="18" charset="0"/>
+                          </a:rPr>
+                        </m:ctrlPr>
+                      </m:fPr>
+                      <m:num>
+                        <m:r>
+                          <m:rPr>
+                            <m:sty m:val="p"/>
+                          </m:rPr>
+                          <a:rPr lang="en-US" altLang="ko-KR" sz="2000">
+                            <a:latin typeface="Cambria Math" panose="02040503050406030204" pitchFamily="18" charset="0"/>
+                          </a:rPr>
+                          <m:t>c</m:t>
+                        </m:r>
+                        <m:r>
+                          <a:rPr lang="en-US" altLang="ko-KR" sz="2000">
+                            <a:latin typeface="Cambria Math" panose="02040503050406030204" pitchFamily="18" charset="0"/>
+                          </a:rPr>
+                          <m:t>−</m:t>
+                        </m:r>
+                        <m:nary>
+                          <m:naryPr>
+                            <m:chr m:val="∑"/>
+                            <m:subHide m:val="on"/>
+                            <m:supHide m:val="on"/>
+                            <m:ctrlPr>
+                              <a:rPr lang="en-US" altLang="ko-KR" sz="2000" i="1">
+                                <a:latin typeface="Cambria Math" panose="02040503050406030204" pitchFamily="18" charset="0"/>
+                              </a:rPr>
+                            </m:ctrlPr>
+                          </m:naryPr>
+                          <m:sub/>
+                          <m:sup/>
+                          <m:e>
+                            <m:nary>
+                              <m:naryPr>
+                                <m:chr m:val="∑"/>
+                                <m:subHide m:val="on"/>
+                                <m:supHide m:val="on"/>
+                                <m:ctrlPr>
+                                  <a:rPr lang="en-US" altLang="ko-KR" sz="2000" i="1">
+                                    <a:latin typeface="Cambria Math" panose="02040503050406030204" pitchFamily="18" charset="0"/>
+                                  </a:rPr>
+                                </m:ctrlPr>
+                              </m:naryPr>
+                              <m:sub/>
+                              <m:sup/>
+                              <m:e>
+                                <m:sSup>
+                                  <m:sSupPr>
+                                    <m:ctrlPr>
+                                      <a:rPr lang="en-US" altLang="ko-KR" sz="2000" i="1">
+                                        <a:latin typeface="Cambria Math" panose="02040503050406030204" pitchFamily="18" charset="0"/>
+                                      </a:rPr>
+                                    </m:ctrlPr>
+                                  </m:sSupPr>
+                                  <m:e>
+                                    <m:sSub>
+                                      <m:sSubPr>
+                                        <m:ctrlPr>
+                                          <a:rPr lang="en-US" altLang="ko-KR" sz="2000" i="1">
+                                            <a:latin typeface="Cambria Math" panose="02040503050406030204" pitchFamily="18" charset="0"/>
+                                          </a:rPr>
+                                        </m:ctrlPr>
+                                      </m:sSubPr>
+                                      <m:e>
+                                        <m:r>
+                                          <a:rPr lang="ko-KR" altLang="en-US" sz="2000" i="1">
+                                            <a:latin typeface="Cambria Math" panose="02040503050406030204" pitchFamily="18" charset="0"/>
+                                          </a:rPr>
+                                          <m:t>𝛾</m:t>
+                                        </m:r>
+                                      </m:e>
+                                      <m:sub>
+                                        <m:r>
+                                          <a:rPr lang="en-US" altLang="ko-KR" sz="2000" i="1">
+                                            <a:latin typeface="Cambria Math" panose="02040503050406030204" pitchFamily="18" charset="0"/>
+                                          </a:rPr>
+                                          <m:t>𝑖𝑗</m:t>
+                                        </m:r>
+                                      </m:sub>
+                                    </m:sSub>
+                                  </m:e>
+                                  <m:sup>
+                                    <m:r>
+                                      <a:rPr lang="en-US" altLang="ko-KR" sz="2000" i="1">
+                                        <a:latin typeface="Cambria Math" panose="02040503050406030204" pitchFamily="18" charset="0"/>
+                                      </a:rPr>
+                                      <m:t>2</m:t>
+                                    </m:r>
+                                  </m:sup>
+                                </m:sSup>
+                              </m:e>
+                            </m:nary>
+                          </m:e>
+                        </m:nary>
+                      </m:num>
+                      <m:den>
+                        <m:sSup>
+                          <m:sSupPr>
+                            <m:ctrlPr>
+                              <a:rPr lang="en-US" altLang="ko-KR" sz="2000" i="1">
+                                <a:latin typeface="Cambria Math" panose="02040503050406030204" pitchFamily="18" charset="0"/>
+                              </a:rPr>
+                            </m:ctrlPr>
+                          </m:sSupPr>
+                          <m:e>
+                            <m:r>
+                              <a:rPr lang="ko-KR" altLang="en-US" sz="2000" i="1">
+                                <a:latin typeface="Cambria Math" panose="02040503050406030204" pitchFamily="18" charset="0"/>
+                              </a:rPr>
+                              <m:t>𝜎</m:t>
+                            </m:r>
+                          </m:e>
+                          <m:sup>
+                            <m:r>
+                              <a:rPr lang="en-US" altLang="ko-KR" sz="2000" i="1">
+                                <a:latin typeface="Cambria Math" panose="02040503050406030204" pitchFamily="18" charset="0"/>
+                              </a:rPr>
+                              <m:t>2</m:t>
+                            </m:r>
+                          </m:sup>
+                        </m:sSup>
+                      </m:den>
+                    </m:f>
+                  </m:oMath>
+                </a14:m>
+                <a:r>
+                  <a:rPr lang="en-US" altLang="ko-KR" sz="2000" dirty="0">
+                    <a:latin typeface="Cambria Math" panose="02040503050406030204" pitchFamily="18" charset="0"/>
+                  </a:rPr>
+                  <a:t>]  </a:t>
+                </a:r>
+                <a:r>
+                  <a:rPr lang="ko-KR" altLang="en-US" sz="2000" dirty="0">
+                    <a:latin typeface="Cambria Math" panose="02040503050406030204" pitchFamily="18" charset="0"/>
+                  </a:rPr>
+                  <a:t>으로 구한다</a:t>
+                </a:r>
+                <a:r>
+                  <a:rPr lang="en-US" altLang="ko-KR" sz="2000">
+                    <a:latin typeface="Cambria Math" panose="02040503050406030204" pitchFamily="18" charset="0"/>
+                  </a:rPr>
+                  <a:t>.</a:t>
+                </a:r>
+                <a:endParaRPr lang="en-US" altLang="ko-KR" sz="2000" dirty="0">
+                  <a:latin typeface="Cambria Math" panose="02040503050406030204" pitchFamily="18" charset="0"/>
+                </a:endParaRPr>
+              </a:p>
+            </p:txBody>
+          </p:sp>
+        </mc:Choice>
+        <mc:Fallback>
+          <p:sp>
+            <p:nvSpPr>
+              <p:cNvPr id="3" name="내용 개체 틀 2">
+                <a:extLst>
+                  <a:ext uri="{FF2B5EF4-FFF2-40B4-BE49-F238E27FC236}">
+                    <a16:creationId xmlns:a16="http://schemas.microsoft.com/office/drawing/2014/main" id="{CC593C31-AC9A-40BE-900A-F9483D746834}"/>
+                  </a:ext>
+                </a:extLst>
+              </p:cNvPr>
+              <p:cNvSpPr>
+                <a:spLocks noGrp="1" noRot="1" noChangeAspect="1" noMove="1" noResize="1" noEditPoints="1" noAdjustHandles="1" noChangeArrowheads="1" noChangeShapeType="1" noTextEdit="1"/>
+              </p:cNvSpPr>
+              <p:nvPr>
+                <p:ph idx="1"/>
+              </p:nvPr>
+            </p:nvSpPr>
+            <p:spPr>
+              <a:blipFill>
+                <a:blip r:embed="rId2"/>
+                <a:stretch>
+                  <a:fillRect l="-638" t="-1401"/>
+                </a:stretch>
+              </a:blipFill>
+            </p:spPr>
+            <p:txBody>
+              <a:bodyPr/>
+              <a:lstStyle/>
+              <a:p>
+                <a:r>
+                  <a:rPr lang="ko-KR" altLang="en-US">
+                    <a:noFill/>
+                  </a:rPr>
+                  <a:t> </a:t>
+                </a:r>
+              </a:p>
+            </p:txBody>
+          </p:sp>
+        </mc:Fallback>
+      </mc:AlternateContent>
+    </p:spTree>
+    <p:extLst>
+      <p:ext uri="{BB962C8B-B14F-4D97-AF65-F5344CB8AC3E}">
+        <p14:creationId xmlns:p14="http://schemas.microsoft.com/office/powerpoint/2010/main" val="3687342525"/>
       </p:ext>
     </p:extLst>
   </p:cSld>
